--- a/courses/popl/slides/lec15-imperative-objects.pptx
+++ b/courses/popl/slides/lec15-imperative-objects.pptx
@@ -5,7 +5,7 @@
     <p:sldMasterId id="2147483649" r:id="rId1"/>
   </p:sldMasterIdLst>
   <p:handoutMasterIdLst>
-    <p:handoutMasterId r:id="rId10"/>
+    <p:handoutMasterId r:id="rId32"/>
   </p:handoutMasterIdLst>
   <p:sldIdLst>
     <p:sldId id="256" r:id="rId2"/>
@@ -15,7 +15,29 @@
     <p:sldId id="413" r:id="rId6"/>
     <p:sldId id="414" r:id="rId7"/>
     <p:sldId id="415" r:id="rId8"/>
-    <p:sldId id="372" r:id="rId9"/>
+    <p:sldId id="416" r:id="rId9"/>
+    <p:sldId id="417" r:id="rId10"/>
+    <p:sldId id="418" r:id="rId11"/>
+    <p:sldId id="419" r:id="rId12"/>
+    <p:sldId id="420" r:id="rId13"/>
+    <p:sldId id="421" r:id="rId14"/>
+    <p:sldId id="422" r:id="rId15"/>
+    <p:sldId id="423" r:id="rId16"/>
+    <p:sldId id="424" r:id="rId17"/>
+    <p:sldId id="372" r:id="rId18"/>
+    <p:sldId id="426" r:id="rId19"/>
+    <p:sldId id="427" r:id="rId20"/>
+    <p:sldId id="428" r:id="rId21"/>
+    <p:sldId id="429" r:id="rId22"/>
+    <p:sldId id="430" r:id="rId23"/>
+    <p:sldId id="431" r:id="rId24"/>
+    <p:sldId id="433" r:id="rId25"/>
+    <p:sldId id="432" r:id="rId26"/>
+    <p:sldId id="434" r:id="rId27"/>
+    <p:sldId id="435" r:id="rId28"/>
+    <p:sldId id="436" r:id="rId29"/>
+    <p:sldId id="437" r:id="rId30"/>
+    <p:sldId id="425" r:id="rId31"/>
   </p:sldIdLst>
   <p:sldSz cx="9144000" cy="6858000" type="screen4x3"/>
   <p:notesSz cx="7099300" cy="10234613"/>
@@ -5151,6 +5173,4182 @@
 </p:sld>
 </file>
 
+<file path=ppt/slides/slide10.xml><?xml version="1.0" encoding="utf-8"?>
+<p:sld xmlns:a="http://schemas.openxmlformats.org/drawingml/2006/main" xmlns:r="http://schemas.openxmlformats.org/officeDocument/2006/relationships" xmlns:p="http://schemas.openxmlformats.org/presentationml/2006/main">
+  <p:cSld>
+    <p:spTree>
+      <p:nvGrpSpPr>
+        <p:cNvPr id="1" name=""/>
+        <p:cNvGrpSpPr/>
+        <p:nvPr/>
+      </p:nvGrpSpPr>
+      <p:grpSpPr>
+        <a:xfrm>
+          <a:off x="0" y="0"/>
+          <a:ext cx="0" cy="0"/>
+          <a:chOff x="0" y="0"/>
+          <a:chExt cx="0" cy="0"/>
+        </a:xfrm>
+      </p:grpSpPr>
+      <p:sp>
+        <p:nvSpPr>
+          <p:cNvPr id="2" name="标题 1">
+            <a:extLst>
+              <a:ext uri="{FF2B5EF4-FFF2-40B4-BE49-F238E27FC236}">
+                <a16:creationId xmlns:a16="http://schemas.microsoft.com/office/drawing/2014/main" id="{0A75F11F-C78A-904E-AB8C-72A70AF2A0A3}"/>
+              </a:ext>
+            </a:extLst>
+          </p:cNvPr>
+          <p:cNvSpPr>
+            <a:spLocks noGrp="1"/>
+          </p:cNvSpPr>
+          <p:nvPr>
+            <p:ph type="title"/>
+          </p:nvPr>
+        </p:nvSpPr>
+        <p:spPr/>
+        <p:txBody>
+          <a:bodyPr/>
+          <a:lstStyle/>
+          <a:p>
+            <a:r>
+              <a:rPr kumimoji="1" lang="en-US" altLang="zh-CN" dirty="0"/>
+              <a:t>Subtyping</a:t>
+            </a:r>
+          </a:p>
+        </p:txBody>
+      </p:sp>
+      <p:sp>
+        <p:nvSpPr>
+          <p:cNvPr id="3" name="内容占位符 2">
+            <a:extLst>
+              <a:ext uri="{FF2B5EF4-FFF2-40B4-BE49-F238E27FC236}">
+                <a16:creationId xmlns:a16="http://schemas.microsoft.com/office/drawing/2014/main" id="{89440B6A-6E75-1444-8401-F897E1580908}"/>
+              </a:ext>
+            </a:extLst>
+          </p:cNvPr>
+          <p:cNvSpPr>
+            <a:spLocks noGrp="1"/>
+          </p:cNvSpPr>
+          <p:nvPr>
+            <p:ph idx="1"/>
+          </p:nvPr>
+        </p:nvSpPr>
+        <p:spPr/>
+        <p:txBody>
+          <a:bodyPr/>
+          <a:lstStyle/>
+          <a:p>
+            <a:r>
+              <a:rPr kumimoji="1" lang="en-US" altLang="zh-CN" dirty="0"/>
+              <a:t>An</a:t>
+            </a:r>
+            <a:r>
+              <a:rPr kumimoji="1" lang="zh-CN" altLang="en-US" dirty="0"/>
+              <a:t> </a:t>
+            </a:r>
+            <a:r>
+              <a:rPr kumimoji="1" lang="en-US" altLang="zh-CN" dirty="0"/>
+              <a:t>interfaces</a:t>
+            </a:r>
+            <a:r>
+              <a:rPr kumimoji="1" lang="zh-CN" altLang="en-US" dirty="0"/>
+              <a:t> </a:t>
+            </a:r>
+            <a:r>
+              <a:rPr kumimoji="1" lang="en-US" altLang="zh-CN" dirty="0"/>
+              <a:t>with</a:t>
+            </a:r>
+            <a:r>
+              <a:rPr kumimoji="1" lang="zh-CN" altLang="en-US" dirty="0"/>
+              <a:t> </a:t>
+            </a:r>
+            <a:r>
+              <a:rPr kumimoji="1" lang="en-US" altLang="zh-CN" dirty="0"/>
+              <a:t>more</a:t>
+            </a:r>
+            <a:r>
+              <a:rPr kumimoji="1" lang="zh-CN" altLang="en-US" dirty="0"/>
+              <a:t> </a:t>
+            </a:r>
+            <a:r>
+              <a:rPr kumimoji="1" lang="en-US" altLang="zh-CN" dirty="0"/>
+              <a:t>methods</a:t>
+            </a:r>
+            <a:r>
+              <a:rPr kumimoji="1" lang="zh-CN" altLang="en-US" dirty="0"/>
+              <a:t> </a:t>
+            </a:r>
+            <a:r>
+              <a:rPr kumimoji="1" lang="en-US" altLang="zh-CN" dirty="0"/>
+              <a:t>are</a:t>
+            </a:r>
+            <a:r>
+              <a:rPr kumimoji="1" lang="zh-CN" altLang="en-US" dirty="0"/>
+              <a:t> </a:t>
+            </a:r>
+            <a:r>
+              <a:rPr kumimoji="1" lang="en-US" altLang="zh-CN" dirty="0"/>
+              <a:t>subtypes</a:t>
+            </a:r>
+            <a:r>
+              <a:rPr kumimoji="1" lang="zh-CN" altLang="en-US" dirty="0"/>
+              <a:t> </a:t>
+            </a:r>
+            <a:r>
+              <a:rPr kumimoji="1" lang="en-US" altLang="zh-CN" dirty="0"/>
+              <a:t>of</a:t>
+            </a:r>
+            <a:r>
+              <a:rPr kumimoji="1" lang="zh-CN" altLang="en-US" dirty="0"/>
+              <a:t> </a:t>
+            </a:r>
+            <a:r>
+              <a:rPr kumimoji="1" lang="en-US" altLang="zh-CN" dirty="0"/>
+              <a:t>those</a:t>
+            </a:r>
+            <a:r>
+              <a:rPr kumimoji="1" lang="zh-CN" altLang="en-US" dirty="0"/>
+              <a:t> </a:t>
+            </a:r>
+            <a:r>
+              <a:rPr kumimoji="1" lang="en-US" altLang="zh-CN" dirty="0"/>
+              <a:t>with</a:t>
+            </a:r>
+            <a:r>
+              <a:rPr kumimoji="1" lang="zh-CN" altLang="en-US" dirty="0"/>
+              <a:t> </a:t>
+            </a:r>
+            <a:r>
+              <a:rPr kumimoji="1" lang="en-US" altLang="zh-CN" dirty="0"/>
+              <a:t>fewer</a:t>
+            </a:r>
+            <a:r>
+              <a:rPr kumimoji="1" lang="zh-CN" altLang="en-US" dirty="0"/>
+              <a:t> </a:t>
+            </a:r>
+            <a:r>
+              <a:rPr kumimoji="1" lang="en-US" altLang="zh-CN" dirty="0"/>
+              <a:t>methods</a:t>
+            </a:r>
+          </a:p>
+          <a:p>
+            <a:r>
+              <a:rPr kumimoji="1" lang="en-US" altLang="zh-CN" dirty="0"/>
+              <a:t>It’s</a:t>
+            </a:r>
+            <a:r>
+              <a:rPr kumimoji="1" lang="zh-CN" altLang="en-US" dirty="0"/>
+              <a:t> </a:t>
+            </a:r>
+            <a:r>
+              <a:rPr kumimoji="1" lang="en-US" altLang="zh-CN" dirty="0"/>
+              <a:t>always</a:t>
+            </a:r>
+            <a:r>
+              <a:rPr kumimoji="1" lang="zh-CN" altLang="en-US" dirty="0"/>
+              <a:t> </a:t>
+            </a:r>
+            <a:r>
+              <a:rPr kumimoji="1" lang="en-US" altLang="zh-CN" dirty="0"/>
+              <a:t>safe</a:t>
+            </a:r>
+            <a:r>
+              <a:rPr kumimoji="1" lang="zh-CN" altLang="en-US" dirty="0"/>
+              <a:t> </a:t>
+            </a:r>
+            <a:r>
+              <a:rPr kumimoji="1" lang="en-US" altLang="zh-CN" dirty="0"/>
+              <a:t>to</a:t>
+            </a:r>
+            <a:r>
+              <a:rPr kumimoji="1" lang="zh-CN" altLang="en-US" dirty="0"/>
+              <a:t> </a:t>
+            </a:r>
+            <a:r>
+              <a:rPr kumimoji="1" lang="en-US" altLang="zh-CN" dirty="0"/>
+              <a:t>offer</a:t>
+            </a:r>
+            <a:r>
+              <a:rPr kumimoji="1" lang="zh-CN" altLang="en-US" dirty="0"/>
+              <a:t> </a:t>
+            </a:r>
+            <a:r>
+              <a:rPr kumimoji="1" lang="en-US" altLang="zh-CN" dirty="0"/>
+              <a:t>a</a:t>
+            </a:r>
+            <a:r>
+              <a:rPr kumimoji="1" lang="zh-CN" altLang="en-US" dirty="0"/>
+              <a:t> </a:t>
+            </a:r>
+            <a:r>
+              <a:rPr kumimoji="1" lang="en-US" altLang="zh-CN" dirty="0"/>
+              <a:t>subtype,</a:t>
+            </a:r>
+            <a:r>
+              <a:rPr kumimoji="1" lang="zh-CN" altLang="en-US" dirty="0"/>
+              <a:t> </a:t>
+            </a:r>
+            <a:r>
+              <a:rPr kumimoji="1" lang="en-US" altLang="zh-CN" dirty="0"/>
+              <a:t>when</a:t>
+            </a:r>
+            <a:r>
+              <a:rPr kumimoji="1" lang="zh-CN" altLang="en-US" dirty="0"/>
+              <a:t> </a:t>
+            </a:r>
+            <a:r>
+              <a:rPr kumimoji="1" lang="en-US" altLang="zh-CN" dirty="0"/>
+              <a:t>a</a:t>
+            </a:r>
+            <a:r>
+              <a:rPr kumimoji="1" lang="zh-CN" altLang="en-US" dirty="0"/>
+              <a:t> </a:t>
+            </a:r>
+            <a:r>
+              <a:rPr kumimoji="1" lang="en-US" altLang="zh-CN" dirty="0"/>
+              <a:t>supertype</a:t>
+            </a:r>
+            <a:r>
+              <a:rPr kumimoji="1" lang="zh-CN" altLang="en-US" dirty="0"/>
+              <a:t> </a:t>
+            </a:r>
+            <a:r>
+              <a:rPr kumimoji="1" lang="en-US" altLang="zh-CN" dirty="0"/>
+              <a:t>is</a:t>
+            </a:r>
+            <a:r>
+              <a:rPr kumimoji="1" lang="zh-CN" altLang="en-US" dirty="0"/>
+              <a:t> </a:t>
+            </a:r>
+            <a:r>
+              <a:rPr kumimoji="1" lang="en-US" altLang="zh-CN" dirty="0"/>
+              <a:t>required</a:t>
+            </a:r>
+          </a:p>
+          <a:p>
+            <a:r>
+              <a:rPr kumimoji="1" lang="en-US" altLang="zh-CN" dirty="0"/>
+              <a:t>Just</a:t>
+            </a:r>
+            <a:r>
+              <a:rPr kumimoji="1" lang="zh-CN" altLang="en-US" dirty="0"/>
+              <a:t> </a:t>
+            </a:r>
+            <a:r>
+              <a:rPr kumimoji="1" lang="en-US" altLang="zh-CN" dirty="0"/>
+              <a:t>like</a:t>
+            </a:r>
+            <a:r>
+              <a:rPr kumimoji="1" lang="zh-CN" altLang="en-US" dirty="0"/>
+              <a:t> </a:t>
+            </a:r>
+            <a:r>
+              <a:rPr kumimoji="1" lang="en-US" altLang="zh-CN" dirty="0"/>
+              <a:t>the</a:t>
+            </a:r>
+            <a:r>
+              <a:rPr kumimoji="1" lang="zh-CN" altLang="en-US" dirty="0"/>
+              <a:t> </a:t>
+            </a:r>
+            <a:r>
+              <a:rPr kumimoji="1" lang="en-US" altLang="zh-CN" dirty="0"/>
+              <a:t>record</a:t>
+            </a:r>
+            <a:r>
+              <a:rPr kumimoji="1" lang="zh-CN" altLang="en-US" dirty="0"/>
+              <a:t> </a:t>
+            </a:r>
+            <a:r>
+              <a:rPr kumimoji="1" lang="en-US" altLang="zh-CN" dirty="0"/>
+              <a:t>type</a:t>
+            </a:r>
+            <a:r>
+              <a:rPr kumimoji="1" lang="zh-CN" altLang="en-US" dirty="0"/>
+              <a:t> </a:t>
+            </a:r>
+            <a:r>
+              <a:rPr kumimoji="1" lang="en-US" altLang="zh-CN" dirty="0"/>
+              <a:t>as</a:t>
+            </a:r>
+            <a:r>
+              <a:rPr kumimoji="1" lang="zh-CN" altLang="en-US" dirty="0"/>
+              <a:t> </a:t>
+            </a:r>
+            <a:r>
+              <a:rPr kumimoji="1" lang="en-US" altLang="zh-CN" dirty="0"/>
+              <a:t>we’ve</a:t>
+            </a:r>
+            <a:r>
+              <a:rPr kumimoji="1" lang="zh-CN" altLang="en-US" dirty="0"/>
+              <a:t> </a:t>
+            </a:r>
+            <a:r>
+              <a:rPr kumimoji="1" lang="en-US" altLang="zh-CN" dirty="0"/>
+              <a:t>discussed</a:t>
+            </a:r>
+          </a:p>
+        </p:txBody>
+      </p:sp>
+    </p:spTree>
+    <p:extLst>
+      <p:ext uri="{BB962C8B-B14F-4D97-AF65-F5344CB8AC3E}">
+        <p14:creationId xmlns:p14="http://schemas.microsoft.com/office/powerpoint/2010/main" val="3377847409"/>
+      </p:ext>
+    </p:extLst>
+  </p:cSld>
+  <p:clrMapOvr>
+    <a:masterClrMapping/>
+  </p:clrMapOvr>
+</p:sld>
+</file>
+
+<file path=ppt/slides/slide11.xml><?xml version="1.0" encoding="utf-8"?>
+<p:sld xmlns:a="http://schemas.openxmlformats.org/drawingml/2006/main" xmlns:r="http://schemas.openxmlformats.org/officeDocument/2006/relationships" xmlns:p="http://schemas.openxmlformats.org/presentationml/2006/main">
+  <p:cSld>
+    <p:spTree>
+      <p:nvGrpSpPr>
+        <p:cNvPr id="1" name=""/>
+        <p:cNvGrpSpPr/>
+        <p:nvPr/>
+      </p:nvGrpSpPr>
+      <p:grpSpPr>
+        <a:xfrm>
+          <a:off x="0" y="0"/>
+          <a:ext cx="0" cy="0"/>
+          <a:chOff x="0" y="0"/>
+          <a:chExt cx="0" cy="0"/>
+        </a:xfrm>
+      </p:grpSpPr>
+      <p:sp>
+        <p:nvSpPr>
+          <p:cNvPr id="2" name="标题 1">
+            <a:extLst>
+              <a:ext uri="{FF2B5EF4-FFF2-40B4-BE49-F238E27FC236}">
+                <a16:creationId xmlns:a16="http://schemas.microsoft.com/office/drawing/2014/main" id="{0A75F11F-C78A-904E-AB8C-72A70AF2A0A3}"/>
+              </a:ext>
+            </a:extLst>
+          </p:cNvPr>
+          <p:cNvSpPr>
+            <a:spLocks noGrp="1"/>
+          </p:cNvSpPr>
+          <p:nvPr>
+            <p:ph type="title"/>
+          </p:nvPr>
+        </p:nvSpPr>
+        <p:spPr/>
+        <p:txBody>
+          <a:bodyPr/>
+          <a:lstStyle/>
+          <a:p>
+            <a:r>
+              <a:rPr kumimoji="1" lang="en-US" altLang="zh-CN" dirty="0"/>
+              <a:t>Subtyping</a:t>
+            </a:r>
+          </a:p>
+        </p:txBody>
+      </p:sp>
+      <p:sp>
+        <p:nvSpPr>
+          <p:cNvPr id="3" name="内容占位符 2">
+            <a:extLst>
+              <a:ext uri="{FF2B5EF4-FFF2-40B4-BE49-F238E27FC236}">
+                <a16:creationId xmlns:a16="http://schemas.microsoft.com/office/drawing/2014/main" id="{89440B6A-6E75-1444-8401-F897E1580908}"/>
+              </a:ext>
+            </a:extLst>
+          </p:cNvPr>
+          <p:cNvSpPr>
+            <a:spLocks noGrp="1"/>
+          </p:cNvSpPr>
+          <p:nvPr>
+            <p:ph idx="1"/>
+          </p:nvPr>
+        </p:nvSpPr>
+        <p:spPr>
+          <a:xfrm>
+            <a:off x="152400" y="2133600"/>
+            <a:ext cx="4419600" cy="4114800"/>
+          </a:xfrm>
+        </p:spPr>
+        <p:txBody>
+          <a:bodyPr/>
+          <a:lstStyle/>
+          <a:p>
+            <a:pPr marL="0" indent="0">
+              <a:buNone/>
+            </a:pPr>
+            <a:r>
+              <a:rPr kumimoji="1" lang="en-US" altLang="zh-CN" sz="2000" b="1" dirty="0">
+                <a:solidFill>
+                  <a:srgbClr val="0432FF"/>
+                </a:solidFill>
+                <a:latin typeface="Courier New" panose="02070309020205020404" pitchFamily="49" charset="0"/>
+                <a:cs typeface="Courier New" panose="02070309020205020404" pitchFamily="49" charset="0"/>
+              </a:rPr>
+              <a:t>interface</a:t>
+            </a:r>
+            <a:r>
+              <a:rPr kumimoji="1" lang="zh-CN" altLang="en-US" sz="2000" b="1" dirty="0">
+                <a:solidFill>
+                  <a:srgbClr val="0432FF"/>
+                </a:solidFill>
+                <a:latin typeface="Courier New" panose="02070309020205020404" pitchFamily="49" charset="0"/>
+                <a:cs typeface="Courier New" panose="02070309020205020404" pitchFamily="49" charset="0"/>
+              </a:rPr>
+              <a:t> </a:t>
+            </a:r>
+            <a:r>
+              <a:rPr kumimoji="1" lang="en-US" altLang="zh-CN" sz="2000" b="1" dirty="0">
+                <a:solidFill>
+                  <a:srgbClr val="0432FF"/>
+                </a:solidFill>
+                <a:latin typeface="Courier New" panose="02070309020205020404" pitchFamily="49" charset="0"/>
+                <a:cs typeface="Courier New" panose="02070309020205020404" pitchFamily="49" charset="0"/>
+              </a:rPr>
+              <a:t>I{</a:t>
+            </a:r>
+          </a:p>
+          <a:p>
+            <a:pPr marL="0" indent="0">
+              <a:buNone/>
+            </a:pPr>
+            <a:r>
+              <a:rPr kumimoji="1" lang="zh-CN" altLang="en-US" sz="2000" b="1" dirty="0">
+                <a:solidFill>
+                  <a:srgbClr val="0432FF"/>
+                </a:solidFill>
+                <a:latin typeface="Courier New" panose="02070309020205020404" pitchFamily="49" charset="0"/>
+                <a:cs typeface="Courier New" panose="02070309020205020404" pitchFamily="49" charset="0"/>
+              </a:rPr>
+              <a:t>  </a:t>
+            </a:r>
+            <a:r>
+              <a:rPr kumimoji="1" lang="en-US" altLang="zh-CN" sz="2000" b="1" dirty="0">
+                <a:solidFill>
+                  <a:srgbClr val="0432FF"/>
+                </a:solidFill>
+                <a:latin typeface="Courier New" panose="02070309020205020404" pitchFamily="49" charset="0"/>
+                <a:cs typeface="Courier New" panose="02070309020205020404" pitchFamily="49" charset="0"/>
+              </a:rPr>
+              <a:t>void</a:t>
+            </a:r>
+            <a:r>
+              <a:rPr kumimoji="1" lang="zh-CN" altLang="en-US" sz="2000" b="1" dirty="0">
+                <a:solidFill>
+                  <a:srgbClr val="0432FF"/>
+                </a:solidFill>
+                <a:latin typeface="Courier New" panose="02070309020205020404" pitchFamily="49" charset="0"/>
+                <a:cs typeface="Courier New" panose="02070309020205020404" pitchFamily="49" charset="0"/>
+              </a:rPr>
+              <a:t> </a:t>
+            </a:r>
+            <a:r>
+              <a:rPr kumimoji="1" lang="en-US" altLang="zh-CN" sz="2000" b="1" dirty="0">
+                <a:solidFill>
+                  <a:srgbClr val="0432FF"/>
+                </a:solidFill>
+                <a:latin typeface="Courier New" panose="02070309020205020404" pitchFamily="49" charset="0"/>
+                <a:cs typeface="Courier New" panose="02070309020205020404" pitchFamily="49" charset="0"/>
+              </a:rPr>
+              <a:t>foo();</a:t>
+            </a:r>
+          </a:p>
+          <a:p>
+            <a:pPr marL="0" indent="0">
+              <a:buNone/>
+            </a:pPr>
+            <a:r>
+              <a:rPr kumimoji="1" lang="en-US" altLang="zh-CN" sz="2000" b="1" dirty="0">
+                <a:solidFill>
+                  <a:srgbClr val="0432FF"/>
+                </a:solidFill>
+                <a:latin typeface="Courier New" panose="02070309020205020404" pitchFamily="49" charset="0"/>
+                <a:cs typeface="Courier New" panose="02070309020205020404" pitchFamily="49" charset="0"/>
+              </a:rPr>
+              <a:t>}</a:t>
+            </a:r>
+          </a:p>
+          <a:p>
+            <a:pPr marL="0" indent="0">
+              <a:buNone/>
+            </a:pPr>
+            <a:endParaRPr kumimoji="1" lang="en-US" altLang="zh-CN" sz="2000" b="1" dirty="0">
+              <a:solidFill>
+                <a:srgbClr val="0432FF"/>
+              </a:solidFill>
+              <a:latin typeface="Courier New" panose="02070309020205020404" pitchFamily="49" charset="0"/>
+              <a:cs typeface="Courier New" panose="02070309020205020404" pitchFamily="49" charset="0"/>
+            </a:endParaRPr>
+          </a:p>
+          <a:p>
+            <a:pPr marL="0" indent="0">
+              <a:buNone/>
+            </a:pPr>
+            <a:r>
+              <a:rPr kumimoji="1" lang="en-US" altLang="zh-CN" sz="2000" b="1" dirty="0">
+                <a:solidFill>
+                  <a:srgbClr val="0432FF"/>
+                </a:solidFill>
+                <a:latin typeface="Courier New" panose="02070309020205020404" pitchFamily="49" charset="0"/>
+                <a:cs typeface="Courier New" panose="02070309020205020404" pitchFamily="49" charset="0"/>
+              </a:rPr>
+              <a:t>interface</a:t>
+            </a:r>
+            <a:r>
+              <a:rPr kumimoji="1" lang="zh-CN" altLang="en-US" sz="2000" b="1" dirty="0">
+                <a:solidFill>
+                  <a:srgbClr val="0432FF"/>
+                </a:solidFill>
+                <a:latin typeface="Courier New" panose="02070309020205020404" pitchFamily="49" charset="0"/>
+                <a:cs typeface="Courier New" panose="02070309020205020404" pitchFamily="49" charset="0"/>
+              </a:rPr>
+              <a:t> </a:t>
+            </a:r>
+            <a:r>
+              <a:rPr kumimoji="1" lang="en-US" altLang="zh-CN" sz="2000" b="1" dirty="0">
+                <a:solidFill>
+                  <a:srgbClr val="0432FF"/>
+                </a:solidFill>
+                <a:latin typeface="Courier New" panose="02070309020205020404" pitchFamily="49" charset="0"/>
+                <a:cs typeface="Courier New" panose="02070309020205020404" pitchFamily="49" charset="0"/>
+              </a:rPr>
+              <a:t>J</a:t>
+            </a:r>
+            <a:r>
+              <a:rPr kumimoji="1" lang="zh-CN" altLang="en-US" sz="2000" b="1" dirty="0">
+                <a:solidFill>
+                  <a:srgbClr val="0432FF"/>
+                </a:solidFill>
+                <a:latin typeface="Courier New" panose="02070309020205020404" pitchFamily="49" charset="0"/>
+                <a:cs typeface="Courier New" panose="02070309020205020404" pitchFamily="49" charset="0"/>
+              </a:rPr>
+              <a:t> </a:t>
+            </a:r>
+            <a:r>
+              <a:rPr kumimoji="1" lang="en-US" altLang="zh-CN" sz="2000" b="1" dirty="0">
+                <a:solidFill>
+                  <a:srgbClr val="0432FF"/>
+                </a:solidFill>
+                <a:latin typeface="Courier New" panose="02070309020205020404" pitchFamily="49" charset="0"/>
+                <a:cs typeface="Courier New" panose="02070309020205020404" pitchFamily="49" charset="0"/>
+              </a:rPr>
+              <a:t>extends</a:t>
+            </a:r>
+            <a:r>
+              <a:rPr kumimoji="1" lang="zh-CN" altLang="en-US" sz="2000" b="1" dirty="0">
+                <a:solidFill>
+                  <a:srgbClr val="0432FF"/>
+                </a:solidFill>
+                <a:latin typeface="Courier New" panose="02070309020205020404" pitchFamily="49" charset="0"/>
+                <a:cs typeface="Courier New" panose="02070309020205020404" pitchFamily="49" charset="0"/>
+              </a:rPr>
+              <a:t> </a:t>
+            </a:r>
+            <a:r>
+              <a:rPr kumimoji="1" lang="en-US" altLang="zh-CN" sz="2000" b="1" dirty="0">
+                <a:solidFill>
+                  <a:srgbClr val="0432FF"/>
+                </a:solidFill>
+                <a:latin typeface="Courier New" panose="02070309020205020404" pitchFamily="49" charset="0"/>
+                <a:cs typeface="Courier New" panose="02070309020205020404" pitchFamily="49" charset="0"/>
+              </a:rPr>
+              <a:t>I{</a:t>
+            </a:r>
+          </a:p>
+          <a:p>
+            <a:pPr marL="0" indent="0">
+              <a:buNone/>
+            </a:pPr>
+            <a:r>
+              <a:rPr kumimoji="1" lang="zh-CN" altLang="en-US" sz="2000" b="1" dirty="0">
+                <a:solidFill>
+                  <a:srgbClr val="0432FF"/>
+                </a:solidFill>
+                <a:latin typeface="Courier New" panose="02070309020205020404" pitchFamily="49" charset="0"/>
+                <a:cs typeface="Courier New" panose="02070309020205020404" pitchFamily="49" charset="0"/>
+              </a:rPr>
+              <a:t>  </a:t>
+            </a:r>
+            <a:r>
+              <a:rPr kumimoji="1" lang="en-US" altLang="zh-CN" sz="2000" b="1" dirty="0">
+                <a:solidFill>
+                  <a:srgbClr val="0432FF"/>
+                </a:solidFill>
+                <a:latin typeface="Courier New" panose="02070309020205020404" pitchFamily="49" charset="0"/>
+                <a:cs typeface="Courier New" panose="02070309020205020404" pitchFamily="49" charset="0"/>
+              </a:rPr>
+              <a:t>void</a:t>
+            </a:r>
+            <a:r>
+              <a:rPr kumimoji="1" lang="zh-CN" altLang="en-US" sz="2000" b="1" dirty="0">
+                <a:solidFill>
+                  <a:srgbClr val="0432FF"/>
+                </a:solidFill>
+                <a:latin typeface="Courier New" panose="02070309020205020404" pitchFamily="49" charset="0"/>
+                <a:cs typeface="Courier New" panose="02070309020205020404" pitchFamily="49" charset="0"/>
+              </a:rPr>
+              <a:t> </a:t>
+            </a:r>
+            <a:r>
+              <a:rPr kumimoji="1" lang="en-US" altLang="zh-CN" sz="2000" b="1" dirty="0">
+                <a:solidFill>
+                  <a:srgbClr val="0432FF"/>
+                </a:solidFill>
+                <a:latin typeface="Courier New" panose="02070309020205020404" pitchFamily="49" charset="0"/>
+                <a:cs typeface="Courier New" panose="02070309020205020404" pitchFamily="49" charset="0"/>
+              </a:rPr>
+              <a:t>bar();</a:t>
+            </a:r>
+          </a:p>
+          <a:p>
+            <a:pPr marL="0" indent="0">
+              <a:buNone/>
+            </a:pPr>
+            <a:r>
+              <a:rPr kumimoji="1" lang="en-US" altLang="zh-CN" sz="2000" b="1" dirty="0">
+                <a:solidFill>
+                  <a:srgbClr val="0432FF"/>
+                </a:solidFill>
+                <a:latin typeface="Courier New" panose="02070309020205020404" pitchFamily="49" charset="0"/>
+                <a:cs typeface="Courier New" panose="02070309020205020404" pitchFamily="49" charset="0"/>
+              </a:rPr>
+              <a:t>}</a:t>
+            </a:r>
+          </a:p>
+        </p:txBody>
+      </p:sp>
+      <p:sp>
+        <p:nvSpPr>
+          <p:cNvPr id="4" name="内容占位符 2">
+            <a:extLst>
+              <a:ext uri="{FF2B5EF4-FFF2-40B4-BE49-F238E27FC236}">
+                <a16:creationId xmlns:a16="http://schemas.microsoft.com/office/drawing/2014/main" id="{BE6934A1-B76D-2E46-8025-F83D641E84F9}"/>
+              </a:ext>
+            </a:extLst>
+          </p:cNvPr>
+          <p:cNvSpPr txBox="1">
+            <a:spLocks/>
+          </p:cNvSpPr>
+          <p:nvPr/>
+        </p:nvSpPr>
+        <p:spPr bwMode="auto">
+          <a:xfrm>
+            <a:off x="5054763" y="2139863"/>
+            <a:ext cx="3810000" cy="4114800"/>
+          </a:xfrm>
+          <a:prstGeom prst="rect">
+            <a:avLst/>
+          </a:prstGeom>
+          <a:noFill/>
+          <a:ln>
+            <a:noFill/>
+          </a:ln>
+          <a:effectLst/>
+          <a:extLst>
+            <a:ext uri="{909E8E84-426E-40DD-AFC4-6F175D3DCCD1}">
+              <a14:hiddenFill xmlns:a14="http://schemas.microsoft.com/office/drawing/2010/main">
+                <a:solidFill>
+                  <a:schemeClr val="accent1"/>
+                </a:solidFill>
+              </a14:hiddenFill>
+            </a:ext>
+            <a:ext uri="{91240B29-F687-4F45-9708-019B960494DF}">
+              <a14:hiddenLine xmlns:a14="http://schemas.microsoft.com/office/drawing/2010/main" w="9525">
+                <a:solidFill>
+                  <a:schemeClr val="tx1"/>
+                </a:solidFill>
+                <a:miter lim="800000"/>
+                <a:headEnd/>
+                <a:tailEnd/>
+              </a14:hiddenLine>
+            </a:ext>
+            <a:ext uri="{AF507438-7753-43E0-B8FC-AC1667EBCBE1}">
+              <a14:hiddenEffects xmlns:a14="http://schemas.microsoft.com/office/drawing/2010/main">
+                <a:effectLst>
+                  <a:outerShdw dist="35921" dir="2700000" algn="ctr" rotWithShape="0">
+                    <a:schemeClr val="bg2"/>
+                  </a:outerShdw>
+                </a:effectLst>
+              </a14:hiddenEffects>
+            </a:ext>
+          </a:extLst>
+        </p:spPr>
+        <p:txBody>
+          <a:bodyPr vert="horz" wrap="square" lIns="91440" tIns="45720" rIns="91440" bIns="45720" numCol="1" anchor="t" anchorCtr="0" compatLnSpc="1">
+            <a:prstTxWarp prst="textNoShape">
+              <a:avLst/>
+            </a:prstTxWarp>
+          </a:bodyPr>
+          <a:lstStyle>
+            <a:lvl1pPr marL="342900" indent="-342900" algn="l" rtl="0" fontAlgn="base">
+              <a:spcBef>
+                <a:spcPct val="20000"/>
+              </a:spcBef>
+              <a:spcAft>
+                <a:spcPct val="0"/>
+              </a:spcAft>
+              <a:buClr>
+                <a:schemeClr val="folHlink"/>
+              </a:buClr>
+              <a:buSzPct val="60000"/>
+              <a:buFont typeface="Wingdings" pitchFamily="2" charset="2"/>
+              <a:buChar char="n"/>
+              <a:defRPr sz="3200" kern="1200">
+                <a:solidFill>
+                  <a:schemeClr val="tx1"/>
+                </a:solidFill>
+                <a:latin typeface="+mn-lt"/>
+                <a:ea typeface="+mn-ea"/>
+                <a:cs typeface="+mn-cs"/>
+              </a:defRPr>
+            </a:lvl1pPr>
+            <a:lvl2pPr marL="742950" indent="-285750" algn="l" rtl="0" fontAlgn="base">
+              <a:spcBef>
+                <a:spcPct val="20000"/>
+              </a:spcBef>
+              <a:spcAft>
+                <a:spcPct val="0"/>
+              </a:spcAft>
+              <a:buClr>
+                <a:schemeClr val="hlink"/>
+              </a:buClr>
+              <a:buSzPct val="55000"/>
+              <a:buFont typeface="Wingdings" pitchFamily="2" charset="2"/>
+              <a:buChar char="n"/>
+              <a:defRPr sz="2800" kern="1200">
+                <a:solidFill>
+                  <a:schemeClr val="tx1"/>
+                </a:solidFill>
+                <a:latin typeface="+mn-lt"/>
+                <a:ea typeface="+mn-ea"/>
+                <a:cs typeface="+mn-cs"/>
+              </a:defRPr>
+            </a:lvl2pPr>
+            <a:lvl3pPr marL="1143000" indent="-228600" algn="l" rtl="0" fontAlgn="base">
+              <a:spcBef>
+                <a:spcPct val="20000"/>
+              </a:spcBef>
+              <a:spcAft>
+                <a:spcPct val="0"/>
+              </a:spcAft>
+              <a:buClr>
+                <a:schemeClr val="folHlink"/>
+              </a:buClr>
+              <a:buSzPct val="50000"/>
+              <a:buFont typeface="Wingdings" pitchFamily="2" charset="2"/>
+              <a:buChar char="n"/>
+              <a:defRPr sz="2400" kern="1200">
+                <a:solidFill>
+                  <a:schemeClr val="tx1"/>
+                </a:solidFill>
+                <a:latin typeface="+mn-lt"/>
+                <a:ea typeface="+mn-ea"/>
+                <a:cs typeface="+mn-cs"/>
+              </a:defRPr>
+            </a:lvl3pPr>
+            <a:lvl4pPr marL="1600200" indent="-228600" algn="l" rtl="0" fontAlgn="base">
+              <a:spcBef>
+                <a:spcPct val="20000"/>
+              </a:spcBef>
+              <a:spcAft>
+                <a:spcPct val="0"/>
+              </a:spcAft>
+              <a:buClr>
+                <a:schemeClr val="accent2"/>
+              </a:buClr>
+              <a:buSzPct val="55000"/>
+              <a:buFont typeface="Wingdings" pitchFamily="2" charset="2"/>
+              <a:buChar char="n"/>
+              <a:defRPr sz="2000" kern="1200">
+                <a:solidFill>
+                  <a:schemeClr val="tx1"/>
+                </a:solidFill>
+                <a:latin typeface="+mn-lt"/>
+                <a:ea typeface="+mn-ea"/>
+                <a:cs typeface="+mn-cs"/>
+              </a:defRPr>
+            </a:lvl4pPr>
+            <a:lvl5pPr marL="2057400" indent="-228600" algn="l" rtl="0" fontAlgn="base">
+              <a:spcBef>
+                <a:spcPct val="20000"/>
+              </a:spcBef>
+              <a:spcAft>
+                <a:spcPct val="0"/>
+              </a:spcAft>
+              <a:buClr>
+                <a:schemeClr val="accent1"/>
+              </a:buClr>
+              <a:buSzPct val="50000"/>
+              <a:buFont typeface="Wingdings" pitchFamily="2" charset="2"/>
+              <a:buChar char="n"/>
+              <a:defRPr sz="2000" kern="1200">
+                <a:solidFill>
+                  <a:schemeClr val="tx1"/>
+                </a:solidFill>
+                <a:latin typeface="+mn-lt"/>
+                <a:ea typeface="+mn-ea"/>
+                <a:cs typeface="+mn-cs"/>
+              </a:defRPr>
+            </a:lvl5pPr>
+            <a:lvl6pPr marL="2514600" indent="-228600" algn="l" defTabSz="914400" rtl="0" eaLnBrk="1" latinLnBrk="0" hangingPunct="1">
+              <a:lnSpc>
+                <a:spcPct val="90000"/>
+              </a:lnSpc>
+              <a:spcBef>
+                <a:spcPts val="500"/>
+              </a:spcBef>
+              <a:buFont typeface="Arial" panose="020B0604020202020204" pitchFamily="34" charset="0"/>
+              <a:buChar char="•"/>
+              <a:defRPr sz="1800" kern="1200">
+                <a:solidFill>
+                  <a:schemeClr val="tx1"/>
+                </a:solidFill>
+                <a:latin typeface="+mn-lt"/>
+                <a:ea typeface="+mn-ea"/>
+                <a:cs typeface="+mn-cs"/>
+              </a:defRPr>
+            </a:lvl6pPr>
+            <a:lvl7pPr marL="2971800" indent="-228600" algn="l" defTabSz="914400" rtl="0" eaLnBrk="1" latinLnBrk="0" hangingPunct="1">
+              <a:lnSpc>
+                <a:spcPct val="90000"/>
+              </a:lnSpc>
+              <a:spcBef>
+                <a:spcPts val="500"/>
+              </a:spcBef>
+              <a:buFont typeface="Arial" panose="020B0604020202020204" pitchFamily="34" charset="0"/>
+              <a:buChar char="•"/>
+              <a:defRPr sz="1800" kern="1200">
+                <a:solidFill>
+                  <a:schemeClr val="tx1"/>
+                </a:solidFill>
+                <a:latin typeface="+mn-lt"/>
+                <a:ea typeface="+mn-ea"/>
+                <a:cs typeface="+mn-cs"/>
+              </a:defRPr>
+            </a:lvl7pPr>
+            <a:lvl8pPr marL="3429000" indent="-228600" algn="l" defTabSz="914400" rtl="0" eaLnBrk="1" latinLnBrk="0" hangingPunct="1">
+              <a:lnSpc>
+                <a:spcPct val="90000"/>
+              </a:lnSpc>
+              <a:spcBef>
+                <a:spcPts val="500"/>
+              </a:spcBef>
+              <a:buFont typeface="Arial" panose="020B0604020202020204" pitchFamily="34" charset="0"/>
+              <a:buChar char="•"/>
+              <a:defRPr sz="1800" kern="1200">
+                <a:solidFill>
+                  <a:schemeClr val="tx1"/>
+                </a:solidFill>
+                <a:latin typeface="+mn-lt"/>
+                <a:ea typeface="+mn-ea"/>
+                <a:cs typeface="+mn-cs"/>
+              </a:defRPr>
+            </a:lvl8pPr>
+            <a:lvl9pPr marL="3886200" indent="-228600" algn="l" defTabSz="914400" rtl="0" eaLnBrk="1" latinLnBrk="0" hangingPunct="1">
+              <a:lnSpc>
+                <a:spcPct val="90000"/>
+              </a:lnSpc>
+              <a:spcBef>
+                <a:spcPts val="500"/>
+              </a:spcBef>
+              <a:buFont typeface="Arial" panose="020B0604020202020204" pitchFamily="34" charset="0"/>
+              <a:buChar char="•"/>
+              <a:defRPr sz="1800" kern="1200">
+                <a:solidFill>
+                  <a:schemeClr val="tx1"/>
+                </a:solidFill>
+                <a:latin typeface="+mn-lt"/>
+                <a:ea typeface="+mn-ea"/>
+                <a:cs typeface="+mn-cs"/>
+              </a:defRPr>
+            </a:lvl9pPr>
+          </a:lstStyle>
+          <a:p>
+            <a:pPr marL="0" indent="0">
+              <a:buFont typeface="Wingdings" pitchFamily="2" charset="2"/>
+              <a:buNone/>
+            </a:pPr>
+            <a:r>
+              <a:rPr kumimoji="1" lang="en-US" altLang="zh-CN" sz="2000" b="1" dirty="0">
+                <a:solidFill>
+                  <a:srgbClr val="0432FF"/>
+                </a:solidFill>
+                <a:latin typeface="Courier New" panose="02070309020205020404" pitchFamily="49" charset="0"/>
+                <a:cs typeface="Courier New" panose="02070309020205020404" pitchFamily="49" charset="0"/>
+              </a:rPr>
+              <a:t>void</a:t>
+            </a:r>
+            <a:r>
+              <a:rPr kumimoji="1" lang="zh-CN" altLang="en-US" sz="2000" b="1" dirty="0">
+                <a:solidFill>
+                  <a:srgbClr val="0432FF"/>
+                </a:solidFill>
+                <a:latin typeface="Courier New" panose="02070309020205020404" pitchFamily="49" charset="0"/>
+                <a:cs typeface="Courier New" panose="02070309020205020404" pitchFamily="49" charset="0"/>
+              </a:rPr>
+              <a:t> </a:t>
+            </a:r>
+            <a:r>
+              <a:rPr kumimoji="1" lang="en-US" altLang="zh-CN" sz="2000" b="1" dirty="0">
+                <a:solidFill>
+                  <a:srgbClr val="0432FF"/>
+                </a:solidFill>
+                <a:latin typeface="Courier New" panose="02070309020205020404" pitchFamily="49" charset="0"/>
+                <a:cs typeface="Courier New" panose="02070309020205020404" pitchFamily="49" charset="0"/>
+              </a:rPr>
+              <a:t>f(I</a:t>
+            </a:r>
+            <a:r>
+              <a:rPr kumimoji="1" lang="zh-CN" altLang="en-US" sz="2000" b="1" dirty="0">
+                <a:solidFill>
+                  <a:srgbClr val="0432FF"/>
+                </a:solidFill>
+                <a:latin typeface="Courier New" panose="02070309020205020404" pitchFamily="49" charset="0"/>
+                <a:cs typeface="Courier New" panose="02070309020205020404" pitchFamily="49" charset="0"/>
+              </a:rPr>
+              <a:t> </a:t>
+            </a:r>
+            <a:r>
+              <a:rPr kumimoji="1" lang="en-US" altLang="zh-CN" sz="2000" b="1" dirty="0">
+                <a:solidFill>
+                  <a:srgbClr val="0432FF"/>
+                </a:solidFill>
+                <a:latin typeface="Courier New" panose="02070309020205020404" pitchFamily="49" charset="0"/>
+                <a:cs typeface="Courier New" panose="02070309020205020404" pitchFamily="49" charset="0"/>
+              </a:rPr>
+              <a:t>obj){</a:t>
+            </a:r>
+          </a:p>
+          <a:p>
+            <a:pPr marL="0" indent="0">
+              <a:buFont typeface="Wingdings" pitchFamily="2" charset="2"/>
+              <a:buNone/>
+            </a:pPr>
+            <a:r>
+              <a:rPr kumimoji="1" lang="zh-CN" altLang="en-US" sz="2000" b="1" dirty="0">
+                <a:latin typeface="Courier New" panose="02070309020205020404" pitchFamily="49" charset="0"/>
+                <a:cs typeface="Courier New" panose="02070309020205020404" pitchFamily="49" charset="0"/>
+              </a:rPr>
+              <a:t>  </a:t>
+            </a:r>
+            <a:r>
+              <a:rPr kumimoji="1" lang="en-US" altLang="zh-CN" sz="2000" b="1" dirty="0">
+                <a:latin typeface="Courier New" panose="02070309020205020404" pitchFamily="49" charset="0"/>
+                <a:cs typeface="Courier New" panose="02070309020205020404" pitchFamily="49" charset="0"/>
+              </a:rPr>
+              <a:t>//</a:t>
+            </a:r>
+            <a:r>
+              <a:rPr kumimoji="1" lang="zh-CN" altLang="en-US" sz="2000" b="1" dirty="0">
+                <a:latin typeface="Courier New" panose="02070309020205020404" pitchFamily="49" charset="0"/>
+                <a:cs typeface="Courier New" panose="02070309020205020404" pitchFamily="49" charset="0"/>
+              </a:rPr>
+              <a:t> </a:t>
+            </a:r>
+            <a:r>
+              <a:rPr kumimoji="1" lang="en-US" altLang="zh-CN" sz="2000" b="1" dirty="0">
+                <a:latin typeface="Courier New" panose="02070309020205020404" pitchFamily="49" charset="0"/>
+                <a:cs typeface="Courier New" panose="02070309020205020404" pitchFamily="49" charset="0"/>
+              </a:rPr>
+              <a:t>interface</a:t>
+            </a:r>
+            <a:r>
+              <a:rPr kumimoji="1" lang="zh-CN" altLang="en-US" sz="2000" b="1" dirty="0">
+                <a:latin typeface="Courier New" panose="02070309020205020404" pitchFamily="49" charset="0"/>
+                <a:cs typeface="Courier New" panose="02070309020205020404" pitchFamily="49" charset="0"/>
+              </a:rPr>
+              <a:t> </a:t>
+            </a:r>
+            <a:r>
+              <a:rPr kumimoji="1" lang="en-US" altLang="zh-CN" sz="2000" b="1" dirty="0">
+                <a:latin typeface="Courier New" panose="02070309020205020404" pitchFamily="49" charset="0"/>
+                <a:cs typeface="Courier New" panose="02070309020205020404" pitchFamily="49" charset="0"/>
+              </a:rPr>
+              <a:t>invoke</a:t>
+            </a:r>
+          </a:p>
+          <a:p>
+            <a:pPr marL="0" indent="0">
+              <a:buFont typeface="Wingdings" pitchFamily="2" charset="2"/>
+              <a:buNone/>
+            </a:pPr>
+            <a:r>
+              <a:rPr kumimoji="1" lang="zh-CN" altLang="en-US" sz="2000" b="1" dirty="0">
+                <a:solidFill>
+                  <a:srgbClr val="0432FF"/>
+                </a:solidFill>
+                <a:latin typeface="Courier New" panose="02070309020205020404" pitchFamily="49" charset="0"/>
+                <a:cs typeface="Courier New" panose="02070309020205020404" pitchFamily="49" charset="0"/>
+              </a:rPr>
+              <a:t>  </a:t>
+            </a:r>
+            <a:r>
+              <a:rPr kumimoji="1" lang="en-US" altLang="zh-CN" sz="2000" b="1" dirty="0" err="1">
+                <a:solidFill>
+                  <a:srgbClr val="0432FF"/>
+                </a:solidFill>
+                <a:latin typeface="Courier New" panose="02070309020205020404" pitchFamily="49" charset="0"/>
+                <a:cs typeface="Courier New" panose="02070309020205020404" pitchFamily="49" charset="0"/>
+              </a:rPr>
+              <a:t>obj.foo</a:t>
+            </a:r>
+            <a:r>
+              <a:rPr kumimoji="1" lang="en-US" altLang="zh-CN" sz="2000" b="1" dirty="0">
+                <a:solidFill>
+                  <a:srgbClr val="0432FF"/>
+                </a:solidFill>
+                <a:latin typeface="Courier New" panose="02070309020205020404" pitchFamily="49" charset="0"/>
+                <a:cs typeface="Courier New" panose="02070309020205020404" pitchFamily="49" charset="0"/>
+              </a:rPr>
+              <a:t>();</a:t>
+            </a:r>
+          </a:p>
+          <a:p>
+            <a:pPr marL="0" indent="0">
+              <a:buFont typeface="Wingdings" pitchFamily="2" charset="2"/>
+              <a:buNone/>
+            </a:pPr>
+            <a:r>
+              <a:rPr kumimoji="1" lang="en-US" altLang="zh-CN" sz="2000" b="1" dirty="0">
+                <a:solidFill>
+                  <a:srgbClr val="0432FF"/>
+                </a:solidFill>
+                <a:latin typeface="Courier New" panose="02070309020205020404" pitchFamily="49" charset="0"/>
+                <a:cs typeface="Courier New" panose="02070309020205020404" pitchFamily="49" charset="0"/>
+              </a:rPr>
+              <a:t>}</a:t>
+            </a:r>
+          </a:p>
+          <a:p>
+            <a:pPr marL="0" indent="0">
+              <a:buFont typeface="Wingdings" pitchFamily="2" charset="2"/>
+              <a:buNone/>
+            </a:pPr>
+            <a:endParaRPr kumimoji="1" lang="en-US" altLang="zh-CN" sz="2000" b="1" dirty="0">
+              <a:solidFill>
+                <a:srgbClr val="0432FF"/>
+              </a:solidFill>
+              <a:latin typeface="Courier New" panose="02070309020205020404" pitchFamily="49" charset="0"/>
+              <a:cs typeface="Courier New" panose="02070309020205020404" pitchFamily="49" charset="0"/>
+            </a:endParaRPr>
+          </a:p>
+          <a:p>
+            <a:pPr marL="0" indent="0">
+              <a:buFont typeface="Wingdings" pitchFamily="2" charset="2"/>
+              <a:buNone/>
+            </a:pPr>
+            <a:r>
+              <a:rPr kumimoji="1" lang="en-US" altLang="zh-CN" sz="2000" b="1" dirty="0">
+                <a:solidFill>
+                  <a:srgbClr val="0432FF"/>
+                </a:solidFill>
+                <a:latin typeface="Courier New" panose="02070309020205020404" pitchFamily="49" charset="0"/>
+                <a:cs typeface="Courier New" panose="02070309020205020404" pitchFamily="49" charset="0"/>
+              </a:rPr>
+              <a:t>J</a:t>
+            </a:r>
+            <a:r>
+              <a:rPr kumimoji="1" lang="zh-CN" altLang="en-US" sz="2000" b="1" dirty="0">
+                <a:solidFill>
+                  <a:srgbClr val="0432FF"/>
+                </a:solidFill>
+                <a:latin typeface="Courier New" panose="02070309020205020404" pitchFamily="49" charset="0"/>
+                <a:cs typeface="Courier New" panose="02070309020205020404" pitchFamily="49" charset="0"/>
+              </a:rPr>
+              <a:t> </a:t>
+            </a:r>
+            <a:r>
+              <a:rPr kumimoji="1" lang="en-US" altLang="zh-CN" sz="2000" b="1" dirty="0">
+                <a:solidFill>
+                  <a:srgbClr val="0432FF"/>
+                </a:solidFill>
+                <a:latin typeface="Courier New" panose="02070309020205020404" pitchFamily="49" charset="0"/>
+                <a:cs typeface="Courier New" panose="02070309020205020404" pitchFamily="49" charset="0"/>
+              </a:rPr>
+              <a:t>x</a:t>
+            </a:r>
+            <a:r>
+              <a:rPr kumimoji="1" lang="zh-CN" altLang="en-US" sz="2000" b="1" dirty="0">
+                <a:solidFill>
+                  <a:srgbClr val="0432FF"/>
+                </a:solidFill>
+                <a:latin typeface="Courier New" panose="02070309020205020404" pitchFamily="49" charset="0"/>
+                <a:cs typeface="Courier New" panose="02070309020205020404" pitchFamily="49" charset="0"/>
+              </a:rPr>
+              <a:t> </a:t>
+            </a:r>
+            <a:r>
+              <a:rPr kumimoji="1" lang="en-US" altLang="zh-CN" sz="2000" b="1" dirty="0">
+                <a:solidFill>
+                  <a:srgbClr val="0432FF"/>
+                </a:solidFill>
+                <a:latin typeface="Courier New" panose="02070309020205020404" pitchFamily="49" charset="0"/>
+                <a:cs typeface="Courier New" panose="02070309020205020404" pitchFamily="49" charset="0"/>
+              </a:rPr>
+              <a:t>=</a:t>
+            </a:r>
+            <a:r>
+              <a:rPr kumimoji="1" lang="zh-CN" altLang="en-US" sz="2000" b="1" dirty="0">
+                <a:solidFill>
+                  <a:srgbClr val="0432FF"/>
+                </a:solidFill>
+                <a:latin typeface="Courier New" panose="02070309020205020404" pitchFamily="49" charset="0"/>
+                <a:cs typeface="Courier New" panose="02070309020205020404" pitchFamily="49" charset="0"/>
+              </a:rPr>
+              <a:t> </a:t>
+            </a:r>
+            <a:r>
+              <a:rPr kumimoji="1" lang="en-US" altLang="zh-CN" sz="2000" b="1" dirty="0">
+                <a:solidFill>
+                  <a:srgbClr val="0432FF"/>
+                </a:solidFill>
+                <a:latin typeface="Courier New" panose="02070309020205020404" pitchFamily="49" charset="0"/>
+                <a:cs typeface="Courier New" panose="02070309020205020404" pitchFamily="49" charset="0"/>
+              </a:rPr>
+              <a:t>…;</a:t>
+            </a:r>
+          </a:p>
+          <a:p>
+            <a:pPr marL="0" indent="0">
+              <a:buNone/>
+            </a:pPr>
+            <a:r>
+              <a:rPr kumimoji="1" lang="en-US" altLang="zh-CN" sz="2000" b="1" dirty="0">
+                <a:solidFill>
+                  <a:srgbClr val="0432FF"/>
+                </a:solidFill>
+                <a:latin typeface="Courier New" panose="02070309020205020404" pitchFamily="49" charset="0"/>
+                <a:cs typeface="Courier New" panose="02070309020205020404" pitchFamily="49" charset="0"/>
+              </a:rPr>
+              <a:t>f(x);</a:t>
+            </a:r>
+          </a:p>
+        </p:txBody>
+      </p:sp>
+    </p:spTree>
+    <p:extLst>
+      <p:ext uri="{BB962C8B-B14F-4D97-AF65-F5344CB8AC3E}">
+        <p14:creationId xmlns:p14="http://schemas.microsoft.com/office/powerpoint/2010/main" val="4100432532"/>
+      </p:ext>
+    </p:extLst>
+  </p:cSld>
+  <p:clrMapOvr>
+    <a:masterClrMapping/>
+  </p:clrMapOvr>
+</p:sld>
+</file>
+
+<file path=ppt/slides/slide12.xml><?xml version="1.0" encoding="utf-8"?>
+<p:sld xmlns:a="http://schemas.openxmlformats.org/drawingml/2006/main" xmlns:r="http://schemas.openxmlformats.org/officeDocument/2006/relationships" xmlns:p="http://schemas.openxmlformats.org/presentationml/2006/main">
+  <p:cSld>
+    <p:spTree>
+      <p:nvGrpSpPr>
+        <p:cNvPr id="1" name=""/>
+        <p:cNvGrpSpPr/>
+        <p:nvPr/>
+      </p:nvGrpSpPr>
+      <p:grpSpPr>
+        <a:xfrm>
+          <a:off x="0" y="0"/>
+          <a:ext cx="0" cy="0"/>
+          <a:chOff x="0" y="0"/>
+          <a:chExt cx="0" cy="0"/>
+        </a:xfrm>
+      </p:grpSpPr>
+      <p:sp>
+        <p:nvSpPr>
+          <p:cNvPr id="2" name="标题 1">
+            <a:extLst>
+              <a:ext uri="{FF2B5EF4-FFF2-40B4-BE49-F238E27FC236}">
+                <a16:creationId xmlns:a16="http://schemas.microsoft.com/office/drawing/2014/main" id="{0A75F11F-C78A-904E-AB8C-72A70AF2A0A3}"/>
+              </a:ext>
+            </a:extLst>
+          </p:cNvPr>
+          <p:cNvSpPr>
+            <a:spLocks noGrp="1"/>
+          </p:cNvSpPr>
+          <p:nvPr>
+            <p:ph type="title"/>
+          </p:nvPr>
+        </p:nvSpPr>
+        <p:spPr/>
+        <p:txBody>
+          <a:bodyPr/>
+          <a:lstStyle/>
+          <a:p>
+            <a:r>
+              <a:rPr kumimoji="1" lang="en-US" altLang="zh-CN" dirty="0"/>
+              <a:t>Inheritance</a:t>
+            </a:r>
+          </a:p>
+        </p:txBody>
+      </p:sp>
+      <p:sp>
+        <p:nvSpPr>
+          <p:cNvPr id="3" name="内容占位符 2">
+            <a:extLst>
+              <a:ext uri="{FF2B5EF4-FFF2-40B4-BE49-F238E27FC236}">
+                <a16:creationId xmlns:a16="http://schemas.microsoft.com/office/drawing/2014/main" id="{89440B6A-6E75-1444-8401-F897E1580908}"/>
+              </a:ext>
+            </a:extLst>
+          </p:cNvPr>
+          <p:cNvSpPr>
+            <a:spLocks noGrp="1"/>
+          </p:cNvSpPr>
+          <p:nvPr>
+            <p:ph idx="1"/>
+          </p:nvPr>
+        </p:nvSpPr>
+        <p:spPr/>
+        <p:txBody>
+          <a:bodyPr/>
+          <a:lstStyle/>
+          <a:p>
+            <a:r>
+              <a:rPr kumimoji="1" lang="en-US" altLang="zh-CN" dirty="0"/>
+              <a:t>Inheritance</a:t>
+            </a:r>
+            <a:r>
+              <a:rPr kumimoji="1" lang="zh-CN" altLang="en-US" dirty="0"/>
+              <a:t> </a:t>
+            </a:r>
+            <a:r>
+              <a:rPr kumimoji="1" lang="en-US" altLang="zh-CN" dirty="0"/>
+              <a:t>operates</a:t>
+            </a:r>
+            <a:r>
+              <a:rPr kumimoji="1" lang="zh-CN" altLang="en-US" dirty="0"/>
+              <a:t> </a:t>
+            </a:r>
+            <a:r>
+              <a:rPr kumimoji="1" lang="en-US" altLang="zh-CN" dirty="0"/>
+              <a:t>on</a:t>
+            </a:r>
+            <a:r>
+              <a:rPr kumimoji="1" lang="zh-CN" altLang="en-US" dirty="0"/>
+              <a:t> </a:t>
+            </a:r>
+            <a:r>
+              <a:rPr kumimoji="1" lang="en-US" altLang="zh-CN" dirty="0"/>
+              <a:t>classes</a:t>
+            </a:r>
+          </a:p>
+          <a:p>
+            <a:r>
+              <a:rPr kumimoji="1" lang="en-US" altLang="zh-CN" dirty="0"/>
+              <a:t>To</a:t>
+            </a:r>
+            <a:r>
+              <a:rPr kumimoji="1" lang="zh-CN" altLang="en-US" dirty="0"/>
+              <a:t> </a:t>
+            </a:r>
+            <a:r>
+              <a:rPr kumimoji="1" lang="en-US" altLang="zh-CN" dirty="0"/>
+              <a:t>inherit</a:t>
+            </a:r>
+            <a:r>
+              <a:rPr kumimoji="1" lang="zh-CN" altLang="en-US" dirty="0"/>
+              <a:t> </a:t>
+            </a:r>
+            <a:r>
+              <a:rPr kumimoji="1" lang="en-US" altLang="zh-CN" dirty="0"/>
+              <a:t>not</a:t>
+            </a:r>
+            <a:r>
+              <a:rPr kumimoji="1" lang="zh-CN" altLang="en-US" dirty="0"/>
+              <a:t> </a:t>
+            </a:r>
+            <a:r>
+              <a:rPr kumimoji="1" lang="en-US" altLang="zh-CN" dirty="0"/>
+              <a:t>only</a:t>
+            </a:r>
+            <a:r>
+              <a:rPr kumimoji="1" lang="zh-CN" altLang="en-US" dirty="0"/>
+              <a:t> </a:t>
+            </a:r>
+            <a:r>
+              <a:rPr kumimoji="1" lang="en-US" altLang="zh-CN" dirty="0"/>
+              <a:t>methods,</a:t>
+            </a:r>
+            <a:r>
+              <a:rPr kumimoji="1" lang="zh-CN" altLang="en-US" dirty="0"/>
+              <a:t> </a:t>
+            </a:r>
+            <a:r>
+              <a:rPr kumimoji="1" lang="en-US" altLang="zh-CN" dirty="0"/>
+              <a:t>but</a:t>
+            </a:r>
+            <a:r>
+              <a:rPr kumimoji="1" lang="zh-CN" altLang="en-US" dirty="0"/>
+              <a:t> </a:t>
+            </a:r>
+            <a:r>
+              <a:rPr kumimoji="1" lang="en-US" altLang="zh-CN" dirty="0"/>
+              <a:t>also</a:t>
+            </a:r>
+            <a:r>
+              <a:rPr kumimoji="1" lang="zh-CN" altLang="en-US" dirty="0"/>
+              <a:t> </a:t>
+            </a:r>
+            <a:r>
+              <a:rPr kumimoji="1" lang="en-US" altLang="zh-CN" dirty="0"/>
+              <a:t>fields</a:t>
+            </a:r>
+          </a:p>
+        </p:txBody>
+      </p:sp>
+    </p:spTree>
+    <p:extLst>
+      <p:ext uri="{BB962C8B-B14F-4D97-AF65-F5344CB8AC3E}">
+        <p14:creationId xmlns:p14="http://schemas.microsoft.com/office/powerpoint/2010/main" val="2014994244"/>
+      </p:ext>
+    </p:extLst>
+  </p:cSld>
+  <p:clrMapOvr>
+    <a:masterClrMapping/>
+  </p:clrMapOvr>
+</p:sld>
+</file>
+
+<file path=ppt/slides/slide13.xml><?xml version="1.0" encoding="utf-8"?>
+<p:sld xmlns:a="http://schemas.openxmlformats.org/drawingml/2006/main" xmlns:r="http://schemas.openxmlformats.org/officeDocument/2006/relationships" xmlns:p="http://schemas.openxmlformats.org/presentationml/2006/main">
+  <p:cSld>
+    <p:spTree>
+      <p:nvGrpSpPr>
+        <p:cNvPr id="1" name=""/>
+        <p:cNvGrpSpPr/>
+        <p:nvPr/>
+      </p:nvGrpSpPr>
+      <p:grpSpPr>
+        <a:xfrm>
+          <a:off x="0" y="0"/>
+          <a:ext cx="0" cy="0"/>
+          <a:chOff x="0" y="0"/>
+          <a:chExt cx="0" cy="0"/>
+        </a:xfrm>
+      </p:grpSpPr>
+      <p:sp>
+        <p:nvSpPr>
+          <p:cNvPr id="2" name="标题 1">
+            <a:extLst>
+              <a:ext uri="{FF2B5EF4-FFF2-40B4-BE49-F238E27FC236}">
+                <a16:creationId xmlns:a16="http://schemas.microsoft.com/office/drawing/2014/main" id="{0A75F11F-C78A-904E-AB8C-72A70AF2A0A3}"/>
+              </a:ext>
+            </a:extLst>
+          </p:cNvPr>
+          <p:cNvSpPr>
+            <a:spLocks noGrp="1"/>
+          </p:cNvSpPr>
+          <p:nvPr>
+            <p:ph type="title"/>
+          </p:nvPr>
+        </p:nvSpPr>
+        <p:spPr/>
+        <p:txBody>
+          <a:bodyPr/>
+          <a:lstStyle/>
+          <a:p>
+            <a:r>
+              <a:rPr kumimoji="1" lang="en-US" altLang="zh-CN" dirty="0"/>
+              <a:t>Inheritance</a:t>
+            </a:r>
+          </a:p>
+        </p:txBody>
+      </p:sp>
+      <p:sp>
+        <p:nvSpPr>
+          <p:cNvPr id="3" name="内容占位符 2">
+            <a:extLst>
+              <a:ext uri="{FF2B5EF4-FFF2-40B4-BE49-F238E27FC236}">
+                <a16:creationId xmlns:a16="http://schemas.microsoft.com/office/drawing/2014/main" id="{89440B6A-6E75-1444-8401-F897E1580908}"/>
+              </a:ext>
+            </a:extLst>
+          </p:cNvPr>
+          <p:cNvSpPr>
+            <a:spLocks noGrp="1"/>
+          </p:cNvSpPr>
+          <p:nvPr>
+            <p:ph idx="1"/>
+          </p:nvPr>
+        </p:nvSpPr>
+        <p:spPr>
+          <a:xfrm>
+            <a:off x="152400" y="2133600"/>
+            <a:ext cx="4419600" cy="4114800"/>
+          </a:xfrm>
+        </p:spPr>
+        <p:txBody>
+          <a:bodyPr/>
+          <a:lstStyle/>
+          <a:p>
+            <a:pPr marL="0" indent="0">
+              <a:buNone/>
+            </a:pPr>
+            <a:r>
+              <a:rPr kumimoji="1" lang="en-US" altLang="zh-CN" sz="2000" b="1" dirty="0">
+                <a:solidFill>
+                  <a:srgbClr val="0432FF"/>
+                </a:solidFill>
+                <a:latin typeface="Courier New" panose="02070309020205020404" pitchFamily="49" charset="0"/>
+                <a:cs typeface="Courier New" panose="02070309020205020404" pitchFamily="49" charset="0"/>
+              </a:rPr>
+              <a:t>class</a:t>
+            </a:r>
+            <a:r>
+              <a:rPr kumimoji="1" lang="zh-CN" altLang="en-US" sz="2000" b="1" dirty="0">
+                <a:solidFill>
+                  <a:srgbClr val="0432FF"/>
+                </a:solidFill>
+                <a:latin typeface="Courier New" panose="02070309020205020404" pitchFamily="49" charset="0"/>
+                <a:cs typeface="Courier New" panose="02070309020205020404" pitchFamily="49" charset="0"/>
+              </a:rPr>
+              <a:t> </a:t>
+            </a:r>
+            <a:r>
+              <a:rPr kumimoji="1" lang="en-US" altLang="zh-CN" sz="2000" b="1" dirty="0">
+                <a:solidFill>
+                  <a:srgbClr val="0432FF"/>
+                </a:solidFill>
+                <a:latin typeface="Courier New" panose="02070309020205020404" pitchFamily="49" charset="0"/>
+                <a:cs typeface="Courier New" panose="02070309020205020404" pitchFamily="49" charset="0"/>
+              </a:rPr>
+              <a:t>A{</a:t>
+            </a:r>
+          </a:p>
+          <a:p>
+            <a:pPr marL="0" indent="0">
+              <a:buNone/>
+            </a:pPr>
+            <a:r>
+              <a:rPr kumimoji="1" lang="zh-CN" altLang="en-US" sz="2000" b="1" dirty="0">
+                <a:solidFill>
+                  <a:srgbClr val="0432FF"/>
+                </a:solidFill>
+                <a:latin typeface="Courier New" panose="02070309020205020404" pitchFamily="49" charset="0"/>
+                <a:cs typeface="Courier New" panose="02070309020205020404" pitchFamily="49" charset="0"/>
+              </a:rPr>
+              <a:t>  </a:t>
+            </a:r>
+            <a:r>
+              <a:rPr kumimoji="1" lang="en-US" altLang="zh-CN" sz="2000" b="1" dirty="0">
+                <a:solidFill>
+                  <a:srgbClr val="0432FF"/>
+                </a:solidFill>
+                <a:latin typeface="Courier New" panose="02070309020205020404" pitchFamily="49" charset="0"/>
+                <a:cs typeface="Courier New" panose="02070309020205020404" pitchFamily="49" charset="0"/>
+              </a:rPr>
+              <a:t>int</a:t>
+            </a:r>
+            <a:r>
+              <a:rPr kumimoji="1" lang="zh-CN" altLang="en-US" sz="2000" b="1" dirty="0">
+                <a:solidFill>
+                  <a:srgbClr val="0432FF"/>
+                </a:solidFill>
+                <a:latin typeface="Courier New" panose="02070309020205020404" pitchFamily="49" charset="0"/>
+                <a:cs typeface="Courier New" panose="02070309020205020404" pitchFamily="49" charset="0"/>
+              </a:rPr>
+              <a:t> </a:t>
+            </a:r>
+            <a:r>
+              <a:rPr kumimoji="1" lang="en-US" altLang="zh-CN" sz="2000" b="1" dirty="0">
+                <a:solidFill>
+                  <a:srgbClr val="0432FF"/>
+                </a:solidFill>
+                <a:latin typeface="Courier New" panose="02070309020205020404" pitchFamily="49" charset="0"/>
+                <a:cs typeface="Courier New" panose="02070309020205020404" pitchFamily="49" charset="0"/>
+              </a:rPr>
+              <a:t>x;</a:t>
+            </a:r>
+          </a:p>
+          <a:p>
+            <a:pPr marL="0" indent="0">
+              <a:buNone/>
+            </a:pPr>
+            <a:r>
+              <a:rPr kumimoji="1" lang="zh-CN" altLang="en-US" sz="2000" b="1" dirty="0">
+                <a:solidFill>
+                  <a:srgbClr val="0432FF"/>
+                </a:solidFill>
+                <a:latin typeface="Courier New" panose="02070309020205020404" pitchFamily="49" charset="0"/>
+                <a:cs typeface="Courier New" panose="02070309020205020404" pitchFamily="49" charset="0"/>
+              </a:rPr>
+              <a:t>  </a:t>
+            </a:r>
+            <a:r>
+              <a:rPr kumimoji="1" lang="en-US" altLang="zh-CN" sz="2000" b="1" dirty="0">
+                <a:solidFill>
+                  <a:srgbClr val="0432FF"/>
+                </a:solidFill>
+                <a:latin typeface="Courier New" panose="02070309020205020404" pitchFamily="49" charset="0"/>
+                <a:cs typeface="Courier New" panose="02070309020205020404" pitchFamily="49" charset="0"/>
+              </a:rPr>
+              <a:t>void</a:t>
+            </a:r>
+            <a:r>
+              <a:rPr kumimoji="1" lang="zh-CN" altLang="en-US" sz="2000" b="1" dirty="0">
+                <a:solidFill>
+                  <a:srgbClr val="0432FF"/>
+                </a:solidFill>
+                <a:latin typeface="Courier New" panose="02070309020205020404" pitchFamily="49" charset="0"/>
+                <a:cs typeface="Courier New" panose="02070309020205020404" pitchFamily="49" charset="0"/>
+              </a:rPr>
+              <a:t> </a:t>
+            </a:r>
+            <a:r>
+              <a:rPr kumimoji="1" lang="en-US" altLang="zh-CN" sz="2000" b="1" dirty="0">
+                <a:solidFill>
+                  <a:srgbClr val="0432FF"/>
+                </a:solidFill>
+                <a:latin typeface="Courier New" panose="02070309020205020404" pitchFamily="49" charset="0"/>
+                <a:cs typeface="Courier New" panose="02070309020205020404" pitchFamily="49" charset="0"/>
+              </a:rPr>
+              <a:t>foo();</a:t>
+            </a:r>
+          </a:p>
+          <a:p>
+            <a:pPr marL="0" indent="0">
+              <a:buNone/>
+            </a:pPr>
+            <a:r>
+              <a:rPr kumimoji="1" lang="zh-CN" altLang="en-US" sz="2000" b="1" dirty="0">
+                <a:solidFill>
+                  <a:srgbClr val="0432FF"/>
+                </a:solidFill>
+                <a:latin typeface="Courier New" panose="02070309020205020404" pitchFamily="49" charset="0"/>
+                <a:cs typeface="Courier New" panose="02070309020205020404" pitchFamily="49" charset="0"/>
+              </a:rPr>
+              <a:t>  </a:t>
+            </a:r>
+            <a:r>
+              <a:rPr kumimoji="1" lang="en-US" altLang="zh-CN" sz="2000" b="1" dirty="0">
+                <a:solidFill>
+                  <a:srgbClr val="0432FF"/>
+                </a:solidFill>
+                <a:latin typeface="Courier New" panose="02070309020205020404" pitchFamily="49" charset="0"/>
+                <a:cs typeface="Courier New" panose="02070309020205020404" pitchFamily="49" charset="0"/>
+              </a:rPr>
+              <a:t>void</a:t>
+            </a:r>
+            <a:r>
+              <a:rPr kumimoji="1" lang="zh-CN" altLang="en-US" sz="2000" b="1" dirty="0">
+                <a:solidFill>
+                  <a:srgbClr val="0432FF"/>
+                </a:solidFill>
+                <a:latin typeface="Courier New" panose="02070309020205020404" pitchFamily="49" charset="0"/>
+                <a:cs typeface="Courier New" panose="02070309020205020404" pitchFamily="49" charset="0"/>
+              </a:rPr>
+              <a:t> </a:t>
+            </a:r>
+            <a:r>
+              <a:rPr kumimoji="1" lang="en-US" altLang="zh-CN" sz="2000" b="1" dirty="0" err="1">
+                <a:solidFill>
+                  <a:srgbClr val="0432FF"/>
+                </a:solidFill>
+                <a:latin typeface="Courier New" panose="02070309020205020404" pitchFamily="49" charset="0"/>
+                <a:cs typeface="Courier New" panose="02070309020205020404" pitchFamily="49" charset="0"/>
+              </a:rPr>
+              <a:t>baz</a:t>
+            </a:r>
+            <a:r>
+              <a:rPr kumimoji="1" lang="en-US" altLang="zh-CN" sz="2000" b="1" dirty="0">
+                <a:solidFill>
+                  <a:srgbClr val="0432FF"/>
+                </a:solidFill>
+                <a:latin typeface="Courier New" panose="02070309020205020404" pitchFamily="49" charset="0"/>
+                <a:cs typeface="Courier New" panose="02070309020205020404" pitchFamily="49" charset="0"/>
+              </a:rPr>
+              <a:t>();</a:t>
+            </a:r>
+          </a:p>
+          <a:p>
+            <a:pPr marL="0" indent="0">
+              <a:buNone/>
+            </a:pPr>
+            <a:r>
+              <a:rPr kumimoji="1" lang="en-US" altLang="zh-CN" sz="2000" b="1" dirty="0">
+                <a:solidFill>
+                  <a:srgbClr val="0432FF"/>
+                </a:solidFill>
+                <a:latin typeface="Courier New" panose="02070309020205020404" pitchFamily="49" charset="0"/>
+                <a:cs typeface="Courier New" panose="02070309020205020404" pitchFamily="49" charset="0"/>
+              </a:rPr>
+              <a:t>}</a:t>
+            </a:r>
+          </a:p>
+          <a:p>
+            <a:pPr marL="0" indent="0">
+              <a:buNone/>
+            </a:pPr>
+            <a:endParaRPr kumimoji="1" lang="en-US" altLang="zh-CN" sz="2000" b="1" dirty="0">
+              <a:solidFill>
+                <a:srgbClr val="0432FF"/>
+              </a:solidFill>
+              <a:latin typeface="Courier New" panose="02070309020205020404" pitchFamily="49" charset="0"/>
+              <a:cs typeface="Courier New" panose="02070309020205020404" pitchFamily="49" charset="0"/>
+            </a:endParaRPr>
+          </a:p>
+          <a:p>
+            <a:pPr marL="0" indent="0">
+              <a:buNone/>
+            </a:pPr>
+            <a:r>
+              <a:rPr kumimoji="1" lang="en-US" altLang="zh-CN" sz="2000" b="1" dirty="0">
+                <a:solidFill>
+                  <a:srgbClr val="0432FF"/>
+                </a:solidFill>
+                <a:latin typeface="Courier New" panose="02070309020205020404" pitchFamily="49" charset="0"/>
+                <a:cs typeface="Courier New" panose="02070309020205020404" pitchFamily="49" charset="0"/>
+              </a:rPr>
+              <a:t>class</a:t>
+            </a:r>
+            <a:r>
+              <a:rPr kumimoji="1" lang="zh-CN" altLang="en-US" sz="2000" b="1" dirty="0">
+                <a:solidFill>
+                  <a:srgbClr val="0432FF"/>
+                </a:solidFill>
+                <a:latin typeface="Courier New" panose="02070309020205020404" pitchFamily="49" charset="0"/>
+                <a:cs typeface="Courier New" panose="02070309020205020404" pitchFamily="49" charset="0"/>
+              </a:rPr>
+              <a:t> </a:t>
+            </a:r>
+            <a:r>
+              <a:rPr kumimoji="1" lang="en-US" altLang="zh-CN" sz="2000" b="1" dirty="0">
+                <a:solidFill>
+                  <a:srgbClr val="0432FF"/>
+                </a:solidFill>
+                <a:latin typeface="Courier New" panose="02070309020205020404" pitchFamily="49" charset="0"/>
+                <a:cs typeface="Courier New" panose="02070309020205020404" pitchFamily="49" charset="0"/>
+              </a:rPr>
+              <a:t>B</a:t>
+            </a:r>
+            <a:r>
+              <a:rPr kumimoji="1" lang="zh-CN" altLang="en-US" sz="2000" b="1" dirty="0">
+                <a:solidFill>
+                  <a:srgbClr val="0432FF"/>
+                </a:solidFill>
+                <a:latin typeface="Courier New" panose="02070309020205020404" pitchFamily="49" charset="0"/>
+                <a:cs typeface="Courier New" panose="02070309020205020404" pitchFamily="49" charset="0"/>
+              </a:rPr>
+              <a:t> </a:t>
+            </a:r>
+            <a:r>
+              <a:rPr kumimoji="1" lang="en-US" altLang="zh-CN" sz="2000" b="1" dirty="0">
+                <a:solidFill>
+                  <a:srgbClr val="0432FF"/>
+                </a:solidFill>
+                <a:latin typeface="Courier New" panose="02070309020205020404" pitchFamily="49" charset="0"/>
+                <a:cs typeface="Courier New" panose="02070309020205020404" pitchFamily="49" charset="0"/>
+              </a:rPr>
+              <a:t>extends</a:t>
+            </a:r>
+            <a:r>
+              <a:rPr kumimoji="1" lang="zh-CN" altLang="en-US" sz="2000" b="1" dirty="0">
+                <a:solidFill>
+                  <a:srgbClr val="0432FF"/>
+                </a:solidFill>
+                <a:latin typeface="Courier New" panose="02070309020205020404" pitchFamily="49" charset="0"/>
+                <a:cs typeface="Courier New" panose="02070309020205020404" pitchFamily="49" charset="0"/>
+              </a:rPr>
+              <a:t> </a:t>
+            </a:r>
+            <a:r>
+              <a:rPr kumimoji="1" lang="en-US" altLang="zh-CN" sz="2000" b="1" dirty="0">
+                <a:solidFill>
+                  <a:srgbClr val="0432FF"/>
+                </a:solidFill>
+                <a:latin typeface="Courier New" panose="02070309020205020404" pitchFamily="49" charset="0"/>
+                <a:cs typeface="Courier New" panose="02070309020205020404" pitchFamily="49" charset="0"/>
+              </a:rPr>
+              <a:t>A{</a:t>
+            </a:r>
+          </a:p>
+          <a:p>
+            <a:pPr marL="0" indent="0">
+              <a:buNone/>
+            </a:pPr>
+            <a:r>
+              <a:rPr kumimoji="1" lang="zh-CN" altLang="en-US" sz="2000" b="1" dirty="0">
+                <a:solidFill>
+                  <a:srgbClr val="0432FF"/>
+                </a:solidFill>
+                <a:latin typeface="Courier New" panose="02070309020205020404" pitchFamily="49" charset="0"/>
+                <a:cs typeface="Courier New" panose="02070309020205020404" pitchFamily="49" charset="0"/>
+              </a:rPr>
+              <a:t>  </a:t>
+            </a:r>
+            <a:r>
+              <a:rPr kumimoji="1" lang="en-US" altLang="zh-CN" sz="2000" b="1" dirty="0">
+                <a:solidFill>
+                  <a:srgbClr val="0432FF"/>
+                </a:solidFill>
+                <a:latin typeface="Courier New" panose="02070309020205020404" pitchFamily="49" charset="0"/>
+                <a:cs typeface="Courier New" panose="02070309020205020404" pitchFamily="49" charset="0"/>
+              </a:rPr>
+              <a:t>int</a:t>
+            </a:r>
+            <a:r>
+              <a:rPr kumimoji="1" lang="zh-CN" altLang="en-US" sz="2000" b="1" dirty="0">
+                <a:solidFill>
+                  <a:srgbClr val="0432FF"/>
+                </a:solidFill>
+                <a:latin typeface="Courier New" panose="02070309020205020404" pitchFamily="49" charset="0"/>
+                <a:cs typeface="Courier New" panose="02070309020205020404" pitchFamily="49" charset="0"/>
+              </a:rPr>
+              <a:t> </a:t>
+            </a:r>
+            <a:r>
+              <a:rPr kumimoji="1" lang="en-US" altLang="zh-CN" sz="2000" b="1" dirty="0">
+                <a:solidFill>
+                  <a:srgbClr val="0432FF"/>
+                </a:solidFill>
+                <a:latin typeface="Courier New" panose="02070309020205020404" pitchFamily="49" charset="0"/>
+                <a:cs typeface="Courier New" panose="02070309020205020404" pitchFamily="49" charset="0"/>
+              </a:rPr>
+              <a:t>y;</a:t>
+            </a:r>
+          </a:p>
+          <a:p>
+            <a:pPr marL="0" indent="0">
+              <a:buNone/>
+            </a:pPr>
+            <a:r>
+              <a:rPr kumimoji="1" lang="zh-CN" altLang="en-US" sz="2000" b="1" dirty="0">
+                <a:solidFill>
+                  <a:srgbClr val="0432FF"/>
+                </a:solidFill>
+                <a:latin typeface="Courier New" panose="02070309020205020404" pitchFamily="49" charset="0"/>
+                <a:cs typeface="Courier New" panose="02070309020205020404" pitchFamily="49" charset="0"/>
+              </a:rPr>
+              <a:t>  </a:t>
+            </a:r>
+            <a:r>
+              <a:rPr kumimoji="1" lang="en-US" altLang="zh-CN" sz="2000" b="1" dirty="0">
+                <a:solidFill>
+                  <a:srgbClr val="0432FF"/>
+                </a:solidFill>
+                <a:latin typeface="Courier New" panose="02070309020205020404" pitchFamily="49" charset="0"/>
+                <a:cs typeface="Courier New" panose="02070309020205020404" pitchFamily="49" charset="0"/>
+              </a:rPr>
+              <a:t>void</a:t>
+            </a:r>
+            <a:r>
+              <a:rPr kumimoji="1" lang="zh-CN" altLang="en-US" sz="2000" b="1" dirty="0">
+                <a:solidFill>
+                  <a:srgbClr val="0432FF"/>
+                </a:solidFill>
+                <a:latin typeface="Courier New" panose="02070309020205020404" pitchFamily="49" charset="0"/>
+                <a:cs typeface="Courier New" panose="02070309020205020404" pitchFamily="49" charset="0"/>
+              </a:rPr>
+              <a:t> </a:t>
+            </a:r>
+            <a:r>
+              <a:rPr kumimoji="1" lang="en-US" altLang="zh-CN" sz="2000" b="1" dirty="0">
+                <a:solidFill>
+                  <a:srgbClr val="0432FF"/>
+                </a:solidFill>
+                <a:latin typeface="Courier New" panose="02070309020205020404" pitchFamily="49" charset="0"/>
+                <a:cs typeface="Courier New" panose="02070309020205020404" pitchFamily="49" charset="0"/>
+              </a:rPr>
+              <a:t>foo();</a:t>
+            </a:r>
+          </a:p>
+          <a:p>
+            <a:pPr marL="0" indent="0">
+              <a:buNone/>
+            </a:pPr>
+            <a:r>
+              <a:rPr kumimoji="1" lang="zh-CN" altLang="en-US" sz="2000" b="1" dirty="0">
+                <a:solidFill>
+                  <a:srgbClr val="0432FF"/>
+                </a:solidFill>
+                <a:latin typeface="Courier New" panose="02070309020205020404" pitchFamily="49" charset="0"/>
+                <a:cs typeface="Courier New" panose="02070309020205020404" pitchFamily="49" charset="0"/>
+              </a:rPr>
+              <a:t>  </a:t>
+            </a:r>
+            <a:r>
+              <a:rPr kumimoji="1" lang="en-US" altLang="zh-CN" sz="2000" b="1" dirty="0">
+                <a:solidFill>
+                  <a:srgbClr val="0432FF"/>
+                </a:solidFill>
+                <a:latin typeface="Courier New" panose="02070309020205020404" pitchFamily="49" charset="0"/>
+                <a:cs typeface="Courier New" panose="02070309020205020404" pitchFamily="49" charset="0"/>
+              </a:rPr>
+              <a:t>void</a:t>
+            </a:r>
+            <a:r>
+              <a:rPr kumimoji="1" lang="zh-CN" altLang="en-US" sz="2000" b="1" dirty="0">
+                <a:solidFill>
+                  <a:srgbClr val="0432FF"/>
+                </a:solidFill>
+                <a:latin typeface="Courier New" panose="02070309020205020404" pitchFamily="49" charset="0"/>
+                <a:cs typeface="Courier New" panose="02070309020205020404" pitchFamily="49" charset="0"/>
+              </a:rPr>
+              <a:t> </a:t>
+            </a:r>
+            <a:r>
+              <a:rPr kumimoji="1" lang="en-US" altLang="zh-CN" sz="2000" b="1" dirty="0">
+                <a:solidFill>
+                  <a:srgbClr val="0432FF"/>
+                </a:solidFill>
+                <a:latin typeface="Courier New" panose="02070309020205020404" pitchFamily="49" charset="0"/>
+                <a:cs typeface="Courier New" panose="02070309020205020404" pitchFamily="49" charset="0"/>
+              </a:rPr>
+              <a:t>bar();</a:t>
+            </a:r>
+          </a:p>
+          <a:p>
+            <a:pPr marL="0" indent="0">
+              <a:buNone/>
+            </a:pPr>
+            <a:r>
+              <a:rPr kumimoji="1" lang="en-US" altLang="zh-CN" sz="2000" b="1" dirty="0">
+                <a:solidFill>
+                  <a:srgbClr val="0432FF"/>
+                </a:solidFill>
+                <a:latin typeface="Courier New" panose="02070309020205020404" pitchFamily="49" charset="0"/>
+                <a:cs typeface="Courier New" panose="02070309020205020404" pitchFamily="49" charset="0"/>
+              </a:rPr>
+              <a:t>}</a:t>
+            </a:r>
+          </a:p>
+        </p:txBody>
+      </p:sp>
+      <p:sp>
+        <p:nvSpPr>
+          <p:cNvPr id="5" name="矩形 4">
+            <a:extLst>
+              <a:ext uri="{FF2B5EF4-FFF2-40B4-BE49-F238E27FC236}">
+                <a16:creationId xmlns:a16="http://schemas.microsoft.com/office/drawing/2014/main" id="{CF0DB5E2-B626-B449-BFCA-E0A4BAEB77E5}"/>
+              </a:ext>
+            </a:extLst>
+          </p:cNvPr>
+          <p:cNvSpPr/>
+          <p:nvPr/>
+        </p:nvSpPr>
+        <p:spPr>
+          <a:xfrm>
+            <a:off x="4800600" y="2286000"/>
+            <a:ext cx="990600" cy="457200"/>
+          </a:xfrm>
+          <a:prstGeom prst="rect">
+            <a:avLst/>
+          </a:prstGeom>
+        </p:spPr>
+        <p:style>
+          <a:lnRef idx="2">
+            <a:schemeClr val="accent1">
+              <a:shade val="50000"/>
+            </a:schemeClr>
+          </a:lnRef>
+          <a:fillRef idx="1">
+            <a:schemeClr val="accent1"/>
+          </a:fillRef>
+          <a:effectRef idx="0">
+            <a:schemeClr val="accent1"/>
+          </a:effectRef>
+          <a:fontRef idx="minor">
+            <a:schemeClr val="lt1"/>
+          </a:fontRef>
+        </p:style>
+        <p:txBody>
+          <a:bodyPr rtlCol="0" anchor="ctr"/>
+          <a:lstStyle/>
+          <a:p>
+            <a:pPr algn="ctr"/>
+            <a:r>
+              <a:rPr kumimoji="1" lang="en-US" altLang="zh-CN" dirty="0" err="1"/>
+              <a:t>vptr</a:t>
+            </a:r>
+            <a:endParaRPr kumimoji="1" lang="zh-CN" altLang="en-US" dirty="0"/>
+          </a:p>
+        </p:txBody>
+      </p:sp>
+      <p:sp>
+        <p:nvSpPr>
+          <p:cNvPr id="6" name="矩形 5">
+            <a:extLst>
+              <a:ext uri="{FF2B5EF4-FFF2-40B4-BE49-F238E27FC236}">
+                <a16:creationId xmlns:a16="http://schemas.microsoft.com/office/drawing/2014/main" id="{BA0F3875-56CB-B842-81B4-602158DACFE8}"/>
+              </a:ext>
+            </a:extLst>
+          </p:cNvPr>
+          <p:cNvSpPr/>
+          <p:nvPr/>
+        </p:nvSpPr>
+        <p:spPr>
+          <a:xfrm>
+            <a:off x="4800600" y="2743200"/>
+            <a:ext cx="990600" cy="457200"/>
+          </a:xfrm>
+          <a:prstGeom prst="rect">
+            <a:avLst/>
+          </a:prstGeom>
+        </p:spPr>
+        <p:style>
+          <a:lnRef idx="2">
+            <a:schemeClr val="accent1">
+              <a:shade val="50000"/>
+            </a:schemeClr>
+          </a:lnRef>
+          <a:fillRef idx="1">
+            <a:schemeClr val="accent1"/>
+          </a:fillRef>
+          <a:effectRef idx="0">
+            <a:schemeClr val="accent1"/>
+          </a:effectRef>
+          <a:fontRef idx="minor">
+            <a:schemeClr val="lt1"/>
+          </a:fontRef>
+        </p:style>
+        <p:txBody>
+          <a:bodyPr rtlCol="0" anchor="ctr"/>
+          <a:lstStyle/>
+          <a:p>
+            <a:pPr algn="ctr"/>
+            <a:r>
+              <a:rPr kumimoji="1" lang="en-US" altLang="zh-CN" dirty="0"/>
+              <a:t>x</a:t>
+            </a:r>
+            <a:endParaRPr kumimoji="1" lang="zh-CN" altLang="en-US" dirty="0"/>
+          </a:p>
+        </p:txBody>
+      </p:sp>
+      <p:sp>
+        <p:nvSpPr>
+          <p:cNvPr id="7" name="矩形 6">
+            <a:extLst>
+              <a:ext uri="{FF2B5EF4-FFF2-40B4-BE49-F238E27FC236}">
+                <a16:creationId xmlns:a16="http://schemas.microsoft.com/office/drawing/2014/main" id="{9386F0B3-8FFD-2E4A-9B56-B952716246BE}"/>
+              </a:ext>
+            </a:extLst>
+          </p:cNvPr>
+          <p:cNvSpPr/>
+          <p:nvPr/>
+        </p:nvSpPr>
+        <p:spPr>
+          <a:xfrm>
+            <a:off x="6629400" y="2286000"/>
+            <a:ext cx="990600" cy="457200"/>
+          </a:xfrm>
+          <a:prstGeom prst="rect">
+            <a:avLst/>
+          </a:prstGeom>
+          <a:solidFill>
+            <a:srgbClr val="92D050"/>
+          </a:solidFill>
+        </p:spPr>
+        <p:style>
+          <a:lnRef idx="2">
+            <a:schemeClr val="accent1">
+              <a:shade val="50000"/>
+            </a:schemeClr>
+          </a:lnRef>
+          <a:fillRef idx="1">
+            <a:schemeClr val="accent1"/>
+          </a:fillRef>
+          <a:effectRef idx="0">
+            <a:schemeClr val="accent1"/>
+          </a:effectRef>
+          <a:fontRef idx="minor">
+            <a:schemeClr val="lt1"/>
+          </a:fontRef>
+        </p:style>
+        <p:txBody>
+          <a:bodyPr rtlCol="0" anchor="ctr"/>
+          <a:lstStyle/>
+          <a:p>
+            <a:pPr algn="ctr"/>
+            <a:r>
+              <a:rPr kumimoji="1" lang="en-US" altLang="zh-CN" dirty="0"/>
+              <a:t>A::foo</a:t>
+            </a:r>
+            <a:endParaRPr kumimoji="1" lang="zh-CN" altLang="en-US" dirty="0"/>
+          </a:p>
+        </p:txBody>
+      </p:sp>
+      <p:cxnSp>
+        <p:nvCxnSpPr>
+          <p:cNvPr id="9" name="直线箭头连接符 8">
+            <a:extLst>
+              <a:ext uri="{FF2B5EF4-FFF2-40B4-BE49-F238E27FC236}">
+                <a16:creationId xmlns:a16="http://schemas.microsoft.com/office/drawing/2014/main" id="{1929FA92-E312-DE43-8BD7-828F48CA8C1D}"/>
+              </a:ext>
+            </a:extLst>
+          </p:cNvPr>
+          <p:cNvCxnSpPr>
+            <a:endCxn id="7" idx="1"/>
+          </p:cNvCxnSpPr>
+          <p:nvPr/>
+        </p:nvCxnSpPr>
+        <p:spPr>
+          <a:xfrm>
+            <a:off x="5562600" y="2514600"/>
+            <a:ext cx="1066800" cy="0"/>
+          </a:xfrm>
+          <a:prstGeom prst="straightConnector1">
+            <a:avLst/>
+          </a:prstGeom>
+          <a:ln w="38100">
+            <a:tailEnd type="triangle"/>
+          </a:ln>
+        </p:spPr>
+        <p:style>
+          <a:lnRef idx="1">
+            <a:schemeClr val="accent1"/>
+          </a:lnRef>
+          <a:fillRef idx="0">
+            <a:schemeClr val="accent1"/>
+          </a:fillRef>
+          <a:effectRef idx="0">
+            <a:schemeClr val="accent1"/>
+          </a:effectRef>
+          <a:fontRef idx="minor">
+            <a:schemeClr val="tx1"/>
+          </a:fontRef>
+        </p:style>
+      </p:cxnSp>
+      <p:sp>
+        <p:nvSpPr>
+          <p:cNvPr id="10" name="矩形 9">
+            <a:extLst>
+              <a:ext uri="{FF2B5EF4-FFF2-40B4-BE49-F238E27FC236}">
+                <a16:creationId xmlns:a16="http://schemas.microsoft.com/office/drawing/2014/main" id="{20276812-DAE1-DC47-9C2A-C8E09A5DCE51}"/>
+              </a:ext>
+            </a:extLst>
+          </p:cNvPr>
+          <p:cNvSpPr/>
+          <p:nvPr/>
+        </p:nvSpPr>
+        <p:spPr>
+          <a:xfrm>
+            <a:off x="4800600" y="3733800"/>
+            <a:ext cx="990600" cy="457200"/>
+          </a:xfrm>
+          <a:prstGeom prst="rect">
+            <a:avLst/>
+          </a:prstGeom>
+        </p:spPr>
+        <p:style>
+          <a:lnRef idx="2">
+            <a:schemeClr val="accent1">
+              <a:shade val="50000"/>
+            </a:schemeClr>
+          </a:lnRef>
+          <a:fillRef idx="1">
+            <a:schemeClr val="accent1"/>
+          </a:fillRef>
+          <a:effectRef idx="0">
+            <a:schemeClr val="accent1"/>
+          </a:effectRef>
+          <a:fontRef idx="minor">
+            <a:schemeClr val="lt1"/>
+          </a:fontRef>
+        </p:style>
+        <p:txBody>
+          <a:bodyPr rtlCol="0" anchor="ctr"/>
+          <a:lstStyle/>
+          <a:p>
+            <a:pPr algn="ctr"/>
+            <a:r>
+              <a:rPr kumimoji="1" lang="en-US" altLang="zh-CN" dirty="0" err="1"/>
+              <a:t>vptr</a:t>
+            </a:r>
+            <a:endParaRPr kumimoji="1" lang="zh-CN" altLang="en-US" dirty="0"/>
+          </a:p>
+        </p:txBody>
+      </p:sp>
+      <p:sp>
+        <p:nvSpPr>
+          <p:cNvPr id="11" name="矩形 10">
+            <a:extLst>
+              <a:ext uri="{FF2B5EF4-FFF2-40B4-BE49-F238E27FC236}">
+                <a16:creationId xmlns:a16="http://schemas.microsoft.com/office/drawing/2014/main" id="{EBDD8FD5-7184-334A-8287-DDD9B0D111CF}"/>
+              </a:ext>
+            </a:extLst>
+          </p:cNvPr>
+          <p:cNvSpPr/>
+          <p:nvPr/>
+        </p:nvSpPr>
+        <p:spPr>
+          <a:xfrm>
+            <a:off x="4800600" y="4191000"/>
+            <a:ext cx="990600" cy="457200"/>
+          </a:xfrm>
+          <a:prstGeom prst="rect">
+            <a:avLst/>
+          </a:prstGeom>
+        </p:spPr>
+        <p:style>
+          <a:lnRef idx="2">
+            <a:schemeClr val="accent1">
+              <a:shade val="50000"/>
+            </a:schemeClr>
+          </a:lnRef>
+          <a:fillRef idx="1">
+            <a:schemeClr val="accent1"/>
+          </a:fillRef>
+          <a:effectRef idx="0">
+            <a:schemeClr val="accent1"/>
+          </a:effectRef>
+          <a:fontRef idx="minor">
+            <a:schemeClr val="lt1"/>
+          </a:fontRef>
+        </p:style>
+        <p:txBody>
+          <a:bodyPr rtlCol="0" anchor="ctr"/>
+          <a:lstStyle/>
+          <a:p>
+            <a:pPr algn="ctr"/>
+            <a:r>
+              <a:rPr kumimoji="1" lang="en-US" altLang="zh-CN" dirty="0"/>
+              <a:t>x</a:t>
+            </a:r>
+            <a:endParaRPr kumimoji="1" lang="zh-CN" altLang="en-US" dirty="0"/>
+          </a:p>
+        </p:txBody>
+      </p:sp>
+      <p:sp>
+        <p:nvSpPr>
+          <p:cNvPr id="12" name="矩形 11">
+            <a:extLst>
+              <a:ext uri="{FF2B5EF4-FFF2-40B4-BE49-F238E27FC236}">
+                <a16:creationId xmlns:a16="http://schemas.microsoft.com/office/drawing/2014/main" id="{26FC493A-8A95-DD48-8EB5-6C66D2BEF17E}"/>
+              </a:ext>
+            </a:extLst>
+          </p:cNvPr>
+          <p:cNvSpPr/>
+          <p:nvPr/>
+        </p:nvSpPr>
+        <p:spPr>
+          <a:xfrm>
+            <a:off x="6629400" y="3733800"/>
+            <a:ext cx="990600" cy="457200"/>
+          </a:xfrm>
+          <a:prstGeom prst="rect">
+            <a:avLst/>
+          </a:prstGeom>
+          <a:solidFill>
+            <a:srgbClr val="92D050"/>
+          </a:solidFill>
+        </p:spPr>
+        <p:style>
+          <a:lnRef idx="2">
+            <a:schemeClr val="accent1">
+              <a:shade val="50000"/>
+            </a:schemeClr>
+          </a:lnRef>
+          <a:fillRef idx="1">
+            <a:schemeClr val="accent1"/>
+          </a:fillRef>
+          <a:effectRef idx="0">
+            <a:schemeClr val="accent1"/>
+          </a:effectRef>
+          <a:fontRef idx="minor">
+            <a:schemeClr val="lt1"/>
+          </a:fontRef>
+        </p:style>
+        <p:txBody>
+          <a:bodyPr rtlCol="0" anchor="ctr"/>
+          <a:lstStyle/>
+          <a:p>
+            <a:pPr algn="ctr"/>
+            <a:r>
+              <a:rPr kumimoji="1" lang="en-US" altLang="zh-CN" dirty="0"/>
+              <a:t>B::foo</a:t>
+            </a:r>
+            <a:endParaRPr kumimoji="1" lang="zh-CN" altLang="en-US" dirty="0"/>
+          </a:p>
+        </p:txBody>
+      </p:sp>
+      <p:cxnSp>
+        <p:nvCxnSpPr>
+          <p:cNvPr id="13" name="直线箭头连接符 12">
+            <a:extLst>
+              <a:ext uri="{FF2B5EF4-FFF2-40B4-BE49-F238E27FC236}">
+                <a16:creationId xmlns:a16="http://schemas.microsoft.com/office/drawing/2014/main" id="{F4DECB5A-5B34-B142-AF04-B4F96901291B}"/>
+              </a:ext>
+            </a:extLst>
+          </p:cNvPr>
+          <p:cNvCxnSpPr>
+            <a:endCxn id="12" idx="1"/>
+          </p:cNvCxnSpPr>
+          <p:nvPr/>
+        </p:nvCxnSpPr>
+        <p:spPr>
+          <a:xfrm>
+            <a:off x="5562600" y="3962400"/>
+            <a:ext cx="1066800" cy="0"/>
+          </a:xfrm>
+          <a:prstGeom prst="straightConnector1">
+            <a:avLst/>
+          </a:prstGeom>
+          <a:ln w="38100">
+            <a:tailEnd type="triangle"/>
+          </a:ln>
+        </p:spPr>
+        <p:style>
+          <a:lnRef idx="1">
+            <a:schemeClr val="accent1"/>
+          </a:lnRef>
+          <a:fillRef idx="0">
+            <a:schemeClr val="accent1"/>
+          </a:fillRef>
+          <a:effectRef idx="0">
+            <a:schemeClr val="accent1"/>
+          </a:effectRef>
+          <a:fontRef idx="minor">
+            <a:schemeClr val="tx1"/>
+          </a:fontRef>
+        </p:style>
+      </p:cxnSp>
+      <p:sp>
+        <p:nvSpPr>
+          <p:cNvPr id="14" name="矩形 13">
+            <a:extLst>
+              <a:ext uri="{FF2B5EF4-FFF2-40B4-BE49-F238E27FC236}">
+                <a16:creationId xmlns:a16="http://schemas.microsoft.com/office/drawing/2014/main" id="{33D78FE0-3FCE-AA4F-AFC0-41DD24B0B635}"/>
+              </a:ext>
+            </a:extLst>
+          </p:cNvPr>
+          <p:cNvSpPr/>
+          <p:nvPr/>
+        </p:nvSpPr>
+        <p:spPr>
+          <a:xfrm>
+            <a:off x="4800600" y="4648199"/>
+            <a:ext cx="990600" cy="457200"/>
+          </a:xfrm>
+          <a:prstGeom prst="rect">
+            <a:avLst/>
+          </a:prstGeom>
+        </p:spPr>
+        <p:style>
+          <a:lnRef idx="2">
+            <a:schemeClr val="accent1">
+              <a:shade val="50000"/>
+            </a:schemeClr>
+          </a:lnRef>
+          <a:fillRef idx="1">
+            <a:schemeClr val="accent1"/>
+          </a:fillRef>
+          <a:effectRef idx="0">
+            <a:schemeClr val="accent1"/>
+          </a:effectRef>
+          <a:fontRef idx="minor">
+            <a:schemeClr val="lt1"/>
+          </a:fontRef>
+        </p:style>
+        <p:txBody>
+          <a:bodyPr rtlCol="0" anchor="ctr"/>
+          <a:lstStyle/>
+          <a:p>
+            <a:pPr algn="ctr"/>
+            <a:r>
+              <a:rPr kumimoji="1" lang="en-US" altLang="zh-CN" dirty="0"/>
+              <a:t>y</a:t>
+            </a:r>
+            <a:endParaRPr kumimoji="1" lang="zh-CN" altLang="en-US" dirty="0"/>
+          </a:p>
+        </p:txBody>
+      </p:sp>
+      <p:sp>
+        <p:nvSpPr>
+          <p:cNvPr id="15" name="矩形 14">
+            <a:extLst>
+              <a:ext uri="{FF2B5EF4-FFF2-40B4-BE49-F238E27FC236}">
+                <a16:creationId xmlns:a16="http://schemas.microsoft.com/office/drawing/2014/main" id="{1A463D27-E0BC-1C40-B5E6-90E0430F088D}"/>
+              </a:ext>
+            </a:extLst>
+          </p:cNvPr>
+          <p:cNvSpPr/>
+          <p:nvPr/>
+        </p:nvSpPr>
+        <p:spPr>
+          <a:xfrm>
+            <a:off x="6629400" y="4191000"/>
+            <a:ext cx="990600" cy="457200"/>
+          </a:xfrm>
+          <a:prstGeom prst="rect">
+            <a:avLst/>
+          </a:prstGeom>
+          <a:solidFill>
+            <a:srgbClr val="92D050"/>
+          </a:solidFill>
+        </p:spPr>
+        <p:style>
+          <a:lnRef idx="2">
+            <a:schemeClr val="accent1">
+              <a:shade val="50000"/>
+            </a:schemeClr>
+          </a:lnRef>
+          <a:fillRef idx="1">
+            <a:schemeClr val="accent1"/>
+          </a:fillRef>
+          <a:effectRef idx="0">
+            <a:schemeClr val="accent1"/>
+          </a:effectRef>
+          <a:fontRef idx="minor">
+            <a:schemeClr val="lt1"/>
+          </a:fontRef>
+        </p:style>
+        <p:txBody>
+          <a:bodyPr rtlCol="0" anchor="ctr"/>
+          <a:lstStyle/>
+          <a:p>
+            <a:pPr algn="ctr"/>
+            <a:r>
+              <a:rPr kumimoji="1" lang="en-US" altLang="zh-CN" dirty="0"/>
+              <a:t>A::</a:t>
+            </a:r>
+            <a:r>
+              <a:rPr kumimoji="1" lang="en-US" altLang="zh-CN" dirty="0" err="1"/>
+              <a:t>baz</a:t>
+            </a:r>
+            <a:endParaRPr kumimoji="1" lang="zh-CN" altLang="en-US" dirty="0"/>
+          </a:p>
+        </p:txBody>
+      </p:sp>
+      <p:sp>
+        <p:nvSpPr>
+          <p:cNvPr id="16" name="矩形 15">
+            <a:extLst>
+              <a:ext uri="{FF2B5EF4-FFF2-40B4-BE49-F238E27FC236}">
+                <a16:creationId xmlns:a16="http://schemas.microsoft.com/office/drawing/2014/main" id="{4412A7E5-4CD2-834D-A9AC-B2E2FDCCC6ED}"/>
+              </a:ext>
+            </a:extLst>
+          </p:cNvPr>
+          <p:cNvSpPr/>
+          <p:nvPr/>
+        </p:nvSpPr>
+        <p:spPr>
+          <a:xfrm>
+            <a:off x="6629400" y="2743200"/>
+            <a:ext cx="990600" cy="457200"/>
+          </a:xfrm>
+          <a:prstGeom prst="rect">
+            <a:avLst/>
+          </a:prstGeom>
+          <a:solidFill>
+            <a:srgbClr val="92D050"/>
+          </a:solidFill>
+        </p:spPr>
+        <p:style>
+          <a:lnRef idx="2">
+            <a:schemeClr val="accent1">
+              <a:shade val="50000"/>
+            </a:schemeClr>
+          </a:lnRef>
+          <a:fillRef idx="1">
+            <a:schemeClr val="accent1"/>
+          </a:fillRef>
+          <a:effectRef idx="0">
+            <a:schemeClr val="accent1"/>
+          </a:effectRef>
+          <a:fontRef idx="minor">
+            <a:schemeClr val="lt1"/>
+          </a:fontRef>
+        </p:style>
+        <p:txBody>
+          <a:bodyPr rtlCol="0" anchor="ctr"/>
+          <a:lstStyle/>
+          <a:p>
+            <a:pPr algn="ctr"/>
+            <a:r>
+              <a:rPr kumimoji="1" lang="en-US" altLang="zh-CN" dirty="0"/>
+              <a:t>A::</a:t>
+            </a:r>
+            <a:r>
+              <a:rPr kumimoji="1" lang="en-US" altLang="zh-CN" dirty="0" err="1"/>
+              <a:t>baz</a:t>
+            </a:r>
+            <a:endParaRPr kumimoji="1" lang="zh-CN" altLang="en-US" dirty="0"/>
+          </a:p>
+        </p:txBody>
+      </p:sp>
+      <p:sp>
+        <p:nvSpPr>
+          <p:cNvPr id="17" name="矩形 16">
+            <a:extLst>
+              <a:ext uri="{FF2B5EF4-FFF2-40B4-BE49-F238E27FC236}">
+                <a16:creationId xmlns:a16="http://schemas.microsoft.com/office/drawing/2014/main" id="{B5257281-F2F0-8141-8524-5B162A6D969A}"/>
+              </a:ext>
+            </a:extLst>
+          </p:cNvPr>
+          <p:cNvSpPr/>
+          <p:nvPr/>
+        </p:nvSpPr>
+        <p:spPr>
+          <a:xfrm>
+            <a:off x="6629400" y="4648199"/>
+            <a:ext cx="990600" cy="457200"/>
+          </a:xfrm>
+          <a:prstGeom prst="rect">
+            <a:avLst/>
+          </a:prstGeom>
+          <a:solidFill>
+            <a:srgbClr val="92D050"/>
+          </a:solidFill>
+        </p:spPr>
+        <p:style>
+          <a:lnRef idx="2">
+            <a:schemeClr val="accent1">
+              <a:shade val="50000"/>
+            </a:schemeClr>
+          </a:lnRef>
+          <a:fillRef idx="1">
+            <a:schemeClr val="accent1"/>
+          </a:fillRef>
+          <a:effectRef idx="0">
+            <a:schemeClr val="accent1"/>
+          </a:effectRef>
+          <a:fontRef idx="minor">
+            <a:schemeClr val="lt1"/>
+          </a:fontRef>
+        </p:style>
+        <p:txBody>
+          <a:bodyPr rtlCol="0" anchor="ctr"/>
+          <a:lstStyle/>
+          <a:p>
+            <a:pPr algn="ctr"/>
+            <a:r>
+              <a:rPr kumimoji="1" lang="en-US" altLang="zh-CN" dirty="0"/>
+              <a:t>B::bar</a:t>
+            </a:r>
+            <a:endParaRPr kumimoji="1" lang="zh-CN" altLang="en-US" dirty="0"/>
+          </a:p>
+        </p:txBody>
+      </p:sp>
+    </p:spTree>
+    <p:extLst>
+      <p:ext uri="{BB962C8B-B14F-4D97-AF65-F5344CB8AC3E}">
+        <p14:creationId xmlns:p14="http://schemas.microsoft.com/office/powerpoint/2010/main" val="2706934080"/>
+      </p:ext>
+    </p:extLst>
+  </p:cSld>
+  <p:clrMapOvr>
+    <a:masterClrMapping/>
+  </p:clrMapOvr>
+</p:sld>
+</file>
+
+<file path=ppt/slides/slide14.xml><?xml version="1.0" encoding="utf-8"?>
+<p:sld xmlns:a="http://schemas.openxmlformats.org/drawingml/2006/main" xmlns:r="http://schemas.openxmlformats.org/officeDocument/2006/relationships" xmlns:p="http://schemas.openxmlformats.org/presentationml/2006/main">
+  <p:cSld>
+    <p:spTree>
+      <p:nvGrpSpPr>
+        <p:cNvPr id="1" name=""/>
+        <p:cNvGrpSpPr/>
+        <p:nvPr/>
+      </p:nvGrpSpPr>
+      <p:grpSpPr>
+        <a:xfrm>
+          <a:off x="0" y="0"/>
+          <a:ext cx="0" cy="0"/>
+          <a:chOff x="0" y="0"/>
+          <a:chExt cx="0" cy="0"/>
+        </a:xfrm>
+      </p:grpSpPr>
+      <p:sp>
+        <p:nvSpPr>
+          <p:cNvPr id="2" name="标题 1">
+            <a:extLst>
+              <a:ext uri="{FF2B5EF4-FFF2-40B4-BE49-F238E27FC236}">
+                <a16:creationId xmlns:a16="http://schemas.microsoft.com/office/drawing/2014/main" id="{0A75F11F-C78A-904E-AB8C-72A70AF2A0A3}"/>
+              </a:ext>
+            </a:extLst>
+          </p:cNvPr>
+          <p:cNvSpPr>
+            <a:spLocks noGrp="1"/>
+          </p:cNvSpPr>
+          <p:nvPr>
+            <p:ph type="title"/>
+          </p:nvPr>
+        </p:nvSpPr>
+        <p:spPr/>
+        <p:txBody>
+          <a:bodyPr/>
+          <a:lstStyle/>
+          <a:p>
+            <a:r>
+              <a:rPr kumimoji="1" lang="en-US" altLang="zh-CN" dirty="0"/>
+              <a:t>Open</a:t>
+            </a:r>
+            <a:r>
+              <a:rPr kumimoji="1" lang="zh-CN" altLang="en-US" dirty="0"/>
+              <a:t> </a:t>
+            </a:r>
+            <a:r>
+              <a:rPr kumimoji="1" lang="en-US" altLang="zh-CN" dirty="0"/>
+              <a:t>recursion</a:t>
+            </a:r>
+          </a:p>
+        </p:txBody>
+      </p:sp>
+      <p:sp>
+        <p:nvSpPr>
+          <p:cNvPr id="3" name="内容占位符 2">
+            <a:extLst>
+              <a:ext uri="{FF2B5EF4-FFF2-40B4-BE49-F238E27FC236}">
+                <a16:creationId xmlns:a16="http://schemas.microsoft.com/office/drawing/2014/main" id="{89440B6A-6E75-1444-8401-F897E1580908}"/>
+              </a:ext>
+            </a:extLst>
+          </p:cNvPr>
+          <p:cNvSpPr>
+            <a:spLocks noGrp="1"/>
+          </p:cNvSpPr>
+          <p:nvPr>
+            <p:ph idx="1"/>
+          </p:nvPr>
+        </p:nvSpPr>
+        <p:spPr/>
+        <p:txBody>
+          <a:bodyPr/>
+          <a:lstStyle/>
+          <a:p>
+            <a:r>
+              <a:rPr kumimoji="1" lang="en-US" altLang="zh-CN" dirty="0"/>
+              <a:t>The</a:t>
+            </a:r>
+            <a:r>
+              <a:rPr kumimoji="1" lang="zh-CN" altLang="en-US" dirty="0"/>
+              <a:t> </a:t>
+            </a:r>
+            <a:r>
+              <a:rPr kumimoji="1" lang="en-US" altLang="zh-CN" dirty="0"/>
+              <a:t>behavior</a:t>
+            </a:r>
+            <a:r>
+              <a:rPr kumimoji="1" lang="zh-CN" altLang="en-US" dirty="0"/>
+              <a:t> </a:t>
+            </a:r>
+            <a:r>
+              <a:rPr kumimoji="1" lang="en-US" altLang="zh-CN" dirty="0"/>
+              <a:t>of</a:t>
+            </a:r>
+            <a:r>
+              <a:rPr kumimoji="1" lang="zh-CN" altLang="en-US" dirty="0"/>
+              <a:t> </a:t>
+            </a:r>
+            <a:r>
+              <a:rPr kumimoji="1" lang="en-US" altLang="zh-CN" dirty="0"/>
+              <a:t>“</a:t>
+            </a:r>
+            <a:r>
+              <a:rPr kumimoji="1" lang="en-US" altLang="zh-CN" dirty="0">
+                <a:solidFill>
+                  <a:srgbClr val="0432FF"/>
+                </a:solidFill>
+              </a:rPr>
+              <a:t>this</a:t>
+            </a:r>
+            <a:r>
+              <a:rPr kumimoji="1" lang="en-US" altLang="zh-CN" dirty="0"/>
+              <a:t>”</a:t>
+            </a:r>
+            <a:r>
+              <a:rPr kumimoji="1" lang="zh-CN" altLang="en-US" dirty="0"/>
+              <a:t> </a:t>
+            </a:r>
+            <a:r>
+              <a:rPr kumimoji="1" lang="en-US" altLang="zh-CN" dirty="0"/>
+              <a:t>is</a:t>
+            </a:r>
+            <a:r>
+              <a:rPr kumimoji="1" lang="zh-CN" altLang="en-US" dirty="0"/>
+              <a:t> </a:t>
+            </a:r>
+            <a:r>
+              <a:rPr kumimoji="1" lang="en-US" altLang="zh-CN" dirty="0"/>
+              <a:t>very</a:t>
+            </a:r>
+            <a:r>
+              <a:rPr kumimoji="1" lang="zh-CN" altLang="en-US" dirty="0"/>
+              <a:t> </a:t>
+            </a:r>
+            <a:r>
+              <a:rPr kumimoji="1" lang="en-US" altLang="zh-CN" dirty="0"/>
+              <a:t>special</a:t>
+            </a:r>
+          </a:p>
+          <a:p>
+            <a:r>
+              <a:rPr kumimoji="1" lang="en-US" altLang="zh-CN" dirty="0"/>
+              <a:t>It</a:t>
+            </a:r>
+            <a:r>
+              <a:rPr kumimoji="1" lang="zh-CN" altLang="en-US" dirty="0"/>
+              <a:t> </a:t>
+            </a:r>
+            <a:r>
+              <a:rPr kumimoji="1" lang="en-US" altLang="zh-CN" dirty="0"/>
+              <a:t>allows</a:t>
+            </a:r>
+            <a:r>
+              <a:rPr kumimoji="1" lang="zh-CN" altLang="en-US" dirty="0"/>
+              <a:t> </a:t>
+            </a:r>
+            <a:r>
+              <a:rPr kumimoji="1" lang="en-US" altLang="zh-CN" dirty="0"/>
+              <a:t>to</a:t>
+            </a:r>
+            <a:r>
+              <a:rPr kumimoji="1" lang="zh-CN" altLang="en-US" dirty="0"/>
+              <a:t> </a:t>
+            </a:r>
+            <a:r>
+              <a:rPr kumimoji="1" lang="en-US" altLang="zh-CN" dirty="0"/>
+              <a:t>late</a:t>
+            </a:r>
+            <a:r>
+              <a:rPr kumimoji="1" lang="zh-CN" altLang="en-US" dirty="0"/>
+              <a:t> </a:t>
+            </a:r>
+            <a:r>
+              <a:rPr kumimoji="1" lang="en-US" altLang="zh-CN" dirty="0"/>
+              <a:t>binding</a:t>
+            </a:r>
+            <a:r>
+              <a:rPr kumimoji="1" lang="zh-CN" altLang="en-US" dirty="0"/>
+              <a:t> </a:t>
+            </a:r>
+            <a:r>
+              <a:rPr kumimoji="1" lang="en-US" altLang="zh-CN" dirty="0"/>
+              <a:t>of</a:t>
+            </a:r>
+            <a:r>
+              <a:rPr kumimoji="1" lang="zh-CN" altLang="en-US" dirty="0"/>
+              <a:t> </a:t>
+            </a:r>
+            <a:r>
+              <a:rPr kumimoji="1" lang="en-US" altLang="zh-CN" dirty="0"/>
+              <a:t>some</a:t>
+            </a:r>
+            <a:r>
+              <a:rPr kumimoji="1" lang="zh-CN" altLang="en-US" dirty="0"/>
+              <a:t> </a:t>
+            </a:r>
+            <a:r>
+              <a:rPr kumimoji="1" lang="en-US" altLang="zh-CN" dirty="0"/>
+              <a:t>methods</a:t>
+            </a:r>
+          </a:p>
+          <a:p>
+            <a:pPr lvl="1"/>
+            <a:r>
+              <a:rPr kumimoji="1" lang="en-US" altLang="zh-CN" dirty="0"/>
+              <a:t>that</a:t>
+            </a:r>
+            <a:r>
+              <a:rPr kumimoji="1" lang="zh-CN" altLang="en-US" dirty="0"/>
+              <a:t> </a:t>
+            </a:r>
+            <a:r>
+              <a:rPr kumimoji="1" lang="en-US" altLang="zh-CN" dirty="0"/>
+              <a:t>is,</a:t>
+            </a:r>
+            <a:r>
+              <a:rPr kumimoji="1" lang="zh-CN" altLang="en-US" dirty="0"/>
+              <a:t> </a:t>
+            </a:r>
+            <a:r>
+              <a:rPr kumimoji="1" lang="en-US" altLang="zh-CN" dirty="0"/>
+              <a:t>to</a:t>
+            </a:r>
+            <a:r>
+              <a:rPr kumimoji="1" lang="zh-CN" altLang="en-US" dirty="0"/>
+              <a:t> </a:t>
+            </a:r>
+            <a:r>
+              <a:rPr kumimoji="1" lang="en-US" altLang="zh-CN" dirty="0"/>
+              <a:t>invoke</a:t>
+            </a:r>
+            <a:r>
+              <a:rPr kumimoji="1" lang="zh-CN" altLang="en-US" dirty="0"/>
+              <a:t> </a:t>
+            </a:r>
+            <a:r>
+              <a:rPr kumimoji="1" lang="en-US" altLang="zh-CN" dirty="0"/>
+              <a:t>current</a:t>
+            </a:r>
+            <a:r>
+              <a:rPr kumimoji="1" lang="zh-CN" altLang="en-US" dirty="0"/>
+              <a:t> </a:t>
+            </a:r>
+            <a:r>
+              <a:rPr kumimoji="1" lang="en-US" altLang="zh-CN" dirty="0"/>
+              <a:t>unavailable</a:t>
+            </a:r>
+            <a:r>
+              <a:rPr kumimoji="1" lang="zh-CN" altLang="en-US" dirty="0"/>
+              <a:t> </a:t>
+            </a:r>
+            <a:r>
+              <a:rPr kumimoji="1" lang="en-US" altLang="zh-CN" dirty="0"/>
+              <a:t>methods</a:t>
+            </a:r>
+          </a:p>
+        </p:txBody>
+      </p:sp>
+    </p:spTree>
+    <p:extLst>
+      <p:ext uri="{BB962C8B-B14F-4D97-AF65-F5344CB8AC3E}">
+        <p14:creationId xmlns:p14="http://schemas.microsoft.com/office/powerpoint/2010/main" val="1053056372"/>
+      </p:ext>
+    </p:extLst>
+  </p:cSld>
+  <p:clrMapOvr>
+    <a:masterClrMapping/>
+  </p:clrMapOvr>
+</p:sld>
+</file>
+
+<file path=ppt/slides/slide15.xml><?xml version="1.0" encoding="utf-8"?>
+<p:sld xmlns:a="http://schemas.openxmlformats.org/drawingml/2006/main" xmlns:r="http://schemas.openxmlformats.org/officeDocument/2006/relationships" xmlns:p="http://schemas.openxmlformats.org/presentationml/2006/main">
+  <p:cSld>
+    <p:spTree>
+      <p:nvGrpSpPr>
+        <p:cNvPr id="1" name=""/>
+        <p:cNvGrpSpPr/>
+        <p:nvPr/>
+      </p:nvGrpSpPr>
+      <p:grpSpPr>
+        <a:xfrm>
+          <a:off x="0" y="0"/>
+          <a:ext cx="0" cy="0"/>
+          <a:chOff x="0" y="0"/>
+          <a:chExt cx="0" cy="0"/>
+        </a:xfrm>
+      </p:grpSpPr>
+      <p:sp>
+        <p:nvSpPr>
+          <p:cNvPr id="2" name="标题 1">
+            <a:extLst>
+              <a:ext uri="{FF2B5EF4-FFF2-40B4-BE49-F238E27FC236}">
+                <a16:creationId xmlns:a16="http://schemas.microsoft.com/office/drawing/2014/main" id="{0A75F11F-C78A-904E-AB8C-72A70AF2A0A3}"/>
+              </a:ext>
+            </a:extLst>
+          </p:cNvPr>
+          <p:cNvSpPr>
+            <a:spLocks noGrp="1"/>
+          </p:cNvSpPr>
+          <p:nvPr>
+            <p:ph type="title"/>
+          </p:nvPr>
+        </p:nvSpPr>
+        <p:spPr/>
+        <p:txBody>
+          <a:bodyPr/>
+          <a:lstStyle/>
+          <a:p>
+            <a:r>
+              <a:rPr kumimoji="1" lang="en-US" altLang="zh-CN" dirty="0"/>
+              <a:t>Open</a:t>
+            </a:r>
+            <a:r>
+              <a:rPr kumimoji="1" lang="zh-CN" altLang="en-US" dirty="0"/>
+              <a:t> </a:t>
+            </a:r>
+            <a:r>
+              <a:rPr kumimoji="1" lang="en-US" altLang="zh-CN" dirty="0"/>
+              <a:t>recursion</a:t>
+            </a:r>
+          </a:p>
+        </p:txBody>
+      </p:sp>
+      <p:sp>
+        <p:nvSpPr>
+          <p:cNvPr id="3" name="内容占位符 2">
+            <a:extLst>
+              <a:ext uri="{FF2B5EF4-FFF2-40B4-BE49-F238E27FC236}">
+                <a16:creationId xmlns:a16="http://schemas.microsoft.com/office/drawing/2014/main" id="{89440B6A-6E75-1444-8401-F897E1580908}"/>
+              </a:ext>
+            </a:extLst>
+          </p:cNvPr>
+          <p:cNvSpPr>
+            <a:spLocks noGrp="1"/>
+          </p:cNvSpPr>
+          <p:nvPr>
+            <p:ph idx="1"/>
+          </p:nvPr>
+        </p:nvSpPr>
+        <p:spPr>
+          <a:xfrm>
+            <a:off x="152400" y="2133600"/>
+            <a:ext cx="4419600" cy="4114800"/>
+          </a:xfrm>
+        </p:spPr>
+        <p:txBody>
+          <a:bodyPr/>
+          <a:lstStyle/>
+          <a:p>
+            <a:pPr marL="0" indent="0">
+              <a:buNone/>
+            </a:pPr>
+            <a:r>
+              <a:rPr kumimoji="1" lang="en-US" altLang="zh-CN" sz="2000" b="1" dirty="0">
+                <a:solidFill>
+                  <a:srgbClr val="0432FF"/>
+                </a:solidFill>
+                <a:latin typeface="Courier New" panose="02070309020205020404" pitchFamily="49" charset="0"/>
+                <a:cs typeface="Courier New" panose="02070309020205020404" pitchFamily="49" charset="0"/>
+              </a:rPr>
+              <a:t>class</a:t>
+            </a:r>
+            <a:r>
+              <a:rPr kumimoji="1" lang="zh-CN" altLang="en-US" sz="2000" b="1" dirty="0">
+                <a:solidFill>
+                  <a:srgbClr val="0432FF"/>
+                </a:solidFill>
+                <a:latin typeface="Courier New" panose="02070309020205020404" pitchFamily="49" charset="0"/>
+                <a:cs typeface="Courier New" panose="02070309020205020404" pitchFamily="49" charset="0"/>
+              </a:rPr>
+              <a:t> </a:t>
+            </a:r>
+            <a:r>
+              <a:rPr kumimoji="1" lang="en-US" altLang="zh-CN" sz="2000" b="1" dirty="0">
+                <a:solidFill>
+                  <a:srgbClr val="0432FF"/>
+                </a:solidFill>
+                <a:latin typeface="Courier New" panose="02070309020205020404" pitchFamily="49" charset="0"/>
+                <a:cs typeface="Courier New" panose="02070309020205020404" pitchFamily="49" charset="0"/>
+              </a:rPr>
+              <a:t>A{</a:t>
+            </a:r>
+          </a:p>
+          <a:p>
+            <a:pPr marL="0" indent="0">
+              <a:buNone/>
+            </a:pPr>
+            <a:r>
+              <a:rPr kumimoji="1" lang="zh-CN" altLang="en-US" sz="2000" b="1" dirty="0">
+                <a:solidFill>
+                  <a:srgbClr val="0432FF"/>
+                </a:solidFill>
+                <a:latin typeface="Courier New" panose="02070309020205020404" pitchFamily="49" charset="0"/>
+                <a:cs typeface="Courier New" panose="02070309020205020404" pitchFamily="49" charset="0"/>
+              </a:rPr>
+              <a:t>  </a:t>
+            </a:r>
+            <a:r>
+              <a:rPr kumimoji="1" lang="en-US" altLang="zh-CN" sz="2000" b="1" dirty="0">
+                <a:solidFill>
+                  <a:srgbClr val="0432FF"/>
+                </a:solidFill>
+                <a:latin typeface="Courier New" panose="02070309020205020404" pitchFamily="49" charset="0"/>
+                <a:cs typeface="Courier New" panose="02070309020205020404" pitchFamily="49" charset="0"/>
+              </a:rPr>
+              <a:t>void</a:t>
+            </a:r>
+            <a:r>
+              <a:rPr kumimoji="1" lang="zh-CN" altLang="en-US" sz="2000" b="1" dirty="0">
+                <a:solidFill>
+                  <a:srgbClr val="0432FF"/>
+                </a:solidFill>
+                <a:latin typeface="Courier New" panose="02070309020205020404" pitchFamily="49" charset="0"/>
+                <a:cs typeface="Courier New" panose="02070309020205020404" pitchFamily="49" charset="0"/>
+              </a:rPr>
+              <a:t> </a:t>
+            </a:r>
+            <a:r>
+              <a:rPr kumimoji="1" lang="en-US" altLang="zh-CN" sz="2000" b="1" dirty="0">
+                <a:solidFill>
+                  <a:srgbClr val="0432FF"/>
+                </a:solidFill>
+                <a:latin typeface="Courier New" panose="02070309020205020404" pitchFamily="49" charset="0"/>
+                <a:cs typeface="Courier New" panose="02070309020205020404" pitchFamily="49" charset="0"/>
+              </a:rPr>
+              <a:t>f(){</a:t>
+            </a:r>
+          </a:p>
+          <a:p>
+            <a:pPr marL="0" indent="0">
+              <a:buNone/>
+            </a:pPr>
+            <a:r>
+              <a:rPr kumimoji="1" lang="zh-CN" altLang="en-US" sz="2000" b="1" dirty="0">
+                <a:solidFill>
+                  <a:srgbClr val="0432FF"/>
+                </a:solidFill>
+                <a:latin typeface="Courier New" panose="02070309020205020404" pitchFamily="49" charset="0"/>
+                <a:cs typeface="Courier New" panose="02070309020205020404" pitchFamily="49" charset="0"/>
+              </a:rPr>
+              <a:t>    </a:t>
+            </a:r>
+            <a:r>
+              <a:rPr kumimoji="1" lang="en-US" altLang="zh-CN" sz="2000" b="1" dirty="0" err="1">
+                <a:solidFill>
+                  <a:srgbClr val="0432FF"/>
+                </a:solidFill>
+                <a:latin typeface="Courier New" panose="02070309020205020404" pitchFamily="49" charset="0"/>
+                <a:cs typeface="Courier New" panose="02070309020205020404" pitchFamily="49" charset="0"/>
+              </a:rPr>
+              <a:t>this.g</a:t>
+            </a:r>
+            <a:r>
+              <a:rPr kumimoji="1" lang="en-US" altLang="zh-CN" sz="2000" b="1" dirty="0">
+                <a:solidFill>
+                  <a:srgbClr val="0432FF"/>
+                </a:solidFill>
+                <a:latin typeface="Courier New" panose="02070309020205020404" pitchFamily="49" charset="0"/>
+                <a:cs typeface="Courier New" panose="02070309020205020404" pitchFamily="49" charset="0"/>
+              </a:rPr>
+              <a:t>();</a:t>
+            </a:r>
+          </a:p>
+          <a:p>
+            <a:pPr marL="0" indent="0">
+              <a:buNone/>
+            </a:pPr>
+            <a:r>
+              <a:rPr kumimoji="1" lang="zh-CN" altLang="en-US" sz="2000" b="1" dirty="0">
+                <a:solidFill>
+                  <a:srgbClr val="0432FF"/>
+                </a:solidFill>
+                <a:latin typeface="Courier New" panose="02070309020205020404" pitchFamily="49" charset="0"/>
+                <a:cs typeface="Courier New" panose="02070309020205020404" pitchFamily="49" charset="0"/>
+              </a:rPr>
+              <a:t>  </a:t>
+            </a:r>
+            <a:r>
+              <a:rPr kumimoji="1" lang="en-US" altLang="zh-CN" sz="2000" b="1" dirty="0">
+                <a:solidFill>
+                  <a:srgbClr val="0432FF"/>
+                </a:solidFill>
+                <a:latin typeface="Courier New" panose="02070309020205020404" pitchFamily="49" charset="0"/>
+                <a:cs typeface="Courier New" panose="02070309020205020404" pitchFamily="49" charset="0"/>
+              </a:rPr>
+              <a:t>}</a:t>
+            </a:r>
+          </a:p>
+          <a:p>
+            <a:pPr marL="0" indent="0">
+              <a:buNone/>
+            </a:pPr>
+            <a:r>
+              <a:rPr kumimoji="1" lang="zh-CN" altLang="en-US" sz="2000" b="1" dirty="0">
+                <a:solidFill>
+                  <a:srgbClr val="0432FF"/>
+                </a:solidFill>
+                <a:latin typeface="Courier New" panose="02070309020205020404" pitchFamily="49" charset="0"/>
+                <a:cs typeface="Courier New" panose="02070309020205020404" pitchFamily="49" charset="0"/>
+              </a:rPr>
+              <a:t>  </a:t>
+            </a:r>
+            <a:endParaRPr kumimoji="1" lang="en-US" altLang="zh-CN" sz="2000" b="1" dirty="0">
+              <a:solidFill>
+                <a:srgbClr val="0432FF"/>
+              </a:solidFill>
+              <a:latin typeface="Courier New" panose="02070309020205020404" pitchFamily="49" charset="0"/>
+              <a:cs typeface="Courier New" panose="02070309020205020404" pitchFamily="49" charset="0"/>
+            </a:endParaRPr>
+          </a:p>
+          <a:p>
+            <a:pPr marL="0" indent="0">
+              <a:buNone/>
+            </a:pPr>
+            <a:r>
+              <a:rPr kumimoji="1" lang="zh-CN" altLang="en-US" sz="2000" b="1" dirty="0">
+                <a:solidFill>
+                  <a:srgbClr val="0432FF"/>
+                </a:solidFill>
+                <a:latin typeface="Courier New" panose="02070309020205020404" pitchFamily="49" charset="0"/>
+                <a:cs typeface="Courier New" panose="02070309020205020404" pitchFamily="49" charset="0"/>
+              </a:rPr>
+              <a:t>  </a:t>
+            </a:r>
+            <a:r>
+              <a:rPr kumimoji="1" lang="en-US" altLang="zh-CN" sz="2000" b="1" dirty="0">
+                <a:solidFill>
+                  <a:srgbClr val="0432FF"/>
+                </a:solidFill>
+                <a:latin typeface="Courier New" panose="02070309020205020404" pitchFamily="49" charset="0"/>
+                <a:cs typeface="Courier New" panose="02070309020205020404" pitchFamily="49" charset="0"/>
+              </a:rPr>
+              <a:t>void</a:t>
+            </a:r>
+            <a:r>
+              <a:rPr kumimoji="1" lang="zh-CN" altLang="en-US" sz="2000" b="1" dirty="0">
+                <a:solidFill>
+                  <a:srgbClr val="0432FF"/>
+                </a:solidFill>
+                <a:latin typeface="Courier New" panose="02070309020205020404" pitchFamily="49" charset="0"/>
+                <a:cs typeface="Courier New" panose="02070309020205020404" pitchFamily="49" charset="0"/>
+              </a:rPr>
+              <a:t> </a:t>
+            </a:r>
+            <a:r>
+              <a:rPr kumimoji="1" lang="en-US" altLang="zh-CN" sz="2000" b="1" dirty="0">
+                <a:solidFill>
+                  <a:srgbClr val="0432FF"/>
+                </a:solidFill>
+                <a:latin typeface="Courier New" panose="02070309020205020404" pitchFamily="49" charset="0"/>
+                <a:cs typeface="Courier New" panose="02070309020205020404" pitchFamily="49" charset="0"/>
+              </a:rPr>
+              <a:t>g(){</a:t>
+            </a:r>
+          </a:p>
+          <a:p>
+            <a:pPr marL="0" indent="0">
+              <a:buNone/>
+            </a:pPr>
+            <a:r>
+              <a:rPr kumimoji="1" lang="zh-CN" altLang="en-US" sz="2000" b="1" dirty="0">
+                <a:solidFill>
+                  <a:srgbClr val="0432FF"/>
+                </a:solidFill>
+                <a:latin typeface="Courier New" panose="02070309020205020404" pitchFamily="49" charset="0"/>
+                <a:cs typeface="Courier New" panose="02070309020205020404" pitchFamily="49" charset="0"/>
+              </a:rPr>
+              <a:t>  </a:t>
+            </a:r>
+            <a:r>
+              <a:rPr kumimoji="1" lang="en-US" altLang="zh-CN" sz="2000" b="1" dirty="0">
+                <a:solidFill>
+                  <a:srgbClr val="0432FF"/>
+                </a:solidFill>
+                <a:latin typeface="Courier New" panose="02070309020205020404" pitchFamily="49" charset="0"/>
+                <a:cs typeface="Courier New" panose="02070309020205020404" pitchFamily="49" charset="0"/>
+              </a:rPr>
+              <a:t>}</a:t>
+            </a:r>
+          </a:p>
+          <a:p>
+            <a:pPr marL="0" indent="0">
+              <a:buNone/>
+            </a:pPr>
+            <a:r>
+              <a:rPr kumimoji="1" lang="en-US" altLang="zh-CN" sz="2000" b="1" dirty="0">
+                <a:solidFill>
+                  <a:srgbClr val="0432FF"/>
+                </a:solidFill>
+                <a:latin typeface="Courier New" panose="02070309020205020404" pitchFamily="49" charset="0"/>
+                <a:cs typeface="Courier New" panose="02070309020205020404" pitchFamily="49" charset="0"/>
+              </a:rPr>
+              <a:t>}</a:t>
+            </a:r>
+          </a:p>
+        </p:txBody>
+      </p:sp>
+      <p:sp>
+        <p:nvSpPr>
+          <p:cNvPr id="18" name="内容占位符 2">
+            <a:extLst>
+              <a:ext uri="{FF2B5EF4-FFF2-40B4-BE49-F238E27FC236}">
+                <a16:creationId xmlns:a16="http://schemas.microsoft.com/office/drawing/2014/main" id="{A223C7E7-F3DE-E64B-8D0B-FA809CC62475}"/>
+              </a:ext>
+            </a:extLst>
+          </p:cNvPr>
+          <p:cNvSpPr txBox="1">
+            <a:spLocks/>
+          </p:cNvSpPr>
+          <p:nvPr/>
+        </p:nvSpPr>
+        <p:spPr bwMode="auto">
+          <a:xfrm>
+            <a:off x="4343400" y="2133600"/>
+            <a:ext cx="4419600" cy="4114800"/>
+          </a:xfrm>
+          <a:prstGeom prst="rect">
+            <a:avLst/>
+          </a:prstGeom>
+          <a:noFill/>
+          <a:ln>
+            <a:noFill/>
+          </a:ln>
+          <a:effectLst/>
+          <a:extLst>
+            <a:ext uri="{909E8E84-426E-40DD-AFC4-6F175D3DCCD1}">
+              <a14:hiddenFill xmlns:a14="http://schemas.microsoft.com/office/drawing/2010/main">
+                <a:solidFill>
+                  <a:schemeClr val="accent1"/>
+                </a:solidFill>
+              </a14:hiddenFill>
+            </a:ext>
+            <a:ext uri="{91240B29-F687-4F45-9708-019B960494DF}">
+              <a14:hiddenLine xmlns:a14="http://schemas.microsoft.com/office/drawing/2010/main" w="9525">
+                <a:solidFill>
+                  <a:schemeClr val="tx1"/>
+                </a:solidFill>
+                <a:miter lim="800000"/>
+                <a:headEnd/>
+                <a:tailEnd/>
+              </a14:hiddenLine>
+            </a:ext>
+            <a:ext uri="{AF507438-7753-43E0-B8FC-AC1667EBCBE1}">
+              <a14:hiddenEffects xmlns:a14="http://schemas.microsoft.com/office/drawing/2010/main">
+                <a:effectLst>
+                  <a:outerShdw dist="35921" dir="2700000" algn="ctr" rotWithShape="0">
+                    <a:schemeClr val="bg2"/>
+                  </a:outerShdw>
+                </a:effectLst>
+              </a14:hiddenEffects>
+            </a:ext>
+          </a:extLst>
+        </p:spPr>
+        <p:txBody>
+          <a:bodyPr vert="horz" wrap="square" lIns="91440" tIns="45720" rIns="91440" bIns="45720" numCol="1" anchor="t" anchorCtr="0" compatLnSpc="1">
+            <a:prstTxWarp prst="textNoShape">
+              <a:avLst/>
+            </a:prstTxWarp>
+          </a:bodyPr>
+          <a:lstStyle>
+            <a:lvl1pPr marL="342900" indent="-342900" algn="l" rtl="0" fontAlgn="base">
+              <a:spcBef>
+                <a:spcPct val="20000"/>
+              </a:spcBef>
+              <a:spcAft>
+                <a:spcPct val="0"/>
+              </a:spcAft>
+              <a:buClr>
+                <a:schemeClr val="folHlink"/>
+              </a:buClr>
+              <a:buSzPct val="60000"/>
+              <a:buFont typeface="Wingdings" pitchFamily="2" charset="2"/>
+              <a:buChar char="n"/>
+              <a:defRPr sz="3200" kern="1200">
+                <a:solidFill>
+                  <a:schemeClr val="tx1"/>
+                </a:solidFill>
+                <a:latin typeface="+mn-lt"/>
+                <a:ea typeface="+mn-ea"/>
+                <a:cs typeface="+mn-cs"/>
+              </a:defRPr>
+            </a:lvl1pPr>
+            <a:lvl2pPr marL="742950" indent="-285750" algn="l" rtl="0" fontAlgn="base">
+              <a:spcBef>
+                <a:spcPct val="20000"/>
+              </a:spcBef>
+              <a:spcAft>
+                <a:spcPct val="0"/>
+              </a:spcAft>
+              <a:buClr>
+                <a:schemeClr val="hlink"/>
+              </a:buClr>
+              <a:buSzPct val="55000"/>
+              <a:buFont typeface="Wingdings" pitchFamily="2" charset="2"/>
+              <a:buChar char="n"/>
+              <a:defRPr sz="2800" kern="1200">
+                <a:solidFill>
+                  <a:schemeClr val="tx1"/>
+                </a:solidFill>
+                <a:latin typeface="+mn-lt"/>
+                <a:ea typeface="+mn-ea"/>
+                <a:cs typeface="+mn-cs"/>
+              </a:defRPr>
+            </a:lvl2pPr>
+            <a:lvl3pPr marL="1143000" indent="-228600" algn="l" rtl="0" fontAlgn="base">
+              <a:spcBef>
+                <a:spcPct val="20000"/>
+              </a:spcBef>
+              <a:spcAft>
+                <a:spcPct val="0"/>
+              </a:spcAft>
+              <a:buClr>
+                <a:schemeClr val="folHlink"/>
+              </a:buClr>
+              <a:buSzPct val="50000"/>
+              <a:buFont typeface="Wingdings" pitchFamily="2" charset="2"/>
+              <a:buChar char="n"/>
+              <a:defRPr sz="2400" kern="1200">
+                <a:solidFill>
+                  <a:schemeClr val="tx1"/>
+                </a:solidFill>
+                <a:latin typeface="+mn-lt"/>
+                <a:ea typeface="+mn-ea"/>
+                <a:cs typeface="+mn-cs"/>
+              </a:defRPr>
+            </a:lvl3pPr>
+            <a:lvl4pPr marL="1600200" indent="-228600" algn="l" rtl="0" fontAlgn="base">
+              <a:spcBef>
+                <a:spcPct val="20000"/>
+              </a:spcBef>
+              <a:spcAft>
+                <a:spcPct val="0"/>
+              </a:spcAft>
+              <a:buClr>
+                <a:schemeClr val="accent2"/>
+              </a:buClr>
+              <a:buSzPct val="55000"/>
+              <a:buFont typeface="Wingdings" pitchFamily="2" charset="2"/>
+              <a:buChar char="n"/>
+              <a:defRPr sz="2000" kern="1200">
+                <a:solidFill>
+                  <a:schemeClr val="tx1"/>
+                </a:solidFill>
+                <a:latin typeface="+mn-lt"/>
+                <a:ea typeface="+mn-ea"/>
+                <a:cs typeface="+mn-cs"/>
+              </a:defRPr>
+            </a:lvl4pPr>
+            <a:lvl5pPr marL="2057400" indent="-228600" algn="l" rtl="0" fontAlgn="base">
+              <a:spcBef>
+                <a:spcPct val="20000"/>
+              </a:spcBef>
+              <a:spcAft>
+                <a:spcPct val="0"/>
+              </a:spcAft>
+              <a:buClr>
+                <a:schemeClr val="accent1"/>
+              </a:buClr>
+              <a:buSzPct val="50000"/>
+              <a:buFont typeface="Wingdings" pitchFamily="2" charset="2"/>
+              <a:buChar char="n"/>
+              <a:defRPr sz="2000" kern="1200">
+                <a:solidFill>
+                  <a:schemeClr val="tx1"/>
+                </a:solidFill>
+                <a:latin typeface="+mn-lt"/>
+                <a:ea typeface="+mn-ea"/>
+                <a:cs typeface="+mn-cs"/>
+              </a:defRPr>
+            </a:lvl5pPr>
+            <a:lvl6pPr marL="2514600" indent="-228600" algn="l" defTabSz="914400" rtl="0" eaLnBrk="1" latinLnBrk="0" hangingPunct="1">
+              <a:lnSpc>
+                <a:spcPct val="90000"/>
+              </a:lnSpc>
+              <a:spcBef>
+                <a:spcPts val="500"/>
+              </a:spcBef>
+              <a:buFont typeface="Arial" panose="020B0604020202020204" pitchFamily="34" charset="0"/>
+              <a:buChar char="•"/>
+              <a:defRPr sz="1800" kern="1200">
+                <a:solidFill>
+                  <a:schemeClr val="tx1"/>
+                </a:solidFill>
+                <a:latin typeface="+mn-lt"/>
+                <a:ea typeface="+mn-ea"/>
+                <a:cs typeface="+mn-cs"/>
+              </a:defRPr>
+            </a:lvl6pPr>
+            <a:lvl7pPr marL="2971800" indent="-228600" algn="l" defTabSz="914400" rtl="0" eaLnBrk="1" latinLnBrk="0" hangingPunct="1">
+              <a:lnSpc>
+                <a:spcPct val="90000"/>
+              </a:lnSpc>
+              <a:spcBef>
+                <a:spcPts val="500"/>
+              </a:spcBef>
+              <a:buFont typeface="Arial" panose="020B0604020202020204" pitchFamily="34" charset="0"/>
+              <a:buChar char="•"/>
+              <a:defRPr sz="1800" kern="1200">
+                <a:solidFill>
+                  <a:schemeClr val="tx1"/>
+                </a:solidFill>
+                <a:latin typeface="+mn-lt"/>
+                <a:ea typeface="+mn-ea"/>
+                <a:cs typeface="+mn-cs"/>
+              </a:defRPr>
+            </a:lvl7pPr>
+            <a:lvl8pPr marL="3429000" indent="-228600" algn="l" defTabSz="914400" rtl="0" eaLnBrk="1" latinLnBrk="0" hangingPunct="1">
+              <a:lnSpc>
+                <a:spcPct val="90000"/>
+              </a:lnSpc>
+              <a:spcBef>
+                <a:spcPts val="500"/>
+              </a:spcBef>
+              <a:buFont typeface="Arial" panose="020B0604020202020204" pitchFamily="34" charset="0"/>
+              <a:buChar char="•"/>
+              <a:defRPr sz="1800" kern="1200">
+                <a:solidFill>
+                  <a:schemeClr val="tx1"/>
+                </a:solidFill>
+                <a:latin typeface="+mn-lt"/>
+                <a:ea typeface="+mn-ea"/>
+                <a:cs typeface="+mn-cs"/>
+              </a:defRPr>
+            </a:lvl8pPr>
+            <a:lvl9pPr marL="3886200" indent="-228600" algn="l" defTabSz="914400" rtl="0" eaLnBrk="1" latinLnBrk="0" hangingPunct="1">
+              <a:lnSpc>
+                <a:spcPct val="90000"/>
+              </a:lnSpc>
+              <a:spcBef>
+                <a:spcPts val="500"/>
+              </a:spcBef>
+              <a:buFont typeface="Arial" panose="020B0604020202020204" pitchFamily="34" charset="0"/>
+              <a:buChar char="•"/>
+              <a:defRPr sz="1800" kern="1200">
+                <a:solidFill>
+                  <a:schemeClr val="tx1"/>
+                </a:solidFill>
+                <a:latin typeface="+mn-lt"/>
+                <a:ea typeface="+mn-ea"/>
+                <a:cs typeface="+mn-cs"/>
+              </a:defRPr>
+            </a:lvl9pPr>
+          </a:lstStyle>
+          <a:p>
+            <a:pPr marL="0" indent="0">
+              <a:buFont typeface="Wingdings" pitchFamily="2" charset="2"/>
+              <a:buNone/>
+            </a:pPr>
+            <a:r>
+              <a:rPr kumimoji="1" lang="en-US" altLang="zh-CN" sz="2000" b="1" dirty="0">
+                <a:solidFill>
+                  <a:srgbClr val="0432FF"/>
+                </a:solidFill>
+                <a:latin typeface="Courier New" panose="02070309020205020404" pitchFamily="49" charset="0"/>
+                <a:cs typeface="Courier New" panose="02070309020205020404" pitchFamily="49" charset="0"/>
+              </a:rPr>
+              <a:t>class</a:t>
+            </a:r>
+            <a:r>
+              <a:rPr kumimoji="1" lang="zh-CN" altLang="en-US" sz="2000" b="1" dirty="0">
+                <a:solidFill>
+                  <a:srgbClr val="0432FF"/>
+                </a:solidFill>
+                <a:latin typeface="Courier New" panose="02070309020205020404" pitchFamily="49" charset="0"/>
+                <a:cs typeface="Courier New" panose="02070309020205020404" pitchFamily="49" charset="0"/>
+              </a:rPr>
+              <a:t> </a:t>
+            </a:r>
+            <a:r>
+              <a:rPr kumimoji="1" lang="en-US" altLang="zh-CN" sz="2000" b="1" dirty="0">
+                <a:solidFill>
+                  <a:srgbClr val="0432FF"/>
+                </a:solidFill>
+                <a:latin typeface="Courier New" panose="02070309020205020404" pitchFamily="49" charset="0"/>
+                <a:cs typeface="Courier New" panose="02070309020205020404" pitchFamily="49" charset="0"/>
+              </a:rPr>
+              <a:t>B</a:t>
+            </a:r>
+            <a:r>
+              <a:rPr kumimoji="1" lang="zh-CN" altLang="en-US" sz="2000" b="1" dirty="0">
+                <a:solidFill>
+                  <a:srgbClr val="0432FF"/>
+                </a:solidFill>
+                <a:latin typeface="Courier New" panose="02070309020205020404" pitchFamily="49" charset="0"/>
+                <a:cs typeface="Courier New" panose="02070309020205020404" pitchFamily="49" charset="0"/>
+              </a:rPr>
+              <a:t> </a:t>
+            </a:r>
+            <a:r>
+              <a:rPr kumimoji="1" lang="en-US" altLang="zh-CN" sz="2000" b="1" dirty="0">
+                <a:solidFill>
+                  <a:srgbClr val="0432FF"/>
+                </a:solidFill>
+                <a:latin typeface="Courier New" panose="02070309020205020404" pitchFamily="49" charset="0"/>
+                <a:cs typeface="Courier New" panose="02070309020205020404" pitchFamily="49" charset="0"/>
+              </a:rPr>
+              <a:t>extends</a:t>
+            </a:r>
+            <a:r>
+              <a:rPr kumimoji="1" lang="zh-CN" altLang="en-US" sz="2000" b="1" dirty="0">
+                <a:solidFill>
+                  <a:srgbClr val="0432FF"/>
+                </a:solidFill>
+                <a:latin typeface="Courier New" panose="02070309020205020404" pitchFamily="49" charset="0"/>
+                <a:cs typeface="Courier New" panose="02070309020205020404" pitchFamily="49" charset="0"/>
+              </a:rPr>
+              <a:t> </a:t>
+            </a:r>
+            <a:r>
+              <a:rPr kumimoji="1" lang="en-US" altLang="zh-CN" sz="2000" b="1" dirty="0">
+                <a:solidFill>
+                  <a:srgbClr val="0432FF"/>
+                </a:solidFill>
+                <a:latin typeface="Courier New" panose="02070309020205020404" pitchFamily="49" charset="0"/>
+                <a:cs typeface="Courier New" panose="02070309020205020404" pitchFamily="49" charset="0"/>
+              </a:rPr>
+              <a:t>A{</a:t>
+            </a:r>
+          </a:p>
+          <a:p>
+            <a:pPr marL="0" indent="0">
+              <a:buFont typeface="Wingdings" pitchFamily="2" charset="2"/>
+              <a:buNone/>
+            </a:pPr>
+            <a:r>
+              <a:rPr kumimoji="1" lang="zh-CN" altLang="en-US" sz="2000" b="1" dirty="0">
+                <a:solidFill>
+                  <a:srgbClr val="0432FF"/>
+                </a:solidFill>
+                <a:latin typeface="Courier New" panose="02070309020205020404" pitchFamily="49" charset="0"/>
+                <a:cs typeface="Courier New" panose="02070309020205020404" pitchFamily="49" charset="0"/>
+              </a:rPr>
+              <a:t>  </a:t>
+            </a:r>
+            <a:r>
+              <a:rPr kumimoji="1" lang="en-US" altLang="zh-CN" sz="2000" b="1" dirty="0">
+                <a:solidFill>
+                  <a:srgbClr val="0432FF"/>
+                </a:solidFill>
+                <a:latin typeface="Courier New" panose="02070309020205020404" pitchFamily="49" charset="0"/>
+                <a:cs typeface="Courier New" panose="02070309020205020404" pitchFamily="49" charset="0"/>
+              </a:rPr>
+              <a:t>void</a:t>
+            </a:r>
+            <a:r>
+              <a:rPr kumimoji="1" lang="zh-CN" altLang="en-US" sz="2000" b="1" dirty="0">
+                <a:solidFill>
+                  <a:srgbClr val="0432FF"/>
+                </a:solidFill>
+                <a:latin typeface="Courier New" panose="02070309020205020404" pitchFamily="49" charset="0"/>
+                <a:cs typeface="Courier New" panose="02070309020205020404" pitchFamily="49" charset="0"/>
+              </a:rPr>
+              <a:t> </a:t>
+            </a:r>
+            <a:r>
+              <a:rPr kumimoji="1" lang="en-US" altLang="zh-CN" sz="2000" b="1" dirty="0">
+                <a:solidFill>
+                  <a:srgbClr val="0432FF"/>
+                </a:solidFill>
+                <a:latin typeface="Courier New" panose="02070309020205020404" pitchFamily="49" charset="0"/>
+                <a:cs typeface="Courier New" panose="02070309020205020404" pitchFamily="49" charset="0"/>
+              </a:rPr>
+              <a:t>g(){</a:t>
+            </a:r>
+          </a:p>
+          <a:p>
+            <a:pPr marL="0" indent="0">
+              <a:buFont typeface="Wingdings" pitchFamily="2" charset="2"/>
+              <a:buNone/>
+            </a:pPr>
+            <a:r>
+              <a:rPr kumimoji="1" lang="zh-CN" altLang="en-US" sz="2000" b="1" dirty="0">
+                <a:solidFill>
+                  <a:srgbClr val="0432FF"/>
+                </a:solidFill>
+                <a:latin typeface="Courier New" panose="02070309020205020404" pitchFamily="49" charset="0"/>
+                <a:cs typeface="Courier New" panose="02070309020205020404" pitchFamily="49" charset="0"/>
+              </a:rPr>
+              <a:t>    </a:t>
+            </a:r>
+            <a:r>
+              <a:rPr kumimoji="1" lang="en-US" altLang="zh-CN" sz="2000" b="1" dirty="0">
+                <a:solidFill>
+                  <a:srgbClr val="0432FF"/>
+                </a:solidFill>
+                <a:latin typeface="Courier New" panose="02070309020205020404" pitchFamily="49" charset="0"/>
+                <a:cs typeface="Courier New" panose="02070309020205020404" pitchFamily="49" charset="0"/>
+              </a:rPr>
+              <a:t>throw</a:t>
+            </a:r>
+            <a:r>
+              <a:rPr kumimoji="1" lang="zh-CN" altLang="en-US" sz="2000" b="1" dirty="0">
+                <a:solidFill>
+                  <a:srgbClr val="0432FF"/>
+                </a:solidFill>
+                <a:latin typeface="Courier New" panose="02070309020205020404" pitchFamily="49" charset="0"/>
+                <a:cs typeface="Courier New" panose="02070309020205020404" pitchFamily="49" charset="0"/>
+              </a:rPr>
+              <a:t> </a:t>
+            </a:r>
+            <a:r>
+              <a:rPr kumimoji="1" lang="en-US" altLang="zh-CN" sz="2000" b="1" dirty="0">
+                <a:solidFill>
+                  <a:srgbClr val="0432FF"/>
+                </a:solidFill>
+                <a:latin typeface="Courier New" panose="02070309020205020404" pitchFamily="49" charset="0"/>
+                <a:cs typeface="Courier New" panose="02070309020205020404" pitchFamily="49" charset="0"/>
+              </a:rPr>
+              <a:t>...;</a:t>
+            </a:r>
+          </a:p>
+          <a:p>
+            <a:pPr marL="0" indent="0">
+              <a:buFont typeface="Wingdings" pitchFamily="2" charset="2"/>
+              <a:buNone/>
+            </a:pPr>
+            <a:r>
+              <a:rPr kumimoji="1" lang="zh-CN" altLang="en-US" sz="2000" b="1" dirty="0">
+                <a:solidFill>
+                  <a:srgbClr val="0432FF"/>
+                </a:solidFill>
+                <a:latin typeface="Courier New" panose="02070309020205020404" pitchFamily="49" charset="0"/>
+                <a:cs typeface="Courier New" panose="02070309020205020404" pitchFamily="49" charset="0"/>
+              </a:rPr>
+              <a:t>  </a:t>
+            </a:r>
+            <a:r>
+              <a:rPr kumimoji="1" lang="en-US" altLang="zh-CN" sz="2000" b="1" dirty="0">
+                <a:solidFill>
+                  <a:srgbClr val="0432FF"/>
+                </a:solidFill>
+                <a:latin typeface="Courier New" panose="02070309020205020404" pitchFamily="49" charset="0"/>
+                <a:cs typeface="Courier New" panose="02070309020205020404" pitchFamily="49" charset="0"/>
+              </a:rPr>
+              <a:t>}</a:t>
+            </a:r>
+          </a:p>
+          <a:p>
+            <a:pPr marL="0" indent="0">
+              <a:buFont typeface="Wingdings" pitchFamily="2" charset="2"/>
+              <a:buNone/>
+            </a:pPr>
+            <a:r>
+              <a:rPr kumimoji="1" lang="en-US" altLang="zh-CN" sz="2000" b="1" dirty="0">
+                <a:solidFill>
+                  <a:srgbClr val="0432FF"/>
+                </a:solidFill>
+                <a:latin typeface="Courier New" panose="02070309020205020404" pitchFamily="49" charset="0"/>
+                <a:cs typeface="Courier New" panose="02070309020205020404" pitchFamily="49" charset="0"/>
+              </a:rPr>
+              <a:t>}</a:t>
+            </a:r>
+          </a:p>
+          <a:p>
+            <a:pPr marL="0" indent="0">
+              <a:buFont typeface="Wingdings" pitchFamily="2" charset="2"/>
+              <a:buNone/>
+            </a:pPr>
+            <a:endParaRPr kumimoji="1" lang="en-US" altLang="zh-CN" sz="2000" b="1" dirty="0">
+              <a:solidFill>
+                <a:srgbClr val="0432FF"/>
+              </a:solidFill>
+              <a:latin typeface="Courier New" panose="02070309020205020404" pitchFamily="49" charset="0"/>
+              <a:cs typeface="Courier New" panose="02070309020205020404" pitchFamily="49" charset="0"/>
+            </a:endParaRPr>
+          </a:p>
+          <a:p>
+            <a:pPr marL="0" indent="0">
+              <a:buFont typeface="Wingdings" pitchFamily="2" charset="2"/>
+              <a:buNone/>
+            </a:pPr>
+            <a:r>
+              <a:rPr kumimoji="1" lang="en-US" altLang="zh-CN" sz="2000" b="1" dirty="0">
+                <a:solidFill>
+                  <a:srgbClr val="0432FF"/>
+                </a:solidFill>
+                <a:latin typeface="Courier New" panose="02070309020205020404" pitchFamily="49" charset="0"/>
+                <a:cs typeface="Courier New" panose="02070309020205020404" pitchFamily="49" charset="0"/>
+              </a:rPr>
+              <a:t>new</a:t>
+            </a:r>
+            <a:r>
+              <a:rPr kumimoji="1" lang="zh-CN" altLang="en-US" sz="2000" b="1" dirty="0">
+                <a:solidFill>
+                  <a:srgbClr val="0432FF"/>
+                </a:solidFill>
+                <a:latin typeface="Courier New" panose="02070309020205020404" pitchFamily="49" charset="0"/>
+                <a:cs typeface="Courier New" panose="02070309020205020404" pitchFamily="49" charset="0"/>
+              </a:rPr>
+              <a:t> </a:t>
+            </a:r>
+            <a:r>
+              <a:rPr kumimoji="1" lang="en-US" altLang="zh-CN" sz="2000" b="1" dirty="0">
+                <a:solidFill>
+                  <a:srgbClr val="0432FF"/>
+                </a:solidFill>
+                <a:latin typeface="Courier New" panose="02070309020205020404" pitchFamily="49" charset="0"/>
+                <a:cs typeface="Courier New" panose="02070309020205020404" pitchFamily="49" charset="0"/>
+              </a:rPr>
+              <a:t>B().f();</a:t>
+            </a:r>
+          </a:p>
+        </p:txBody>
+      </p:sp>
+    </p:spTree>
+    <p:extLst>
+      <p:ext uri="{BB962C8B-B14F-4D97-AF65-F5344CB8AC3E}">
+        <p14:creationId xmlns:p14="http://schemas.microsoft.com/office/powerpoint/2010/main" val="1543938931"/>
+      </p:ext>
+    </p:extLst>
+  </p:cSld>
+  <p:clrMapOvr>
+    <a:masterClrMapping/>
+  </p:clrMapOvr>
+</p:sld>
+</file>
+
+<file path=ppt/slides/slide16.xml><?xml version="1.0" encoding="utf-8"?>
+<p:sld xmlns:a="http://schemas.openxmlformats.org/drawingml/2006/main" xmlns:r="http://schemas.openxmlformats.org/officeDocument/2006/relationships" xmlns:p="http://schemas.openxmlformats.org/presentationml/2006/main">
+  <p:cSld>
+    <p:spTree>
+      <p:nvGrpSpPr>
+        <p:cNvPr id="1" name=""/>
+        <p:cNvGrpSpPr/>
+        <p:nvPr/>
+      </p:nvGrpSpPr>
+      <p:grpSpPr>
+        <a:xfrm>
+          <a:off x="0" y="0"/>
+          <a:ext cx="0" cy="0"/>
+          <a:chOff x="0" y="0"/>
+          <a:chExt cx="0" cy="0"/>
+        </a:xfrm>
+      </p:grpSpPr>
+      <p:sp>
+        <p:nvSpPr>
+          <p:cNvPr id="103426" name="Rectangle 2">
+            <a:extLst>
+              <a:ext uri="{FF2B5EF4-FFF2-40B4-BE49-F238E27FC236}">
+                <a16:creationId xmlns:a16="http://schemas.microsoft.com/office/drawing/2014/main" id="{B3D05ADA-3431-0E4F-9FCD-DCC14AF7A9BF}"/>
+              </a:ext>
+            </a:extLst>
+          </p:cNvPr>
+          <p:cNvSpPr>
+            <a:spLocks noGrp="1" noChangeArrowheads="1"/>
+          </p:cNvSpPr>
+          <p:nvPr>
+            <p:ph type="title"/>
+          </p:nvPr>
+        </p:nvSpPr>
+        <p:spPr>
+          <a:xfrm>
+            <a:off x="990600" y="2514600"/>
+            <a:ext cx="6934200" cy="1462087"/>
+          </a:xfrm>
+        </p:spPr>
+        <p:txBody>
+          <a:bodyPr/>
+          <a:lstStyle/>
+          <a:p>
+            <a:r>
+              <a:rPr lang="en-US" altLang="zh-CN" dirty="0"/>
+              <a:t>Object</a:t>
+            </a:r>
+            <a:r>
+              <a:rPr lang="zh-CN" altLang="en-US" dirty="0"/>
+              <a:t> </a:t>
+            </a:r>
+            <a:r>
+              <a:rPr lang="en-US" altLang="zh-CN" dirty="0"/>
+              <a:t>Encoding</a:t>
+            </a:r>
+          </a:p>
+        </p:txBody>
+      </p:sp>
+    </p:spTree>
+    <p:extLst>
+      <p:ext uri="{BB962C8B-B14F-4D97-AF65-F5344CB8AC3E}">
+        <p14:creationId xmlns:p14="http://schemas.microsoft.com/office/powerpoint/2010/main" val="1377016551"/>
+      </p:ext>
+    </p:extLst>
+  </p:cSld>
+  <p:clrMapOvr>
+    <a:masterClrMapping/>
+  </p:clrMapOvr>
+</p:sld>
+</file>
+
+<file path=ppt/slides/slide17.xml><?xml version="1.0" encoding="utf-8"?>
+<p:sld xmlns:a="http://schemas.openxmlformats.org/drawingml/2006/main" xmlns:r="http://schemas.openxmlformats.org/officeDocument/2006/relationships" xmlns:p="http://schemas.openxmlformats.org/presentationml/2006/main">
+  <p:cSld>
+    <p:spTree>
+      <p:nvGrpSpPr>
+        <p:cNvPr id="1" name=""/>
+        <p:cNvGrpSpPr/>
+        <p:nvPr/>
+      </p:nvGrpSpPr>
+      <p:grpSpPr>
+        <a:xfrm>
+          <a:off x="0" y="0"/>
+          <a:ext cx="0" cy="0"/>
+          <a:chOff x="0" y="0"/>
+          <a:chExt cx="0" cy="0"/>
+        </a:xfrm>
+      </p:grpSpPr>
+      <p:sp>
+        <p:nvSpPr>
+          <p:cNvPr id="2" name="标题 1">
+            <a:extLst>
+              <a:ext uri="{FF2B5EF4-FFF2-40B4-BE49-F238E27FC236}">
+                <a16:creationId xmlns:a16="http://schemas.microsoft.com/office/drawing/2014/main" id="{91A7BC32-210A-B647-A3FC-FBFCA80FC6BA}"/>
+              </a:ext>
+            </a:extLst>
+          </p:cNvPr>
+          <p:cNvSpPr>
+            <a:spLocks noGrp="1"/>
+          </p:cNvSpPr>
+          <p:nvPr>
+            <p:ph type="title"/>
+          </p:nvPr>
+        </p:nvSpPr>
+        <p:spPr/>
+        <p:txBody>
+          <a:bodyPr/>
+          <a:lstStyle/>
+          <a:p>
+            <a:r>
+              <a:rPr kumimoji="1" lang="en-US" altLang="zh-CN" dirty="0"/>
+              <a:t>Objects</a:t>
+            </a:r>
+            <a:endParaRPr kumimoji="1" lang="zh-CN" altLang="en-US" dirty="0"/>
+          </a:p>
+        </p:txBody>
+      </p:sp>
+      <p:sp>
+        <p:nvSpPr>
+          <p:cNvPr id="3" name="内容占位符 2">
+            <a:extLst>
+              <a:ext uri="{FF2B5EF4-FFF2-40B4-BE49-F238E27FC236}">
+                <a16:creationId xmlns:a16="http://schemas.microsoft.com/office/drawing/2014/main" id="{55A1BAFE-BD59-DA43-AA9F-E62E3841C011}"/>
+              </a:ext>
+            </a:extLst>
+          </p:cNvPr>
+          <p:cNvSpPr>
+            <a:spLocks noGrp="1"/>
+          </p:cNvSpPr>
+          <p:nvPr>
+            <p:ph idx="1"/>
+          </p:nvPr>
+        </p:nvSpPr>
+        <p:spPr/>
+        <p:txBody>
+          <a:bodyPr/>
+          <a:lstStyle/>
+          <a:p>
+            <a:r>
+              <a:rPr kumimoji="1" lang="en-US" altLang="zh-CN" dirty="0"/>
+              <a:t>Objects</a:t>
+            </a:r>
+            <a:r>
+              <a:rPr kumimoji="1" lang="zh-CN" altLang="en-US" dirty="0"/>
+              <a:t> </a:t>
+            </a:r>
+            <a:r>
+              <a:rPr kumimoji="1" lang="en-US" altLang="zh-CN" dirty="0"/>
+              <a:t>are</a:t>
+            </a:r>
+            <a:r>
+              <a:rPr kumimoji="1" lang="zh-CN" altLang="en-US" dirty="0"/>
+              <a:t> </a:t>
+            </a:r>
+            <a:r>
+              <a:rPr kumimoji="1" lang="en-US" altLang="zh-CN" dirty="0"/>
+              <a:t>a</a:t>
+            </a:r>
+            <a:r>
+              <a:rPr kumimoji="1" lang="zh-CN" altLang="en-US" dirty="0"/>
+              <a:t> </a:t>
+            </a:r>
+            <a:r>
+              <a:rPr kumimoji="1" lang="en-US" altLang="zh-CN" dirty="0"/>
+              <a:t>piece</a:t>
+            </a:r>
+            <a:r>
+              <a:rPr kumimoji="1" lang="zh-CN" altLang="en-US" dirty="0"/>
+              <a:t> </a:t>
+            </a:r>
+            <a:r>
+              <a:rPr kumimoji="1" lang="en-US" altLang="zh-CN" dirty="0"/>
+              <a:t>of</a:t>
+            </a:r>
+            <a:r>
+              <a:rPr kumimoji="1" lang="zh-CN" altLang="en-US" dirty="0"/>
+              <a:t> </a:t>
+            </a:r>
+            <a:r>
+              <a:rPr kumimoji="1" lang="en-US" altLang="zh-CN" dirty="0"/>
+              <a:t>encapsulating</a:t>
+            </a:r>
+            <a:r>
+              <a:rPr kumimoji="1" lang="zh-CN" altLang="en-US" dirty="0"/>
+              <a:t> </a:t>
+            </a:r>
+            <a:r>
+              <a:rPr kumimoji="1" lang="en-US" altLang="zh-CN" dirty="0"/>
+              <a:t>data</a:t>
+            </a:r>
+          </a:p>
+          <a:p>
+            <a:pPr lvl="1"/>
+            <a:r>
+              <a:rPr kumimoji="1" lang="en-US" altLang="zh-CN" dirty="0"/>
+              <a:t>with</a:t>
+            </a:r>
+            <a:r>
+              <a:rPr kumimoji="1" lang="zh-CN" altLang="en-US" dirty="0"/>
+              <a:t> </a:t>
+            </a:r>
+            <a:r>
+              <a:rPr kumimoji="1" lang="en-US" altLang="zh-CN" dirty="0"/>
+              <a:t>methods</a:t>
+            </a:r>
+            <a:r>
+              <a:rPr kumimoji="1" lang="zh-CN" altLang="en-US" dirty="0"/>
+              <a:t> </a:t>
+            </a:r>
+            <a:r>
+              <a:rPr kumimoji="1" lang="en-US" altLang="zh-CN" dirty="0"/>
+              <a:t>to</a:t>
+            </a:r>
+            <a:r>
+              <a:rPr kumimoji="1" lang="zh-CN" altLang="en-US" dirty="0"/>
+              <a:t> </a:t>
+            </a:r>
+            <a:r>
+              <a:rPr kumimoji="1" lang="en-US" altLang="zh-CN" dirty="0"/>
+              <a:t>to</a:t>
+            </a:r>
+            <a:r>
+              <a:rPr kumimoji="1" lang="zh-CN" altLang="en-US" dirty="0"/>
+              <a:t> </a:t>
+            </a:r>
+            <a:r>
+              <a:rPr kumimoji="1" lang="en-US" altLang="zh-CN" dirty="0"/>
+              <a:t>access</a:t>
+            </a:r>
+            <a:r>
+              <a:rPr kumimoji="1" lang="zh-CN" altLang="en-US" dirty="0"/>
+              <a:t> </a:t>
+            </a:r>
+            <a:r>
+              <a:rPr kumimoji="1" lang="en-US" altLang="zh-CN" dirty="0"/>
+              <a:t>these</a:t>
+            </a:r>
+            <a:r>
+              <a:rPr kumimoji="1" lang="zh-CN" altLang="en-US" dirty="0"/>
+              <a:t> </a:t>
+            </a:r>
+            <a:r>
+              <a:rPr kumimoji="1" lang="en-US" altLang="zh-CN" dirty="0"/>
+              <a:t>data</a:t>
+            </a:r>
+          </a:p>
+          <a:p>
+            <a:r>
+              <a:rPr kumimoji="1" lang="en-US" altLang="zh-CN" dirty="0"/>
+              <a:t>We’ll</a:t>
+            </a:r>
+            <a:r>
+              <a:rPr kumimoji="1" lang="zh-CN" altLang="en-US" dirty="0"/>
+              <a:t> </a:t>
+            </a:r>
+            <a:r>
+              <a:rPr kumimoji="1" lang="en-US" altLang="zh-CN" dirty="0"/>
+              <a:t>make</a:t>
+            </a:r>
+            <a:r>
+              <a:rPr kumimoji="1" lang="zh-CN" altLang="en-US" dirty="0"/>
+              <a:t> </a:t>
+            </a:r>
+            <a:r>
+              <a:rPr kumimoji="1" lang="en-US" altLang="zh-CN" dirty="0"/>
+              <a:t>use</a:t>
+            </a:r>
+            <a:r>
+              <a:rPr kumimoji="1" lang="zh-CN" altLang="en-US" dirty="0"/>
+              <a:t> </a:t>
+            </a:r>
+            <a:r>
+              <a:rPr kumimoji="1" lang="en-US" altLang="zh-CN" dirty="0"/>
+              <a:t>of</a:t>
+            </a:r>
+            <a:r>
+              <a:rPr kumimoji="1" lang="zh-CN" altLang="en-US" dirty="0"/>
+              <a:t> </a:t>
+            </a:r>
+            <a:r>
+              <a:rPr kumimoji="1" lang="en-US" altLang="zh-CN" dirty="0"/>
+              <a:t>a</a:t>
+            </a:r>
+            <a:r>
+              <a:rPr kumimoji="1" lang="zh-CN" altLang="en-US" dirty="0"/>
+              <a:t> </a:t>
+            </a:r>
+            <a:r>
+              <a:rPr kumimoji="1" lang="en-US" altLang="zh-CN" dirty="0"/>
+              <a:t>counter</a:t>
+            </a:r>
+            <a:r>
+              <a:rPr kumimoji="1" lang="zh-CN" altLang="en-US" dirty="0"/>
+              <a:t> </a:t>
+            </a:r>
+            <a:r>
+              <a:rPr kumimoji="1" lang="en-US" altLang="zh-CN" dirty="0"/>
+              <a:t>to</a:t>
+            </a:r>
+            <a:r>
+              <a:rPr kumimoji="1" lang="zh-CN" altLang="en-US" dirty="0"/>
+              <a:t> </a:t>
+            </a:r>
+            <a:r>
+              <a:rPr kumimoji="1" lang="en-US" altLang="zh-CN" dirty="0"/>
+              <a:t>serve</a:t>
+            </a:r>
+            <a:r>
+              <a:rPr kumimoji="1" lang="zh-CN" altLang="en-US" dirty="0"/>
+              <a:t> </a:t>
+            </a:r>
+            <a:r>
+              <a:rPr kumimoji="1" lang="en-US" altLang="zh-CN" dirty="0"/>
+              <a:t>as</a:t>
+            </a:r>
+            <a:r>
+              <a:rPr kumimoji="1" lang="zh-CN" altLang="en-US" dirty="0"/>
+              <a:t> </a:t>
+            </a:r>
+            <a:r>
+              <a:rPr kumimoji="1" lang="en-US" altLang="zh-CN" dirty="0"/>
+              <a:t>our</a:t>
+            </a:r>
+            <a:r>
+              <a:rPr kumimoji="1" lang="zh-CN" altLang="en-US" dirty="0"/>
+              <a:t> </a:t>
+            </a:r>
+            <a:r>
+              <a:rPr kumimoji="1" lang="en-US" altLang="zh-CN" dirty="0"/>
+              <a:t>running</a:t>
+            </a:r>
+            <a:r>
+              <a:rPr kumimoji="1" lang="zh-CN" altLang="en-US" dirty="0"/>
+              <a:t> </a:t>
+            </a:r>
+            <a:r>
+              <a:rPr kumimoji="1" lang="en-US" altLang="zh-CN" dirty="0"/>
+              <a:t>example</a:t>
+            </a:r>
+          </a:p>
+        </p:txBody>
+      </p:sp>
+    </p:spTree>
+    <p:extLst>
+      <p:ext uri="{BB962C8B-B14F-4D97-AF65-F5344CB8AC3E}">
+        <p14:creationId xmlns:p14="http://schemas.microsoft.com/office/powerpoint/2010/main" val="2041784983"/>
+      </p:ext>
+    </p:extLst>
+  </p:cSld>
+  <p:clrMapOvr>
+    <a:masterClrMapping/>
+  </p:clrMapOvr>
+</p:sld>
+</file>
+
+<file path=ppt/slides/slide18.xml><?xml version="1.0" encoding="utf-8"?>
+<p:sld xmlns:a="http://schemas.openxmlformats.org/drawingml/2006/main" xmlns:r="http://schemas.openxmlformats.org/officeDocument/2006/relationships" xmlns:p="http://schemas.openxmlformats.org/presentationml/2006/main">
+  <p:cSld>
+    <p:spTree>
+      <p:nvGrpSpPr>
+        <p:cNvPr id="1" name=""/>
+        <p:cNvGrpSpPr/>
+        <p:nvPr/>
+      </p:nvGrpSpPr>
+      <p:grpSpPr>
+        <a:xfrm>
+          <a:off x="0" y="0"/>
+          <a:ext cx="0" cy="0"/>
+          <a:chOff x="0" y="0"/>
+          <a:chExt cx="0" cy="0"/>
+        </a:xfrm>
+      </p:grpSpPr>
+      <p:sp>
+        <p:nvSpPr>
+          <p:cNvPr id="2" name="标题 1">
+            <a:extLst>
+              <a:ext uri="{FF2B5EF4-FFF2-40B4-BE49-F238E27FC236}">
+                <a16:creationId xmlns:a16="http://schemas.microsoft.com/office/drawing/2014/main" id="{0A75F11F-C78A-904E-AB8C-72A70AF2A0A3}"/>
+              </a:ext>
+            </a:extLst>
+          </p:cNvPr>
+          <p:cNvSpPr>
+            <a:spLocks noGrp="1"/>
+          </p:cNvSpPr>
+          <p:nvPr>
+            <p:ph type="title"/>
+          </p:nvPr>
+        </p:nvSpPr>
+        <p:spPr/>
+        <p:txBody>
+          <a:bodyPr/>
+          <a:lstStyle/>
+          <a:p>
+            <a:r>
+              <a:rPr kumimoji="1" lang="en-US" altLang="zh-CN" dirty="0"/>
+              <a:t>Objects</a:t>
+            </a:r>
+          </a:p>
+        </p:txBody>
+      </p:sp>
+      <p:pic>
+        <p:nvPicPr>
+          <p:cNvPr id="6" name="图片 5">
+            <a:extLst>
+              <a:ext uri="{FF2B5EF4-FFF2-40B4-BE49-F238E27FC236}">
+                <a16:creationId xmlns:a16="http://schemas.microsoft.com/office/drawing/2014/main" id="{0551EA27-AB83-5E4A-A0DF-E0B54A2A1284}"/>
+              </a:ext>
+            </a:extLst>
+          </p:cNvPr>
+          <p:cNvPicPr>
+            <a:picLocks noChangeAspect="1"/>
+          </p:cNvPicPr>
+          <p:nvPr/>
+        </p:nvPicPr>
+        <p:blipFill>
+          <a:blip r:embed="rId2"/>
+          <a:stretch>
+            <a:fillRect/>
+          </a:stretch>
+        </p:blipFill>
+        <p:spPr>
+          <a:xfrm>
+            <a:off x="1150938" y="2133600"/>
+            <a:ext cx="5270500" cy="1447800"/>
+          </a:xfrm>
+          <a:prstGeom prst="rect">
+            <a:avLst/>
+          </a:prstGeom>
+        </p:spPr>
+      </p:pic>
+      <p:pic>
+        <p:nvPicPr>
+          <p:cNvPr id="8" name="图片 7">
+            <a:extLst>
+              <a:ext uri="{FF2B5EF4-FFF2-40B4-BE49-F238E27FC236}">
+                <a16:creationId xmlns:a16="http://schemas.microsoft.com/office/drawing/2014/main" id="{2A4E8F46-1A8B-864D-82E1-897B75E33C11}"/>
+              </a:ext>
+            </a:extLst>
+          </p:cNvPr>
+          <p:cNvPicPr>
+            <a:picLocks noChangeAspect="1"/>
+          </p:cNvPicPr>
+          <p:nvPr/>
+        </p:nvPicPr>
+        <p:blipFill>
+          <a:blip r:embed="rId3"/>
+          <a:stretch>
+            <a:fillRect/>
+          </a:stretch>
+        </p:blipFill>
+        <p:spPr>
+          <a:xfrm>
+            <a:off x="1150938" y="3924300"/>
+            <a:ext cx="5918200" cy="2552700"/>
+          </a:xfrm>
+          <a:prstGeom prst="rect">
+            <a:avLst/>
+          </a:prstGeom>
+        </p:spPr>
+      </p:pic>
+    </p:spTree>
+    <p:extLst>
+      <p:ext uri="{BB962C8B-B14F-4D97-AF65-F5344CB8AC3E}">
+        <p14:creationId xmlns:p14="http://schemas.microsoft.com/office/powerpoint/2010/main" val="289839589"/>
+      </p:ext>
+    </p:extLst>
+  </p:cSld>
+  <p:clrMapOvr>
+    <a:masterClrMapping/>
+  </p:clrMapOvr>
+</p:sld>
+</file>
+
+<file path=ppt/slides/slide19.xml><?xml version="1.0" encoding="utf-8"?>
+<p:sld xmlns:a="http://schemas.openxmlformats.org/drawingml/2006/main" xmlns:r="http://schemas.openxmlformats.org/officeDocument/2006/relationships" xmlns:p="http://schemas.openxmlformats.org/presentationml/2006/main">
+  <p:cSld>
+    <p:spTree>
+      <p:nvGrpSpPr>
+        <p:cNvPr id="1" name=""/>
+        <p:cNvGrpSpPr/>
+        <p:nvPr/>
+      </p:nvGrpSpPr>
+      <p:grpSpPr>
+        <a:xfrm>
+          <a:off x="0" y="0"/>
+          <a:ext cx="0" cy="0"/>
+          <a:chOff x="0" y="0"/>
+          <a:chExt cx="0" cy="0"/>
+        </a:xfrm>
+      </p:grpSpPr>
+      <p:sp>
+        <p:nvSpPr>
+          <p:cNvPr id="2" name="标题 1">
+            <a:extLst>
+              <a:ext uri="{FF2B5EF4-FFF2-40B4-BE49-F238E27FC236}">
+                <a16:creationId xmlns:a16="http://schemas.microsoft.com/office/drawing/2014/main" id="{0A75F11F-C78A-904E-AB8C-72A70AF2A0A3}"/>
+              </a:ext>
+            </a:extLst>
+          </p:cNvPr>
+          <p:cNvSpPr>
+            <a:spLocks noGrp="1"/>
+          </p:cNvSpPr>
+          <p:nvPr>
+            <p:ph type="title"/>
+          </p:nvPr>
+        </p:nvSpPr>
+        <p:spPr/>
+        <p:txBody>
+          <a:bodyPr/>
+          <a:lstStyle/>
+          <a:p>
+            <a:r>
+              <a:rPr kumimoji="1" lang="en-US" altLang="zh-CN" dirty="0"/>
+              <a:t>Type</a:t>
+            </a:r>
+            <a:r>
+              <a:rPr kumimoji="1" lang="zh-CN" altLang="en-US" dirty="0"/>
+              <a:t> </a:t>
+            </a:r>
+            <a:r>
+              <a:rPr kumimoji="1" lang="en-US" altLang="zh-CN" dirty="0"/>
+              <a:t>abbreviations</a:t>
+            </a:r>
+          </a:p>
+        </p:txBody>
+      </p:sp>
+      <p:pic>
+        <p:nvPicPr>
+          <p:cNvPr id="4" name="图片 3">
+            <a:extLst>
+              <a:ext uri="{FF2B5EF4-FFF2-40B4-BE49-F238E27FC236}">
+                <a16:creationId xmlns:a16="http://schemas.microsoft.com/office/drawing/2014/main" id="{C3808AAE-E7D2-B74A-BABB-D7B2D768349D}"/>
+              </a:ext>
+            </a:extLst>
+          </p:cNvPr>
+          <p:cNvPicPr>
+            <a:picLocks noChangeAspect="1"/>
+          </p:cNvPicPr>
+          <p:nvPr/>
+        </p:nvPicPr>
+        <p:blipFill>
+          <a:blip r:embed="rId2"/>
+          <a:stretch>
+            <a:fillRect/>
+          </a:stretch>
+        </p:blipFill>
+        <p:spPr>
+          <a:xfrm>
+            <a:off x="1447800" y="2133600"/>
+            <a:ext cx="5562600" cy="596900"/>
+          </a:xfrm>
+          <a:prstGeom prst="rect">
+            <a:avLst/>
+          </a:prstGeom>
+        </p:spPr>
+      </p:pic>
+      <p:pic>
+        <p:nvPicPr>
+          <p:cNvPr id="7" name="图片 6">
+            <a:extLst>
+              <a:ext uri="{FF2B5EF4-FFF2-40B4-BE49-F238E27FC236}">
+                <a16:creationId xmlns:a16="http://schemas.microsoft.com/office/drawing/2014/main" id="{F59037E5-BD04-6C42-A83D-39F7B477AC62}"/>
+              </a:ext>
+            </a:extLst>
+          </p:cNvPr>
+          <p:cNvPicPr>
+            <a:picLocks noChangeAspect="1"/>
+          </p:cNvPicPr>
+          <p:nvPr/>
+        </p:nvPicPr>
+        <p:blipFill>
+          <a:blip r:embed="rId3"/>
+          <a:stretch>
+            <a:fillRect/>
+          </a:stretch>
+        </p:blipFill>
+        <p:spPr>
+          <a:xfrm>
+            <a:off x="838200" y="3434219"/>
+            <a:ext cx="8013700" cy="2209800"/>
+          </a:xfrm>
+          <a:prstGeom prst="rect">
+            <a:avLst/>
+          </a:prstGeom>
+        </p:spPr>
+      </p:pic>
+    </p:spTree>
+    <p:extLst>
+      <p:ext uri="{BB962C8B-B14F-4D97-AF65-F5344CB8AC3E}">
+        <p14:creationId xmlns:p14="http://schemas.microsoft.com/office/powerpoint/2010/main" val="3849489127"/>
+      </p:ext>
+    </p:extLst>
+  </p:cSld>
+  <p:clrMapOvr>
+    <a:masterClrMapping/>
+  </p:clrMapOvr>
+</p:sld>
+</file>
+
 <file path=ppt/slides/slide2.xml><?xml version="1.0" encoding="utf-8"?>
 <p:sld xmlns:a="http://schemas.openxmlformats.org/drawingml/2006/main" xmlns:r="http://schemas.openxmlformats.org/officeDocument/2006/relationships" xmlns:p="http://schemas.openxmlformats.org/presentationml/2006/main">
   <p:cSld>
@@ -5259,7 +9457,7 @@
             <a:pPr lvl="1"/>
             <a:r>
               <a:rPr kumimoji="1" lang="en-US" altLang="zh-CN" dirty="0"/>
-              <a:t>young</a:t>
+              <a:t>young,</a:t>
             </a:r>
             <a:r>
               <a:rPr kumimoji="1" lang="zh-CN" altLang="en-US" dirty="0"/>
@@ -5445,6 +9643,2737 @@
     <p:extLst>
       <p:ext uri="{BB962C8B-B14F-4D97-AF65-F5344CB8AC3E}">
         <p14:creationId xmlns:p14="http://schemas.microsoft.com/office/powerpoint/2010/main" val="790395669"/>
+      </p:ext>
+    </p:extLst>
+  </p:cSld>
+  <p:clrMapOvr>
+    <a:masterClrMapping/>
+  </p:clrMapOvr>
+</p:sld>
+</file>
+
+<file path=ppt/slides/slide20.xml><?xml version="1.0" encoding="utf-8"?>
+<p:sld xmlns:a="http://schemas.openxmlformats.org/drawingml/2006/main" xmlns:r="http://schemas.openxmlformats.org/officeDocument/2006/relationships" xmlns:p="http://schemas.openxmlformats.org/presentationml/2006/main">
+  <p:cSld>
+    <p:spTree>
+      <p:nvGrpSpPr>
+        <p:cNvPr id="1" name=""/>
+        <p:cNvGrpSpPr/>
+        <p:nvPr/>
+      </p:nvGrpSpPr>
+      <p:grpSpPr>
+        <a:xfrm>
+          <a:off x="0" y="0"/>
+          <a:ext cx="0" cy="0"/>
+          <a:chOff x="0" y="0"/>
+          <a:chExt cx="0" cy="0"/>
+        </a:xfrm>
+      </p:grpSpPr>
+      <p:sp>
+        <p:nvSpPr>
+          <p:cNvPr id="2" name="标题 1">
+            <a:extLst>
+              <a:ext uri="{FF2B5EF4-FFF2-40B4-BE49-F238E27FC236}">
+                <a16:creationId xmlns:a16="http://schemas.microsoft.com/office/drawing/2014/main" id="{0A75F11F-C78A-904E-AB8C-72A70AF2A0A3}"/>
+              </a:ext>
+            </a:extLst>
+          </p:cNvPr>
+          <p:cNvSpPr>
+            <a:spLocks noGrp="1"/>
+          </p:cNvSpPr>
+          <p:nvPr>
+            <p:ph type="title"/>
+          </p:nvPr>
+        </p:nvSpPr>
+        <p:spPr/>
+        <p:txBody>
+          <a:bodyPr/>
+          <a:lstStyle/>
+          <a:p>
+            <a:r>
+              <a:rPr kumimoji="1" lang="en-US" altLang="zh-CN" dirty="0"/>
+              <a:t>Objects</a:t>
+            </a:r>
+            <a:r>
+              <a:rPr kumimoji="1" lang="zh-CN" altLang="en-US" dirty="0"/>
+              <a:t> </a:t>
+            </a:r>
+            <a:r>
+              <a:rPr kumimoji="1" lang="en-US" altLang="zh-CN" dirty="0"/>
+              <a:t>generators</a:t>
+            </a:r>
+          </a:p>
+        </p:txBody>
+      </p:sp>
+      <p:pic>
+        <p:nvPicPr>
+          <p:cNvPr id="5" name="图片 4">
+            <a:extLst>
+              <a:ext uri="{FF2B5EF4-FFF2-40B4-BE49-F238E27FC236}">
+                <a16:creationId xmlns:a16="http://schemas.microsoft.com/office/drawing/2014/main" id="{EC7C8A18-4712-B441-9BBC-946F14DD8AA3}"/>
+              </a:ext>
+            </a:extLst>
+          </p:cNvPr>
+          <p:cNvPicPr>
+            <a:picLocks noChangeAspect="1"/>
+          </p:cNvPicPr>
+          <p:nvPr/>
+        </p:nvPicPr>
+        <p:blipFill>
+          <a:blip r:embed="rId2"/>
+          <a:stretch>
+            <a:fillRect/>
+          </a:stretch>
+        </p:blipFill>
+        <p:spPr>
+          <a:xfrm>
+            <a:off x="1270000" y="2489200"/>
+            <a:ext cx="6604000" cy="1879600"/>
+          </a:xfrm>
+          <a:prstGeom prst="rect">
+            <a:avLst/>
+          </a:prstGeom>
+        </p:spPr>
+      </p:pic>
+    </p:spTree>
+    <p:extLst>
+      <p:ext uri="{BB962C8B-B14F-4D97-AF65-F5344CB8AC3E}">
+        <p14:creationId xmlns:p14="http://schemas.microsoft.com/office/powerpoint/2010/main" val="4109745156"/>
+      </p:ext>
+    </p:extLst>
+  </p:cSld>
+  <p:clrMapOvr>
+    <a:masterClrMapping/>
+  </p:clrMapOvr>
+</p:sld>
+</file>
+
+<file path=ppt/slides/slide21.xml><?xml version="1.0" encoding="utf-8"?>
+<p:sld xmlns:a="http://schemas.openxmlformats.org/drawingml/2006/main" xmlns:r="http://schemas.openxmlformats.org/officeDocument/2006/relationships" xmlns:p="http://schemas.openxmlformats.org/presentationml/2006/main">
+  <p:cSld>
+    <p:spTree>
+      <p:nvGrpSpPr>
+        <p:cNvPr id="1" name=""/>
+        <p:cNvGrpSpPr/>
+        <p:nvPr/>
+      </p:nvGrpSpPr>
+      <p:grpSpPr>
+        <a:xfrm>
+          <a:off x="0" y="0"/>
+          <a:ext cx="0" cy="0"/>
+          <a:chOff x="0" y="0"/>
+          <a:chExt cx="0" cy="0"/>
+        </a:xfrm>
+      </p:grpSpPr>
+      <p:sp>
+        <p:nvSpPr>
+          <p:cNvPr id="2" name="标题 1">
+            <a:extLst>
+              <a:ext uri="{FF2B5EF4-FFF2-40B4-BE49-F238E27FC236}">
+                <a16:creationId xmlns:a16="http://schemas.microsoft.com/office/drawing/2014/main" id="{0A75F11F-C78A-904E-AB8C-72A70AF2A0A3}"/>
+              </a:ext>
+            </a:extLst>
+          </p:cNvPr>
+          <p:cNvSpPr>
+            <a:spLocks noGrp="1"/>
+          </p:cNvSpPr>
+          <p:nvPr>
+            <p:ph type="title"/>
+          </p:nvPr>
+        </p:nvSpPr>
+        <p:spPr/>
+        <p:txBody>
+          <a:bodyPr/>
+          <a:lstStyle/>
+          <a:p>
+            <a:r>
+              <a:rPr kumimoji="1" lang="en-US" altLang="zh-CN" dirty="0"/>
+              <a:t>Subtyping</a:t>
+            </a:r>
+          </a:p>
+        </p:txBody>
+      </p:sp>
+      <p:pic>
+        <p:nvPicPr>
+          <p:cNvPr id="4" name="图片 3">
+            <a:extLst>
+              <a:ext uri="{FF2B5EF4-FFF2-40B4-BE49-F238E27FC236}">
+                <a16:creationId xmlns:a16="http://schemas.microsoft.com/office/drawing/2014/main" id="{CF3991FC-E470-5E4E-B2C8-8F2AC709DE9C}"/>
+              </a:ext>
+            </a:extLst>
+          </p:cNvPr>
+          <p:cNvPicPr>
+            <a:picLocks noChangeAspect="1"/>
+          </p:cNvPicPr>
+          <p:nvPr/>
+        </p:nvPicPr>
+        <p:blipFill>
+          <a:blip r:embed="rId2"/>
+          <a:stretch>
+            <a:fillRect/>
+          </a:stretch>
+        </p:blipFill>
+        <p:spPr>
+          <a:xfrm>
+            <a:off x="838200" y="2019300"/>
+            <a:ext cx="8229600" cy="647700"/>
+          </a:xfrm>
+          <a:prstGeom prst="rect">
+            <a:avLst/>
+          </a:prstGeom>
+        </p:spPr>
+      </p:pic>
+      <p:pic>
+        <p:nvPicPr>
+          <p:cNvPr id="7" name="图片 6">
+            <a:extLst>
+              <a:ext uri="{FF2B5EF4-FFF2-40B4-BE49-F238E27FC236}">
+                <a16:creationId xmlns:a16="http://schemas.microsoft.com/office/drawing/2014/main" id="{B16B8362-3244-7E4A-919F-458202540753}"/>
+              </a:ext>
+            </a:extLst>
+          </p:cNvPr>
+          <p:cNvPicPr>
+            <a:picLocks noChangeAspect="1"/>
+          </p:cNvPicPr>
+          <p:nvPr/>
+        </p:nvPicPr>
+        <p:blipFill>
+          <a:blip r:embed="rId3"/>
+          <a:stretch>
+            <a:fillRect/>
+          </a:stretch>
+        </p:blipFill>
+        <p:spPr>
+          <a:xfrm>
+            <a:off x="685800" y="2819400"/>
+            <a:ext cx="6172200" cy="2286000"/>
+          </a:xfrm>
+          <a:prstGeom prst="rect">
+            <a:avLst/>
+          </a:prstGeom>
+        </p:spPr>
+      </p:pic>
+    </p:spTree>
+    <p:extLst>
+      <p:ext uri="{BB962C8B-B14F-4D97-AF65-F5344CB8AC3E}">
+        <p14:creationId xmlns:p14="http://schemas.microsoft.com/office/powerpoint/2010/main" val="3125025948"/>
+      </p:ext>
+    </p:extLst>
+  </p:cSld>
+  <p:clrMapOvr>
+    <a:masterClrMapping/>
+  </p:clrMapOvr>
+</p:sld>
+</file>
+
+<file path=ppt/slides/slide22.xml><?xml version="1.0" encoding="utf-8"?>
+<p:sld xmlns:a="http://schemas.openxmlformats.org/drawingml/2006/main" xmlns:r="http://schemas.openxmlformats.org/officeDocument/2006/relationships" xmlns:p="http://schemas.openxmlformats.org/presentationml/2006/main">
+  <p:cSld>
+    <p:spTree>
+      <p:nvGrpSpPr>
+        <p:cNvPr id="1" name=""/>
+        <p:cNvGrpSpPr/>
+        <p:nvPr/>
+      </p:nvGrpSpPr>
+      <p:grpSpPr>
+        <a:xfrm>
+          <a:off x="0" y="0"/>
+          <a:ext cx="0" cy="0"/>
+          <a:chOff x="0" y="0"/>
+          <a:chExt cx="0" cy="0"/>
+        </a:xfrm>
+      </p:grpSpPr>
+      <p:sp>
+        <p:nvSpPr>
+          <p:cNvPr id="2" name="标题 1">
+            <a:extLst>
+              <a:ext uri="{FF2B5EF4-FFF2-40B4-BE49-F238E27FC236}">
+                <a16:creationId xmlns:a16="http://schemas.microsoft.com/office/drawing/2014/main" id="{91A7BC32-210A-B647-A3FC-FBFCA80FC6BA}"/>
+              </a:ext>
+            </a:extLst>
+          </p:cNvPr>
+          <p:cNvSpPr>
+            <a:spLocks noGrp="1"/>
+          </p:cNvSpPr>
+          <p:nvPr>
+            <p:ph type="title"/>
+          </p:nvPr>
+        </p:nvSpPr>
+        <p:spPr/>
+        <p:txBody>
+          <a:bodyPr/>
+          <a:lstStyle/>
+          <a:p>
+            <a:r>
+              <a:rPr kumimoji="1" lang="en-US" altLang="zh-CN" dirty="0"/>
+              <a:t>Class</a:t>
+            </a:r>
+            <a:endParaRPr kumimoji="1" lang="zh-CN" altLang="en-US" dirty="0"/>
+          </a:p>
+        </p:txBody>
+      </p:sp>
+      <p:sp>
+        <p:nvSpPr>
+          <p:cNvPr id="3" name="内容占位符 2">
+            <a:extLst>
+              <a:ext uri="{FF2B5EF4-FFF2-40B4-BE49-F238E27FC236}">
+                <a16:creationId xmlns:a16="http://schemas.microsoft.com/office/drawing/2014/main" id="{55A1BAFE-BD59-DA43-AA9F-E62E3841C011}"/>
+              </a:ext>
+            </a:extLst>
+          </p:cNvPr>
+          <p:cNvSpPr>
+            <a:spLocks noGrp="1"/>
+          </p:cNvSpPr>
+          <p:nvPr>
+            <p:ph idx="1"/>
+          </p:nvPr>
+        </p:nvSpPr>
+        <p:spPr/>
+        <p:txBody>
+          <a:bodyPr/>
+          <a:lstStyle/>
+          <a:p>
+            <a:r>
+              <a:rPr kumimoji="1" lang="en-US" altLang="zh-CN" dirty="0"/>
+              <a:t>Class</a:t>
+            </a:r>
+            <a:r>
+              <a:rPr kumimoji="1" lang="zh-CN" altLang="en-US" dirty="0"/>
+              <a:t> </a:t>
+            </a:r>
+            <a:r>
+              <a:rPr kumimoji="1" lang="en-US" altLang="zh-CN" dirty="0"/>
+              <a:t>can</a:t>
+            </a:r>
+            <a:r>
+              <a:rPr kumimoji="1" lang="zh-CN" altLang="en-US" dirty="0"/>
+              <a:t> </a:t>
+            </a:r>
+            <a:r>
+              <a:rPr kumimoji="1" lang="en-US" altLang="zh-CN" dirty="0"/>
+              <a:t>be</a:t>
+            </a:r>
+            <a:r>
+              <a:rPr kumimoji="1" lang="zh-CN" altLang="en-US" dirty="0"/>
+              <a:t> </a:t>
+            </a:r>
+            <a:r>
+              <a:rPr kumimoji="1" lang="en-US" altLang="zh-CN" dirty="0"/>
+              <a:t>thought</a:t>
+            </a:r>
+            <a:r>
+              <a:rPr kumimoji="1" lang="zh-CN" altLang="en-US" dirty="0"/>
+              <a:t> </a:t>
+            </a:r>
+            <a:r>
+              <a:rPr kumimoji="1" lang="en-US" altLang="zh-CN" dirty="0"/>
+              <a:t>of</a:t>
+            </a:r>
+            <a:r>
+              <a:rPr kumimoji="1" lang="zh-CN" altLang="en-US" dirty="0"/>
+              <a:t> </a:t>
+            </a:r>
+            <a:r>
+              <a:rPr kumimoji="1" lang="en-US" altLang="zh-CN" dirty="0"/>
+              <a:t>functions:</a:t>
+            </a:r>
+          </a:p>
+          <a:p>
+            <a:pPr lvl="1"/>
+            <a:r>
+              <a:rPr kumimoji="1" lang="en-US" altLang="zh-CN" dirty="0"/>
+              <a:t>take</a:t>
+            </a:r>
+            <a:r>
+              <a:rPr kumimoji="1" lang="zh-CN" altLang="en-US" dirty="0"/>
+              <a:t> </a:t>
+            </a:r>
+            <a:r>
+              <a:rPr kumimoji="1" lang="en-US" altLang="zh-CN" dirty="0"/>
+              <a:t>objects</a:t>
+            </a:r>
+            <a:r>
+              <a:rPr kumimoji="1" lang="zh-CN" altLang="en-US" dirty="0"/>
+              <a:t> </a:t>
+            </a:r>
+            <a:r>
+              <a:rPr kumimoji="1" lang="en-US" altLang="zh-CN" dirty="0"/>
+              <a:t>representations</a:t>
+            </a:r>
+            <a:r>
+              <a:rPr kumimoji="1" lang="zh-CN" altLang="en-US" dirty="0"/>
+              <a:t> </a:t>
+            </a:r>
+            <a:r>
+              <a:rPr kumimoji="1" lang="en-US" altLang="zh-CN" dirty="0"/>
+              <a:t>as</a:t>
+            </a:r>
+            <a:r>
+              <a:rPr kumimoji="1" lang="zh-CN" altLang="en-US" dirty="0"/>
+              <a:t> </a:t>
+            </a:r>
+            <a:r>
+              <a:rPr kumimoji="1" lang="en-US" altLang="zh-CN" dirty="0"/>
+              <a:t>arguments</a:t>
+            </a:r>
+          </a:p>
+          <a:p>
+            <a:pPr lvl="1"/>
+            <a:r>
+              <a:rPr kumimoji="1" lang="en-US" altLang="zh-CN" dirty="0"/>
+              <a:t>generate</a:t>
+            </a:r>
+            <a:r>
+              <a:rPr kumimoji="1" lang="zh-CN" altLang="en-US" dirty="0"/>
+              <a:t> </a:t>
+            </a:r>
+            <a:r>
+              <a:rPr kumimoji="1" lang="en-US" altLang="zh-CN" dirty="0"/>
+              <a:t>class</a:t>
+            </a:r>
+            <a:r>
+              <a:rPr kumimoji="1" lang="zh-CN" altLang="en-US" dirty="0"/>
+              <a:t> </a:t>
+            </a:r>
+            <a:r>
+              <a:rPr kumimoji="1" lang="en-US" altLang="zh-CN" dirty="0"/>
+              <a:t>type</a:t>
+            </a:r>
+            <a:r>
+              <a:rPr kumimoji="1" lang="zh-CN" altLang="en-US" dirty="0"/>
+              <a:t> </a:t>
+            </a:r>
+            <a:r>
+              <a:rPr kumimoji="1" lang="en-US" altLang="zh-CN" dirty="0"/>
+              <a:t>(virtual</a:t>
+            </a:r>
+            <a:r>
+              <a:rPr kumimoji="1" lang="zh-CN" altLang="en-US" dirty="0"/>
+              <a:t> </a:t>
+            </a:r>
+            <a:r>
+              <a:rPr kumimoji="1" lang="en-US" altLang="zh-CN" dirty="0"/>
+              <a:t>function</a:t>
+            </a:r>
+            <a:r>
+              <a:rPr kumimoji="1" lang="zh-CN" altLang="en-US" dirty="0"/>
+              <a:t> </a:t>
+            </a:r>
+            <a:r>
+              <a:rPr kumimoji="1" lang="en-US" altLang="zh-CN" dirty="0"/>
+              <a:t>tables)</a:t>
+            </a:r>
+          </a:p>
+        </p:txBody>
+      </p:sp>
+    </p:spTree>
+    <p:extLst>
+      <p:ext uri="{BB962C8B-B14F-4D97-AF65-F5344CB8AC3E}">
+        <p14:creationId xmlns:p14="http://schemas.microsoft.com/office/powerpoint/2010/main" val="2257321983"/>
+      </p:ext>
+    </p:extLst>
+  </p:cSld>
+  <p:clrMapOvr>
+    <a:masterClrMapping/>
+  </p:clrMapOvr>
+</p:sld>
+</file>
+
+<file path=ppt/slides/slide23.xml><?xml version="1.0" encoding="utf-8"?>
+<p:sld xmlns:a="http://schemas.openxmlformats.org/drawingml/2006/main" xmlns:r="http://schemas.openxmlformats.org/officeDocument/2006/relationships" xmlns:p="http://schemas.openxmlformats.org/presentationml/2006/main">
+  <p:cSld>
+    <p:spTree>
+      <p:nvGrpSpPr>
+        <p:cNvPr id="1" name=""/>
+        <p:cNvGrpSpPr/>
+        <p:nvPr/>
+      </p:nvGrpSpPr>
+      <p:grpSpPr>
+        <a:xfrm>
+          <a:off x="0" y="0"/>
+          <a:ext cx="0" cy="0"/>
+          <a:chOff x="0" y="0"/>
+          <a:chExt cx="0" cy="0"/>
+        </a:xfrm>
+      </p:grpSpPr>
+      <p:sp>
+        <p:nvSpPr>
+          <p:cNvPr id="2" name="标题 1">
+            <a:extLst>
+              <a:ext uri="{FF2B5EF4-FFF2-40B4-BE49-F238E27FC236}">
+                <a16:creationId xmlns:a16="http://schemas.microsoft.com/office/drawing/2014/main" id="{0A75F11F-C78A-904E-AB8C-72A70AF2A0A3}"/>
+              </a:ext>
+            </a:extLst>
+          </p:cNvPr>
+          <p:cNvSpPr>
+            <a:spLocks noGrp="1"/>
+          </p:cNvSpPr>
+          <p:nvPr>
+            <p:ph type="title"/>
+          </p:nvPr>
+        </p:nvSpPr>
+        <p:spPr/>
+        <p:txBody>
+          <a:bodyPr/>
+          <a:lstStyle/>
+          <a:p>
+            <a:r>
+              <a:rPr kumimoji="1" lang="en-US" altLang="zh-CN" dirty="0"/>
+              <a:t>Classes</a:t>
+            </a:r>
+          </a:p>
+        </p:txBody>
+      </p:sp>
+      <p:sp>
+        <p:nvSpPr>
+          <p:cNvPr id="3" name="内容占位符 2">
+            <a:extLst>
+              <a:ext uri="{FF2B5EF4-FFF2-40B4-BE49-F238E27FC236}">
+                <a16:creationId xmlns:a16="http://schemas.microsoft.com/office/drawing/2014/main" id="{89440B6A-6E75-1444-8401-F897E1580908}"/>
+              </a:ext>
+            </a:extLst>
+          </p:cNvPr>
+          <p:cNvSpPr>
+            <a:spLocks noGrp="1"/>
+          </p:cNvSpPr>
+          <p:nvPr>
+            <p:ph idx="1"/>
+          </p:nvPr>
+        </p:nvSpPr>
+        <p:spPr>
+          <a:xfrm>
+            <a:off x="152400" y="2133600"/>
+            <a:ext cx="4419600" cy="4114800"/>
+          </a:xfrm>
+        </p:spPr>
+        <p:txBody>
+          <a:bodyPr/>
+          <a:lstStyle/>
+          <a:p>
+            <a:pPr marL="0" indent="0">
+              <a:buNone/>
+            </a:pPr>
+            <a:r>
+              <a:rPr kumimoji="1" lang="en-US" altLang="zh-CN" sz="2000" b="1" dirty="0">
+                <a:solidFill>
+                  <a:srgbClr val="0432FF"/>
+                </a:solidFill>
+                <a:latin typeface="Courier New" panose="02070309020205020404" pitchFamily="49" charset="0"/>
+                <a:cs typeface="Courier New" panose="02070309020205020404" pitchFamily="49" charset="0"/>
+              </a:rPr>
+              <a:t>class</a:t>
+            </a:r>
+            <a:r>
+              <a:rPr kumimoji="1" lang="zh-CN" altLang="en-US" sz="2000" b="1" dirty="0">
+                <a:solidFill>
+                  <a:srgbClr val="0432FF"/>
+                </a:solidFill>
+                <a:latin typeface="Courier New" panose="02070309020205020404" pitchFamily="49" charset="0"/>
+                <a:cs typeface="Courier New" panose="02070309020205020404" pitchFamily="49" charset="0"/>
+              </a:rPr>
+              <a:t> </a:t>
+            </a:r>
+            <a:r>
+              <a:rPr kumimoji="1" lang="en-US" altLang="zh-CN" sz="2000" b="1" dirty="0">
+                <a:solidFill>
+                  <a:srgbClr val="0432FF"/>
+                </a:solidFill>
+                <a:latin typeface="Courier New" panose="02070309020205020404" pitchFamily="49" charset="0"/>
+                <a:cs typeface="Courier New" panose="02070309020205020404" pitchFamily="49" charset="0"/>
+              </a:rPr>
+              <a:t>A{</a:t>
+            </a:r>
+          </a:p>
+          <a:p>
+            <a:pPr marL="0" indent="0">
+              <a:buNone/>
+            </a:pPr>
+            <a:r>
+              <a:rPr kumimoji="1" lang="zh-CN" altLang="en-US" sz="2000" b="1" dirty="0">
+                <a:solidFill>
+                  <a:srgbClr val="0432FF"/>
+                </a:solidFill>
+                <a:latin typeface="Courier New" panose="02070309020205020404" pitchFamily="49" charset="0"/>
+                <a:cs typeface="Courier New" panose="02070309020205020404" pitchFamily="49" charset="0"/>
+              </a:rPr>
+              <a:t>  </a:t>
+            </a:r>
+            <a:r>
+              <a:rPr kumimoji="1" lang="en-US" altLang="zh-CN" sz="2000" b="1" dirty="0">
+                <a:solidFill>
+                  <a:srgbClr val="0432FF"/>
+                </a:solidFill>
+                <a:latin typeface="Courier New" panose="02070309020205020404" pitchFamily="49" charset="0"/>
+                <a:cs typeface="Courier New" panose="02070309020205020404" pitchFamily="49" charset="0"/>
+              </a:rPr>
+              <a:t>private</a:t>
+            </a:r>
+            <a:r>
+              <a:rPr kumimoji="1" lang="zh-CN" altLang="en-US" sz="2000" b="1" dirty="0">
+                <a:solidFill>
+                  <a:srgbClr val="0432FF"/>
+                </a:solidFill>
+                <a:latin typeface="Courier New" panose="02070309020205020404" pitchFamily="49" charset="0"/>
+                <a:cs typeface="Courier New" panose="02070309020205020404" pitchFamily="49" charset="0"/>
+              </a:rPr>
+              <a:t> </a:t>
+            </a:r>
+            <a:r>
+              <a:rPr kumimoji="1" lang="en-US" altLang="zh-CN" sz="2000" b="1" dirty="0">
+                <a:solidFill>
+                  <a:srgbClr val="0432FF"/>
+                </a:solidFill>
+                <a:latin typeface="Courier New" panose="02070309020205020404" pitchFamily="49" charset="0"/>
+                <a:cs typeface="Courier New" panose="02070309020205020404" pitchFamily="49" charset="0"/>
+              </a:rPr>
+              <a:t>int</a:t>
+            </a:r>
+            <a:r>
+              <a:rPr kumimoji="1" lang="zh-CN" altLang="en-US" sz="2000" b="1" dirty="0">
+                <a:solidFill>
+                  <a:srgbClr val="0432FF"/>
+                </a:solidFill>
+                <a:latin typeface="Courier New" panose="02070309020205020404" pitchFamily="49" charset="0"/>
+                <a:cs typeface="Courier New" panose="02070309020205020404" pitchFamily="49" charset="0"/>
+              </a:rPr>
+              <a:t> </a:t>
+            </a:r>
+            <a:r>
+              <a:rPr kumimoji="1" lang="en-US" altLang="zh-CN" sz="2000" b="1" dirty="0">
+                <a:solidFill>
+                  <a:srgbClr val="0432FF"/>
+                </a:solidFill>
+                <a:latin typeface="Courier New" panose="02070309020205020404" pitchFamily="49" charset="0"/>
+                <a:cs typeface="Courier New" panose="02070309020205020404" pitchFamily="49" charset="0"/>
+              </a:rPr>
+              <a:t>x;</a:t>
+            </a:r>
+          </a:p>
+          <a:p>
+            <a:pPr marL="0" indent="0">
+              <a:buNone/>
+            </a:pPr>
+            <a:r>
+              <a:rPr kumimoji="1" lang="zh-CN" altLang="en-US" sz="2000" b="1" dirty="0">
+                <a:solidFill>
+                  <a:srgbClr val="0432FF"/>
+                </a:solidFill>
+                <a:latin typeface="Courier New" panose="02070309020205020404" pitchFamily="49" charset="0"/>
+                <a:cs typeface="Courier New" panose="02070309020205020404" pitchFamily="49" charset="0"/>
+              </a:rPr>
+              <a:t>  </a:t>
+            </a:r>
+            <a:r>
+              <a:rPr kumimoji="1" lang="en-US" altLang="zh-CN" sz="2000" b="1" dirty="0">
+                <a:solidFill>
+                  <a:srgbClr val="0432FF"/>
+                </a:solidFill>
+                <a:latin typeface="Courier New" panose="02070309020205020404" pitchFamily="49" charset="0"/>
+                <a:cs typeface="Courier New" panose="02070309020205020404" pitchFamily="49" charset="0"/>
+              </a:rPr>
+              <a:t>public</a:t>
+            </a:r>
+            <a:r>
+              <a:rPr kumimoji="1" lang="zh-CN" altLang="en-US" sz="2000" b="1" dirty="0">
+                <a:solidFill>
+                  <a:srgbClr val="0432FF"/>
+                </a:solidFill>
+                <a:latin typeface="Courier New" panose="02070309020205020404" pitchFamily="49" charset="0"/>
+                <a:cs typeface="Courier New" panose="02070309020205020404" pitchFamily="49" charset="0"/>
+              </a:rPr>
+              <a:t> </a:t>
+            </a:r>
+            <a:r>
+              <a:rPr kumimoji="1" lang="en-US" altLang="zh-CN" sz="2000" b="1" dirty="0">
+                <a:solidFill>
+                  <a:srgbClr val="0432FF"/>
+                </a:solidFill>
+                <a:latin typeface="Courier New" panose="02070309020205020404" pitchFamily="49" charset="0"/>
+                <a:cs typeface="Courier New" panose="02070309020205020404" pitchFamily="49" charset="0"/>
+              </a:rPr>
+              <a:t>A(int</a:t>
+            </a:r>
+            <a:r>
+              <a:rPr kumimoji="1" lang="zh-CN" altLang="en-US" sz="2000" b="1" dirty="0">
+                <a:solidFill>
+                  <a:srgbClr val="0432FF"/>
+                </a:solidFill>
+                <a:latin typeface="Courier New" panose="02070309020205020404" pitchFamily="49" charset="0"/>
+                <a:cs typeface="Courier New" panose="02070309020205020404" pitchFamily="49" charset="0"/>
+              </a:rPr>
+              <a:t> </a:t>
+            </a:r>
+            <a:r>
+              <a:rPr kumimoji="1" lang="en-US" altLang="zh-CN" sz="2000" b="1" dirty="0">
+                <a:solidFill>
+                  <a:srgbClr val="0432FF"/>
+                </a:solidFill>
+                <a:latin typeface="Courier New" panose="02070309020205020404" pitchFamily="49" charset="0"/>
+                <a:cs typeface="Courier New" panose="02070309020205020404" pitchFamily="49" charset="0"/>
+              </a:rPr>
+              <a:t>x){</a:t>
+            </a:r>
+          </a:p>
+          <a:p>
+            <a:pPr marL="0" indent="0">
+              <a:buNone/>
+            </a:pPr>
+            <a:r>
+              <a:rPr kumimoji="1" lang="zh-CN" altLang="en-US" sz="2000" b="1" dirty="0">
+                <a:solidFill>
+                  <a:srgbClr val="0432FF"/>
+                </a:solidFill>
+                <a:latin typeface="Courier New" panose="02070309020205020404" pitchFamily="49" charset="0"/>
+                <a:cs typeface="Courier New" panose="02070309020205020404" pitchFamily="49" charset="0"/>
+              </a:rPr>
+              <a:t>    </a:t>
+            </a:r>
+            <a:r>
+              <a:rPr kumimoji="1" lang="en-US" altLang="zh-CN" sz="2000" b="1" dirty="0" err="1">
+                <a:solidFill>
+                  <a:srgbClr val="0432FF"/>
+                </a:solidFill>
+                <a:latin typeface="Courier New" panose="02070309020205020404" pitchFamily="49" charset="0"/>
+                <a:cs typeface="Courier New" panose="02070309020205020404" pitchFamily="49" charset="0"/>
+              </a:rPr>
+              <a:t>this.x</a:t>
+            </a:r>
+            <a:r>
+              <a:rPr kumimoji="1" lang="zh-CN" altLang="en-US" sz="2000" b="1" dirty="0">
+                <a:solidFill>
+                  <a:srgbClr val="0432FF"/>
+                </a:solidFill>
+                <a:latin typeface="Courier New" panose="02070309020205020404" pitchFamily="49" charset="0"/>
+                <a:cs typeface="Courier New" panose="02070309020205020404" pitchFamily="49" charset="0"/>
+              </a:rPr>
+              <a:t> </a:t>
+            </a:r>
+            <a:r>
+              <a:rPr kumimoji="1" lang="en-US" altLang="zh-CN" sz="2000" b="1" dirty="0">
+                <a:solidFill>
+                  <a:srgbClr val="0432FF"/>
+                </a:solidFill>
+                <a:latin typeface="Courier New" panose="02070309020205020404" pitchFamily="49" charset="0"/>
+                <a:cs typeface="Courier New" panose="02070309020205020404" pitchFamily="49" charset="0"/>
+              </a:rPr>
+              <a:t>=</a:t>
+            </a:r>
+            <a:r>
+              <a:rPr kumimoji="1" lang="zh-CN" altLang="en-US" sz="2000" b="1" dirty="0">
+                <a:solidFill>
+                  <a:srgbClr val="0432FF"/>
+                </a:solidFill>
+                <a:latin typeface="Courier New" panose="02070309020205020404" pitchFamily="49" charset="0"/>
+                <a:cs typeface="Courier New" panose="02070309020205020404" pitchFamily="49" charset="0"/>
+              </a:rPr>
+              <a:t> </a:t>
+            </a:r>
+            <a:r>
+              <a:rPr kumimoji="1" lang="en-US" altLang="zh-CN" sz="2000" b="1" dirty="0">
+                <a:solidFill>
+                  <a:srgbClr val="0432FF"/>
+                </a:solidFill>
+                <a:latin typeface="Courier New" panose="02070309020205020404" pitchFamily="49" charset="0"/>
+                <a:cs typeface="Courier New" panose="02070309020205020404" pitchFamily="49" charset="0"/>
+              </a:rPr>
+              <a:t>x;</a:t>
+            </a:r>
+          </a:p>
+          <a:p>
+            <a:pPr marL="0" indent="0">
+              <a:buNone/>
+            </a:pPr>
+            <a:r>
+              <a:rPr kumimoji="1" lang="zh-CN" altLang="en-US" sz="2000" b="1" dirty="0">
+                <a:solidFill>
+                  <a:srgbClr val="0432FF"/>
+                </a:solidFill>
+                <a:latin typeface="Courier New" panose="02070309020205020404" pitchFamily="49" charset="0"/>
+                <a:cs typeface="Courier New" panose="02070309020205020404" pitchFamily="49" charset="0"/>
+              </a:rPr>
+              <a:t>  </a:t>
+            </a:r>
+            <a:r>
+              <a:rPr kumimoji="1" lang="en-US" altLang="zh-CN" sz="2000" b="1" dirty="0">
+                <a:solidFill>
+                  <a:srgbClr val="0432FF"/>
+                </a:solidFill>
+                <a:latin typeface="Courier New" panose="02070309020205020404" pitchFamily="49" charset="0"/>
+                <a:cs typeface="Courier New" panose="02070309020205020404" pitchFamily="49" charset="0"/>
+              </a:rPr>
+              <a:t>}</a:t>
+            </a:r>
+          </a:p>
+          <a:p>
+            <a:pPr marL="0" indent="0">
+              <a:buNone/>
+            </a:pPr>
+            <a:r>
+              <a:rPr kumimoji="1" lang="zh-CN" altLang="en-US" sz="2000" b="1" dirty="0">
+                <a:solidFill>
+                  <a:srgbClr val="0432FF"/>
+                </a:solidFill>
+                <a:latin typeface="Courier New" panose="02070309020205020404" pitchFamily="49" charset="0"/>
+                <a:cs typeface="Courier New" panose="02070309020205020404" pitchFamily="49" charset="0"/>
+              </a:rPr>
+              <a:t>  </a:t>
+            </a:r>
+            <a:r>
+              <a:rPr kumimoji="1" lang="en-US" altLang="zh-CN" sz="2000" b="1" dirty="0">
+                <a:solidFill>
+                  <a:srgbClr val="0432FF"/>
+                </a:solidFill>
+                <a:latin typeface="Courier New" panose="02070309020205020404" pitchFamily="49" charset="0"/>
+                <a:cs typeface="Courier New" panose="02070309020205020404" pitchFamily="49" charset="0"/>
+              </a:rPr>
+              <a:t>public</a:t>
+            </a:r>
+            <a:r>
+              <a:rPr kumimoji="1" lang="zh-CN" altLang="en-US" sz="2000" b="1" dirty="0">
+                <a:solidFill>
+                  <a:srgbClr val="0432FF"/>
+                </a:solidFill>
+                <a:latin typeface="Courier New" panose="02070309020205020404" pitchFamily="49" charset="0"/>
+                <a:cs typeface="Courier New" panose="02070309020205020404" pitchFamily="49" charset="0"/>
+              </a:rPr>
+              <a:t> </a:t>
+            </a:r>
+            <a:r>
+              <a:rPr kumimoji="1" lang="en-US" altLang="zh-CN" sz="2000" b="1" dirty="0">
+                <a:solidFill>
+                  <a:srgbClr val="0432FF"/>
+                </a:solidFill>
+                <a:latin typeface="Courier New" panose="02070309020205020404" pitchFamily="49" charset="0"/>
+                <a:cs typeface="Courier New" panose="02070309020205020404" pitchFamily="49" charset="0"/>
+              </a:rPr>
+              <a:t>int</a:t>
+            </a:r>
+            <a:r>
+              <a:rPr kumimoji="1" lang="zh-CN" altLang="en-US" sz="2000" b="1" dirty="0">
+                <a:solidFill>
+                  <a:srgbClr val="0432FF"/>
+                </a:solidFill>
+                <a:latin typeface="Courier New" panose="02070309020205020404" pitchFamily="49" charset="0"/>
+                <a:cs typeface="Courier New" panose="02070309020205020404" pitchFamily="49" charset="0"/>
+              </a:rPr>
+              <a:t> </a:t>
+            </a:r>
+            <a:r>
+              <a:rPr kumimoji="1" lang="en-US" altLang="zh-CN" sz="2000" b="1" dirty="0">
+                <a:solidFill>
+                  <a:srgbClr val="0432FF"/>
+                </a:solidFill>
+                <a:latin typeface="Courier New" panose="02070309020205020404" pitchFamily="49" charset="0"/>
+                <a:cs typeface="Courier New" panose="02070309020205020404" pitchFamily="49" charset="0"/>
+              </a:rPr>
+              <a:t>get(){</a:t>
+            </a:r>
+          </a:p>
+          <a:p>
+            <a:pPr marL="0" indent="0">
+              <a:buNone/>
+            </a:pPr>
+            <a:r>
+              <a:rPr kumimoji="1" lang="zh-CN" altLang="en-US" sz="2000" b="1" dirty="0">
+                <a:solidFill>
+                  <a:srgbClr val="0432FF"/>
+                </a:solidFill>
+                <a:latin typeface="Courier New" panose="02070309020205020404" pitchFamily="49" charset="0"/>
+                <a:cs typeface="Courier New" panose="02070309020205020404" pitchFamily="49" charset="0"/>
+              </a:rPr>
+              <a:t>    </a:t>
+            </a:r>
+            <a:r>
+              <a:rPr kumimoji="1" lang="en-US" altLang="zh-CN" sz="2000" b="1" dirty="0">
+                <a:solidFill>
+                  <a:srgbClr val="0432FF"/>
+                </a:solidFill>
+                <a:latin typeface="Courier New" panose="02070309020205020404" pitchFamily="49" charset="0"/>
+                <a:cs typeface="Courier New" panose="02070309020205020404" pitchFamily="49" charset="0"/>
+              </a:rPr>
+              <a:t>return</a:t>
+            </a:r>
+            <a:r>
+              <a:rPr kumimoji="1" lang="zh-CN" altLang="en-US" sz="2000" b="1" dirty="0">
+                <a:solidFill>
+                  <a:srgbClr val="0432FF"/>
+                </a:solidFill>
+                <a:latin typeface="Courier New" panose="02070309020205020404" pitchFamily="49" charset="0"/>
+                <a:cs typeface="Courier New" panose="02070309020205020404" pitchFamily="49" charset="0"/>
+              </a:rPr>
+              <a:t> </a:t>
+            </a:r>
+            <a:r>
+              <a:rPr kumimoji="1" lang="en-US" altLang="zh-CN" sz="2000" b="1" dirty="0" err="1">
+                <a:solidFill>
+                  <a:srgbClr val="0432FF"/>
+                </a:solidFill>
+                <a:latin typeface="Courier New" panose="02070309020205020404" pitchFamily="49" charset="0"/>
+                <a:cs typeface="Courier New" panose="02070309020205020404" pitchFamily="49" charset="0"/>
+              </a:rPr>
+              <a:t>this.x</a:t>
+            </a:r>
+            <a:r>
+              <a:rPr kumimoji="1" lang="en-US" altLang="zh-CN" sz="2000" b="1" dirty="0">
+                <a:solidFill>
+                  <a:srgbClr val="0432FF"/>
+                </a:solidFill>
+                <a:latin typeface="Courier New" panose="02070309020205020404" pitchFamily="49" charset="0"/>
+                <a:cs typeface="Courier New" panose="02070309020205020404" pitchFamily="49" charset="0"/>
+              </a:rPr>
+              <a:t>;</a:t>
+            </a:r>
+          </a:p>
+          <a:p>
+            <a:pPr marL="0" indent="0">
+              <a:buNone/>
+            </a:pPr>
+            <a:r>
+              <a:rPr kumimoji="1" lang="zh-CN" altLang="en-US" sz="2000" b="1" dirty="0">
+                <a:solidFill>
+                  <a:srgbClr val="0432FF"/>
+                </a:solidFill>
+                <a:latin typeface="Courier New" panose="02070309020205020404" pitchFamily="49" charset="0"/>
+                <a:cs typeface="Courier New" panose="02070309020205020404" pitchFamily="49" charset="0"/>
+              </a:rPr>
+              <a:t>  </a:t>
+            </a:r>
+            <a:r>
+              <a:rPr kumimoji="1" lang="en-US" altLang="zh-CN" sz="2000" b="1" dirty="0">
+                <a:solidFill>
+                  <a:srgbClr val="0432FF"/>
+                </a:solidFill>
+                <a:latin typeface="Courier New" panose="02070309020205020404" pitchFamily="49" charset="0"/>
+                <a:cs typeface="Courier New" panose="02070309020205020404" pitchFamily="49" charset="0"/>
+              </a:rPr>
+              <a:t>}</a:t>
+            </a:r>
+          </a:p>
+          <a:p>
+            <a:pPr marL="0" indent="0">
+              <a:buNone/>
+            </a:pPr>
+            <a:r>
+              <a:rPr kumimoji="1" lang="zh-CN" altLang="en-US" sz="2000" b="1" dirty="0">
+                <a:solidFill>
+                  <a:srgbClr val="0432FF"/>
+                </a:solidFill>
+                <a:latin typeface="Courier New" panose="02070309020205020404" pitchFamily="49" charset="0"/>
+                <a:cs typeface="Courier New" panose="02070309020205020404" pitchFamily="49" charset="0"/>
+              </a:rPr>
+              <a:t>  </a:t>
+            </a:r>
+            <a:r>
+              <a:rPr kumimoji="1" lang="en-US" altLang="zh-CN" sz="2000" b="1" dirty="0">
+                <a:solidFill>
+                  <a:srgbClr val="0432FF"/>
+                </a:solidFill>
+                <a:latin typeface="Courier New" panose="02070309020205020404" pitchFamily="49" charset="0"/>
+                <a:cs typeface="Courier New" panose="02070309020205020404" pitchFamily="49" charset="0"/>
+              </a:rPr>
+              <a:t>public</a:t>
+            </a:r>
+            <a:r>
+              <a:rPr kumimoji="1" lang="zh-CN" altLang="en-US" sz="2000" b="1" dirty="0">
+                <a:solidFill>
+                  <a:srgbClr val="0432FF"/>
+                </a:solidFill>
+                <a:latin typeface="Courier New" panose="02070309020205020404" pitchFamily="49" charset="0"/>
+                <a:cs typeface="Courier New" panose="02070309020205020404" pitchFamily="49" charset="0"/>
+              </a:rPr>
+              <a:t> </a:t>
+            </a:r>
+            <a:r>
+              <a:rPr kumimoji="1" lang="en-US" altLang="zh-CN" sz="2000" b="1" dirty="0">
+                <a:solidFill>
+                  <a:srgbClr val="0432FF"/>
+                </a:solidFill>
+                <a:latin typeface="Courier New" panose="02070309020205020404" pitchFamily="49" charset="0"/>
+                <a:cs typeface="Courier New" panose="02070309020205020404" pitchFamily="49" charset="0"/>
+              </a:rPr>
+              <a:t>void</a:t>
+            </a:r>
+            <a:r>
+              <a:rPr kumimoji="1" lang="zh-CN" altLang="en-US" sz="2000" b="1" dirty="0">
+                <a:solidFill>
+                  <a:srgbClr val="0432FF"/>
+                </a:solidFill>
+                <a:latin typeface="Courier New" panose="02070309020205020404" pitchFamily="49" charset="0"/>
+                <a:cs typeface="Courier New" panose="02070309020205020404" pitchFamily="49" charset="0"/>
+              </a:rPr>
+              <a:t> </a:t>
+            </a:r>
+            <a:r>
+              <a:rPr kumimoji="1" lang="en-US" altLang="zh-CN" sz="2000" b="1" dirty="0">
+                <a:solidFill>
+                  <a:srgbClr val="0432FF"/>
+                </a:solidFill>
+                <a:latin typeface="Courier New" panose="02070309020205020404" pitchFamily="49" charset="0"/>
+                <a:cs typeface="Courier New" panose="02070309020205020404" pitchFamily="49" charset="0"/>
+              </a:rPr>
+              <a:t>set(int</a:t>
+            </a:r>
+            <a:r>
+              <a:rPr kumimoji="1" lang="zh-CN" altLang="en-US" sz="2000" b="1" dirty="0">
+                <a:solidFill>
+                  <a:srgbClr val="0432FF"/>
+                </a:solidFill>
+                <a:latin typeface="Courier New" panose="02070309020205020404" pitchFamily="49" charset="0"/>
+                <a:cs typeface="Courier New" panose="02070309020205020404" pitchFamily="49" charset="0"/>
+              </a:rPr>
+              <a:t> </a:t>
+            </a:r>
+            <a:r>
+              <a:rPr kumimoji="1" lang="en-US" altLang="zh-CN" sz="2000" b="1" dirty="0">
+                <a:solidFill>
+                  <a:srgbClr val="0432FF"/>
+                </a:solidFill>
+                <a:latin typeface="Courier New" panose="02070309020205020404" pitchFamily="49" charset="0"/>
+                <a:cs typeface="Courier New" panose="02070309020205020404" pitchFamily="49" charset="0"/>
+              </a:rPr>
+              <a:t>x){</a:t>
+            </a:r>
+          </a:p>
+          <a:p>
+            <a:pPr marL="0" indent="0">
+              <a:buNone/>
+            </a:pPr>
+            <a:r>
+              <a:rPr kumimoji="1" lang="zh-CN" altLang="en-US" sz="2000" b="1" dirty="0">
+                <a:solidFill>
+                  <a:srgbClr val="0432FF"/>
+                </a:solidFill>
+                <a:latin typeface="Courier New" panose="02070309020205020404" pitchFamily="49" charset="0"/>
+                <a:cs typeface="Courier New" panose="02070309020205020404" pitchFamily="49" charset="0"/>
+              </a:rPr>
+              <a:t>    </a:t>
+            </a:r>
+            <a:r>
+              <a:rPr kumimoji="1" lang="en-US" altLang="zh-CN" sz="2000" b="1" dirty="0" err="1">
+                <a:solidFill>
+                  <a:srgbClr val="0432FF"/>
+                </a:solidFill>
+                <a:latin typeface="Courier New" panose="02070309020205020404" pitchFamily="49" charset="0"/>
+                <a:cs typeface="Courier New" panose="02070309020205020404" pitchFamily="49" charset="0"/>
+              </a:rPr>
+              <a:t>this.x</a:t>
+            </a:r>
+            <a:r>
+              <a:rPr kumimoji="1" lang="zh-CN" altLang="en-US" sz="2000" b="1" dirty="0">
+                <a:solidFill>
+                  <a:srgbClr val="0432FF"/>
+                </a:solidFill>
+                <a:latin typeface="Courier New" panose="02070309020205020404" pitchFamily="49" charset="0"/>
+                <a:cs typeface="Courier New" panose="02070309020205020404" pitchFamily="49" charset="0"/>
+              </a:rPr>
+              <a:t> </a:t>
+            </a:r>
+            <a:r>
+              <a:rPr kumimoji="1" lang="en-US" altLang="zh-CN" sz="2000" b="1" dirty="0">
+                <a:solidFill>
+                  <a:srgbClr val="0432FF"/>
+                </a:solidFill>
+                <a:latin typeface="Courier New" panose="02070309020205020404" pitchFamily="49" charset="0"/>
+                <a:cs typeface="Courier New" panose="02070309020205020404" pitchFamily="49" charset="0"/>
+              </a:rPr>
+              <a:t>=</a:t>
+            </a:r>
+            <a:r>
+              <a:rPr kumimoji="1" lang="zh-CN" altLang="en-US" sz="2000" b="1" dirty="0">
+                <a:solidFill>
+                  <a:srgbClr val="0432FF"/>
+                </a:solidFill>
+                <a:latin typeface="Courier New" panose="02070309020205020404" pitchFamily="49" charset="0"/>
+                <a:cs typeface="Courier New" panose="02070309020205020404" pitchFamily="49" charset="0"/>
+              </a:rPr>
+              <a:t> </a:t>
+            </a:r>
+            <a:r>
+              <a:rPr kumimoji="1" lang="en-US" altLang="zh-CN" sz="2000" b="1" dirty="0">
+                <a:solidFill>
+                  <a:srgbClr val="0432FF"/>
+                </a:solidFill>
+                <a:latin typeface="Courier New" panose="02070309020205020404" pitchFamily="49" charset="0"/>
+                <a:cs typeface="Courier New" panose="02070309020205020404" pitchFamily="49" charset="0"/>
+              </a:rPr>
+              <a:t>x;</a:t>
+            </a:r>
+          </a:p>
+          <a:p>
+            <a:pPr marL="0" indent="0">
+              <a:buNone/>
+            </a:pPr>
+            <a:r>
+              <a:rPr kumimoji="1" lang="zh-CN" altLang="en-US" sz="2000" b="1" dirty="0">
+                <a:solidFill>
+                  <a:srgbClr val="0432FF"/>
+                </a:solidFill>
+                <a:latin typeface="Courier New" panose="02070309020205020404" pitchFamily="49" charset="0"/>
+                <a:cs typeface="Courier New" panose="02070309020205020404" pitchFamily="49" charset="0"/>
+              </a:rPr>
+              <a:t>  </a:t>
+            </a:r>
+            <a:r>
+              <a:rPr kumimoji="1" lang="en-US" altLang="zh-CN" sz="2000" b="1" dirty="0">
+                <a:solidFill>
+                  <a:srgbClr val="0432FF"/>
+                </a:solidFill>
+                <a:latin typeface="Courier New" panose="02070309020205020404" pitchFamily="49" charset="0"/>
+                <a:cs typeface="Courier New" panose="02070309020205020404" pitchFamily="49" charset="0"/>
+              </a:rPr>
+              <a:t>}</a:t>
+            </a:r>
+          </a:p>
+          <a:p>
+            <a:pPr marL="0" indent="0">
+              <a:buNone/>
+            </a:pPr>
+            <a:r>
+              <a:rPr kumimoji="1" lang="en-US" altLang="zh-CN" sz="2000" b="1" dirty="0">
+                <a:solidFill>
+                  <a:srgbClr val="0432FF"/>
+                </a:solidFill>
+                <a:latin typeface="Courier New" panose="02070309020205020404" pitchFamily="49" charset="0"/>
+                <a:cs typeface="Courier New" panose="02070309020205020404" pitchFamily="49" charset="0"/>
+              </a:rPr>
+              <a:t>}</a:t>
+            </a:r>
+          </a:p>
+        </p:txBody>
+      </p:sp>
+      <p:sp>
+        <p:nvSpPr>
+          <p:cNvPr id="18" name="内容占位符 2">
+            <a:extLst>
+              <a:ext uri="{FF2B5EF4-FFF2-40B4-BE49-F238E27FC236}">
+                <a16:creationId xmlns:a16="http://schemas.microsoft.com/office/drawing/2014/main" id="{A223C7E7-F3DE-E64B-8D0B-FA809CC62475}"/>
+              </a:ext>
+            </a:extLst>
+          </p:cNvPr>
+          <p:cNvSpPr txBox="1">
+            <a:spLocks/>
+          </p:cNvSpPr>
+          <p:nvPr/>
+        </p:nvSpPr>
+        <p:spPr bwMode="auto">
+          <a:xfrm>
+            <a:off x="4343400" y="2133600"/>
+            <a:ext cx="4419600" cy="4114800"/>
+          </a:xfrm>
+          <a:prstGeom prst="rect">
+            <a:avLst/>
+          </a:prstGeom>
+          <a:noFill/>
+          <a:ln>
+            <a:noFill/>
+          </a:ln>
+          <a:effectLst/>
+          <a:extLst>
+            <a:ext uri="{909E8E84-426E-40DD-AFC4-6F175D3DCCD1}">
+              <a14:hiddenFill xmlns:a14="http://schemas.microsoft.com/office/drawing/2010/main">
+                <a:solidFill>
+                  <a:schemeClr val="accent1"/>
+                </a:solidFill>
+              </a14:hiddenFill>
+            </a:ext>
+            <a:ext uri="{91240B29-F687-4F45-9708-019B960494DF}">
+              <a14:hiddenLine xmlns:a14="http://schemas.microsoft.com/office/drawing/2010/main" w="9525">
+                <a:solidFill>
+                  <a:schemeClr val="tx1"/>
+                </a:solidFill>
+                <a:miter lim="800000"/>
+                <a:headEnd/>
+                <a:tailEnd/>
+              </a14:hiddenLine>
+            </a:ext>
+            <a:ext uri="{AF507438-7753-43E0-B8FC-AC1667EBCBE1}">
+              <a14:hiddenEffects xmlns:a14="http://schemas.microsoft.com/office/drawing/2010/main">
+                <a:effectLst>
+                  <a:outerShdw dist="35921" dir="2700000" algn="ctr" rotWithShape="0">
+                    <a:schemeClr val="bg2"/>
+                  </a:outerShdw>
+                </a:effectLst>
+              </a14:hiddenEffects>
+            </a:ext>
+          </a:extLst>
+        </p:spPr>
+        <p:txBody>
+          <a:bodyPr vert="horz" wrap="square" lIns="91440" tIns="45720" rIns="91440" bIns="45720" numCol="1" anchor="t" anchorCtr="0" compatLnSpc="1">
+            <a:prstTxWarp prst="textNoShape">
+              <a:avLst/>
+            </a:prstTxWarp>
+          </a:bodyPr>
+          <a:lstStyle>
+            <a:lvl1pPr marL="342900" indent="-342900" algn="l" rtl="0" fontAlgn="base">
+              <a:spcBef>
+                <a:spcPct val="20000"/>
+              </a:spcBef>
+              <a:spcAft>
+                <a:spcPct val="0"/>
+              </a:spcAft>
+              <a:buClr>
+                <a:schemeClr val="folHlink"/>
+              </a:buClr>
+              <a:buSzPct val="60000"/>
+              <a:buFont typeface="Wingdings" pitchFamily="2" charset="2"/>
+              <a:buChar char="n"/>
+              <a:defRPr sz="3200" kern="1200">
+                <a:solidFill>
+                  <a:schemeClr val="tx1"/>
+                </a:solidFill>
+                <a:latin typeface="+mn-lt"/>
+                <a:ea typeface="+mn-ea"/>
+                <a:cs typeface="+mn-cs"/>
+              </a:defRPr>
+            </a:lvl1pPr>
+            <a:lvl2pPr marL="742950" indent="-285750" algn="l" rtl="0" fontAlgn="base">
+              <a:spcBef>
+                <a:spcPct val="20000"/>
+              </a:spcBef>
+              <a:spcAft>
+                <a:spcPct val="0"/>
+              </a:spcAft>
+              <a:buClr>
+                <a:schemeClr val="hlink"/>
+              </a:buClr>
+              <a:buSzPct val="55000"/>
+              <a:buFont typeface="Wingdings" pitchFamily="2" charset="2"/>
+              <a:buChar char="n"/>
+              <a:defRPr sz="2800" kern="1200">
+                <a:solidFill>
+                  <a:schemeClr val="tx1"/>
+                </a:solidFill>
+                <a:latin typeface="+mn-lt"/>
+                <a:ea typeface="+mn-ea"/>
+                <a:cs typeface="+mn-cs"/>
+              </a:defRPr>
+            </a:lvl2pPr>
+            <a:lvl3pPr marL="1143000" indent="-228600" algn="l" rtl="0" fontAlgn="base">
+              <a:spcBef>
+                <a:spcPct val="20000"/>
+              </a:spcBef>
+              <a:spcAft>
+                <a:spcPct val="0"/>
+              </a:spcAft>
+              <a:buClr>
+                <a:schemeClr val="folHlink"/>
+              </a:buClr>
+              <a:buSzPct val="50000"/>
+              <a:buFont typeface="Wingdings" pitchFamily="2" charset="2"/>
+              <a:buChar char="n"/>
+              <a:defRPr sz="2400" kern="1200">
+                <a:solidFill>
+                  <a:schemeClr val="tx1"/>
+                </a:solidFill>
+                <a:latin typeface="+mn-lt"/>
+                <a:ea typeface="+mn-ea"/>
+                <a:cs typeface="+mn-cs"/>
+              </a:defRPr>
+            </a:lvl3pPr>
+            <a:lvl4pPr marL="1600200" indent="-228600" algn="l" rtl="0" fontAlgn="base">
+              <a:spcBef>
+                <a:spcPct val="20000"/>
+              </a:spcBef>
+              <a:spcAft>
+                <a:spcPct val="0"/>
+              </a:spcAft>
+              <a:buClr>
+                <a:schemeClr val="accent2"/>
+              </a:buClr>
+              <a:buSzPct val="55000"/>
+              <a:buFont typeface="Wingdings" pitchFamily="2" charset="2"/>
+              <a:buChar char="n"/>
+              <a:defRPr sz="2000" kern="1200">
+                <a:solidFill>
+                  <a:schemeClr val="tx1"/>
+                </a:solidFill>
+                <a:latin typeface="+mn-lt"/>
+                <a:ea typeface="+mn-ea"/>
+                <a:cs typeface="+mn-cs"/>
+              </a:defRPr>
+            </a:lvl4pPr>
+            <a:lvl5pPr marL="2057400" indent="-228600" algn="l" rtl="0" fontAlgn="base">
+              <a:spcBef>
+                <a:spcPct val="20000"/>
+              </a:spcBef>
+              <a:spcAft>
+                <a:spcPct val="0"/>
+              </a:spcAft>
+              <a:buClr>
+                <a:schemeClr val="accent1"/>
+              </a:buClr>
+              <a:buSzPct val="50000"/>
+              <a:buFont typeface="Wingdings" pitchFamily="2" charset="2"/>
+              <a:buChar char="n"/>
+              <a:defRPr sz="2000" kern="1200">
+                <a:solidFill>
+                  <a:schemeClr val="tx1"/>
+                </a:solidFill>
+                <a:latin typeface="+mn-lt"/>
+                <a:ea typeface="+mn-ea"/>
+                <a:cs typeface="+mn-cs"/>
+              </a:defRPr>
+            </a:lvl5pPr>
+            <a:lvl6pPr marL="2514600" indent="-228600" algn="l" defTabSz="914400" rtl="0" eaLnBrk="1" latinLnBrk="0" hangingPunct="1">
+              <a:lnSpc>
+                <a:spcPct val="90000"/>
+              </a:lnSpc>
+              <a:spcBef>
+                <a:spcPts val="500"/>
+              </a:spcBef>
+              <a:buFont typeface="Arial" panose="020B0604020202020204" pitchFamily="34" charset="0"/>
+              <a:buChar char="•"/>
+              <a:defRPr sz="1800" kern="1200">
+                <a:solidFill>
+                  <a:schemeClr val="tx1"/>
+                </a:solidFill>
+                <a:latin typeface="+mn-lt"/>
+                <a:ea typeface="+mn-ea"/>
+                <a:cs typeface="+mn-cs"/>
+              </a:defRPr>
+            </a:lvl6pPr>
+            <a:lvl7pPr marL="2971800" indent="-228600" algn="l" defTabSz="914400" rtl="0" eaLnBrk="1" latinLnBrk="0" hangingPunct="1">
+              <a:lnSpc>
+                <a:spcPct val="90000"/>
+              </a:lnSpc>
+              <a:spcBef>
+                <a:spcPts val="500"/>
+              </a:spcBef>
+              <a:buFont typeface="Arial" panose="020B0604020202020204" pitchFamily="34" charset="0"/>
+              <a:buChar char="•"/>
+              <a:defRPr sz="1800" kern="1200">
+                <a:solidFill>
+                  <a:schemeClr val="tx1"/>
+                </a:solidFill>
+                <a:latin typeface="+mn-lt"/>
+                <a:ea typeface="+mn-ea"/>
+                <a:cs typeface="+mn-cs"/>
+              </a:defRPr>
+            </a:lvl7pPr>
+            <a:lvl8pPr marL="3429000" indent="-228600" algn="l" defTabSz="914400" rtl="0" eaLnBrk="1" latinLnBrk="0" hangingPunct="1">
+              <a:lnSpc>
+                <a:spcPct val="90000"/>
+              </a:lnSpc>
+              <a:spcBef>
+                <a:spcPts val="500"/>
+              </a:spcBef>
+              <a:buFont typeface="Arial" panose="020B0604020202020204" pitchFamily="34" charset="0"/>
+              <a:buChar char="•"/>
+              <a:defRPr sz="1800" kern="1200">
+                <a:solidFill>
+                  <a:schemeClr val="tx1"/>
+                </a:solidFill>
+                <a:latin typeface="+mn-lt"/>
+                <a:ea typeface="+mn-ea"/>
+                <a:cs typeface="+mn-cs"/>
+              </a:defRPr>
+            </a:lvl8pPr>
+            <a:lvl9pPr marL="3886200" indent="-228600" algn="l" defTabSz="914400" rtl="0" eaLnBrk="1" latinLnBrk="0" hangingPunct="1">
+              <a:lnSpc>
+                <a:spcPct val="90000"/>
+              </a:lnSpc>
+              <a:spcBef>
+                <a:spcPts val="500"/>
+              </a:spcBef>
+              <a:buFont typeface="Arial" panose="020B0604020202020204" pitchFamily="34" charset="0"/>
+              <a:buChar char="•"/>
+              <a:defRPr sz="1800" kern="1200">
+                <a:solidFill>
+                  <a:schemeClr val="tx1"/>
+                </a:solidFill>
+                <a:latin typeface="+mn-lt"/>
+                <a:ea typeface="+mn-ea"/>
+                <a:cs typeface="+mn-cs"/>
+              </a:defRPr>
+            </a:lvl9pPr>
+          </a:lstStyle>
+          <a:p>
+            <a:pPr marL="0" indent="0">
+              <a:buFont typeface="Wingdings" pitchFamily="2" charset="2"/>
+              <a:buNone/>
+            </a:pPr>
+            <a:r>
+              <a:rPr kumimoji="1" lang="en-US" altLang="zh-CN" sz="2000" b="1" dirty="0">
+                <a:latin typeface="Courier New" panose="02070309020205020404" pitchFamily="49" charset="0"/>
+                <a:cs typeface="Courier New" panose="02070309020205020404" pitchFamily="49" charset="0"/>
+              </a:rPr>
+              <a:t>//</a:t>
+            </a:r>
+            <a:r>
+              <a:rPr kumimoji="1" lang="zh-CN" altLang="en-US" sz="2000" b="1" dirty="0">
+                <a:latin typeface="Courier New" panose="02070309020205020404" pitchFamily="49" charset="0"/>
+                <a:cs typeface="Courier New" panose="02070309020205020404" pitchFamily="49" charset="0"/>
+              </a:rPr>
+              <a:t> </a:t>
+            </a:r>
+            <a:r>
+              <a:rPr kumimoji="1" lang="en-US" altLang="zh-CN" sz="2000" b="1" dirty="0">
+                <a:latin typeface="Courier New" panose="02070309020205020404" pitchFamily="49" charset="0"/>
+                <a:cs typeface="Courier New" panose="02070309020205020404" pitchFamily="49" charset="0"/>
+              </a:rPr>
+              <a:t>classes</a:t>
+            </a:r>
+            <a:r>
+              <a:rPr kumimoji="1" lang="zh-CN" altLang="en-US" sz="2000" b="1" dirty="0">
+                <a:latin typeface="Courier New" panose="02070309020205020404" pitchFamily="49" charset="0"/>
+                <a:cs typeface="Courier New" panose="02070309020205020404" pitchFamily="49" charset="0"/>
+              </a:rPr>
+              <a:t> </a:t>
+            </a:r>
+            <a:r>
+              <a:rPr kumimoji="1" lang="en-US" altLang="zh-CN" sz="2000" b="1" dirty="0">
+                <a:latin typeface="Courier New" panose="02070309020205020404" pitchFamily="49" charset="0"/>
+                <a:cs typeface="Courier New" panose="02070309020205020404" pitchFamily="49" charset="0"/>
+              </a:rPr>
+              <a:t>are</a:t>
+            </a:r>
+            <a:r>
+              <a:rPr kumimoji="1" lang="zh-CN" altLang="en-US" sz="2000" b="1" dirty="0">
+                <a:latin typeface="Courier New" panose="02070309020205020404" pitchFamily="49" charset="0"/>
+                <a:cs typeface="Courier New" panose="02070309020205020404" pitchFamily="49" charset="0"/>
+              </a:rPr>
+              <a:t> </a:t>
+            </a:r>
+            <a:r>
+              <a:rPr kumimoji="1" lang="en-US" altLang="zh-CN" sz="2000" b="1" dirty="0">
+                <a:latin typeface="Courier New" panose="02070309020205020404" pitchFamily="49" charset="0"/>
+                <a:cs typeface="Courier New" panose="02070309020205020404" pitchFamily="49" charset="0"/>
+              </a:rPr>
+              <a:t>functions:</a:t>
+            </a:r>
+          </a:p>
+          <a:p>
+            <a:pPr marL="0" indent="0">
+              <a:buFont typeface="Wingdings" pitchFamily="2" charset="2"/>
+              <a:buNone/>
+            </a:pPr>
+            <a:r>
+              <a:rPr kumimoji="1" lang="en-US" altLang="zh-CN" sz="2000" b="1" dirty="0">
+                <a:solidFill>
+                  <a:srgbClr val="0432FF"/>
+                </a:solidFill>
+                <a:latin typeface="Courier New" panose="02070309020205020404" pitchFamily="49" charset="0"/>
+                <a:cs typeface="Courier New" panose="02070309020205020404" pitchFamily="49" charset="0"/>
+              </a:rPr>
+              <a:t>A:</a:t>
+            </a:r>
+            <a:r>
+              <a:rPr kumimoji="1" lang="zh-CN" altLang="en-US" sz="2000" b="1" dirty="0">
+                <a:solidFill>
+                  <a:srgbClr val="0432FF"/>
+                </a:solidFill>
+                <a:latin typeface="Courier New" panose="02070309020205020404" pitchFamily="49" charset="0"/>
+                <a:cs typeface="Courier New" panose="02070309020205020404" pitchFamily="49" charset="0"/>
+              </a:rPr>
+              <a:t> </a:t>
+            </a:r>
+            <a:r>
+              <a:rPr kumimoji="1" lang="en-US" altLang="zh-CN" sz="2000" b="1" dirty="0">
+                <a:solidFill>
+                  <a:srgbClr val="0432FF"/>
+                </a:solidFill>
+                <a:latin typeface="Courier New" panose="02070309020205020404" pitchFamily="49" charset="0"/>
+                <a:cs typeface="Courier New" panose="02070309020205020404" pitchFamily="49" charset="0"/>
+              </a:rPr>
+              <a:t>(int</a:t>
+            </a:r>
+            <a:r>
+              <a:rPr kumimoji="1" lang="zh-CN" altLang="en-US" sz="2000" b="1" dirty="0">
+                <a:solidFill>
+                  <a:srgbClr val="0432FF"/>
+                </a:solidFill>
+                <a:latin typeface="Courier New" panose="02070309020205020404" pitchFamily="49" charset="0"/>
+                <a:cs typeface="Courier New" panose="02070309020205020404" pitchFamily="49" charset="0"/>
+              </a:rPr>
+              <a:t> </a:t>
+            </a:r>
+            <a:r>
+              <a:rPr kumimoji="1" lang="en-US" altLang="zh-CN" sz="2000" b="1" dirty="0">
+                <a:solidFill>
+                  <a:srgbClr val="0432FF"/>
+                </a:solidFill>
+                <a:latin typeface="Courier New" panose="02070309020205020404" pitchFamily="49" charset="0"/>
+                <a:cs typeface="Courier New" panose="02070309020205020404" pitchFamily="49" charset="0"/>
+              </a:rPr>
+              <a:t>x)</a:t>
+            </a:r>
+            <a:r>
+              <a:rPr kumimoji="1" lang="zh-CN" altLang="en-US" sz="2000" b="1" dirty="0">
+                <a:solidFill>
+                  <a:srgbClr val="0432FF"/>
+                </a:solidFill>
+                <a:latin typeface="Courier New" panose="02070309020205020404" pitchFamily="49" charset="0"/>
+                <a:cs typeface="Courier New" panose="02070309020205020404" pitchFamily="49" charset="0"/>
+              </a:rPr>
+              <a:t> </a:t>
+            </a:r>
+            <a:r>
+              <a:rPr kumimoji="1" lang="en-US" altLang="zh-CN" sz="2000" b="1" dirty="0">
+                <a:solidFill>
+                  <a:srgbClr val="0432FF"/>
+                </a:solidFill>
+                <a:latin typeface="Courier New" panose="02070309020205020404" pitchFamily="49" charset="0"/>
+                <a:cs typeface="Courier New" panose="02070309020205020404" pitchFamily="49" charset="0"/>
+              </a:rPr>
+              <a:t>-&gt;</a:t>
+            </a:r>
+            <a:r>
+              <a:rPr kumimoji="1" lang="zh-CN" altLang="en-US" sz="2000" b="1" dirty="0">
+                <a:solidFill>
+                  <a:srgbClr val="0432FF"/>
+                </a:solidFill>
+                <a:latin typeface="Courier New" panose="02070309020205020404" pitchFamily="49" charset="0"/>
+                <a:cs typeface="Courier New" panose="02070309020205020404" pitchFamily="49" charset="0"/>
+              </a:rPr>
+              <a:t> </a:t>
+            </a:r>
+            <a:r>
+              <a:rPr kumimoji="1" lang="en-US" altLang="zh-CN" sz="2000" b="1" dirty="0">
+                <a:solidFill>
+                  <a:srgbClr val="0432FF"/>
+                </a:solidFill>
+                <a:latin typeface="Courier New" panose="02070309020205020404" pitchFamily="49" charset="0"/>
+                <a:cs typeface="Courier New" panose="02070309020205020404" pitchFamily="49" charset="0"/>
+              </a:rPr>
+              <a:t>{get,</a:t>
+            </a:r>
+            <a:r>
+              <a:rPr kumimoji="1" lang="zh-CN" altLang="en-US" sz="2000" b="1" dirty="0">
+                <a:solidFill>
+                  <a:srgbClr val="0432FF"/>
+                </a:solidFill>
+                <a:latin typeface="Courier New" panose="02070309020205020404" pitchFamily="49" charset="0"/>
+                <a:cs typeface="Courier New" panose="02070309020205020404" pitchFamily="49" charset="0"/>
+              </a:rPr>
+              <a:t> </a:t>
+            </a:r>
+            <a:r>
+              <a:rPr kumimoji="1" lang="en-US" altLang="zh-CN" sz="2000" b="1" dirty="0">
+                <a:solidFill>
+                  <a:srgbClr val="0432FF"/>
+                </a:solidFill>
+                <a:latin typeface="Courier New" panose="02070309020205020404" pitchFamily="49" charset="0"/>
+                <a:cs typeface="Courier New" panose="02070309020205020404" pitchFamily="49" charset="0"/>
+              </a:rPr>
+              <a:t>set}</a:t>
+            </a:r>
+          </a:p>
+        </p:txBody>
+      </p:sp>
+    </p:spTree>
+    <p:extLst>
+      <p:ext uri="{BB962C8B-B14F-4D97-AF65-F5344CB8AC3E}">
+        <p14:creationId xmlns:p14="http://schemas.microsoft.com/office/powerpoint/2010/main" val="1086677870"/>
+      </p:ext>
+    </p:extLst>
+  </p:cSld>
+  <p:clrMapOvr>
+    <a:masterClrMapping/>
+  </p:clrMapOvr>
+</p:sld>
+</file>
+
+<file path=ppt/slides/slide24.xml><?xml version="1.0" encoding="utf-8"?>
+<p:sld xmlns:a="http://schemas.openxmlformats.org/drawingml/2006/main" xmlns:r="http://schemas.openxmlformats.org/officeDocument/2006/relationships" xmlns:p="http://schemas.openxmlformats.org/presentationml/2006/main">
+  <p:cSld>
+    <p:spTree>
+      <p:nvGrpSpPr>
+        <p:cNvPr id="1" name=""/>
+        <p:cNvGrpSpPr/>
+        <p:nvPr/>
+      </p:nvGrpSpPr>
+      <p:grpSpPr>
+        <a:xfrm>
+          <a:off x="0" y="0"/>
+          <a:ext cx="0" cy="0"/>
+          <a:chOff x="0" y="0"/>
+          <a:chExt cx="0" cy="0"/>
+        </a:xfrm>
+      </p:grpSpPr>
+      <p:sp>
+        <p:nvSpPr>
+          <p:cNvPr id="2" name="标题 1">
+            <a:extLst>
+              <a:ext uri="{FF2B5EF4-FFF2-40B4-BE49-F238E27FC236}">
+                <a16:creationId xmlns:a16="http://schemas.microsoft.com/office/drawing/2014/main" id="{0A75F11F-C78A-904E-AB8C-72A70AF2A0A3}"/>
+              </a:ext>
+            </a:extLst>
+          </p:cNvPr>
+          <p:cNvSpPr>
+            <a:spLocks noGrp="1"/>
+          </p:cNvSpPr>
+          <p:nvPr>
+            <p:ph type="title"/>
+          </p:nvPr>
+        </p:nvSpPr>
+        <p:spPr/>
+        <p:txBody>
+          <a:bodyPr/>
+          <a:lstStyle/>
+          <a:p>
+            <a:r>
+              <a:rPr kumimoji="1" lang="en-US" altLang="zh-CN" dirty="0"/>
+              <a:t>Classes</a:t>
+            </a:r>
+          </a:p>
+        </p:txBody>
+      </p:sp>
+      <p:pic>
+        <p:nvPicPr>
+          <p:cNvPr id="5" name="图片 4">
+            <a:extLst>
+              <a:ext uri="{FF2B5EF4-FFF2-40B4-BE49-F238E27FC236}">
+                <a16:creationId xmlns:a16="http://schemas.microsoft.com/office/drawing/2014/main" id="{3249D610-95DD-2B47-88F4-B4DE7E8D4C01}"/>
+              </a:ext>
+            </a:extLst>
+          </p:cNvPr>
+          <p:cNvPicPr>
+            <a:picLocks noChangeAspect="1"/>
+          </p:cNvPicPr>
+          <p:nvPr/>
+        </p:nvPicPr>
+        <p:blipFill>
+          <a:blip r:embed="rId2"/>
+          <a:stretch>
+            <a:fillRect/>
+          </a:stretch>
+        </p:blipFill>
+        <p:spPr>
+          <a:xfrm>
+            <a:off x="1066800" y="2209800"/>
+            <a:ext cx="5765800" cy="1689100"/>
+          </a:xfrm>
+          <a:prstGeom prst="rect">
+            <a:avLst/>
+          </a:prstGeom>
+        </p:spPr>
+      </p:pic>
+    </p:spTree>
+    <p:extLst>
+      <p:ext uri="{BB962C8B-B14F-4D97-AF65-F5344CB8AC3E}">
+        <p14:creationId xmlns:p14="http://schemas.microsoft.com/office/powerpoint/2010/main" val="2396142900"/>
+      </p:ext>
+    </p:extLst>
+  </p:cSld>
+  <p:clrMapOvr>
+    <a:masterClrMapping/>
+  </p:clrMapOvr>
+</p:sld>
+</file>
+
+<file path=ppt/slides/slide25.xml><?xml version="1.0" encoding="utf-8"?>
+<p:sld xmlns:a="http://schemas.openxmlformats.org/drawingml/2006/main" xmlns:r="http://schemas.openxmlformats.org/officeDocument/2006/relationships" xmlns:p="http://schemas.openxmlformats.org/presentationml/2006/main">
+  <p:cSld>
+    <p:spTree>
+      <p:nvGrpSpPr>
+        <p:cNvPr id="1" name=""/>
+        <p:cNvGrpSpPr/>
+        <p:nvPr/>
+      </p:nvGrpSpPr>
+      <p:grpSpPr>
+        <a:xfrm>
+          <a:off x="0" y="0"/>
+          <a:ext cx="0" cy="0"/>
+          <a:chOff x="0" y="0"/>
+          <a:chExt cx="0" cy="0"/>
+        </a:xfrm>
+      </p:grpSpPr>
+      <p:sp>
+        <p:nvSpPr>
+          <p:cNvPr id="2" name="标题 1">
+            <a:extLst>
+              <a:ext uri="{FF2B5EF4-FFF2-40B4-BE49-F238E27FC236}">
+                <a16:creationId xmlns:a16="http://schemas.microsoft.com/office/drawing/2014/main" id="{0A75F11F-C78A-904E-AB8C-72A70AF2A0A3}"/>
+              </a:ext>
+            </a:extLst>
+          </p:cNvPr>
+          <p:cNvSpPr>
+            <a:spLocks noGrp="1"/>
+          </p:cNvSpPr>
+          <p:nvPr>
+            <p:ph type="title"/>
+          </p:nvPr>
+        </p:nvSpPr>
+        <p:spPr/>
+        <p:txBody>
+          <a:bodyPr/>
+          <a:lstStyle/>
+          <a:p>
+            <a:r>
+              <a:rPr kumimoji="1" lang="en-US" altLang="zh-CN" dirty="0"/>
+              <a:t>Subclasses</a:t>
+            </a:r>
+          </a:p>
+        </p:txBody>
+      </p:sp>
+      <p:pic>
+        <p:nvPicPr>
+          <p:cNvPr id="8" name="图片 7">
+            <a:extLst>
+              <a:ext uri="{FF2B5EF4-FFF2-40B4-BE49-F238E27FC236}">
+                <a16:creationId xmlns:a16="http://schemas.microsoft.com/office/drawing/2014/main" id="{708F3BA0-5AFB-6A46-850E-75B765B7D9BE}"/>
+              </a:ext>
+            </a:extLst>
+          </p:cNvPr>
+          <p:cNvPicPr>
+            <a:picLocks noChangeAspect="1"/>
+          </p:cNvPicPr>
+          <p:nvPr/>
+        </p:nvPicPr>
+        <p:blipFill>
+          <a:blip r:embed="rId2"/>
+          <a:stretch>
+            <a:fillRect/>
+          </a:stretch>
+        </p:blipFill>
+        <p:spPr>
+          <a:xfrm>
+            <a:off x="1136324" y="2133600"/>
+            <a:ext cx="6121400" cy="2222500"/>
+          </a:xfrm>
+          <a:prstGeom prst="rect">
+            <a:avLst/>
+          </a:prstGeom>
+        </p:spPr>
+      </p:pic>
+    </p:spTree>
+    <p:extLst>
+      <p:ext uri="{BB962C8B-B14F-4D97-AF65-F5344CB8AC3E}">
+        <p14:creationId xmlns:p14="http://schemas.microsoft.com/office/powerpoint/2010/main" val="2033354528"/>
+      </p:ext>
+    </p:extLst>
+  </p:cSld>
+  <p:clrMapOvr>
+    <a:masterClrMapping/>
+  </p:clrMapOvr>
+</p:sld>
+</file>
+
+<file path=ppt/slides/slide26.xml><?xml version="1.0" encoding="utf-8"?>
+<p:sld xmlns:a="http://schemas.openxmlformats.org/drawingml/2006/main" xmlns:r="http://schemas.openxmlformats.org/officeDocument/2006/relationships" xmlns:p="http://schemas.openxmlformats.org/presentationml/2006/main">
+  <p:cSld>
+    <p:spTree>
+      <p:nvGrpSpPr>
+        <p:cNvPr id="1" name=""/>
+        <p:cNvGrpSpPr/>
+        <p:nvPr/>
+      </p:nvGrpSpPr>
+      <p:grpSpPr>
+        <a:xfrm>
+          <a:off x="0" y="0"/>
+          <a:ext cx="0" cy="0"/>
+          <a:chOff x="0" y="0"/>
+          <a:chExt cx="0" cy="0"/>
+        </a:xfrm>
+      </p:grpSpPr>
+      <p:sp>
+        <p:nvSpPr>
+          <p:cNvPr id="2" name="标题 1">
+            <a:extLst>
+              <a:ext uri="{FF2B5EF4-FFF2-40B4-BE49-F238E27FC236}">
+                <a16:creationId xmlns:a16="http://schemas.microsoft.com/office/drawing/2014/main" id="{0A75F11F-C78A-904E-AB8C-72A70AF2A0A3}"/>
+              </a:ext>
+            </a:extLst>
+          </p:cNvPr>
+          <p:cNvSpPr>
+            <a:spLocks noGrp="1"/>
+          </p:cNvSpPr>
+          <p:nvPr>
+            <p:ph type="title"/>
+          </p:nvPr>
+        </p:nvSpPr>
+        <p:spPr/>
+        <p:txBody>
+          <a:bodyPr/>
+          <a:lstStyle/>
+          <a:p>
+            <a:r>
+              <a:rPr kumimoji="1" lang="en-US" altLang="zh-CN" dirty="0"/>
+              <a:t>Instance</a:t>
+            </a:r>
+            <a:r>
+              <a:rPr kumimoji="1" lang="zh-CN" altLang="en-US" dirty="0"/>
+              <a:t> </a:t>
+            </a:r>
+            <a:r>
+              <a:rPr kumimoji="1" lang="en-US" altLang="zh-CN" dirty="0"/>
+              <a:t>variables</a:t>
+            </a:r>
+          </a:p>
+        </p:txBody>
+      </p:sp>
+      <p:pic>
+        <p:nvPicPr>
+          <p:cNvPr id="4" name="图片 3">
+            <a:extLst>
+              <a:ext uri="{FF2B5EF4-FFF2-40B4-BE49-F238E27FC236}">
+                <a16:creationId xmlns:a16="http://schemas.microsoft.com/office/drawing/2014/main" id="{71B8C81E-A70A-3D46-99DB-130BCE29D75A}"/>
+              </a:ext>
+            </a:extLst>
+          </p:cNvPr>
+          <p:cNvPicPr>
+            <a:picLocks noChangeAspect="1"/>
+          </p:cNvPicPr>
+          <p:nvPr/>
+        </p:nvPicPr>
+        <p:blipFill>
+          <a:blip r:embed="rId2"/>
+          <a:stretch>
+            <a:fillRect/>
+          </a:stretch>
+        </p:blipFill>
+        <p:spPr>
+          <a:xfrm>
+            <a:off x="1130300" y="2514600"/>
+            <a:ext cx="7175500" cy="901700"/>
+          </a:xfrm>
+          <a:prstGeom prst="rect">
+            <a:avLst/>
+          </a:prstGeom>
+        </p:spPr>
+      </p:pic>
+      <p:sp>
+        <p:nvSpPr>
+          <p:cNvPr id="5" name="文本框 4">
+            <a:extLst>
+              <a:ext uri="{FF2B5EF4-FFF2-40B4-BE49-F238E27FC236}">
+                <a16:creationId xmlns:a16="http://schemas.microsoft.com/office/drawing/2014/main" id="{5BE5490C-6417-9142-B1D5-73EA4C145D12}"/>
+              </a:ext>
+            </a:extLst>
+          </p:cNvPr>
+          <p:cNvSpPr txBox="1"/>
+          <p:nvPr/>
+        </p:nvSpPr>
+        <p:spPr>
+          <a:xfrm>
+            <a:off x="1371600" y="1981200"/>
+            <a:ext cx="6934200" cy="369332"/>
+          </a:xfrm>
+          <a:prstGeom prst="rect">
+            <a:avLst/>
+          </a:prstGeom>
+          <a:noFill/>
+        </p:spPr>
+        <p:txBody>
+          <a:bodyPr wrap="square" rtlCol="0">
+            <a:spAutoFit/>
+          </a:bodyPr>
+          <a:lstStyle/>
+          <a:p>
+            <a:r>
+              <a:rPr kumimoji="1" lang="en-US" altLang="zh-CN" dirty="0"/>
+              <a:t>Adding</a:t>
+            </a:r>
+            <a:r>
+              <a:rPr kumimoji="1" lang="zh-CN" altLang="en-US" dirty="0"/>
+              <a:t> </a:t>
+            </a:r>
+            <a:r>
+              <a:rPr kumimoji="1" lang="en-US" altLang="zh-CN" dirty="0"/>
+              <a:t>a</a:t>
+            </a:r>
+            <a:r>
+              <a:rPr kumimoji="1" lang="zh-CN" altLang="en-US" dirty="0"/>
+              <a:t> </a:t>
+            </a:r>
+            <a:r>
+              <a:rPr kumimoji="1" lang="en-US" altLang="zh-CN" dirty="0"/>
+              <a:t>new</a:t>
+            </a:r>
+            <a:r>
+              <a:rPr kumimoji="1" lang="zh-CN" altLang="en-US" dirty="0"/>
+              <a:t> </a:t>
+            </a:r>
+            <a:r>
+              <a:rPr kumimoji="1" lang="en-US" altLang="zh-CN" dirty="0"/>
+              <a:t>method</a:t>
+            </a:r>
+            <a:r>
+              <a:rPr kumimoji="1" lang="zh-CN" altLang="en-US" dirty="0"/>
+              <a:t> </a:t>
+            </a:r>
+            <a:r>
+              <a:rPr kumimoji="1" lang="en-US" altLang="zh-CN" dirty="0"/>
+              <a:t>“backup()”,</a:t>
+            </a:r>
+            <a:r>
+              <a:rPr kumimoji="1" lang="zh-CN" altLang="en-US" dirty="0"/>
+              <a:t> </a:t>
+            </a:r>
+            <a:r>
+              <a:rPr kumimoji="1" lang="en-US" altLang="zh-CN" dirty="0"/>
+              <a:t>to</a:t>
+            </a:r>
+            <a:r>
+              <a:rPr kumimoji="1" lang="zh-CN" altLang="en-US" dirty="0"/>
+              <a:t> </a:t>
+            </a:r>
+            <a:r>
+              <a:rPr kumimoji="1" lang="en-US" altLang="zh-CN" dirty="0"/>
+              <a:t>backup</a:t>
+            </a:r>
+            <a:r>
+              <a:rPr kumimoji="1" lang="zh-CN" altLang="en-US" dirty="0"/>
+              <a:t> </a:t>
+            </a:r>
+            <a:r>
+              <a:rPr kumimoji="1" lang="en-US" altLang="zh-CN" dirty="0"/>
+              <a:t>the</a:t>
+            </a:r>
+            <a:r>
+              <a:rPr kumimoji="1" lang="zh-CN" altLang="en-US" dirty="0"/>
+              <a:t> </a:t>
+            </a:r>
+            <a:r>
+              <a:rPr kumimoji="1" lang="en-US" altLang="zh-CN" dirty="0"/>
+              <a:t>internal</a:t>
+            </a:r>
+            <a:r>
+              <a:rPr kumimoji="1" lang="zh-CN" altLang="en-US" dirty="0"/>
+              <a:t> </a:t>
+            </a:r>
+            <a:r>
+              <a:rPr kumimoji="1" lang="en-US" altLang="zh-CN" dirty="0"/>
+              <a:t>state:</a:t>
+            </a:r>
+            <a:endParaRPr kumimoji="1" lang="zh-CN" altLang="en-US" dirty="0"/>
+          </a:p>
+        </p:txBody>
+      </p:sp>
+      <p:pic>
+        <p:nvPicPr>
+          <p:cNvPr id="7" name="图片 6">
+            <a:extLst>
+              <a:ext uri="{FF2B5EF4-FFF2-40B4-BE49-F238E27FC236}">
+                <a16:creationId xmlns:a16="http://schemas.microsoft.com/office/drawing/2014/main" id="{B33123E6-05F2-FC45-B50D-4B5B7E3790C5}"/>
+              </a:ext>
+            </a:extLst>
+          </p:cNvPr>
+          <p:cNvPicPr>
+            <a:picLocks noChangeAspect="1"/>
+          </p:cNvPicPr>
+          <p:nvPr/>
+        </p:nvPicPr>
+        <p:blipFill>
+          <a:blip r:embed="rId3"/>
+          <a:stretch>
+            <a:fillRect/>
+          </a:stretch>
+        </p:blipFill>
+        <p:spPr>
+          <a:xfrm>
+            <a:off x="1169096" y="3352800"/>
+            <a:ext cx="6057900" cy="622300"/>
+          </a:xfrm>
+          <a:prstGeom prst="rect">
+            <a:avLst/>
+          </a:prstGeom>
+        </p:spPr>
+      </p:pic>
+      <p:pic>
+        <p:nvPicPr>
+          <p:cNvPr id="10" name="图片 9">
+            <a:extLst>
+              <a:ext uri="{FF2B5EF4-FFF2-40B4-BE49-F238E27FC236}">
+                <a16:creationId xmlns:a16="http://schemas.microsoft.com/office/drawing/2014/main" id="{B2C06D17-2C89-874F-89AC-4CDB6DEC431F}"/>
+              </a:ext>
+            </a:extLst>
+          </p:cNvPr>
+          <p:cNvPicPr>
+            <a:picLocks noChangeAspect="1"/>
+          </p:cNvPicPr>
+          <p:nvPr/>
+        </p:nvPicPr>
+        <p:blipFill>
+          <a:blip r:embed="rId4"/>
+          <a:stretch>
+            <a:fillRect/>
+          </a:stretch>
+        </p:blipFill>
+        <p:spPr>
+          <a:xfrm>
+            <a:off x="1066800" y="3880099"/>
+            <a:ext cx="7099300" cy="2590800"/>
+          </a:xfrm>
+          <a:prstGeom prst="rect">
+            <a:avLst/>
+          </a:prstGeom>
+        </p:spPr>
+      </p:pic>
+    </p:spTree>
+    <p:extLst>
+      <p:ext uri="{BB962C8B-B14F-4D97-AF65-F5344CB8AC3E}">
+        <p14:creationId xmlns:p14="http://schemas.microsoft.com/office/powerpoint/2010/main" val="4057493337"/>
+      </p:ext>
+    </p:extLst>
+  </p:cSld>
+  <p:clrMapOvr>
+    <a:masterClrMapping/>
+  </p:clrMapOvr>
+</p:sld>
+</file>
+
+<file path=ppt/slides/slide27.xml><?xml version="1.0" encoding="utf-8"?>
+<p:sld xmlns:a="http://schemas.openxmlformats.org/drawingml/2006/main" xmlns:r="http://schemas.openxmlformats.org/officeDocument/2006/relationships" xmlns:p="http://schemas.openxmlformats.org/presentationml/2006/main">
+  <p:cSld>
+    <p:spTree>
+      <p:nvGrpSpPr>
+        <p:cNvPr id="1" name=""/>
+        <p:cNvGrpSpPr/>
+        <p:nvPr/>
+      </p:nvGrpSpPr>
+      <p:grpSpPr>
+        <a:xfrm>
+          <a:off x="0" y="0"/>
+          <a:ext cx="0" cy="0"/>
+          <a:chOff x="0" y="0"/>
+          <a:chExt cx="0" cy="0"/>
+        </a:xfrm>
+      </p:grpSpPr>
+      <p:sp>
+        <p:nvSpPr>
+          <p:cNvPr id="2" name="标题 1">
+            <a:extLst>
+              <a:ext uri="{FF2B5EF4-FFF2-40B4-BE49-F238E27FC236}">
+                <a16:creationId xmlns:a16="http://schemas.microsoft.com/office/drawing/2014/main" id="{0A75F11F-C78A-904E-AB8C-72A70AF2A0A3}"/>
+              </a:ext>
+            </a:extLst>
+          </p:cNvPr>
+          <p:cNvSpPr>
+            <a:spLocks noGrp="1"/>
+          </p:cNvSpPr>
+          <p:nvPr>
+            <p:ph type="title"/>
+          </p:nvPr>
+        </p:nvSpPr>
+        <p:spPr/>
+        <p:txBody>
+          <a:bodyPr/>
+          <a:lstStyle/>
+          <a:p>
+            <a:r>
+              <a:rPr kumimoji="1" lang="en-US" altLang="zh-CN" dirty="0"/>
+              <a:t>Calling</a:t>
+            </a:r>
+            <a:r>
+              <a:rPr kumimoji="1" lang="zh-CN" altLang="en-US" dirty="0"/>
+              <a:t> </a:t>
+            </a:r>
+            <a:r>
+              <a:rPr kumimoji="1" lang="en-US" altLang="zh-CN" dirty="0"/>
+              <a:t>superclass</a:t>
+            </a:r>
+            <a:r>
+              <a:rPr kumimoji="1" lang="zh-CN" altLang="en-US" dirty="0"/>
+              <a:t> </a:t>
+            </a:r>
+            <a:r>
+              <a:rPr kumimoji="1" lang="en-US" altLang="zh-CN" dirty="0"/>
+              <a:t>methods</a:t>
+            </a:r>
+          </a:p>
+        </p:txBody>
+      </p:sp>
+      <p:sp>
+        <p:nvSpPr>
+          <p:cNvPr id="5" name="文本框 4">
+            <a:extLst>
+              <a:ext uri="{FF2B5EF4-FFF2-40B4-BE49-F238E27FC236}">
+                <a16:creationId xmlns:a16="http://schemas.microsoft.com/office/drawing/2014/main" id="{5BE5490C-6417-9142-B1D5-73EA4C145D12}"/>
+              </a:ext>
+            </a:extLst>
+          </p:cNvPr>
+          <p:cNvSpPr txBox="1"/>
+          <p:nvPr/>
+        </p:nvSpPr>
+        <p:spPr>
+          <a:xfrm>
+            <a:off x="1371600" y="1981200"/>
+            <a:ext cx="6934200" cy="369332"/>
+          </a:xfrm>
+          <a:prstGeom prst="rect">
+            <a:avLst/>
+          </a:prstGeom>
+          <a:noFill/>
+        </p:spPr>
+        <p:txBody>
+          <a:bodyPr wrap="square" rtlCol="0">
+            <a:spAutoFit/>
+          </a:bodyPr>
+          <a:lstStyle/>
+          <a:p>
+            <a:r>
+              <a:rPr kumimoji="1" lang="en-US" altLang="zh-CN" dirty="0"/>
+              <a:t>In</a:t>
+            </a:r>
+            <a:r>
+              <a:rPr kumimoji="1" lang="zh-CN" altLang="en-US" dirty="0"/>
+              <a:t> </a:t>
+            </a:r>
+            <a:r>
+              <a:rPr kumimoji="1" lang="en-US" altLang="zh-CN" dirty="0"/>
+              <a:t>subclass,</a:t>
+            </a:r>
+            <a:r>
+              <a:rPr kumimoji="1" lang="zh-CN" altLang="en-US" dirty="0"/>
+              <a:t> </a:t>
+            </a:r>
+            <a:r>
+              <a:rPr kumimoji="1" lang="en-US" altLang="zh-CN" dirty="0"/>
+              <a:t>we</a:t>
+            </a:r>
+            <a:r>
+              <a:rPr kumimoji="1" lang="zh-CN" altLang="en-US" dirty="0"/>
+              <a:t> </a:t>
+            </a:r>
+            <a:r>
+              <a:rPr kumimoji="1" lang="en-US" altLang="zh-CN" dirty="0"/>
+              <a:t>can</a:t>
+            </a:r>
+            <a:r>
+              <a:rPr kumimoji="1" lang="zh-CN" altLang="en-US" dirty="0"/>
+              <a:t> </a:t>
+            </a:r>
+            <a:r>
+              <a:rPr kumimoji="1" lang="en-US" altLang="zh-CN" dirty="0"/>
+              <a:t>class</a:t>
+            </a:r>
+            <a:r>
+              <a:rPr kumimoji="1" lang="zh-CN" altLang="en-US" dirty="0"/>
+              <a:t> </a:t>
+            </a:r>
+            <a:r>
+              <a:rPr kumimoji="1" lang="en-US" altLang="zh-CN" dirty="0"/>
+              <a:t>methods</a:t>
+            </a:r>
+            <a:r>
+              <a:rPr kumimoji="1" lang="zh-CN" altLang="en-US" dirty="0"/>
+              <a:t> </a:t>
+            </a:r>
+            <a:r>
+              <a:rPr kumimoji="1" lang="en-US" altLang="zh-CN" dirty="0"/>
+              <a:t>in</a:t>
+            </a:r>
+            <a:r>
+              <a:rPr kumimoji="1" lang="zh-CN" altLang="en-US" dirty="0"/>
+              <a:t> </a:t>
+            </a:r>
+            <a:r>
+              <a:rPr kumimoji="1" lang="en-US" altLang="zh-CN" dirty="0"/>
+              <a:t>super</a:t>
+            </a:r>
+            <a:r>
+              <a:rPr kumimoji="1" lang="zh-CN" altLang="en-US" dirty="0"/>
+              <a:t> </a:t>
+            </a:r>
+            <a:r>
+              <a:rPr kumimoji="1" lang="en-US" altLang="zh-CN" dirty="0"/>
+              <a:t>classes,</a:t>
+            </a:r>
+            <a:r>
+              <a:rPr kumimoji="1" lang="zh-CN" altLang="en-US" dirty="0"/>
+              <a:t> </a:t>
+            </a:r>
+            <a:r>
+              <a:rPr kumimoji="1" lang="en-US" altLang="zh-CN" dirty="0"/>
+              <a:t>via</a:t>
+            </a:r>
+            <a:r>
+              <a:rPr kumimoji="1" lang="zh-CN" altLang="en-US" dirty="0"/>
+              <a:t> </a:t>
+            </a:r>
+            <a:r>
+              <a:rPr kumimoji="1" lang="en-US" altLang="zh-CN" dirty="0"/>
+              <a:t>“</a:t>
+            </a:r>
+            <a:r>
+              <a:rPr kumimoji="1" lang="en-US" altLang="zh-CN" dirty="0">
+                <a:solidFill>
+                  <a:srgbClr val="0432FF"/>
+                </a:solidFill>
+              </a:rPr>
+              <a:t>super</a:t>
+            </a:r>
+            <a:r>
+              <a:rPr kumimoji="1" lang="en-US" altLang="zh-CN" dirty="0"/>
+              <a:t>”.</a:t>
+            </a:r>
+            <a:endParaRPr kumimoji="1" lang="zh-CN" altLang="en-US" dirty="0"/>
+          </a:p>
+        </p:txBody>
+      </p:sp>
+      <p:pic>
+        <p:nvPicPr>
+          <p:cNvPr id="6" name="图片 5">
+            <a:extLst>
+              <a:ext uri="{FF2B5EF4-FFF2-40B4-BE49-F238E27FC236}">
+                <a16:creationId xmlns:a16="http://schemas.microsoft.com/office/drawing/2014/main" id="{22F8FDFC-6855-AA4E-BD3F-CB73FB211EA0}"/>
+              </a:ext>
+            </a:extLst>
+          </p:cNvPr>
+          <p:cNvPicPr>
+            <a:picLocks noChangeAspect="1"/>
+          </p:cNvPicPr>
+          <p:nvPr/>
+        </p:nvPicPr>
+        <p:blipFill>
+          <a:blip r:embed="rId2"/>
+          <a:stretch>
+            <a:fillRect/>
+          </a:stretch>
+        </p:blipFill>
+        <p:spPr>
+          <a:xfrm>
+            <a:off x="838200" y="2819400"/>
+            <a:ext cx="7823200" cy="2590800"/>
+          </a:xfrm>
+          <a:prstGeom prst="rect">
+            <a:avLst/>
+          </a:prstGeom>
+        </p:spPr>
+      </p:pic>
+    </p:spTree>
+    <p:extLst>
+      <p:ext uri="{BB962C8B-B14F-4D97-AF65-F5344CB8AC3E}">
+        <p14:creationId xmlns:p14="http://schemas.microsoft.com/office/powerpoint/2010/main" val="2370038235"/>
+      </p:ext>
+    </p:extLst>
+  </p:cSld>
+  <p:clrMapOvr>
+    <a:masterClrMapping/>
+  </p:clrMapOvr>
+</p:sld>
+</file>
+
+<file path=ppt/slides/slide28.xml><?xml version="1.0" encoding="utf-8"?>
+<p:sld xmlns:a="http://schemas.openxmlformats.org/drawingml/2006/main" xmlns:r="http://schemas.openxmlformats.org/officeDocument/2006/relationships" xmlns:p="http://schemas.openxmlformats.org/presentationml/2006/main">
+  <p:cSld>
+    <p:spTree>
+      <p:nvGrpSpPr>
+        <p:cNvPr id="1" name=""/>
+        <p:cNvGrpSpPr/>
+        <p:nvPr/>
+      </p:nvGrpSpPr>
+      <p:grpSpPr>
+        <a:xfrm>
+          <a:off x="0" y="0"/>
+          <a:ext cx="0" cy="0"/>
+          <a:chOff x="0" y="0"/>
+          <a:chExt cx="0" cy="0"/>
+        </a:xfrm>
+      </p:grpSpPr>
+      <p:sp>
+        <p:nvSpPr>
+          <p:cNvPr id="2" name="标题 1">
+            <a:extLst>
+              <a:ext uri="{FF2B5EF4-FFF2-40B4-BE49-F238E27FC236}">
+                <a16:creationId xmlns:a16="http://schemas.microsoft.com/office/drawing/2014/main" id="{0A75F11F-C78A-904E-AB8C-72A70AF2A0A3}"/>
+              </a:ext>
+            </a:extLst>
+          </p:cNvPr>
+          <p:cNvSpPr>
+            <a:spLocks noGrp="1"/>
+          </p:cNvSpPr>
+          <p:nvPr>
+            <p:ph type="title"/>
+          </p:nvPr>
+        </p:nvSpPr>
+        <p:spPr/>
+        <p:txBody>
+          <a:bodyPr/>
+          <a:lstStyle/>
+          <a:p>
+            <a:r>
+              <a:rPr kumimoji="1" lang="en-US" altLang="zh-CN" dirty="0"/>
+              <a:t>“This”</a:t>
+            </a:r>
+          </a:p>
+        </p:txBody>
+      </p:sp>
+      <p:pic>
+        <p:nvPicPr>
+          <p:cNvPr id="4" name="图片 3">
+            <a:extLst>
+              <a:ext uri="{FF2B5EF4-FFF2-40B4-BE49-F238E27FC236}">
+                <a16:creationId xmlns:a16="http://schemas.microsoft.com/office/drawing/2014/main" id="{0C9A7AB8-6FE6-6248-A43E-6B1243130A8A}"/>
+              </a:ext>
+            </a:extLst>
+          </p:cNvPr>
+          <p:cNvPicPr>
+            <a:picLocks noChangeAspect="1"/>
+          </p:cNvPicPr>
+          <p:nvPr/>
+        </p:nvPicPr>
+        <p:blipFill>
+          <a:blip r:embed="rId2"/>
+          <a:stretch>
+            <a:fillRect/>
+          </a:stretch>
+        </p:blipFill>
+        <p:spPr>
+          <a:xfrm>
+            <a:off x="1116078" y="1905000"/>
+            <a:ext cx="7861300" cy="558800"/>
+          </a:xfrm>
+          <a:prstGeom prst="rect">
+            <a:avLst/>
+          </a:prstGeom>
+        </p:spPr>
+      </p:pic>
+      <p:pic>
+        <p:nvPicPr>
+          <p:cNvPr id="10" name="图片 9">
+            <a:extLst>
+              <a:ext uri="{FF2B5EF4-FFF2-40B4-BE49-F238E27FC236}">
+                <a16:creationId xmlns:a16="http://schemas.microsoft.com/office/drawing/2014/main" id="{40E727B5-EC57-1247-9067-F0D4C1CE24B5}"/>
+              </a:ext>
+            </a:extLst>
+          </p:cNvPr>
+          <p:cNvPicPr>
+            <a:picLocks noChangeAspect="1"/>
+          </p:cNvPicPr>
+          <p:nvPr/>
+        </p:nvPicPr>
+        <p:blipFill>
+          <a:blip r:embed="rId3"/>
+          <a:stretch>
+            <a:fillRect/>
+          </a:stretch>
+        </p:blipFill>
+        <p:spPr>
+          <a:xfrm>
+            <a:off x="292100" y="2413000"/>
+            <a:ext cx="8559800" cy="2032000"/>
+          </a:xfrm>
+          <a:prstGeom prst="rect">
+            <a:avLst/>
+          </a:prstGeom>
+        </p:spPr>
+      </p:pic>
+    </p:spTree>
+    <p:extLst>
+      <p:ext uri="{BB962C8B-B14F-4D97-AF65-F5344CB8AC3E}">
+        <p14:creationId xmlns:p14="http://schemas.microsoft.com/office/powerpoint/2010/main" val="945197168"/>
+      </p:ext>
+    </p:extLst>
+  </p:cSld>
+  <p:clrMapOvr>
+    <a:masterClrMapping/>
+  </p:clrMapOvr>
+</p:sld>
+</file>
+
+<file path=ppt/slides/slide29.xml><?xml version="1.0" encoding="utf-8"?>
+<p:sld xmlns:a="http://schemas.openxmlformats.org/drawingml/2006/main" xmlns:r="http://schemas.openxmlformats.org/officeDocument/2006/relationships" xmlns:p="http://schemas.openxmlformats.org/presentationml/2006/main">
+  <p:cSld>
+    <p:spTree>
+      <p:nvGrpSpPr>
+        <p:cNvPr id="1" name=""/>
+        <p:cNvGrpSpPr/>
+        <p:nvPr/>
+      </p:nvGrpSpPr>
+      <p:grpSpPr>
+        <a:xfrm>
+          <a:off x="0" y="0"/>
+          <a:ext cx="0" cy="0"/>
+          <a:chOff x="0" y="0"/>
+          <a:chExt cx="0" cy="0"/>
+        </a:xfrm>
+      </p:grpSpPr>
+      <p:pic>
+        <p:nvPicPr>
+          <p:cNvPr id="4" name="图片 3">
+            <a:extLst>
+              <a:ext uri="{FF2B5EF4-FFF2-40B4-BE49-F238E27FC236}">
+                <a16:creationId xmlns:a16="http://schemas.microsoft.com/office/drawing/2014/main" id="{0C9A7AB8-6FE6-6248-A43E-6B1243130A8A}"/>
+              </a:ext>
+            </a:extLst>
+          </p:cNvPr>
+          <p:cNvPicPr>
+            <a:picLocks noChangeAspect="1"/>
+          </p:cNvPicPr>
+          <p:nvPr/>
+        </p:nvPicPr>
+        <p:blipFill>
+          <a:blip r:embed="rId2"/>
+          <a:stretch>
+            <a:fillRect/>
+          </a:stretch>
+        </p:blipFill>
+        <p:spPr>
+          <a:xfrm>
+            <a:off x="0" y="19050"/>
+            <a:ext cx="7861300" cy="558800"/>
+          </a:xfrm>
+          <a:prstGeom prst="rect">
+            <a:avLst/>
+          </a:prstGeom>
+        </p:spPr>
+      </p:pic>
+      <p:pic>
+        <p:nvPicPr>
+          <p:cNvPr id="10" name="图片 9">
+            <a:extLst>
+              <a:ext uri="{FF2B5EF4-FFF2-40B4-BE49-F238E27FC236}">
+                <a16:creationId xmlns:a16="http://schemas.microsoft.com/office/drawing/2014/main" id="{40E727B5-EC57-1247-9067-F0D4C1CE24B5}"/>
+              </a:ext>
+            </a:extLst>
+          </p:cNvPr>
+          <p:cNvPicPr>
+            <a:picLocks noChangeAspect="1"/>
+          </p:cNvPicPr>
+          <p:nvPr/>
+        </p:nvPicPr>
+        <p:blipFill>
+          <a:blip r:embed="rId3"/>
+          <a:stretch>
+            <a:fillRect/>
+          </a:stretch>
+        </p:blipFill>
+        <p:spPr>
+          <a:xfrm>
+            <a:off x="0" y="577850"/>
+            <a:ext cx="8559800" cy="2032000"/>
+          </a:xfrm>
+          <a:prstGeom prst="rect">
+            <a:avLst/>
+          </a:prstGeom>
+        </p:spPr>
+      </p:pic>
+      <p:pic>
+        <p:nvPicPr>
+          <p:cNvPr id="12" name="图片 11">
+            <a:extLst>
+              <a:ext uri="{FF2B5EF4-FFF2-40B4-BE49-F238E27FC236}">
+                <a16:creationId xmlns:a16="http://schemas.microsoft.com/office/drawing/2014/main" id="{26C43036-70EC-8F4F-A60C-C82EE41910A1}"/>
+              </a:ext>
+            </a:extLst>
+          </p:cNvPr>
+          <p:cNvPicPr>
+            <a:picLocks noChangeAspect="1"/>
+          </p:cNvPicPr>
+          <p:nvPr/>
+        </p:nvPicPr>
+        <p:blipFill>
+          <a:blip r:embed="rId4"/>
+          <a:stretch>
+            <a:fillRect/>
+          </a:stretch>
+        </p:blipFill>
+        <p:spPr>
+          <a:xfrm>
+            <a:off x="4175" y="2609850"/>
+            <a:ext cx="6172200" cy="3797300"/>
+          </a:xfrm>
+          <a:prstGeom prst="rect">
+            <a:avLst/>
+          </a:prstGeom>
+        </p:spPr>
+      </p:pic>
+      <p:sp>
+        <p:nvSpPr>
+          <p:cNvPr id="7" name="矩形 6">
+            <a:extLst>
+              <a:ext uri="{FF2B5EF4-FFF2-40B4-BE49-F238E27FC236}">
+                <a16:creationId xmlns:a16="http://schemas.microsoft.com/office/drawing/2014/main" id="{AF07A545-D699-9C4F-A465-00BD85155ABA}"/>
+              </a:ext>
+            </a:extLst>
+          </p:cNvPr>
+          <p:cNvSpPr/>
+          <p:nvPr/>
+        </p:nvSpPr>
+        <p:spPr>
+          <a:xfrm>
+            <a:off x="4800600" y="2819400"/>
+            <a:ext cx="990600" cy="457200"/>
+          </a:xfrm>
+          <a:prstGeom prst="rect">
+            <a:avLst/>
+          </a:prstGeom>
+        </p:spPr>
+        <p:style>
+          <a:lnRef idx="2">
+            <a:schemeClr val="accent1">
+              <a:shade val="50000"/>
+            </a:schemeClr>
+          </a:lnRef>
+          <a:fillRef idx="1">
+            <a:schemeClr val="accent1"/>
+          </a:fillRef>
+          <a:effectRef idx="0">
+            <a:schemeClr val="accent1"/>
+          </a:effectRef>
+          <a:fontRef idx="minor">
+            <a:schemeClr val="lt1"/>
+          </a:fontRef>
+        </p:style>
+        <p:txBody>
+          <a:bodyPr rtlCol="0" anchor="ctr"/>
+          <a:lstStyle/>
+          <a:p>
+            <a:pPr algn="ctr"/>
+            <a:r>
+              <a:rPr kumimoji="1" lang="en-US" altLang="zh-CN" dirty="0" err="1"/>
+              <a:t>vptr</a:t>
+            </a:r>
+            <a:endParaRPr kumimoji="1" lang="zh-CN" altLang="en-US" dirty="0"/>
+          </a:p>
+        </p:txBody>
+      </p:sp>
+      <p:sp>
+        <p:nvSpPr>
+          <p:cNvPr id="8" name="矩形 7">
+            <a:extLst>
+              <a:ext uri="{FF2B5EF4-FFF2-40B4-BE49-F238E27FC236}">
+                <a16:creationId xmlns:a16="http://schemas.microsoft.com/office/drawing/2014/main" id="{639ABDF0-C8AA-FD45-B569-56A763C3A457}"/>
+              </a:ext>
+            </a:extLst>
+          </p:cNvPr>
+          <p:cNvSpPr/>
+          <p:nvPr/>
+        </p:nvSpPr>
+        <p:spPr>
+          <a:xfrm>
+            <a:off x="4800600" y="3276600"/>
+            <a:ext cx="990600" cy="457200"/>
+          </a:xfrm>
+          <a:prstGeom prst="rect">
+            <a:avLst/>
+          </a:prstGeom>
+        </p:spPr>
+        <p:style>
+          <a:lnRef idx="2">
+            <a:schemeClr val="accent1">
+              <a:shade val="50000"/>
+            </a:schemeClr>
+          </a:lnRef>
+          <a:fillRef idx="1">
+            <a:schemeClr val="accent1"/>
+          </a:fillRef>
+          <a:effectRef idx="0">
+            <a:schemeClr val="accent1"/>
+          </a:effectRef>
+          <a:fontRef idx="minor">
+            <a:schemeClr val="lt1"/>
+          </a:fontRef>
+        </p:style>
+        <p:txBody>
+          <a:bodyPr rtlCol="0" anchor="ctr"/>
+          <a:lstStyle/>
+          <a:p>
+            <a:pPr algn="ctr"/>
+            <a:r>
+              <a:rPr kumimoji="1" lang="en-US" altLang="zh-CN" dirty="0"/>
+              <a:t>x</a:t>
+            </a:r>
+            <a:endParaRPr kumimoji="1" lang="zh-CN" altLang="en-US" dirty="0"/>
+          </a:p>
+        </p:txBody>
+      </p:sp>
+      <p:sp>
+        <p:nvSpPr>
+          <p:cNvPr id="9" name="矩形 8">
+            <a:extLst>
+              <a:ext uri="{FF2B5EF4-FFF2-40B4-BE49-F238E27FC236}">
+                <a16:creationId xmlns:a16="http://schemas.microsoft.com/office/drawing/2014/main" id="{4C0080C2-942A-C549-9B6B-B3E291CFCD9F}"/>
+              </a:ext>
+            </a:extLst>
+          </p:cNvPr>
+          <p:cNvSpPr/>
+          <p:nvPr/>
+        </p:nvSpPr>
+        <p:spPr>
+          <a:xfrm>
+            <a:off x="6629400" y="2819400"/>
+            <a:ext cx="990600" cy="457200"/>
+          </a:xfrm>
+          <a:prstGeom prst="rect">
+            <a:avLst/>
+          </a:prstGeom>
+          <a:solidFill>
+            <a:srgbClr val="92D050"/>
+          </a:solidFill>
+        </p:spPr>
+        <p:style>
+          <a:lnRef idx="2">
+            <a:schemeClr val="accent1">
+              <a:shade val="50000"/>
+            </a:schemeClr>
+          </a:lnRef>
+          <a:fillRef idx="1">
+            <a:schemeClr val="accent1"/>
+          </a:fillRef>
+          <a:effectRef idx="0">
+            <a:schemeClr val="accent1"/>
+          </a:effectRef>
+          <a:fontRef idx="minor">
+            <a:schemeClr val="lt1"/>
+          </a:fontRef>
+        </p:style>
+        <p:txBody>
+          <a:bodyPr rtlCol="0" anchor="ctr"/>
+          <a:lstStyle/>
+          <a:p>
+            <a:pPr algn="ctr"/>
+            <a:r>
+              <a:rPr kumimoji="1" lang="en-US" altLang="zh-CN" dirty="0"/>
+              <a:t>get</a:t>
+            </a:r>
+            <a:endParaRPr kumimoji="1" lang="zh-CN" altLang="en-US" dirty="0"/>
+          </a:p>
+        </p:txBody>
+      </p:sp>
+      <p:cxnSp>
+        <p:nvCxnSpPr>
+          <p:cNvPr id="11" name="直线箭头连接符 10">
+            <a:extLst>
+              <a:ext uri="{FF2B5EF4-FFF2-40B4-BE49-F238E27FC236}">
+                <a16:creationId xmlns:a16="http://schemas.microsoft.com/office/drawing/2014/main" id="{2A6D342E-A938-384C-9A81-79BE928828F2}"/>
+              </a:ext>
+            </a:extLst>
+          </p:cNvPr>
+          <p:cNvCxnSpPr>
+            <a:endCxn id="9" idx="1"/>
+          </p:cNvCxnSpPr>
+          <p:nvPr/>
+        </p:nvCxnSpPr>
+        <p:spPr>
+          <a:xfrm>
+            <a:off x="5562600" y="3048000"/>
+            <a:ext cx="1066800" cy="0"/>
+          </a:xfrm>
+          <a:prstGeom prst="straightConnector1">
+            <a:avLst/>
+          </a:prstGeom>
+          <a:ln w="38100">
+            <a:tailEnd type="triangle"/>
+          </a:ln>
+        </p:spPr>
+        <p:style>
+          <a:lnRef idx="1">
+            <a:schemeClr val="accent1"/>
+          </a:lnRef>
+          <a:fillRef idx="0">
+            <a:schemeClr val="accent1"/>
+          </a:fillRef>
+          <a:effectRef idx="0">
+            <a:schemeClr val="accent1"/>
+          </a:effectRef>
+          <a:fontRef idx="minor">
+            <a:schemeClr val="tx1"/>
+          </a:fontRef>
+        </p:style>
+      </p:cxnSp>
+      <p:sp>
+        <p:nvSpPr>
+          <p:cNvPr id="13" name="矩形 12">
+            <a:extLst>
+              <a:ext uri="{FF2B5EF4-FFF2-40B4-BE49-F238E27FC236}">
+                <a16:creationId xmlns:a16="http://schemas.microsoft.com/office/drawing/2014/main" id="{C4C62300-DD75-264D-92B0-B8EC2CCB7B0E}"/>
+              </a:ext>
+            </a:extLst>
+          </p:cNvPr>
+          <p:cNvSpPr/>
+          <p:nvPr/>
+        </p:nvSpPr>
+        <p:spPr>
+          <a:xfrm>
+            <a:off x="6629400" y="3276600"/>
+            <a:ext cx="990600" cy="457200"/>
+          </a:xfrm>
+          <a:prstGeom prst="rect">
+            <a:avLst/>
+          </a:prstGeom>
+          <a:solidFill>
+            <a:srgbClr val="92D050"/>
+          </a:solidFill>
+        </p:spPr>
+        <p:style>
+          <a:lnRef idx="2">
+            <a:schemeClr val="accent1">
+              <a:shade val="50000"/>
+            </a:schemeClr>
+          </a:lnRef>
+          <a:fillRef idx="1">
+            <a:schemeClr val="accent1"/>
+          </a:fillRef>
+          <a:effectRef idx="0">
+            <a:schemeClr val="accent1"/>
+          </a:effectRef>
+          <a:fontRef idx="minor">
+            <a:schemeClr val="lt1"/>
+          </a:fontRef>
+        </p:style>
+        <p:txBody>
+          <a:bodyPr rtlCol="0" anchor="ctr"/>
+          <a:lstStyle/>
+          <a:p>
+            <a:pPr algn="ctr"/>
+            <a:r>
+              <a:rPr kumimoji="1" lang="en-US" altLang="zh-CN" dirty="0"/>
+              <a:t>set</a:t>
+            </a:r>
+            <a:endParaRPr kumimoji="1" lang="zh-CN" altLang="en-US" dirty="0"/>
+          </a:p>
+        </p:txBody>
+      </p:sp>
+      <p:sp>
+        <p:nvSpPr>
+          <p:cNvPr id="14" name="矩形 13">
+            <a:extLst>
+              <a:ext uri="{FF2B5EF4-FFF2-40B4-BE49-F238E27FC236}">
+                <a16:creationId xmlns:a16="http://schemas.microsoft.com/office/drawing/2014/main" id="{EAB10B05-2004-2B40-8CCE-7934305DA658}"/>
+              </a:ext>
+            </a:extLst>
+          </p:cNvPr>
+          <p:cNvSpPr/>
+          <p:nvPr/>
+        </p:nvSpPr>
+        <p:spPr>
+          <a:xfrm>
+            <a:off x="6629400" y="3733799"/>
+            <a:ext cx="990600" cy="457200"/>
+          </a:xfrm>
+          <a:prstGeom prst="rect">
+            <a:avLst/>
+          </a:prstGeom>
+          <a:solidFill>
+            <a:srgbClr val="92D050"/>
+          </a:solidFill>
+        </p:spPr>
+        <p:style>
+          <a:lnRef idx="2">
+            <a:schemeClr val="accent1">
+              <a:shade val="50000"/>
+            </a:schemeClr>
+          </a:lnRef>
+          <a:fillRef idx="1">
+            <a:schemeClr val="accent1"/>
+          </a:fillRef>
+          <a:effectRef idx="0">
+            <a:schemeClr val="accent1"/>
+          </a:effectRef>
+          <a:fontRef idx="minor">
+            <a:schemeClr val="lt1"/>
+          </a:fontRef>
+        </p:style>
+        <p:txBody>
+          <a:bodyPr rtlCol="0" anchor="ctr"/>
+          <a:lstStyle/>
+          <a:p>
+            <a:pPr algn="ctr"/>
+            <a:r>
+              <a:rPr kumimoji="1" lang="en-US" altLang="zh-CN" dirty="0" err="1"/>
+              <a:t>inc</a:t>
+            </a:r>
+            <a:endParaRPr kumimoji="1" lang="zh-CN" altLang="en-US" dirty="0"/>
+          </a:p>
+        </p:txBody>
+      </p:sp>
+    </p:spTree>
+    <p:extLst>
+      <p:ext uri="{BB962C8B-B14F-4D97-AF65-F5344CB8AC3E}">
+        <p14:creationId xmlns:p14="http://schemas.microsoft.com/office/powerpoint/2010/main" val="3343386969"/>
       </p:ext>
     </p:extLst>
   </p:cSld>
@@ -5769,6 +12698,256 @@
 </p:sld>
 </file>
 
+<file path=ppt/slides/slide30.xml><?xml version="1.0" encoding="utf-8"?>
+<p:sld xmlns:a="http://schemas.openxmlformats.org/drawingml/2006/main" xmlns:r="http://schemas.openxmlformats.org/officeDocument/2006/relationships" xmlns:p="http://schemas.openxmlformats.org/presentationml/2006/main">
+  <p:cSld>
+    <p:spTree>
+      <p:nvGrpSpPr>
+        <p:cNvPr id="1" name=""/>
+        <p:cNvGrpSpPr/>
+        <p:nvPr/>
+      </p:nvGrpSpPr>
+      <p:grpSpPr>
+        <a:xfrm>
+          <a:off x="0" y="0"/>
+          <a:ext cx="0" cy="0"/>
+          <a:chOff x="0" y="0"/>
+          <a:chExt cx="0" cy="0"/>
+        </a:xfrm>
+      </p:grpSpPr>
+      <p:sp>
+        <p:nvSpPr>
+          <p:cNvPr id="2" name="标题 1">
+            <a:extLst>
+              <a:ext uri="{FF2B5EF4-FFF2-40B4-BE49-F238E27FC236}">
+                <a16:creationId xmlns:a16="http://schemas.microsoft.com/office/drawing/2014/main" id="{91A7BC32-210A-B647-A3FC-FBFCA80FC6BA}"/>
+              </a:ext>
+            </a:extLst>
+          </p:cNvPr>
+          <p:cNvSpPr>
+            <a:spLocks noGrp="1"/>
+          </p:cNvSpPr>
+          <p:nvPr>
+            <p:ph type="title"/>
+          </p:nvPr>
+        </p:nvSpPr>
+        <p:spPr/>
+        <p:txBody>
+          <a:bodyPr/>
+          <a:lstStyle/>
+          <a:p>
+            <a:r>
+              <a:rPr kumimoji="1" lang="en-US" altLang="zh-CN" dirty="0"/>
+              <a:t>Summary</a:t>
+            </a:r>
+            <a:endParaRPr kumimoji="1" lang="zh-CN" altLang="en-US" dirty="0"/>
+          </a:p>
+        </p:txBody>
+      </p:sp>
+      <p:sp>
+        <p:nvSpPr>
+          <p:cNvPr id="3" name="内容占位符 2">
+            <a:extLst>
+              <a:ext uri="{FF2B5EF4-FFF2-40B4-BE49-F238E27FC236}">
+                <a16:creationId xmlns:a16="http://schemas.microsoft.com/office/drawing/2014/main" id="{55A1BAFE-BD59-DA43-AA9F-E62E3841C011}"/>
+              </a:ext>
+            </a:extLst>
+          </p:cNvPr>
+          <p:cNvSpPr>
+            <a:spLocks noGrp="1"/>
+          </p:cNvSpPr>
+          <p:nvPr>
+            <p:ph idx="1"/>
+          </p:nvPr>
+        </p:nvSpPr>
+        <p:spPr/>
+        <p:txBody>
+          <a:bodyPr/>
+          <a:lstStyle/>
+          <a:p>
+            <a:r>
+              <a:rPr kumimoji="1" lang="en-US" altLang="zh-CN" dirty="0"/>
+              <a:t>Imperative</a:t>
+            </a:r>
+            <a:r>
+              <a:rPr kumimoji="1" lang="zh-CN" altLang="en-US" dirty="0"/>
+              <a:t> </a:t>
+            </a:r>
+            <a:r>
+              <a:rPr kumimoji="1" lang="en-US" altLang="zh-CN" dirty="0"/>
+              <a:t>objects</a:t>
+            </a:r>
+          </a:p>
+          <a:p>
+            <a:pPr lvl="1"/>
+            <a:r>
+              <a:rPr kumimoji="1" lang="en-US" altLang="zh-CN" dirty="0"/>
+              <a:t>Simulate</a:t>
+            </a:r>
+            <a:r>
+              <a:rPr kumimoji="1" lang="zh-CN" altLang="en-US" dirty="0"/>
+              <a:t> </a:t>
+            </a:r>
+            <a:r>
+              <a:rPr kumimoji="1" lang="en-US" altLang="zh-CN" dirty="0"/>
+              <a:t>OOP</a:t>
+            </a:r>
+            <a:r>
+              <a:rPr kumimoji="1" lang="zh-CN" altLang="en-US" dirty="0"/>
+              <a:t> </a:t>
+            </a:r>
+            <a:r>
+              <a:rPr kumimoji="1" lang="en-US" altLang="zh-CN" dirty="0"/>
+              <a:t>using</a:t>
+            </a:r>
+            <a:r>
+              <a:rPr kumimoji="1" lang="zh-CN" altLang="en-US" dirty="0"/>
+              <a:t> </a:t>
+            </a:r>
+            <a:r>
+              <a:rPr kumimoji="1" lang="en-US" altLang="zh-CN" dirty="0"/>
+              <a:t>functional</a:t>
+            </a:r>
+            <a:r>
+              <a:rPr kumimoji="1" lang="zh-CN" altLang="en-US" dirty="0"/>
+              <a:t> </a:t>
+            </a:r>
+            <a:r>
+              <a:rPr kumimoji="1" lang="en-US" altLang="zh-CN" dirty="0"/>
+              <a:t>languages</a:t>
+            </a:r>
+            <a:r>
+              <a:rPr kumimoji="1" lang="zh-CN" altLang="en-US" dirty="0"/>
+              <a:t> </a:t>
+            </a:r>
+            <a:r>
+              <a:rPr kumimoji="1" lang="en-US" altLang="zh-CN" dirty="0"/>
+              <a:t>(with</a:t>
+            </a:r>
+            <a:r>
+              <a:rPr kumimoji="1" lang="zh-CN" altLang="en-US" dirty="0"/>
+              <a:t> </a:t>
+            </a:r>
+            <a:r>
+              <a:rPr kumimoji="1" lang="en-US" altLang="zh-CN" dirty="0"/>
+              <a:t>imperative</a:t>
+            </a:r>
+            <a:r>
+              <a:rPr kumimoji="1" lang="zh-CN" altLang="en-US" dirty="0"/>
+              <a:t> </a:t>
+            </a:r>
+            <a:r>
+              <a:rPr kumimoji="1" lang="en-US" altLang="zh-CN" dirty="0"/>
+              <a:t>features)</a:t>
+            </a:r>
+          </a:p>
+          <a:p>
+            <a:r>
+              <a:rPr kumimoji="1" lang="en-US" altLang="zh-CN" dirty="0"/>
+              <a:t>Mostly</a:t>
+            </a:r>
+            <a:r>
+              <a:rPr kumimoji="1" lang="zh-CN" altLang="en-US" dirty="0"/>
+              <a:t> </a:t>
+            </a:r>
+            <a:r>
+              <a:rPr kumimoji="1" lang="en-US" altLang="zh-CN" dirty="0"/>
+              <a:t>satisfying</a:t>
+            </a:r>
+          </a:p>
+          <a:p>
+            <a:pPr lvl="1"/>
+            <a:r>
+              <a:rPr kumimoji="1" lang="en-US" altLang="zh-CN" dirty="0"/>
+              <a:t>except</a:t>
+            </a:r>
+            <a:r>
+              <a:rPr kumimoji="1" lang="zh-CN" altLang="en-US" dirty="0"/>
+              <a:t> </a:t>
+            </a:r>
+            <a:r>
+              <a:rPr kumimoji="1" lang="en-US" altLang="zh-CN" dirty="0"/>
+              <a:t>for</a:t>
+            </a:r>
+            <a:r>
+              <a:rPr kumimoji="1" lang="zh-CN" altLang="en-US" dirty="0"/>
+              <a:t> </a:t>
+            </a:r>
+            <a:r>
+              <a:rPr kumimoji="1" lang="en-US" altLang="zh-CN" dirty="0"/>
+              <a:t>some</a:t>
+            </a:r>
+            <a:r>
+              <a:rPr kumimoji="1" lang="zh-CN" altLang="en-US" dirty="0"/>
+              <a:t> </a:t>
+            </a:r>
+            <a:r>
+              <a:rPr kumimoji="1" lang="en-US" altLang="zh-CN" dirty="0"/>
+              <a:t>features</a:t>
+            </a:r>
+          </a:p>
+          <a:p>
+            <a:pPr lvl="1"/>
+            <a:r>
+              <a:rPr kumimoji="1" lang="en-US" altLang="zh-CN" dirty="0"/>
+              <a:t>will</a:t>
+            </a:r>
+            <a:r>
+              <a:rPr kumimoji="1" lang="zh-CN" altLang="en-US" dirty="0"/>
+              <a:t> </a:t>
+            </a:r>
+            <a:r>
+              <a:rPr kumimoji="1" lang="en-US" altLang="zh-CN" dirty="0"/>
+              <a:t>discuss</a:t>
+            </a:r>
+            <a:r>
+              <a:rPr kumimoji="1" lang="zh-CN" altLang="en-US" dirty="0"/>
+              <a:t> </a:t>
+            </a:r>
+            <a:r>
+              <a:rPr kumimoji="1" lang="en-US" altLang="zh-CN" dirty="0"/>
+              <a:t>a</a:t>
+            </a:r>
+            <a:r>
+              <a:rPr kumimoji="1" lang="zh-CN" altLang="en-US" dirty="0"/>
+              <a:t> </a:t>
+            </a:r>
+            <a:r>
+              <a:rPr kumimoji="1" lang="en-US" altLang="zh-CN" dirty="0"/>
+              <a:t>more</a:t>
+            </a:r>
+            <a:r>
+              <a:rPr kumimoji="1" lang="zh-CN" altLang="en-US" dirty="0"/>
+              <a:t> </a:t>
+            </a:r>
+            <a:r>
+              <a:rPr kumimoji="1" lang="en-US" altLang="zh-CN" dirty="0"/>
+              <a:t>direct</a:t>
+            </a:r>
+            <a:r>
+              <a:rPr kumimoji="1" lang="zh-CN" altLang="en-US" dirty="0"/>
+              <a:t> </a:t>
+            </a:r>
+            <a:r>
+              <a:rPr kumimoji="1" lang="en-US" altLang="zh-CN" dirty="0"/>
+              <a:t>formalization</a:t>
+            </a:r>
+          </a:p>
+        </p:txBody>
+      </p:sp>
+    </p:spTree>
+    <p:extLst>
+      <p:ext uri="{BB962C8B-B14F-4D97-AF65-F5344CB8AC3E}">
+        <p14:creationId xmlns:p14="http://schemas.microsoft.com/office/powerpoint/2010/main" val="4152586416"/>
+      </p:ext>
+    </p:extLst>
+  </p:cSld>
+  <p:clrMapOvr>
+    <a:masterClrMapping/>
+  </p:clrMapOvr>
+</p:sld>
+</file>
+
 <file path=ppt/slides/slide4.xml><?xml version="1.0" encoding="utf-8"?>
 <p:sld xmlns:a="http://schemas.openxmlformats.org/drawingml/2006/main" xmlns:r="http://schemas.openxmlformats.org/officeDocument/2006/relationships" xmlns:p="http://schemas.openxmlformats.org/presentationml/2006/main">
   <p:cSld>
@@ -5804,8 +12983,8 @@
         </p:nvSpPr>
         <p:spPr>
           <a:xfrm>
-            <a:off x="3429000" y="2514600"/>
-            <a:ext cx="4495800" cy="1462087"/>
+            <a:off x="990600" y="2514600"/>
+            <a:ext cx="6934200" cy="1462087"/>
           </a:xfrm>
         </p:spPr>
         <p:txBody>
@@ -5814,7 +12993,7 @@
           <a:p>
             <a:r>
               <a:rPr lang="en-US" altLang="zh-CN" dirty="0"/>
-              <a:t>OOP</a:t>
+              <a:t>Object-Oriented Programming: OOP</a:t>
             </a:r>
           </a:p>
         </p:txBody>
@@ -5872,7 +13051,7 @@
           <a:p>
             <a:r>
               <a:rPr kumimoji="1" lang="en-US" altLang="zh-CN" dirty="0"/>
-              <a:t>OOP?</a:t>
+              <a:t>What is OOP?</a:t>
             </a:r>
             <a:endParaRPr kumimoji="1" lang="zh-CN" altLang="en-US" dirty="0"/>
           </a:p>
@@ -6036,49 +13215,134 @@
           <a:p>
             <a:r>
               <a:rPr kumimoji="1" lang="en-US" altLang="zh-CN" dirty="0"/>
-              <a:t>Multiple</a:t>
-            </a:r>
-            <a:r>
-              <a:rPr kumimoji="1" lang="zh-CN" altLang="en-US" dirty="0"/>
-              <a:t> </a:t>
-            </a:r>
-            <a:r>
-              <a:rPr kumimoji="1" lang="en-US" altLang="zh-CN" dirty="0"/>
-              <a:t>representations</a:t>
-            </a:r>
-          </a:p>
-          <a:p>
-            <a:r>
-              <a:rPr kumimoji="1" lang="en-US" altLang="zh-CN" dirty="0"/>
-              <a:t>Encapsulations</a:t>
-            </a:r>
-          </a:p>
-          <a:p>
-            <a:r>
-              <a:rPr kumimoji="1" lang="en-US" altLang="zh-CN" dirty="0"/>
-              <a:t>Subtyping</a:t>
-            </a:r>
-          </a:p>
-          <a:p>
-            <a:r>
-              <a:rPr kumimoji="1" lang="en-US" altLang="zh-CN" dirty="0"/>
-              <a:t>Inheritance</a:t>
-            </a:r>
-          </a:p>
-          <a:p>
-            <a:r>
-              <a:rPr kumimoji="1" lang="en-US" altLang="zh-CN" dirty="0"/>
-              <a:t>Open</a:t>
-            </a:r>
-            <a:r>
-              <a:rPr kumimoji="1" lang="zh-CN" altLang="en-US" dirty="0"/>
-              <a:t> </a:t>
-            </a:r>
-            <a:r>
-              <a:rPr kumimoji="1" lang="en-US" altLang="zh-CN" dirty="0"/>
-              <a:t>recursion</a:t>
-            </a:r>
-            <a:endParaRPr kumimoji="1" lang="zh-CN" altLang="en-US" dirty="0"/>
+              <a:t>The</a:t>
+            </a:r>
+            <a:r>
+              <a:rPr kumimoji="1" lang="zh-CN" altLang="en-US" dirty="0"/>
+              <a:t> </a:t>
+            </a:r>
+            <a:r>
+              <a:rPr kumimoji="1" lang="en-US" altLang="zh-CN" dirty="0"/>
+              <a:t>object</a:t>
+            </a:r>
+            <a:r>
+              <a:rPr kumimoji="1" lang="zh-CN" altLang="en-US" dirty="0"/>
+              <a:t> </a:t>
+            </a:r>
+            <a:r>
+              <a:rPr kumimoji="1" lang="en-US" altLang="zh-CN" dirty="0"/>
+              <a:t>determines</a:t>
+            </a:r>
+            <a:r>
+              <a:rPr kumimoji="1" lang="zh-CN" altLang="en-US" dirty="0"/>
+              <a:t> </a:t>
+            </a:r>
+            <a:r>
+              <a:rPr kumimoji="1" lang="en-US" altLang="zh-CN" dirty="0"/>
+              <a:t>what</a:t>
+            </a:r>
+            <a:r>
+              <a:rPr kumimoji="1" lang="zh-CN" altLang="en-US" dirty="0"/>
+              <a:t> </a:t>
+            </a:r>
+            <a:r>
+              <a:rPr kumimoji="1" lang="en-US" altLang="zh-CN" dirty="0"/>
+              <a:t>operations</a:t>
+            </a:r>
+            <a:r>
+              <a:rPr kumimoji="1" lang="zh-CN" altLang="en-US" dirty="0"/>
+              <a:t> </a:t>
+            </a:r>
+            <a:r>
+              <a:rPr kumimoji="1" lang="en-US" altLang="zh-CN" dirty="0"/>
+              <a:t>should</a:t>
+            </a:r>
+            <a:r>
+              <a:rPr kumimoji="1" lang="zh-CN" altLang="en-US" dirty="0"/>
+              <a:t> </a:t>
+            </a:r>
+            <a:r>
+              <a:rPr kumimoji="1" lang="en-US" altLang="zh-CN" dirty="0"/>
+              <a:t>be</a:t>
+            </a:r>
+            <a:r>
+              <a:rPr kumimoji="1" lang="zh-CN" altLang="en-US" dirty="0"/>
+              <a:t> </a:t>
+            </a:r>
+            <a:r>
+              <a:rPr kumimoji="1" lang="en-US" altLang="zh-CN" dirty="0"/>
+              <a:t>executed</a:t>
+            </a:r>
+          </a:p>
+          <a:p>
+            <a:r>
+              <a:rPr kumimoji="1" lang="en-US" altLang="zh-CN" dirty="0"/>
+              <a:t>Same</a:t>
+            </a:r>
+            <a:r>
+              <a:rPr kumimoji="1" lang="zh-CN" altLang="en-US" dirty="0"/>
+              <a:t> </a:t>
+            </a:r>
+            <a:r>
+              <a:rPr kumimoji="1" lang="en-US" altLang="zh-CN" dirty="0"/>
+              <a:t>operations</a:t>
+            </a:r>
+            <a:r>
+              <a:rPr kumimoji="1" lang="zh-CN" altLang="en-US" dirty="0"/>
+              <a:t> </a:t>
+            </a:r>
+            <a:r>
+              <a:rPr kumimoji="1" lang="en-US" altLang="zh-CN" dirty="0"/>
+              <a:t>can</a:t>
+            </a:r>
+            <a:r>
+              <a:rPr kumimoji="1" lang="zh-CN" altLang="en-US" dirty="0"/>
+              <a:t> </a:t>
+            </a:r>
+            <a:r>
+              <a:rPr kumimoji="1" lang="en-US" altLang="zh-CN" dirty="0"/>
+              <a:t>be</a:t>
+            </a:r>
+            <a:r>
+              <a:rPr kumimoji="1" lang="zh-CN" altLang="en-US" dirty="0"/>
+              <a:t> </a:t>
+            </a:r>
+            <a:r>
+              <a:rPr kumimoji="1" lang="en-US" altLang="zh-CN" dirty="0"/>
+              <a:t>implemented</a:t>
+            </a:r>
+            <a:r>
+              <a:rPr kumimoji="1" lang="zh-CN" altLang="en-US" dirty="0"/>
+              <a:t> </a:t>
+            </a:r>
+            <a:r>
+              <a:rPr kumimoji="1" lang="en-US" altLang="zh-CN" dirty="0"/>
+              <a:t>by</a:t>
+            </a:r>
+            <a:r>
+              <a:rPr kumimoji="1" lang="zh-CN" altLang="en-US" dirty="0"/>
+              <a:t> </a:t>
+            </a:r>
+            <a:r>
+              <a:rPr kumimoji="1" lang="en-US" altLang="zh-CN" dirty="0"/>
+              <a:t>different</a:t>
+            </a:r>
+            <a:r>
+              <a:rPr kumimoji="1" lang="zh-CN" altLang="en-US" dirty="0"/>
+              <a:t> </a:t>
+            </a:r>
+            <a:r>
+              <a:rPr kumimoji="1" lang="en-US" altLang="zh-CN" dirty="0"/>
+              <a:t>classes</a:t>
+            </a:r>
+            <a:r>
+              <a:rPr kumimoji="1" lang="zh-CN" altLang="en-US" dirty="0"/>
+              <a:t> </a:t>
+            </a:r>
+            <a:r>
+              <a:rPr kumimoji="1" lang="en-US" altLang="zh-CN" dirty="0"/>
+              <a:t>(objects)</a:t>
+            </a:r>
           </a:p>
         </p:txBody>
       </p:sp>
@@ -6164,16 +13428,985 @@
             <p:ph idx="1"/>
           </p:nvPr>
         </p:nvSpPr>
-        <p:spPr/>
+        <p:spPr>
+          <a:xfrm>
+            <a:off x="152400" y="2133600"/>
+            <a:ext cx="3810000" cy="4114800"/>
+          </a:xfrm>
+        </p:spPr>
         <p:txBody>
           <a:bodyPr/>
           <a:lstStyle/>
           <a:p>
-            <a:r>
-              <a:rPr kumimoji="1" lang="en-US" altLang="zh-CN"/>
-              <a:t>???</a:t>
-            </a:r>
-            <a:endParaRPr kumimoji="1" lang="zh-CN" altLang="en-US" dirty="0"/>
+            <a:pPr marL="0" indent="0">
+              <a:buNone/>
+            </a:pPr>
+            <a:r>
+              <a:rPr kumimoji="1" lang="en-US" altLang="zh-CN" sz="2000" b="1" dirty="0">
+                <a:solidFill>
+                  <a:srgbClr val="0432FF"/>
+                </a:solidFill>
+                <a:latin typeface="Courier New" panose="02070309020205020404" pitchFamily="49" charset="0"/>
+                <a:cs typeface="Courier New" panose="02070309020205020404" pitchFamily="49" charset="0"/>
+              </a:rPr>
+              <a:t>interface</a:t>
+            </a:r>
+            <a:r>
+              <a:rPr kumimoji="1" lang="zh-CN" altLang="en-US" sz="2000" b="1" dirty="0">
+                <a:solidFill>
+                  <a:srgbClr val="0432FF"/>
+                </a:solidFill>
+                <a:latin typeface="Courier New" panose="02070309020205020404" pitchFamily="49" charset="0"/>
+                <a:cs typeface="Courier New" panose="02070309020205020404" pitchFamily="49" charset="0"/>
+              </a:rPr>
+              <a:t> </a:t>
+            </a:r>
+            <a:r>
+              <a:rPr kumimoji="1" lang="en-US" altLang="zh-CN" sz="2000" b="1" dirty="0">
+                <a:solidFill>
+                  <a:srgbClr val="0432FF"/>
+                </a:solidFill>
+                <a:latin typeface="Courier New" panose="02070309020205020404" pitchFamily="49" charset="0"/>
+                <a:cs typeface="Courier New" panose="02070309020205020404" pitchFamily="49" charset="0"/>
+              </a:rPr>
+              <a:t>J{</a:t>
+            </a:r>
+          </a:p>
+          <a:p>
+            <a:pPr marL="0" indent="0">
+              <a:buNone/>
+            </a:pPr>
+            <a:r>
+              <a:rPr kumimoji="1" lang="zh-CN" altLang="en-US" sz="2000" b="1" dirty="0">
+                <a:solidFill>
+                  <a:srgbClr val="0432FF"/>
+                </a:solidFill>
+                <a:latin typeface="Courier New" panose="02070309020205020404" pitchFamily="49" charset="0"/>
+                <a:cs typeface="Courier New" panose="02070309020205020404" pitchFamily="49" charset="0"/>
+              </a:rPr>
+              <a:t>  </a:t>
+            </a:r>
+            <a:r>
+              <a:rPr kumimoji="1" lang="en-US" altLang="zh-CN" sz="2000" b="1" dirty="0">
+                <a:solidFill>
+                  <a:srgbClr val="0432FF"/>
+                </a:solidFill>
+                <a:latin typeface="Courier New" panose="02070309020205020404" pitchFamily="49" charset="0"/>
+                <a:cs typeface="Courier New" panose="02070309020205020404" pitchFamily="49" charset="0"/>
+              </a:rPr>
+              <a:t>void</a:t>
+            </a:r>
+            <a:r>
+              <a:rPr kumimoji="1" lang="zh-CN" altLang="en-US" sz="2000" b="1" dirty="0">
+                <a:solidFill>
+                  <a:srgbClr val="0432FF"/>
+                </a:solidFill>
+                <a:latin typeface="Courier New" panose="02070309020205020404" pitchFamily="49" charset="0"/>
+                <a:cs typeface="Courier New" panose="02070309020205020404" pitchFamily="49" charset="0"/>
+              </a:rPr>
+              <a:t> </a:t>
+            </a:r>
+            <a:r>
+              <a:rPr kumimoji="1" lang="en-US" altLang="zh-CN" sz="2000" b="1" dirty="0">
+                <a:solidFill>
+                  <a:srgbClr val="0432FF"/>
+                </a:solidFill>
+                <a:latin typeface="Courier New" panose="02070309020205020404" pitchFamily="49" charset="0"/>
+                <a:cs typeface="Courier New" panose="02070309020205020404" pitchFamily="49" charset="0"/>
+              </a:rPr>
+              <a:t>foo();</a:t>
+            </a:r>
+          </a:p>
+          <a:p>
+            <a:pPr marL="0" indent="0">
+              <a:buNone/>
+            </a:pPr>
+            <a:r>
+              <a:rPr kumimoji="1" lang="en-US" altLang="zh-CN" sz="2000" b="1" dirty="0">
+                <a:solidFill>
+                  <a:srgbClr val="0432FF"/>
+                </a:solidFill>
+                <a:latin typeface="Courier New" panose="02070309020205020404" pitchFamily="49" charset="0"/>
+                <a:cs typeface="Courier New" panose="02070309020205020404" pitchFamily="49" charset="0"/>
+              </a:rPr>
+              <a:t>}</a:t>
+            </a:r>
+          </a:p>
+          <a:p>
+            <a:pPr marL="0" indent="0">
+              <a:buNone/>
+            </a:pPr>
+            <a:endParaRPr kumimoji="1" lang="en-US" altLang="zh-CN" sz="2000" b="1" dirty="0">
+              <a:solidFill>
+                <a:srgbClr val="0432FF"/>
+              </a:solidFill>
+              <a:latin typeface="Courier New" panose="02070309020205020404" pitchFamily="49" charset="0"/>
+              <a:cs typeface="Courier New" panose="02070309020205020404" pitchFamily="49" charset="0"/>
+            </a:endParaRPr>
+          </a:p>
+          <a:p>
+            <a:pPr marL="0" indent="0">
+              <a:buNone/>
+            </a:pPr>
+            <a:r>
+              <a:rPr kumimoji="1" lang="en-US" altLang="zh-CN" sz="2000" b="1" dirty="0">
+                <a:solidFill>
+                  <a:srgbClr val="0432FF"/>
+                </a:solidFill>
+                <a:latin typeface="Courier New" panose="02070309020205020404" pitchFamily="49" charset="0"/>
+                <a:cs typeface="Courier New" panose="02070309020205020404" pitchFamily="49" charset="0"/>
+              </a:rPr>
+              <a:t>class</a:t>
+            </a:r>
+            <a:r>
+              <a:rPr kumimoji="1" lang="zh-CN" altLang="en-US" sz="2000" b="1" dirty="0">
+                <a:solidFill>
+                  <a:srgbClr val="0432FF"/>
+                </a:solidFill>
+                <a:latin typeface="Courier New" panose="02070309020205020404" pitchFamily="49" charset="0"/>
+                <a:cs typeface="Courier New" panose="02070309020205020404" pitchFamily="49" charset="0"/>
+              </a:rPr>
+              <a:t> </a:t>
+            </a:r>
+            <a:r>
+              <a:rPr kumimoji="1" lang="en-US" altLang="zh-CN" sz="2000" b="1" dirty="0">
+                <a:solidFill>
+                  <a:srgbClr val="0432FF"/>
+                </a:solidFill>
+                <a:latin typeface="Courier New" panose="02070309020205020404" pitchFamily="49" charset="0"/>
+                <a:cs typeface="Courier New" panose="02070309020205020404" pitchFamily="49" charset="0"/>
+              </a:rPr>
+              <a:t>A</a:t>
+            </a:r>
+            <a:r>
+              <a:rPr kumimoji="1" lang="zh-CN" altLang="en-US" sz="2000" b="1" dirty="0">
+                <a:solidFill>
+                  <a:srgbClr val="0432FF"/>
+                </a:solidFill>
+                <a:latin typeface="Courier New" panose="02070309020205020404" pitchFamily="49" charset="0"/>
+                <a:cs typeface="Courier New" panose="02070309020205020404" pitchFamily="49" charset="0"/>
+              </a:rPr>
+              <a:t> </a:t>
+            </a:r>
+            <a:r>
+              <a:rPr kumimoji="1" lang="en-US" altLang="zh-CN" sz="2000" b="1" dirty="0">
+                <a:solidFill>
+                  <a:srgbClr val="0432FF"/>
+                </a:solidFill>
+                <a:latin typeface="Courier New" panose="02070309020205020404" pitchFamily="49" charset="0"/>
+                <a:cs typeface="Courier New" panose="02070309020205020404" pitchFamily="49" charset="0"/>
+              </a:rPr>
+              <a:t>implements</a:t>
+            </a:r>
+            <a:r>
+              <a:rPr kumimoji="1" lang="zh-CN" altLang="en-US" sz="2000" b="1" dirty="0">
+                <a:solidFill>
+                  <a:srgbClr val="0432FF"/>
+                </a:solidFill>
+                <a:latin typeface="Courier New" panose="02070309020205020404" pitchFamily="49" charset="0"/>
+                <a:cs typeface="Courier New" panose="02070309020205020404" pitchFamily="49" charset="0"/>
+              </a:rPr>
+              <a:t> </a:t>
+            </a:r>
+            <a:r>
+              <a:rPr kumimoji="1" lang="en-US" altLang="zh-CN" sz="2000" b="1" dirty="0">
+                <a:solidFill>
+                  <a:srgbClr val="0432FF"/>
+                </a:solidFill>
+                <a:latin typeface="Courier New" panose="02070309020205020404" pitchFamily="49" charset="0"/>
+                <a:cs typeface="Courier New" panose="02070309020205020404" pitchFamily="49" charset="0"/>
+              </a:rPr>
+              <a:t>J{</a:t>
+            </a:r>
+          </a:p>
+          <a:p>
+            <a:pPr marL="0" indent="0">
+              <a:buNone/>
+            </a:pPr>
+            <a:r>
+              <a:rPr kumimoji="1" lang="zh-CN" altLang="en-US" sz="2000" b="1" dirty="0">
+                <a:solidFill>
+                  <a:srgbClr val="0432FF"/>
+                </a:solidFill>
+                <a:latin typeface="Courier New" panose="02070309020205020404" pitchFamily="49" charset="0"/>
+                <a:cs typeface="Courier New" panose="02070309020205020404" pitchFamily="49" charset="0"/>
+              </a:rPr>
+              <a:t>  </a:t>
+            </a:r>
+            <a:r>
+              <a:rPr kumimoji="1" lang="en-US" altLang="zh-CN" sz="2000" b="1" dirty="0">
+                <a:solidFill>
+                  <a:srgbClr val="0432FF"/>
+                </a:solidFill>
+                <a:latin typeface="Courier New" panose="02070309020205020404" pitchFamily="49" charset="0"/>
+                <a:cs typeface="Courier New" panose="02070309020205020404" pitchFamily="49" charset="0"/>
+              </a:rPr>
+              <a:t>void</a:t>
+            </a:r>
+            <a:r>
+              <a:rPr kumimoji="1" lang="zh-CN" altLang="en-US" sz="2000" b="1" dirty="0">
+                <a:solidFill>
+                  <a:srgbClr val="0432FF"/>
+                </a:solidFill>
+                <a:latin typeface="Courier New" panose="02070309020205020404" pitchFamily="49" charset="0"/>
+                <a:cs typeface="Courier New" panose="02070309020205020404" pitchFamily="49" charset="0"/>
+              </a:rPr>
+              <a:t> </a:t>
+            </a:r>
+            <a:r>
+              <a:rPr kumimoji="1" lang="en-US" altLang="zh-CN" sz="2000" b="1" dirty="0">
+                <a:solidFill>
+                  <a:srgbClr val="0432FF"/>
+                </a:solidFill>
+                <a:latin typeface="Courier New" panose="02070309020205020404" pitchFamily="49" charset="0"/>
+                <a:cs typeface="Courier New" panose="02070309020205020404" pitchFamily="49" charset="0"/>
+              </a:rPr>
+              <a:t>foo(){…}</a:t>
+            </a:r>
+          </a:p>
+          <a:p>
+            <a:pPr marL="0" indent="0">
+              <a:buNone/>
+            </a:pPr>
+            <a:r>
+              <a:rPr kumimoji="1" lang="en-US" altLang="zh-CN" sz="2000" b="1" dirty="0">
+                <a:solidFill>
+                  <a:srgbClr val="0432FF"/>
+                </a:solidFill>
+                <a:latin typeface="Courier New" panose="02070309020205020404" pitchFamily="49" charset="0"/>
+                <a:cs typeface="Courier New" panose="02070309020205020404" pitchFamily="49" charset="0"/>
+              </a:rPr>
+              <a:t>}</a:t>
+            </a:r>
+          </a:p>
+          <a:p>
+            <a:pPr marL="0" indent="0">
+              <a:buNone/>
+            </a:pPr>
+            <a:endParaRPr kumimoji="1" lang="en-US" altLang="zh-CN" sz="2000" b="1" dirty="0">
+              <a:solidFill>
+                <a:srgbClr val="0432FF"/>
+              </a:solidFill>
+              <a:latin typeface="Courier New" panose="02070309020205020404" pitchFamily="49" charset="0"/>
+              <a:cs typeface="Courier New" panose="02070309020205020404" pitchFamily="49" charset="0"/>
+            </a:endParaRPr>
+          </a:p>
+          <a:p>
+            <a:pPr marL="0" indent="0">
+              <a:buNone/>
+            </a:pPr>
+            <a:r>
+              <a:rPr kumimoji="1" lang="en-US" altLang="zh-CN" sz="2000" b="1" dirty="0">
+                <a:solidFill>
+                  <a:srgbClr val="0432FF"/>
+                </a:solidFill>
+                <a:latin typeface="Courier New" panose="02070309020205020404" pitchFamily="49" charset="0"/>
+                <a:cs typeface="Courier New" panose="02070309020205020404" pitchFamily="49" charset="0"/>
+              </a:rPr>
+              <a:t>class</a:t>
+            </a:r>
+            <a:r>
+              <a:rPr kumimoji="1" lang="zh-CN" altLang="en-US" sz="2000" b="1" dirty="0">
+                <a:solidFill>
+                  <a:srgbClr val="0432FF"/>
+                </a:solidFill>
+                <a:latin typeface="Courier New" panose="02070309020205020404" pitchFamily="49" charset="0"/>
+                <a:cs typeface="Courier New" panose="02070309020205020404" pitchFamily="49" charset="0"/>
+              </a:rPr>
+              <a:t> </a:t>
+            </a:r>
+            <a:r>
+              <a:rPr kumimoji="1" lang="en-US" altLang="zh-CN" sz="2000" b="1" dirty="0">
+                <a:solidFill>
+                  <a:srgbClr val="0432FF"/>
+                </a:solidFill>
+                <a:latin typeface="Courier New" panose="02070309020205020404" pitchFamily="49" charset="0"/>
+                <a:cs typeface="Courier New" panose="02070309020205020404" pitchFamily="49" charset="0"/>
+              </a:rPr>
+              <a:t>B</a:t>
+            </a:r>
+            <a:r>
+              <a:rPr kumimoji="1" lang="zh-CN" altLang="en-US" sz="2000" b="1" dirty="0">
+                <a:solidFill>
+                  <a:srgbClr val="0432FF"/>
+                </a:solidFill>
+                <a:latin typeface="Courier New" panose="02070309020205020404" pitchFamily="49" charset="0"/>
+                <a:cs typeface="Courier New" panose="02070309020205020404" pitchFamily="49" charset="0"/>
+              </a:rPr>
+              <a:t> </a:t>
+            </a:r>
+            <a:r>
+              <a:rPr kumimoji="1" lang="en-US" altLang="zh-CN" sz="2000" b="1" dirty="0">
+                <a:solidFill>
+                  <a:srgbClr val="0432FF"/>
+                </a:solidFill>
+                <a:latin typeface="Courier New" panose="02070309020205020404" pitchFamily="49" charset="0"/>
+                <a:cs typeface="Courier New" panose="02070309020205020404" pitchFamily="49" charset="0"/>
+              </a:rPr>
+              <a:t>implements</a:t>
+            </a:r>
+            <a:r>
+              <a:rPr kumimoji="1" lang="zh-CN" altLang="en-US" sz="2000" b="1" dirty="0">
+                <a:solidFill>
+                  <a:srgbClr val="0432FF"/>
+                </a:solidFill>
+                <a:latin typeface="Courier New" panose="02070309020205020404" pitchFamily="49" charset="0"/>
+                <a:cs typeface="Courier New" panose="02070309020205020404" pitchFamily="49" charset="0"/>
+              </a:rPr>
+              <a:t> </a:t>
+            </a:r>
+            <a:r>
+              <a:rPr kumimoji="1" lang="en-US" altLang="zh-CN" sz="2000" b="1" dirty="0">
+                <a:solidFill>
+                  <a:srgbClr val="0432FF"/>
+                </a:solidFill>
+                <a:latin typeface="Courier New" panose="02070309020205020404" pitchFamily="49" charset="0"/>
+                <a:cs typeface="Courier New" panose="02070309020205020404" pitchFamily="49" charset="0"/>
+              </a:rPr>
+              <a:t>J{</a:t>
+            </a:r>
+          </a:p>
+          <a:p>
+            <a:pPr marL="0" indent="0">
+              <a:buNone/>
+            </a:pPr>
+            <a:r>
+              <a:rPr kumimoji="1" lang="zh-CN" altLang="en-US" sz="2000" b="1" dirty="0">
+                <a:solidFill>
+                  <a:srgbClr val="0432FF"/>
+                </a:solidFill>
+                <a:latin typeface="Courier New" panose="02070309020205020404" pitchFamily="49" charset="0"/>
+                <a:cs typeface="Courier New" panose="02070309020205020404" pitchFamily="49" charset="0"/>
+              </a:rPr>
+              <a:t>  </a:t>
+            </a:r>
+            <a:r>
+              <a:rPr kumimoji="1" lang="en-US" altLang="zh-CN" sz="2000" b="1" dirty="0">
+                <a:solidFill>
+                  <a:srgbClr val="0432FF"/>
+                </a:solidFill>
+                <a:latin typeface="Courier New" panose="02070309020205020404" pitchFamily="49" charset="0"/>
+                <a:cs typeface="Courier New" panose="02070309020205020404" pitchFamily="49" charset="0"/>
+              </a:rPr>
+              <a:t>void</a:t>
+            </a:r>
+            <a:r>
+              <a:rPr kumimoji="1" lang="zh-CN" altLang="en-US" sz="2000" b="1" dirty="0">
+                <a:solidFill>
+                  <a:srgbClr val="0432FF"/>
+                </a:solidFill>
+                <a:latin typeface="Courier New" panose="02070309020205020404" pitchFamily="49" charset="0"/>
+                <a:cs typeface="Courier New" panose="02070309020205020404" pitchFamily="49" charset="0"/>
+              </a:rPr>
+              <a:t> </a:t>
+            </a:r>
+            <a:r>
+              <a:rPr kumimoji="1" lang="en-US" altLang="zh-CN" sz="2000" b="1" dirty="0">
+                <a:solidFill>
+                  <a:srgbClr val="0432FF"/>
+                </a:solidFill>
+                <a:latin typeface="Courier New" panose="02070309020205020404" pitchFamily="49" charset="0"/>
+                <a:cs typeface="Courier New" panose="02070309020205020404" pitchFamily="49" charset="0"/>
+              </a:rPr>
+              <a:t>foo(){…}</a:t>
+            </a:r>
+          </a:p>
+          <a:p>
+            <a:pPr marL="0" indent="0">
+              <a:buNone/>
+            </a:pPr>
+            <a:r>
+              <a:rPr kumimoji="1" lang="en-US" altLang="zh-CN" sz="2000" b="1" dirty="0">
+                <a:solidFill>
+                  <a:srgbClr val="0432FF"/>
+                </a:solidFill>
+                <a:latin typeface="Courier New" panose="02070309020205020404" pitchFamily="49" charset="0"/>
+                <a:cs typeface="Courier New" panose="02070309020205020404" pitchFamily="49" charset="0"/>
+              </a:rPr>
+              <a:t>}</a:t>
+            </a:r>
+          </a:p>
+        </p:txBody>
+      </p:sp>
+      <p:sp>
+        <p:nvSpPr>
+          <p:cNvPr id="4" name="内容占位符 2">
+            <a:extLst>
+              <a:ext uri="{FF2B5EF4-FFF2-40B4-BE49-F238E27FC236}">
+                <a16:creationId xmlns:a16="http://schemas.microsoft.com/office/drawing/2014/main" id="{BE6934A1-B76D-2E46-8025-F83D641E84F9}"/>
+              </a:ext>
+            </a:extLst>
+          </p:cNvPr>
+          <p:cNvSpPr txBox="1">
+            <a:spLocks/>
+          </p:cNvSpPr>
+          <p:nvPr/>
+        </p:nvSpPr>
+        <p:spPr bwMode="auto">
+          <a:xfrm>
+            <a:off x="4572000" y="2139863"/>
+            <a:ext cx="4292763" cy="4114800"/>
+          </a:xfrm>
+          <a:prstGeom prst="rect">
+            <a:avLst/>
+          </a:prstGeom>
+          <a:noFill/>
+          <a:ln>
+            <a:noFill/>
+          </a:ln>
+          <a:effectLst/>
+          <a:extLst>
+            <a:ext uri="{909E8E84-426E-40DD-AFC4-6F175D3DCCD1}">
+              <a14:hiddenFill xmlns:a14="http://schemas.microsoft.com/office/drawing/2010/main">
+                <a:solidFill>
+                  <a:schemeClr val="accent1"/>
+                </a:solidFill>
+              </a14:hiddenFill>
+            </a:ext>
+            <a:ext uri="{91240B29-F687-4F45-9708-019B960494DF}">
+              <a14:hiddenLine xmlns:a14="http://schemas.microsoft.com/office/drawing/2010/main" w="9525">
+                <a:solidFill>
+                  <a:schemeClr val="tx1"/>
+                </a:solidFill>
+                <a:miter lim="800000"/>
+                <a:headEnd/>
+                <a:tailEnd/>
+              </a14:hiddenLine>
+            </a:ext>
+            <a:ext uri="{AF507438-7753-43E0-B8FC-AC1667EBCBE1}">
+              <a14:hiddenEffects xmlns:a14="http://schemas.microsoft.com/office/drawing/2010/main">
+                <a:effectLst>
+                  <a:outerShdw dist="35921" dir="2700000" algn="ctr" rotWithShape="0">
+                    <a:schemeClr val="bg2"/>
+                  </a:outerShdw>
+                </a:effectLst>
+              </a14:hiddenEffects>
+            </a:ext>
+          </a:extLst>
+        </p:spPr>
+        <p:txBody>
+          <a:bodyPr vert="horz" wrap="square" lIns="91440" tIns="45720" rIns="91440" bIns="45720" numCol="1" anchor="t" anchorCtr="0" compatLnSpc="1">
+            <a:prstTxWarp prst="textNoShape">
+              <a:avLst/>
+            </a:prstTxWarp>
+          </a:bodyPr>
+          <a:lstStyle>
+            <a:lvl1pPr marL="342900" indent="-342900" algn="l" rtl="0" fontAlgn="base">
+              <a:spcBef>
+                <a:spcPct val="20000"/>
+              </a:spcBef>
+              <a:spcAft>
+                <a:spcPct val="0"/>
+              </a:spcAft>
+              <a:buClr>
+                <a:schemeClr val="folHlink"/>
+              </a:buClr>
+              <a:buSzPct val="60000"/>
+              <a:buFont typeface="Wingdings" pitchFamily="2" charset="2"/>
+              <a:buChar char="n"/>
+              <a:defRPr sz="3200" kern="1200">
+                <a:solidFill>
+                  <a:schemeClr val="tx1"/>
+                </a:solidFill>
+                <a:latin typeface="+mn-lt"/>
+                <a:ea typeface="+mn-ea"/>
+                <a:cs typeface="+mn-cs"/>
+              </a:defRPr>
+            </a:lvl1pPr>
+            <a:lvl2pPr marL="742950" indent="-285750" algn="l" rtl="0" fontAlgn="base">
+              <a:spcBef>
+                <a:spcPct val="20000"/>
+              </a:spcBef>
+              <a:spcAft>
+                <a:spcPct val="0"/>
+              </a:spcAft>
+              <a:buClr>
+                <a:schemeClr val="hlink"/>
+              </a:buClr>
+              <a:buSzPct val="55000"/>
+              <a:buFont typeface="Wingdings" pitchFamily="2" charset="2"/>
+              <a:buChar char="n"/>
+              <a:defRPr sz="2800" kern="1200">
+                <a:solidFill>
+                  <a:schemeClr val="tx1"/>
+                </a:solidFill>
+                <a:latin typeface="+mn-lt"/>
+                <a:ea typeface="+mn-ea"/>
+                <a:cs typeface="+mn-cs"/>
+              </a:defRPr>
+            </a:lvl2pPr>
+            <a:lvl3pPr marL="1143000" indent="-228600" algn="l" rtl="0" fontAlgn="base">
+              <a:spcBef>
+                <a:spcPct val="20000"/>
+              </a:spcBef>
+              <a:spcAft>
+                <a:spcPct val="0"/>
+              </a:spcAft>
+              <a:buClr>
+                <a:schemeClr val="folHlink"/>
+              </a:buClr>
+              <a:buSzPct val="50000"/>
+              <a:buFont typeface="Wingdings" pitchFamily="2" charset="2"/>
+              <a:buChar char="n"/>
+              <a:defRPr sz="2400" kern="1200">
+                <a:solidFill>
+                  <a:schemeClr val="tx1"/>
+                </a:solidFill>
+                <a:latin typeface="+mn-lt"/>
+                <a:ea typeface="+mn-ea"/>
+                <a:cs typeface="+mn-cs"/>
+              </a:defRPr>
+            </a:lvl3pPr>
+            <a:lvl4pPr marL="1600200" indent="-228600" algn="l" rtl="0" fontAlgn="base">
+              <a:spcBef>
+                <a:spcPct val="20000"/>
+              </a:spcBef>
+              <a:spcAft>
+                <a:spcPct val="0"/>
+              </a:spcAft>
+              <a:buClr>
+                <a:schemeClr val="accent2"/>
+              </a:buClr>
+              <a:buSzPct val="55000"/>
+              <a:buFont typeface="Wingdings" pitchFamily="2" charset="2"/>
+              <a:buChar char="n"/>
+              <a:defRPr sz="2000" kern="1200">
+                <a:solidFill>
+                  <a:schemeClr val="tx1"/>
+                </a:solidFill>
+                <a:latin typeface="+mn-lt"/>
+                <a:ea typeface="+mn-ea"/>
+                <a:cs typeface="+mn-cs"/>
+              </a:defRPr>
+            </a:lvl4pPr>
+            <a:lvl5pPr marL="2057400" indent="-228600" algn="l" rtl="0" fontAlgn="base">
+              <a:spcBef>
+                <a:spcPct val="20000"/>
+              </a:spcBef>
+              <a:spcAft>
+                <a:spcPct val="0"/>
+              </a:spcAft>
+              <a:buClr>
+                <a:schemeClr val="accent1"/>
+              </a:buClr>
+              <a:buSzPct val="50000"/>
+              <a:buFont typeface="Wingdings" pitchFamily="2" charset="2"/>
+              <a:buChar char="n"/>
+              <a:defRPr sz="2000" kern="1200">
+                <a:solidFill>
+                  <a:schemeClr val="tx1"/>
+                </a:solidFill>
+                <a:latin typeface="+mn-lt"/>
+                <a:ea typeface="+mn-ea"/>
+                <a:cs typeface="+mn-cs"/>
+              </a:defRPr>
+            </a:lvl5pPr>
+            <a:lvl6pPr marL="2514600" indent="-228600" algn="l" defTabSz="914400" rtl="0" eaLnBrk="1" latinLnBrk="0" hangingPunct="1">
+              <a:lnSpc>
+                <a:spcPct val="90000"/>
+              </a:lnSpc>
+              <a:spcBef>
+                <a:spcPts val="500"/>
+              </a:spcBef>
+              <a:buFont typeface="Arial" panose="020B0604020202020204" pitchFamily="34" charset="0"/>
+              <a:buChar char="•"/>
+              <a:defRPr sz="1800" kern="1200">
+                <a:solidFill>
+                  <a:schemeClr val="tx1"/>
+                </a:solidFill>
+                <a:latin typeface="+mn-lt"/>
+                <a:ea typeface="+mn-ea"/>
+                <a:cs typeface="+mn-cs"/>
+              </a:defRPr>
+            </a:lvl6pPr>
+            <a:lvl7pPr marL="2971800" indent="-228600" algn="l" defTabSz="914400" rtl="0" eaLnBrk="1" latinLnBrk="0" hangingPunct="1">
+              <a:lnSpc>
+                <a:spcPct val="90000"/>
+              </a:lnSpc>
+              <a:spcBef>
+                <a:spcPts val="500"/>
+              </a:spcBef>
+              <a:buFont typeface="Arial" panose="020B0604020202020204" pitchFamily="34" charset="0"/>
+              <a:buChar char="•"/>
+              <a:defRPr sz="1800" kern="1200">
+                <a:solidFill>
+                  <a:schemeClr val="tx1"/>
+                </a:solidFill>
+                <a:latin typeface="+mn-lt"/>
+                <a:ea typeface="+mn-ea"/>
+                <a:cs typeface="+mn-cs"/>
+              </a:defRPr>
+            </a:lvl7pPr>
+            <a:lvl8pPr marL="3429000" indent="-228600" algn="l" defTabSz="914400" rtl="0" eaLnBrk="1" latinLnBrk="0" hangingPunct="1">
+              <a:lnSpc>
+                <a:spcPct val="90000"/>
+              </a:lnSpc>
+              <a:spcBef>
+                <a:spcPts val="500"/>
+              </a:spcBef>
+              <a:buFont typeface="Arial" panose="020B0604020202020204" pitchFamily="34" charset="0"/>
+              <a:buChar char="•"/>
+              <a:defRPr sz="1800" kern="1200">
+                <a:solidFill>
+                  <a:schemeClr val="tx1"/>
+                </a:solidFill>
+                <a:latin typeface="+mn-lt"/>
+                <a:ea typeface="+mn-ea"/>
+                <a:cs typeface="+mn-cs"/>
+              </a:defRPr>
+            </a:lvl8pPr>
+            <a:lvl9pPr marL="3886200" indent="-228600" algn="l" defTabSz="914400" rtl="0" eaLnBrk="1" latinLnBrk="0" hangingPunct="1">
+              <a:lnSpc>
+                <a:spcPct val="90000"/>
+              </a:lnSpc>
+              <a:spcBef>
+                <a:spcPts val="500"/>
+              </a:spcBef>
+              <a:buFont typeface="Arial" panose="020B0604020202020204" pitchFamily="34" charset="0"/>
+              <a:buChar char="•"/>
+              <a:defRPr sz="1800" kern="1200">
+                <a:solidFill>
+                  <a:schemeClr val="tx1"/>
+                </a:solidFill>
+                <a:latin typeface="+mn-lt"/>
+                <a:ea typeface="+mn-ea"/>
+                <a:cs typeface="+mn-cs"/>
+              </a:defRPr>
+            </a:lvl9pPr>
+          </a:lstStyle>
+          <a:p>
+            <a:pPr marL="0" indent="0">
+              <a:buFont typeface="Wingdings" pitchFamily="2" charset="2"/>
+              <a:buNone/>
+            </a:pPr>
+            <a:r>
+              <a:rPr kumimoji="1" lang="en-US" altLang="zh-CN" sz="2000" b="1" dirty="0">
+                <a:solidFill>
+                  <a:srgbClr val="0432FF"/>
+                </a:solidFill>
+                <a:latin typeface="Courier New" panose="02070309020205020404" pitchFamily="49" charset="0"/>
+                <a:cs typeface="Courier New" panose="02070309020205020404" pitchFamily="49" charset="0"/>
+              </a:rPr>
+              <a:t>void</a:t>
+            </a:r>
+            <a:r>
+              <a:rPr kumimoji="1" lang="zh-CN" altLang="en-US" sz="2000" b="1" dirty="0">
+                <a:solidFill>
+                  <a:srgbClr val="0432FF"/>
+                </a:solidFill>
+                <a:latin typeface="Courier New" panose="02070309020205020404" pitchFamily="49" charset="0"/>
+                <a:cs typeface="Courier New" panose="02070309020205020404" pitchFamily="49" charset="0"/>
+              </a:rPr>
+              <a:t> </a:t>
+            </a:r>
+            <a:r>
+              <a:rPr kumimoji="1" lang="en-US" altLang="zh-CN" sz="2000" b="1" dirty="0">
+                <a:solidFill>
+                  <a:srgbClr val="0432FF"/>
+                </a:solidFill>
+                <a:latin typeface="Courier New" panose="02070309020205020404" pitchFamily="49" charset="0"/>
+                <a:cs typeface="Courier New" panose="02070309020205020404" pitchFamily="49" charset="0"/>
+              </a:rPr>
+              <a:t>f(J</a:t>
+            </a:r>
+            <a:r>
+              <a:rPr kumimoji="1" lang="zh-CN" altLang="en-US" sz="2000" b="1" dirty="0">
+                <a:solidFill>
+                  <a:srgbClr val="0432FF"/>
+                </a:solidFill>
+                <a:latin typeface="Courier New" panose="02070309020205020404" pitchFamily="49" charset="0"/>
+                <a:cs typeface="Courier New" panose="02070309020205020404" pitchFamily="49" charset="0"/>
+              </a:rPr>
+              <a:t> </a:t>
+            </a:r>
+            <a:r>
+              <a:rPr kumimoji="1" lang="en-US" altLang="zh-CN" sz="2000" b="1" dirty="0">
+                <a:solidFill>
+                  <a:srgbClr val="0432FF"/>
+                </a:solidFill>
+                <a:latin typeface="Courier New" panose="02070309020205020404" pitchFamily="49" charset="0"/>
+                <a:cs typeface="Courier New" panose="02070309020205020404" pitchFamily="49" charset="0"/>
+              </a:rPr>
+              <a:t>obj){</a:t>
+            </a:r>
+          </a:p>
+          <a:p>
+            <a:pPr marL="0" indent="0">
+              <a:buFont typeface="Wingdings" pitchFamily="2" charset="2"/>
+              <a:buNone/>
+            </a:pPr>
+            <a:r>
+              <a:rPr kumimoji="1" lang="zh-CN" altLang="en-US" sz="2000" b="1" dirty="0">
+                <a:latin typeface="Courier New" panose="02070309020205020404" pitchFamily="49" charset="0"/>
+                <a:cs typeface="Courier New" panose="02070309020205020404" pitchFamily="49" charset="0"/>
+              </a:rPr>
+              <a:t>  </a:t>
+            </a:r>
+            <a:r>
+              <a:rPr kumimoji="1" lang="en-US" altLang="zh-CN" sz="2000" b="1" dirty="0">
+                <a:latin typeface="Courier New" panose="02070309020205020404" pitchFamily="49" charset="0"/>
+                <a:cs typeface="Courier New" panose="02070309020205020404" pitchFamily="49" charset="0"/>
+              </a:rPr>
+              <a:t>//</a:t>
+            </a:r>
+            <a:r>
+              <a:rPr kumimoji="1" lang="zh-CN" altLang="en-US" sz="2000" b="1" dirty="0">
+                <a:latin typeface="Courier New" panose="02070309020205020404" pitchFamily="49" charset="0"/>
+                <a:cs typeface="Courier New" panose="02070309020205020404" pitchFamily="49" charset="0"/>
+              </a:rPr>
+              <a:t> </a:t>
+            </a:r>
+            <a:r>
+              <a:rPr kumimoji="1" lang="en-US" altLang="zh-CN" sz="2000" b="1" dirty="0">
+                <a:latin typeface="Courier New" panose="02070309020205020404" pitchFamily="49" charset="0"/>
+                <a:cs typeface="Courier New" panose="02070309020205020404" pitchFamily="49" charset="0"/>
+              </a:rPr>
+              <a:t>which</a:t>
+            </a:r>
+            <a:r>
+              <a:rPr kumimoji="1" lang="zh-CN" altLang="en-US" sz="2000" b="1" dirty="0">
+                <a:latin typeface="Courier New" panose="02070309020205020404" pitchFamily="49" charset="0"/>
+                <a:cs typeface="Courier New" panose="02070309020205020404" pitchFamily="49" charset="0"/>
+              </a:rPr>
+              <a:t> </a:t>
+            </a:r>
+            <a:r>
+              <a:rPr kumimoji="1" lang="en-US" altLang="zh-CN" sz="2000" b="1" dirty="0">
+                <a:latin typeface="Courier New" panose="02070309020205020404" pitchFamily="49" charset="0"/>
+                <a:cs typeface="Courier New" panose="02070309020205020404" pitchFamily="49" charset="0"/>
+              </a:rPr>
+              <a:t>foo()?</a:t>
+            </a:r>
+          </a:p>
+          <a:p>
+            <a:pPr marL="0" indent="0">
+              <a:buFont typeface="Wingdings" pitchFamily="2" charset="2"/>
+              <a:buNone/>
+            </a:pPr>
+            <a:r>
+              <a:rPr kumimoji="1" lang="zh-CN" altLang="en-US" sz="2000" b="1" dirty="0">
+                <a:solidFill>
+                  <a:srgbClr val="0432FF"/>
+                </a:solidFill>
+                <a:latin typeface="Courier New" panose="02070309020205020404" pitchFamily="49" charset="0"/>
+                <a:cs typeface="Courier New" panose="02070309020205020404" pitchFamily="49" charset="0"/>
+              </a:rPr>
+              <a:t>  </a:t>
+            </a:r>
+            <a:r>
+              <a:rPr kumimoji="1" lang="en-US" altLang="zh-CN" sz="2000" b="1" dirty="0" err="1">
+                <a:solidFill>
+                  <a:srgbClr val="0432FF"/>
+                </a:solidFill>
+                <a:latin typeface="Courier New" panose="02070309020205020404" pitchFamily="49" charset="0"/>
+                <a:cs typeface="Courier New" panose="02070309020205020404" pitchFamily="49" charset="0"/>
+              </a:rPr>
+              <a:t>obj.foo</a:t>
+            </a:r>
+            <a:r>
+              <a:rPr kumimoji="1" lang="en-US" altLang="zh-CN" sz="2000" b="1" dirty="0">
+                <a:solidFill>
+                  <a:srgbClr val="0432FF"/>
+                </a:solidFill>
+                <a:latin typeface="Courier New" panose="02070309020205020404" pitchFamily="49" charset="0"/>
+                <a:cs typeface="Courier New" panose="02070309020205020404" pitchFamily="49" charset="0"/>
+              </a:rPr>
+              <a:t>();</a:t>
+            </a:r>
+          </a:p>
+          <a:p>
+            <a:pPr marL="0" indent="0">
+              <a:buFont typeface="Wingdings" pitchFamily="2" charset="2"/>
+              <a:buNone/>
+            </a:pPr>
+            <a:r>
+              <a:rPr kumimoji="1" lang="en-US" altLang="zh-CN" sz="2000" b="1" dirty="0">
+                <a:solidFill>
+                  <a:srgbClr val="0432FF"/>
+                </a:solidFill>
+                <a:latin typeface="Courier New" panose="02070309020205020404" pitchFamily="49" charset="0"/>
+                <a:cs typeface="Courier New" panose="02070309020205020404" pitchFamily="49" charset="0"/>
+              </a:rPr>
+              <a:t>}</a:t>
+            </a:r>
+          </a:p>
+          <a:p>
+            <a:pPr marL="0" indent="0">
+              <a:buFont typeface="Wingdings" pitchFamily="2" charset="2"/>
+              <a:buNone/>
+            </a:pPr>
+            <a:endParaRPr kumimoji="1" lang="en-US" altLang="zh-CN" sz="2000" b="1" dirty="0">
+              <a:solidFill>
+                <a:srgbClr val="0432FF"/>
+              </a:solidFill>
+              <a:latin typeface="Courier New" panose="02070309020205020404" pitchFamily="49" charset="0"/>
+              <a:cs typeface="Courier New" panose="02070309020205020404" pitchFamily="49" charset="0"/>
+            </a:endParaRPr>
+          </a:p>
+          <a:p>
+            <a:pPr marL="0" indent="0">
+              <a:buFont typeface="Wingdings" pitchFamily="2" charset="2"/>
+              <a:buNone/>
+            </a:pPr>
+            <a:r>
+              <a:rPr kumimoji="1" lang="en-US" altLang="zh-CN" sz="2000" b="1" dirty="0">
+                <a:latin typeface="Courier New" panose="02070309020205020404" pitchFamily="49" charset="0"/>
+                <a:cs typeface="Courier New" panose="02070309020205020404" pitchFamily="49" charset="0"/>
+              </a:rPr>
+              <a:t>//</a:t>
+            </a:r>
+            <a:r>
+              <a:rPr kumimoji="1" lang="zh-CN" altLang="en-US" sz="2000" b="1" dirty="0">
+                <a:latin typeface="Courier New" panose="02070309020205020404" pitchFamily="49" charset="0"/>
+                <a:cs typeface="Courier New" panose="02070309020205020404" pitchFamily="49" charset="0"/>
+              </a:rPr>
+              <a:t> </a:t>
+            </a:r>
+            <a:r>
+              <a:rPr kumimoji="1" lang="en-US" altLang="zh-CN" sz="2000" b="1" dirty="0">
+                <a:latin typeface="Courier New" panose="02070309020205020404" pitchFamily="49" charset="0"/>
+                <a:cs typeface="Courier New" panose="02070309020205020404" pitchFamily="49" charset="0"/>
+              </a:rPr>
+              <a:t>1.</a:t>
+            </a:r>
+            <a:r>
+              <a:rPr kumimoji="1" lang="zh-CN" altLang="en-US" sz="2000" b="1" dirty="0">
+                <a:latin typeface="Courier New" panose="02070309020205020404" pitchFamily="49" charset="0"/>
+                <a:cs typeface="Courier New" panose="02070309020205020404" pitchFamily="49" charset="0"/>
+              </a:rPr>
+              <a:t> </a:t>
+            </a:r>
+            <a:r>
+              <a:rPr kumimoji="1" lang="en-US" altLang="zh-CN" sz="2000" b="1" dirty="0">
+                <a:latin typeface="Courier New" panose="02070309020205020404" pitchFamily="49" charset="0"/>
+                <a:cs typeface="Courier New" panose="02070309020205020404" pitchFamily="49" charset="0"/>
+              </a:rPr>
+              <a:t>interface</a:t>
+            </a:r>
+            <a:r>
+              <a:rPr kumimoji="1" lang="zh-CN" altLang="en-US" sz="2000" b="1" dirty="0">
+                <a:latin typeface="Courier New" panose="02070309020205020404" pitchFamily="49" charset="0"/>
+                <a:cs typeface="Courier New" panose="02070309020205020404" pitchFamily="49" charset="0"/>
+              </a:rPr>
+              <a:t> </a:t>
+            </a:r>
+            <a:r>
+              <a:rPr kumimoji="1" lang="en-US" altLang="zh-CN" sz="2000" b="1" dirty="0">
+                <a:latin typeface="Courier New" panose="02070309020205020404" pitchFamily="49" charset="0"/>
+                <a:cs typeface="Courier New" panose="02070309020205020404" pitchFamily="49" charset="0"/>
+              </a:rPr>
+              <a:t>invoke</a:t>
+            </a:r>
+          </a:p>
+          <a:p>
+            <a:pPr marL="0" indent="0">
+              <a:buFont typeface="Wingdings" pitchFamily="2" charset="2"/>
+              <a:buNone/>
+            </a:pPr>
+            <a:r>
+              <a:rPr kumimoji="1" lang="en-US" altLang="zh-CN" sz="2000" b="1" dirty="0">
+                <a:latin typeface="Courier New" panose="02070309020205020404" pitchFamily="49" charset="0"/>
+                <a:cs typeface="Courier New" panose="02070309020205020404" pitchFamily="49" charset="0"/>
+              </a:rPr>
+              <a:t>//</a:t>
+            </a:r>
+            <a:r>
+              <a:rPr kumimoji="1" lang="zh-CN" altLang="en-US" sz="2000" b="1" dirty="0">
+                <a:latin typeface="Courier New" panose="02070309020205020404" pitchFamily="49" charset="0"/>
+                <a:cs typeface="Courier New" panose="02070309020205020404" pitchFamily="49" charset="0"/>
+              </a:rPr>
+              <a:t> </a:t>
+            </a:r>
+            <a:r>
+              <a:rPr kumimoji="1" lang="en-US" altLang="zh-CN" sz="2000" b="1" dirty="0">
+                <a:latin typeface="Courier New" panose="02070309020205020404" pitchFamily="49" charset="0"/>
+                <a:cs typeface="Courier New" panose="02070309020205020404" pitchFamily="49" charset="0"/>
+              </a:rPr>
+              <a:t>2.</a:t>
+            </a:r>
+            <a:r>
+              <a:rPr kumimoji="1" lang="zh-CN" altLang="en-US" sz="2000" b="1" dirty="0">
+                <a:latin typeface="Courier New" panose="02070309020205020404" pitchFamily="49" charset="0"/>
+                <a:cs typeface="Courier New" panose="02070309020205020404" pitchFamily="49" charset="0"/>
+              </a:rPr>
+              <a:t> </a:t>
+            </a:r>
+            <a:r>
+              <a:rPr kumimoji="1" lang="en-US" altLang="zh-CN" sz="2000" b="1" dirty="0">
+                <a:latin typeface="Courier New" panose="02070309020205020404" pitchFamily="49" charset="0"/>
+                <a:cs typeface="Courier New" panose="02070309020205020404" pitchFamily="49" charset="0"/>
+              </a:rPr>
+              <a:t>dynamic</a:t>
+            </a:r>
+            <a:r>
+              <a:rPr kumimoji="1" lang="zh-CN" altLang="en-US" sz="2000" b="1" dirty="0">
+                <a:latin typeface="Courier New" panose="02070309020205020404" pitchFamily="49" charset="0"/>
+                <a:cs typeface="Courier New" panose="02070309020205020404" pitchFamily="49" charset="0"/>
+              </a:rPr>
+              <a:t> </a:t>
+            </a:r>
+            <a:r>
+              <a:rPr kumimoji="1" lang="en-US" altLang="zh-CN" sz="2000" b="1" dirty="0">
+                <a:latin typeface="Courier New" panose="02070309020205020404" pitchFamily="49" charset="0"/>
+                <a:cs typeface="Courier New" panose="02070309020205020404" pitchFamily="49" charset="0"/>
+              </a:rPr>
+              <a:t>dispatch</a:t>
+            </a:r>
+          </a:p>
+          <a:p>
+            <a:pPr marL="0" indent="0">
+              <a:buFont typeface="Wingdings" pitchFamily="2" charset="2"/>
+              <a:buNone/>
+            </a:pPr>
+            <a:r>
+              <a:rPr kumimoji="1" lang="en-US" altLang="zh-CN" sz="2000" b="1" dirty="0">
+                <a:latin typeface="Courier New" panose="02070309020205020404" pitchFamily="49" charset="0"/>
+                <a:cs typeface="Courier New" panose="02070309020205020404" pitchFamily="49" charset="0"/>
+              </a:rPr>
+              <a:t>//</a:t>
+            </a:r>
+            <a:r>
+              <a:rPr kumimoji="1" lang="zh-CN" altLang="en-US" sz="2000" b="1" dirty="0">
+                <a:latin typeface="Courier New" panose="02070309020205020404" pitchFamily="49" charset="0"/>
+                <a:cs typeface="Courier New" panose="02070309020205020404" pitchFamily="49" charset="0"/>
+              </a:rPr>
+              <a:t> </a:t>
+            </a:r>
+            <a:r>
+              <a:rPr kumimoji="1" lang="en-US" altLang="zh-CN" sz="2000" b="1" dirty="0">
+                <a:latin typeface="Courier New" panose="02070309020205020404" pitchFamily="49" charset="0"/>
+                <a:cs typeface="Courier New" panose="02070309020205020404" pitchFamily="49" charset="0"/>
+              </a:rPr>
+              <a:t>3.</a:t>
+            </a:r>
+            <a:r>
+              <a:rPr kumimoji="1" lang="zh-CN" altLang="en-US" sz="2000" b="1" dirty="0">
+                <a:latin typeface="Courier New" panose="02070309020205020404" pitchFamily="49" charset="0"/>
+                <a:cs typeface="Courier New" panose="02070309020205020404" pitchFamily="49" charset="0"/>
+              </a:rPr>
+              <a:t> </a:t>
+            </a:r>
+            <a:r>
+              <a:rPr kumimoji="1" lang="en-US" altLang="zh-CN" sz="2000" b="1" dirty="0">
+                <a:latin typeface="Courier New" panose="02070309020205020404" pitchFamily="49" charset="0"/>
+                <a:cs typeface="Courier New" panose="02070309020205020404" pitchFamily="49" charset="0"/>
+              </a:rPr>
+              <a:t>performance</a:t>
+            </a:r>
+            <a:r>
+              <a:rPr kumimoji="1" lang="zh-CN" altLang="en-US" sz="2000" b="1" dirty="0">
+                <a:latin typeface="Courier New" panose="02070309020205020404" pitchFamily="49" charset="0"/>
+                <a:cs typeface="Courier New" panose="02070309020205020404" pitchFamily="49" charset="0"/>
+              </a:rPr>
+              <a:t> </a:t>
+            </a:r>
+            <a:r>
+              <a:rPr kumimoji="1" lang="en-US" altLang="zh-CN" sz="2000" b="1" dirty="0">
+                <a:latin typeface="Courier New" panose="02070309020205020404" pitchFamily="49" charset="0"/>
+                <a:cs typeface="Courier New" panose="02070309020205020404" pitchFamily="49" charset="0"/>
+              </a:rPr>
+              <a:t>penalty</a:t>
+            </a:r>
           </a:p>
         </p:txBody>
       </p:sp>
@@ -6212,7 +14445,7 @@
           <p:cNvPr id="2" name="标题 1">
             <a:extLst>
               <a:ext uri="{FF2B5EF4-FFF2-40B4-BE49-F238E27FC236}">
-                <a16:creationId xmlns:a16="http://schemas.microsoft.com/office/drawing/2014/main" id="{91A7BC32-210A-B647-A3FC-FBFCA80FC6BA}"/>
+                <a16:creationId xmlns:a16="http://schemas.microsoft.com/office/drawing/2014/main" id="{0A75F11F-C78A-904E-AB8C-72A70AF2A0A3}"/>
               </a:ext>
             </a:extLst>
           </p:cNvPr>
@@ -6230,9 +14463,8 @@
           <a:p>
             <a:r>
               <a:rPr kumimoji="1" lang="en-US" altLang="zh-CN" dirty="0"/>
-              <a:t>Summary</a:t>
-            </a:r>
-            <a:endParaRPr kumimoji="1" lang="zh-CN" altLang="en-US" dirty="0"/>
+              <a:t>Encapsulation</a:t>
+            </a:r>
           </a:p>
         </p:txBody>
       </p:sp>
@@ -6241,7 +14473,7 @@
           <p:cNvPr id="3" name="内容占位符 2">
             <a:extLst>
               <a:ext uri="{FF2B5EF4-FFF2-40B4-BE49-F238E27FC236}">
-                <a16:creationId xmlns:a16="http://schemas.microsoft.com/office/drawing/2014/main" id="{55A1BAFE-BD59-DA43-AA9F-E62E3841C011}"/>
+                <a16:creationId xmlns:a16="http://schemas.microsoft.com/office/drawing/2014/main" id="{89440B6A-6E75-1444-8401-F897E1580908}"/>
               </a:ext>
             </a:extLst>
           </p:cNvPr>
@@ -6259,7 +14491,55 @@
           <a:p>
             <a:r>
               <a:rPr kumimoji="1" lang="en-US" altLang="zh-CN" dirty="0"/>
-              <a:t>Imperative</a:t>
+              <a:t>Objects’</a:t>
+            </a:r>
+            <a:r>
+              <a:rPr kumimoji="1" lang="zh-CN" altLang="en-US" dirty="0"/>
+              <a:t> </a:t>
+            </a:r>
+            <a:r>
+              <a:rPr kumimoji="1" lang="en-US" altLang="zh-CN" dirty="0"/>
+              <a:t>states</a:t>
+            </a:r>
+            <a:r>
+              <a:rPr kumimoji="1" lang="zh-CN" altLang="en-US" dirty="0"/>
+              <a:t> </a:t>
+            </a:r>
+            <a:r>
+              <a:rPr kumimoji="1" lang="en-US" altLang="zh-CN" dirty="0"/>
+              <a:t>are</a:t>
+            </a:r>
+            <a:r>
+              <a:rPr kumimoji="1" lang="zh-CN" altLang="en-US" dirty="0"/>
+              <a:t> </a:t>
+            </a:r>
+            <a:r>
+              <a:rPr kumimoji="1" lang="en-US" altLang="zh-CN" dirty="0"/>
+              <a:t>hidden</a:t>
+            </a:r>
+            <a:r>
+              <a:rPr kumimoji="1" lang="zh-CN" altLang="en-US" dirty="0"/>
+              <a:t> </a:t>
+            </a:r>
+            <a:r>
+              <a:rPr kumimoji="1" lang="en-US" altLang="zh-CN" dirty="0"/>
+              <a:t>from</a:t>
+            </a:r>
+            <a:r>
+              <a:rPr kumimoji="1" lang="zh-CN" altLang="en-US" dirty="0"/>
+              <a:t> </a:t>
+            </a:r>
+            <a:r>
+              <a:rPr kumimoji="1" lang="en-US" altLang="zh-CN" dirty="0"/>
+              <a:t>outside</a:t>
+            </a:r>
+            <a:r>
+              <a:rPr kumimoji="1" lang="zh-CN" altLang="en-US" dirty="0"/>
+              <a:t> </a:t>
+            </a:r>
+            <a:r>
+              <a:rPr kumimoji="1" lang="en-US" altLang="zh-CN" dirty="0"/>
+              <a:t>of</a:t>
             </a:r>
             <a:r>
               <a:rPr kumimoji="1" lang="zh-CN" altLang="en-US" dirty="0"/>
@@ -6269,160 +14549,121 @@
               <a:rPr kumimoji="1" lang="en-US" altLang="zh-CN" dirty="0"/>
               <a:t>objects</a:t>
             </a:r>
-          </a:p>
-          <a:p>
-            <a:pPr lvl="1"/>
-            <a:r>
-              <a:rPr kumimoji="1" lang="en-US" altLang="zh-CN" dirty="0"/>
-              <a:t>Simulate</a:t>
-            </a:r>
-            <a:r>
-              <a:rPr kumimoji="1" lang="zh-CN" altLang="en-US" dirty="0"/>
-              <a:t> </a:t>
-            </a:r>
-            <a:r>
-              <a:rPr kumimoji="1" lang="en-US" altLang="zh-CN" dirty="0"/>
-              <a:t>OOP</a:t>
-            </a:r>
-            <a:r>
-              <a:rPr kumimoji="1" lang="zh-CN" altLang="en-US" dirty="0"/>
-              <a:t> </a:t>
-            </a:r>
-            <a:r>
-              <a:rPr kumimoji="1" lang="en-US" altLang="zh-CN" dirty="0"/>
-              <a:t>using</a:t>
-            </a:r>
-            <a:r>
-              <a:rPr kumimoji="1" lang="zh-CN" altLang="en-US" dirty="0"/>
-              <a:t> </a:t>
-            </a:r>
-            <a:r>
-              <a:rPr kumimoji="1" lang="en-US" altLang="zh-CN" dirty="0"/>
-              <a:t>functional</a:t>
-            </a:r>
-            <a:r>
-              <a:rPr kumimoji="1" lang="zh-CN" altLang="en-US" dirty="0"/>
-              <a:t> </a:t>
-            </a:r>
-            <a:r>
-              <a:rPr kumimoji="1" lang="en-US" altLang="zh-CN" dirty="0"/>
-              <a:t>languages</a:t>
-            </a:r>
-            <a:r>
-              <a:rPr kumimoji="1" lang="zh-CN" altLang="en-US" dirty="0"/>
-              <a:t> </a:t>
-            </a:r>
-            <a:r>
-              <a:rPr kumimoji="1" lang="en-US" altLang="zh-CN" dirty="0"/>
-              <a:t>(with</a:t>
-            </a:r>
-            <a:r>
-              <a:rPr kumimoji="1" lang="zh-CN" altLang="en-US" dirty="0"/>
-              <a:t> </a:t>
-            </a:r>
-            <a:r>
-              <a:rPr kumimoji="1" lang="en-US" altLang="zh-CN" dirty="0"/>
-              <a:t>imperative</a:t>
-            </a:r>
-            <a:r>
-              <a:rPr kumimoji="1" lang="zh-CN" altLang="en-US" dirty="0"/>
-              <a:t> </a:t>
-            </a:r>
-            <a:r>
-              <a:rPr kumimoji="1" lang="en-US" altLang="zh-CN" dirty="0"/>
-              <a:t>features)</a:t>
-            </a:r>
-          </a:p>
-          <a:p>
-            <a:r>
-              <a:rPr kumimoji="1" lang="en-US" altLang="zh-CN" dirty="0"/>
-              <a:t>Mostly</a:t>
-            </a:r>
-            <a:r>
-              <a:rPr kumimoji="1" lang="zh-CN" altLang="en-US" dirty="0"/>
-              <a:t> </a:t>
-            </a:r>
-            <a:r>
-              <a:rPr kumimoji="1" lang="en-US" altLang="zh-CN" dirty="0"/>
-              <a:t>satisfying</a:t>
-            </a:r>
-          </a:p>
-          <a:p>
-            <a:pPr lvl="1"/>
-            <a:r>
-              <a:rPr kumimoji="1" lang="en-US" altLang="zh-CN" dirty="0"/>
-              <a:t>except</a:t>
-            </a:r>
-            <a:r>
-              <a:rPr kumimoji="1" lang="zh-CN" altLang="en-US" dirty="0"/>
-              <a:t> </a:t>
-            </a:r>
-            <a:r>
-              <a:rPr kumimoji="1" lang="en-US" altLang="zh-CN" dirty="0"/>
-              <a:t>for</a:t>
-            </a:r>
-            <a:r>
-              <a:rPr kumimoji="1" lang="zh-CN" altLang="en-US" dirty="0"/>
-              <a:t> </a:t>
-            </a:r>
-            <a:r>
-              <a:rPr kumimoji="1" lang="en-US" altLang="zh-CN" dirty="0"/>
-              <a:t>some</a:t>
-            </a:r>
-            <a:r>
-              <a:rPr kumimoji="1" lang="zh-CN" altLang="en-US" dirty="0"/>
-              <a:t> </a:t>
-            </a:r>
-            <a:r>
-              <a:rPr kumimoji="1" lang="en-US" altLang="zh-CN" dirty="0"/>
-              <a:t>features</a:t>
-            </a:r>
-          </a:p>
-          <a:p>
-            <a:pPr lvl="1"/>
-            <a:r>
-              <a:rPr kumimoji="1" lang="en-US" altLang="zh-CN" dirty="0"/>
-              <a:t>will</a:t>
-            </a:r>
-            <a:r>
-              <a:rPr kumimoji="1" lang="zh-CN" altLang="en-US" dirty="0"/>
-              <a:t> </a:t>
-            </a:r>
-            <a:r>
-              <a:rPr kumimoji="1" lang="en-US" altLang="zh-CN" dirty="0"/>
-              <a:t>discuss</a:t>
-            </a:r>
-            <a:r>
-              <a:rPr kumimoji="1" lang="zh-CN" altLang="en-US" dirty="0"/>
-              <a:t> </a:t>
-            </a:r>
-            <a:r>
-              <a:rPr kumimoji="1" lang="en-US" altLang="zh-CN" dirty="0"/>
-              <a:t>a</a:t>
-            </a:r>
-            <a:r>
-              <a:rPr kumimoji="1" lang="zh-CN" altLang="en-US" dirty="0"/>
-              <a:t> </a:t>
-            </a:r>
-            <a:r>
-              <a:rPr kumimoji="1" lang="en-US" altLang="zh-CN" dirty="0"/>
-              <a:t>more</a:t>
-            </a:r>
-            <a:r>
-              <a:rPr kumimoji="1" lang="zh-CN" altLang="en-US" dirty="0"/>
-              <a:t> </a:t>
-            </a:r>
-            <a:r>
-              <a:rPr kumimoji="1" lang="en-US" altLang="zh-CN" dirty="0"/>
-              <a:t>direct</a:t>
-            </a:r>
-            <a:r>
-              <a:rPr kumimoji="1" lang="zh-CN" altLang="en-US" dirty="0"/>
-              <a:t> </a:t>
-            </a:r>
-            <a:r>
-              <a:rPr kumimoji="1" lang="en-US" altLang="zh-CN" dirty="0"/>
-              <a:t>formalization</a:t>
+            <a:r>
+              <a:rPr kumimoji="1" lang="zh-CN" altLang="en-US" dirty="0"/>
+              <a:t> </a:t>
+            </a:r>
+            <a:r>
+              <a:rPr kumimoji="1" lang="en-US" altLang="zh-CN" dirty="0"/>
+              <a:t>themselves</a:t>
+            </a:r>
+          </a:p>
+          <a:p>
+            <a:r>
+              <a:rPr kumimoji="1" lang="en-US" altLang="zh-CN" dirty="0"/>
+              <a:t>Only</a:t>
+            </a:r>
+            <a:r>
+              <a:rPr kumimoji="1" lang="zh-CN" altLang="en-US" dirty="0"/>
+              <a:t> </a:t>
+            </a:r>
+            <a:r>
+              <a:rPr kumimoji="1" lang="en-US" altLang="zh-CN" dirty="0"/>
+              <a:t>objects’</a:t>
+            </a:r>
+            <a:r>
+              <a:rPr kumimoji="1" lang="zh-CN" altLang="en-US" dirty="0"/>
+              <a:t> </a:t>
+            </a:r>
+            <a:r>
+              <a:rPr kumimoji="1" lang="en-US" altLang="zh-CN" dirty="0"/>
+              <a:t>methods</a:t>
+            </a:r>
+            <a:r>
+              <a:rPr kumimoji="1" lang="zh-CN" altLang="en-US" dirty="0"/>
+              <a:t> </a:t>
+            </a:r>
+            <a:r>
+              <a:rPr kumimoji="1" lang="en-US" altLang="zh-CN" dirty="0"/>
+              <a:t>are</a:t>
+            </a:r>
+            <a:r>
+              <a:rPr kumimoji="1" lang="zh-CN" altLang="en-US" dirty="0"/>
+              <a:t> </a:t>
+            </a:r>
+            <a:r>
+              <a:rPr kumimoji="1" lang="en-US" altLang="zh-CN" dirty="0"/>
+              <a:t>allowed</a:t>
+            </a:r>
+            <a:r>
+              <a:rPr kumimoji="1" lang="zh-CN" altLang="en-US" dirty="0"/>
+              <a:t> </a:t>
+            </a:r>
+            <a:r>
+              <a:rPr kumimoji="1" lang="en-US" altLang="zh-CN" dirty="0"/>
+              <a:t>to</a:t>
+            </a:r>
+            <a:r>
+              <a:rPr kumimoji="1" lang="zh-CN" altLang="en-US" dirty="0"/>
+              <a:t> </a:t>
+            </a:r>
+            <a:r>
+              <a:rPr kumimoji="1" lang="en-US" altLang="zh-CN" dirty="0"/>
+              <a:t>access</a:t>
+            </a:r>
+            <a:r>
+              <a:rPr kumimoji="1" lang="zh-CN" altLang="en-US" dirty="0"/>
+              <a:t> </a:t>
+            </a:r>
+            <a:r>
+              <a:rPr kumimoji="1" lang="en-US" altLang="zh-CN" dirty="0"/>
+              <a:t>their</a:t>
+            </a:r>
+            <a:r>
+              <a:rPr kumimoji="1" lang="zh-CN" altLang="en-US" dirty="0"/>
+              <a:t> </a:t>
+            </a:r>
+            <a:r>
+              <a:rPr kumimoji="1" lang="en-US" altLang="zh-CN" dirty="0"/>
+              <a:t>internal</a:t>
+            </a:r>
+            <a:r>
+              <a:rPr kumimoji="1" lang="zh-CN" altLang="en-US" dirty="0"/>
+              <a:t> </a:t>
+            </a:r>
+            <a:r>
+              <a:rPr kumimoji="1" lang="en-US" altLang="zh-CN" dirty="0"/>
+              <a:t>states</a:t>
+            </a:r>
+          </a:p>
+          <a:p>
+            <a:r>
+              <a:rPr kumimoji="1" lang="en-US" altLang="zh-CN" dirty="0"/>
+              <a:t>A</a:t>
+            </a:r>
+            <a:r>
+              <a:rPr kumimoji="1" lang="zh-CN" altLang="en-US" dirty="0"/>
+              <a:t> </a:t>
+            </a:r>
+            <a:r>
+              <a:rPr kumimoji="1" lang="en-US" altLang="zh-CN" dirty="0"/>
+              <a:t>form</a:t>
+            </a:r>
+            <a:r>
+              <a:rPr kumimoji="1" lang="zh-CN" altLang="en-US" dirty="0"/>
+              <a:t> </a:t>
+            </a:r>
+            <a:r>
+              <a:rPr kumimoji="1" lang="en-US" altLang="zh-CN" dirty="0"/>
+              <a:t>of</a:t>
+            </a:r>
+            <a:r>
+              <a:rPr kumimoji="1" lang="zh-CN" altLang="en-US" dirty="0"/>
+              <a:t> </a:t>
+            </a:r>
+            <a:r>
+              <a:rPr kumimoji="1" lang="en-US" altLang="zh-CN" dirty="0"/>
+              <a:t>ADT</a:t>
             </a:r>
           </a:p>
         </p:txBody>
@@ -6430,7 +14671,1028 @@
     </p:spTree>
     <p:extLst>
       <p:ext uri="{BB962C8B-B14F-4D97-AF65-F5344CB8AC3E}">
-        <p14:creationId xmlns:p14="http://schemas.microsoft.com/office/powerpoint/2010/main" val="2041784983"/>
+        <p14:creationId xmlns:p14="http://schemas.microsoft.com/office/powerpoint/2010/main" val="2995881166"/>
+      </p:ext>
+    </p:extLst>
+  </p:cSld>
+  <p:clrMapOvr>
+    <a:masterClrMapping/>
+  </p:clrMapOvr>
+</p:sld>
+</file>
+
+<file path=ppt/slides/slide9.xml><?xml version="1.0" encoding="utf-8"?>
+<p:sld xmlns:a="http://schemas.openxmlformats.org/drawingml/2006/main" xmlns:r="http://schemas.openxmlformats.org/officeDocument/2006/relationships" xmlns:p="http://schemas.openxmlformats.org/presentationml/2006/main">
+  <p:cSld>
+    <p:spTree>
+      <p:nvGrpSpPr>
+        <p:cNvPr id="1" name=""/>
+        <p:cNvGrpSpPr/>
+        <p:nvPr/>
+      </p:nvGrpSpPr>
+      <p:grpSpPr>
+        <a:xfrm>
+          <a:off x="0" y="0"/>
+          <a:ext cx="0" cy="0"/>
+          <a:chOff x="0" y="0"/>
+          <a:chExt cx="0" cy="0"/>
+        </a:xfrm>
+      </p:grpSpPr>
+      <p:sp>
+        <p:nvSpPr>
+          <p:cNvPr id="2" name="标题 1">
+            <a:extLst>
+              <a:ext uri="{FF2B5EF4-FFF2-40B4-BE49-F238E27FC236}">
+                <a16:creationId xmlns:a16="http://schemas.microsoft.com/office/drawing/2014/main" id="{0A75F11F-C78A-904E-AB8C-72A70AF2A0A3}"/>
+              </a:ext>
+            </a:extLst>
+          </p:cNvPr>
+          <p:cNvSpPr>
+            <a:spLocks noGrp="1"/>
+          </p:cNvSpPr>
+          <p:nvPr>
+            <p:ph type="title"/>
+          </p:nvPr>
+        </p:nvSpPr>
+        <p:spPr/>
+        <p:txBody>
+          <a:bodyPr/>
+          <a:lstStyle/>
+          <a:p>
+            <a:r>
+              <a:rPr kumimoji="1" lang="en-US" altLang="zh-CN" dirty="0"/>
+              <a:t>Multiple</a:t>
+            </a:r>
+            <a:r>
+              <a:rPr kumimoji="1" lang="zh-CN" altLang="en-US" dirty="0"/>
+              <a:t> </a:t>
+            </a:r>
+            <a:r>
+              <a:rPr kumimoji="1" lang="en-US" altLang="zh-CN" dirty="0"/>
+              <a:t>representations</a:t>
+            </a:r>
+          </a:p>
+        </p:txBody>
+      </p:sp>
+      <p:sp>
+        <p:nvSpPr>
+          <p:cNvPr id="3" name="内容占位符 2">
+            <a:extLst>
+              <a:ext uri="{FF2B5EF4-FFF2-40B4-BE49-F238E27FC236}">
+                <a16:creationId xmlns:a16="http://schemas.microsoft.com/office/drawing/2014/main" id="{89440B6A-6E75-1444-8401-F897E1580908}"/>
+              </a:ext>
+            </a:extLst>
+          </p:cNvPr>
+          <p:cNvSpPr>
+            <a:spLocks noGrp="1"/>
+          </p:cNvSpPr>
+          <p:nvPr>
+            <p:ph idx="1"/>
+          </p:nvPr>
+        </p:nvSpPr>
+        <p:spPr>
+          <a:xfrm>
+            <a:off x="152400" y="2133600"/>
+            <a:ext cx="4419600" cy="4114800"/>
+          </a:xfrm>
+        </p:spPr>
+        <p:txBody>
+          <a:bodyPr/>
+          <a:lstStyle/>
+          <a:p>
+            <a:pPr marL="0" indent="0">
+              <a:buNone/>
+            </a:pPr>
+            <a:r>
+              <a:rPr kumimoji="1" lang="en-US" altLang="zh-CN" sz="2000" b="1" dirty="0">
+                <a:solidFill>
+                  <a:srgbClr val="0432FF"/>
+                </a:solidFill>
+                <a:latin typeface="Courier New" panose="02070309020205020404" pitchFamily="49" charset="0"/>
+                <a:cs typeface="Courier New" panose="02070309020205020404" pitchFamily="49" charset="0"/>
+              </a:rPr>
+              <a:t>class</a:t>
+            </a:r>
+            <a:r>
+              <a:rPr kumimoji="1" lang="zh-CN" altLang="en-US" sz="2000" b="1" dirty="0">
+                <a:solidFill>
+                  <a:srgbClr val="0432FF"/>
+                </a:solidFill>
+                <a:latin typeface="Courier New" panose="02070309020205020404" pitchFamily="49" charset="0"/>
+                <a:cs typeface="Courier New" panose="02070309020205020404" pitchFamily="49" charset="0"/>
+              </a:rPr>
+              <a:t> </a:t>
+            </a:r>
+            <a:r>
+              <a:rPr kumimoji="1" lang="en-US" altLang="zh-CN" sz="2000" b="1" dirty="0">
+                <a:solidFill>
+                  <a:srgbClr val="0432FF"/>
+                </a:solidFill>
+                <a:latin typeface="Courier New" panose="02070309020205020404" pitchFamily="49" charset="0"/>
+                <a:cs typeface="Courier New" panose="02070309020205020404" pitchFamily="49" charset="0"/>
+              </a:rPr>
+              <a:t>A{</a:t>
+            </a:r>
+          </a:p>
+          <a:p>
+            <a:pPr marL="0" indent="0">
+              <a:buNone/>
+            </a:pPr>
+            <a:r>
+              <a:rPr kumimoji="1" lang="zh-CN" altLang="en-US" sz="2000" b="1" dirty="0">
+                <a:solidFill>
+                  <a:srgbClr val="0432FF"/>
+                </a:solidFill>
+                <a:latin typeface="Courier New" panose="02070309020205020404" pitchFamily="49" charset="0"/>
+                <a:cs typeface="Courier New" panose="02070309020205020404" pitchFamily="49" charset="0"/>
+              </a:rPr>
+              <a:t>  </a:t>
+            </a:r>
+            <a:r>
+              <a:rPr kumimoji="1" lang="en-US" altLang="zh-CN" sz="2000" b="1" dirty="0">
+                <a:solidFill>
+                  <a:srgbClr val="0432FF"/>
+                </a:solidFill>
+                <a:latin typeface="Courier New" panose="02070309020205020404" pitchFamily="49" charset="0"/>
+                <a:cs typeface="Courier New" panose="02070309020205020404" pitchFamily="49" charset="0"/>
+              </a:rPr>
+              <a:t>private</a:t>
+            </a:r>
+            <a:r>
+              <a:rPr kumimoji="1" lang="zh-CN" altLang="en-US" sz="2000" b="1" dirty="0">
+                <a:solidFill>
+                  <a:srgbClr val="0432FF"/>
+                </a:solidFill>
+                <a:latin typeface="Courier New" panose="02070309020205020404" pitchFamily="49" charset="0"/>
+                <a:cs typeface="Courier New" panose="02070309020205020404" pitchFamily="49" charset="0"/>
+              </a:rPr>
+              <a:t> </a:t>
+            </a:r>
+            <a:r>
+              <a:rPr kumimoji="1" lang="en-US" altLang="zh-CN" sz="2000" b="1" dirty="0">
+                <a:solidFill>
+                  <a:srgbClr val="0432FF"/>
+                </a:solidFill>
+                <a:latin typeface="Courier New" panose="02070309020205020404" pitchFamily="49" charset="0"/>
+                <a:cs typeface="Courier New" panose="02070309020205020404" pitchFamily="49" charset="0"/>
+              </a:rPr>
+              <a:t>int</a:t>
+            </a:r>
+            <a:r>
+              <a:rPr kumimoji="1" lang="zh-CN" altLang="en-US" sz="2000" b="1" dirty="0">
+                <a:solidFill>
+                  <a:srgbClr val="0432FF"/>
+                </a:solidFill>
+                <a:latin typeface="Courier New" panose="02070309020205020404" pitchFamily="49" charset="0"/>
+                <a:cs typeface="Courier New" panose="02070309020205020404" pitchFamily="49" charset="0"/>
+              </a:rPr>
+              <a:t> </a:t>
+            </a:r>
+            <a:r>
+              <a:rPr kumimoji="1" lang="en-US" altLang="zh-CN" sz="2000" b="1" dirty="0">
+                <a:solidFill>
+                  <a:srgbClr val="0432FF"/>
+                </a:solidFill>
+                <a:latin typeface="Courier New" panose="02070309020205020404" pitchFamily="49" charset="0"/>
+                <a:cs typeface="Courier New" panose="02070309020205020404" pitchFamily="49" charset="0"/>
+              </a:rPr>
+              <a:t>x;</a:t>
+            </a:r>
+          </a:p>
+          <a:p>
+            <a:pPr marL="0" indent="0">
+              <a:buNone/>
+            </a:pPr>
+            <a:r>
+              <a:rPr kumimoji="1" lang="zh-CN" altLang="en-US" sz="2000" b="1" dirty="0">
+                <a:solidFill>
+                  <a:srgbClr val="0432FF"/>
+                </a:solidFill>
+                <a:latin typeface="Courier New" panose="02070309020205020404" pitchFamily="49" charset="0"/>
+                <a:cs typeface="Courier New" panose="02070309020205020404" pitchFamily="49" charset="0"/>
+              </a:rPr>
+              <a:t>  </a:t>
+            </a:r>
+            <a:r>
+              <a:rPr kumimoji="1" lang="en-US" altLang="zh-CN" sz="2000" b="1" dirty="0">
+                <a:solidFill>
+                  <a:srgbClr val="0432FF"/>
+                </a:solidFill>
+                <a:latin typeface="Courier New" panose="02070309020205020404" pitchFamily="49" charset="0"/>
+                <a:cs typeface="Courier New" panose="02070309020205020404" pitchFamily="49" charset="0"/>
+              </a:rPr>
+              <a:t>public</a:t>
+            </a:r>
+            <a:r>
+              <a:rPr kumimoji="1" lang="zh-CN" altLang="en-US" sz="2000" b="1" dirty="0">
+                <a:solidFill>
+                  <a:srgbClr val="0432FF"/>
+                </a:solidFill>
+                <a:latin typeface="Courier New" panose="02070309020205020404" pitchFamily="49" charset="0"/>
+                <a:cs typeface="Courier New" panose="02070309020205020404" pitchFamily="49" charset="0"/>
+              </a:rPr>
+              <a:t> </a:t>
+            </a:r>
+            <a:r>
+              <a:rPr kumimoji="1" lang="en-US" altLang="zh-CN" sz="2000" b="1" dirty="0">
+                <a:solidFill>
+                  <a:srgbClr val="0432FF"/>
+                </a:solidFill>
+                <a:latin typeface="Courier New" panose="02070309020205020404" pitchFamily="49" charset="0"/>
+                <a:cs typeface="Courier New" panose="02070309020205020404" pitchFamily="49" charset="0"/>
+              </a:rPr>
+              <a:t>int</a:t>
+            </a:r>
+            <a:r>
+              <a:rPr kumimoji="1" lang="zh-CN" altLang="en-US" sz="2000" b="1" dirty="0">
+                <a:solidFill>
+                  <a:srgbClr val="0432FF"/>
+                </a:solidFill>
+                <a:latin typeface="Courier New" panose="02070309020205020404" pitchFamily="49" charset="0"/>
+                <a:cs typeface="Courier New" panose="02070309020205020404" pitchFamily="49" charset="0"/>
+              </a:rPr>
+              <a:t> </a:t>
+            </a:r>
+            <a:r>
+              <a:rPr kumimoji="1" lang="en-US" altLang="zh-CN" sz="2000" b="1" dirty="0">
+                <a:solidFill>
+                  <a:srgbClr val="0432FF"/>
+                </a:solidFill>
+                <a:latin typeface="Courier New" panose="02070309020205020404" pitchFamily="49" charset="0"/>
+                <a:cs typeface="Courier New" panose="02070309020205020404" pitchFamily="49" charset="0"/>
+              </a:rPr>
+              <a:t>get(){</a:t>
+            </a:r>
+          </a:p>
+          <a:p>
+            <a:pPr marL="0" indent="0">
+              <a:buNone/>
+            </a:pPr>
+            <a:r>
+              <a:rPr kumimoji="1" lang="zh-CN" altLang="en-US" sz="2000" b="1" dirty="0">
+                <a:solidFill>
+                  <a:srgbClr val="0432FF"/>
+                </a:solidFill>
+                <a:latin typeface="Courier New" panose="02070309020205020404" pitchFamily="49" charset="0"/>
+                <a:cs typeface="Courier New" panose="02070309020205020404" pitchFamily="49" charset="0"/>
+              </a:rPr>
+              <a:t>    </a:t>
+            </a:r>
+            <a:r>
+              <a:rPr kumimoji="1" lang="en-US" altLang="zh-CN" sz="2000" b="1" dirty="0">
+                <a:solidFill>
+                  <a:srgbClr val="0432FF"/>
+                </a:solidFill>
+                <a:latin typeface="Courier New" panose="02070309020205020404" pitchFamily="49" charset="0"/>
+                <a:cs typeface="Courier New" panose="02070309020205020404" pitchFamily="49" charset="0"/>
+              </a:rPr>
+              <a:t>return</a:t>
+            </a:r>
+            <a:r>
+              <a:rPr kumimoji="1" lang="zh-CN" altLang="en-US" sz="2000" b="1" dirty="0">
+                <a:solidFill>
+                  <a:srgbClr val="0432FF"/>
+                </a:solidFill>
+                <a:latin typeface="Courier New" panose="02070309020205020404" pitchFamily="49" charset="0"/>
+                <a:cs typeface="Courier New" panose="02070309020205020404" pitchFamily="49" charset="0"/>
+              </a:rPr>
+              <a:t> </a:t>
+            </a:r>
+            <a:r>
+              <a:rPr kumimoji="1" lang="en-US" altLang="zh-CN" sz="2000" b="1" dirty="0">
+                <a:solidFill>
+                  <a:srgbClr val="0432FF"/>
+                </a:solidFill>
+                <a:latin typeface="Courier New" panose="02070309020205020404" pitchFamily="49" charset="0"/>
+                <a:cs typeface="Courier New" panose="02070309020205020404" pitchFamily="49" charset="0"/>
+              </a:rPr>
+              <a:t>x;</a:t>
+            </a:r>
+          </a:p>
+          <a:p>
+            <a:pPr marL="0" indent="0">
+              <a:buNone/>
+            </a:pPr>
+            <a:r>
+              <a:rPr kumimoji="1" lang="zh-CN" altLang="en-US" sz="2000" b="1" dirty="0">
+                <a:solidFill>
+                  <a:srgbClr val="0432FF"/>
+                </a:solidFill>
+                <a:latin typeface="Courier New" panose="02070309020205020404" pitchFamily="49" charset="0"/>
+                <a:cs typeface="Courier New" panose="02070309020205020404" pitchFamily="49" charset="0"/>
+              </a:rPr>
+              <a:t>  </a:t>
+            </a:r>
+            <a:r>
+              <a:rPr kumimoji="1" lang="en-US" altLang="zh-CN" sz="2000" b="1" dirty="0">
+                <a:solidFill>
+                  <a:srgbClr val="0432FF"/>
+                </a:solidFill>
+                <a:latin typeface="Courier New" panose="02070309020205020404" pitchFamily="49" charset="0"/>
+                <a:cs typeface="Courier New" panose="02070309020205020404" pitchFamily="49" charset="0"/>
+              </a:rPr>
+              <a:t>}</a:t>
+            </a:r>
+          </a:p>
+          <a:p>
+            <a:pPr marL="0" indent="0">
+              <a:buNone/>
+            </a:pPr>
+            <a:r>
+              <a:rPr kumimoji="1" lang="zh-CN" altLang="en-US" sz="2000" b="1" dirty="0">
+                <a:solidFill>
+                  <a:srgbClr val="0432FF"/>
+                </a:solidFill>
+                <a:latin typeface="Courier New" panose="02070309020205020404" pitchFamily="49" charset="0"/>
+                <a:cs typeface="Courier New" panose="02070309020205020404" pitchFamily="49" charset="0"/>
+              </a:rPr>
+              <a:t>  </a:t>
+            </a:r>
+            <a:r>
+              <a:rPr kumimoji="1" lang="en-US" altLang="zh-CN" sz="2000" b="1" dirty="0">
+                <a:solidFill>
+                  <a:srgbClr val="0432FF"/>
+                </a:solidFill>
+                <a:latin typeface="Courier New" panose="02070309020205020404" pitchFamily="49" charset="0"/>
+                <a:cs typeface="Courier New" panose="02070309020205020404" pitchFamily="49" charset="0"/>
+              </a:rPr>
+              <a:t>public</a:t>
+            </a:r>
+            <a:r>
+              <a:rPr kumimoji="1" lang="zh-CN" altLang="en-US" sz="2000" b="1" dirty="0">
+                <a:solidFill>
+                  <a:srgbClr val="0432FF"/>
+                </a:solidFill>
+                <a:latin typeface="Courier New" panose="02070309020205020404" pitchFamily="49" charset="0"/>
+                <a:cs typeface="Courier New" panose="02070309020205020404" pitchFamily="49" charset="0"/>
+              </a:rPr>
+              <a:t> </a:t>
+            </a:r>
+            <a:r>
+              <a:rPr kumimoji="1" lang="en-US" altLang="zh-CN" sz="2000" b="1" dirty="0">
+                <a:solidFill>
+                  <a:srgbClr val="0432FF"/>
+                </a:solidFill>
+                <a:latin typeface="Courier New" panose="02070309020205020404" pitchFamily="49" charset="0"/>
+                <a:cs typeface="Courier New" panose="02070309020205020404" pitchFamily="49" charset="0"/>
+              </a:rPr>
+              <a:t>void</a:t>
+            </a:r>
+            <a:r>
+              <a:rPr kumimoji="1" lang="zh-CN" altLang="en-US" sz="2000" b="1" dirty="0">
+                <a:solidFill>
+                  <a:srgbClr val="0432FF"/>
+                </a:solidFill>
+                <a:latin typeface="Courier New" panose="02070309020205020404" pitchFamily="49" charset="0"/>
+                <a:cs typeface="Courier New" panose="02070309020205020404" pitchFamily="49" charset="0"/>
+              </a:rPr>
+              <a:t> </a:t>
+            </a:r>
+            <a:r>
+              <a:rPr kumimoji="1" lang="en-US" altLang="zh-CN" sz="2000" b="1" dirty="0">
+                <a:solidFill>
+                  <a:srgbClr val="0432FF"/>
+                </a:solidFill>
+                <a:latin typeface="Courier New" panose="02070309020205020404" pitchFamily="49" charset="0"/>
+                <a:cs typeface="Courier New" panose="02070309020205020404" pitchFamily="49" charset="0"/>
+              </a:rPr>
+              <a:t>set(int</a:t>
+            </a:r>
+            <a:r>
+              <a:rPr kumimoji="1" lang="zh-CN" altLang="en-US" sz="2000" b="1" dirty="0">
+                <a:solidFill>
+                  <a:srgbClr val="0432FF"/>
+                </a:solidFill>
+                <a:latin typeface="Courier New" panose="02070309020205020404" pitchFamily="49" charset="0"/>
+                <a:cs typeface="Courier New" panose="02070309020205020404" pitchFamily="49" charset="0"/>
+              </a:rPr>
+              <a:t> </a:t>
+            </a:r>
+            <a:r>
+              <a:rPr kumimoji="1" lang="en-US" altLang="zh-CN" sz="2000" b="1" dirty="0">
+                <a:solidFill>
+                  <a:srgbClr val="0432FF"/>
+                </a:solidFill>
+                <a:latin typeface="Courier New" panose="02070309020205020404" pitchFamily="49" charset="0"/>
+                <a:cs typeface="Courier New" panose="02070309020205020404" pitchFamily="49" charset="0"/>
+              </a:rPr>
+              <a:t>x){</a:t>
+            </a:r>
+          </a:p>
+          <a:p>
+            <a:pPr marL="0" indent="0">
+              <a:buNone/>
+            </a:pPr>
+            <a:r>
+              <a:rPr kumimoji="1" lang="zh-CN" altLang="en-US" sz="2000" b="1" dirty="0">
+                <a:solidFill>
+                  <a:srgbClr val="0432FF"/>
+                </a:solidFill>
+                <a:latin typeface="Courier New" panose="02070309020205020404" pitchFamily="49" charset="0"/>
+                <a:cs typeface="Courier New" panose="02070309020205020404" pitchFamily="49" charset="0"/>
+              </a:rPr>
+              <a:t>    </a:t>
+            </a:r>
+            <a:r>
+              <a:rPr kumimoji="1" lang="en-US" altLang="zh-CN" sz="2000" b="1" dirty="0" err="1">
+                <a:solidFill>
+                  <a:srgbClr val="0432FF"/>
+                </a:solidFill>
+                <a:latin typeface="Courier New" panose="02070309020205020404" pitchFamily="49" charset="0"/>
+                <a:cs typeface="Courier New" panose="02070309020205020404" pitchFamily="49" charset="0"/>
+              </a:rPr>
+              <a:t>this.x</a:t>
+            </a:r>
+            <a:r>
+              <a:rPr kumimoji="1" lang="zh-CN" altLang="en-US" sz="2000" b="1" dirty="0">
+                <a:solidFill>
+                  <a:srgbClr val="0432FF"/>
+                </a:solidFill>
+                <a:latin typeface="Courier New" panose="02070309020205020404" pitchFamily="49" charset="0"/>
+                <a:cs typeface="Courier New" panose="02070309020205020404" pitchFamily="49" charset="0"/>
+              </a:rPr>
+              <a:t> </a:t>
+            </a:r>
+            <a:r>
+              <a:rPr kumimoji="1" lang="en-US" altLang="zh-CN" sz="2000" b="1" dirty="0">
+                <a:solidFill>
+                  <a:srgbClr val="0432FF"/>
+                </a:solidFill>
+                <a:latin typeface="Courier New" panose="02070309020205020404" pitchFamily="49" charset="0"/>
+                <a:cs typeface="Courier New" panose="02070309020205020404" pitchFamily="49" charset="0"/>
+              </a:rPr>
+              <a:t>=</a:t>
+            </a:r>
+            <a:r>
+              <a:rPr kumimoji="1" lang="zh-CN" altLang="en-US" sz="2000" b="1" dirty="0">
+                <a:solidFill>
+                  <a:srgbClr val="0432FF"/>
+                </a:solidFill>
+                <a:latin typeface="Courier New" panose="02070309020205020404" pitchFamily="49" charset="0"/>
+                <a:cs typeface="Courier New" panose="02070309020205020404" pitchFamily="49" charset="0"/>
+              </a:rPr>
+              <a:t> </a:t>
+            </a:r>
+            <a:r>
+              <a:rPr kumimoji="1" lang="en-US" altLang="zh-CN" sz="2000" b="1" dirty="0">
+                <a:solidFill>
+                  <a:srgbClr val="0432FF"/>
+                </a:solidFill>
+                <a:latin typeface="Courier New" panose="02070309020205020404" pitchFamily="49" charset="0"/>
+                <a:cs typeface="Courier New" panose="02070309020205020404" pitchFamily="49" charset="0"/>
+              </a:rPr>
+              <a:t>x;</a:t>
+            </a:r>
+          </a:p>
+          <a:p>
+            <a:pPr marL="0" indent="0">
+              <a:buNone/>
+            </a:pPr>
+            <a:r>
+              <a:rPr kumimoji="1" lang="zh-CN" altLang="en-US" sz="2000" b="1" dirty="0">
+                <a:solidFill>
+                  <a:srgbClr val="0432FF"/>
+                </a:solidFill>
+                <a:latin typeface="Courier New" panose="02070309020205020404" pitchFamily="49" charset="0"/>
+                <a:cs typeface="Courier New" panose="02070309020205020404" pitchFamily="49" charset="0"/>
+              </a:rPr>
+              <a:t>  </a:t>
+            </a:r>
+            <a:r>
+              <a:rPr kumimoji="1" lang="en-US" altLang="zh-CN" sz="2000" b="1" dirty="0">
+                <a:solidFill>
+                  <a:srgbClr val="0432FF"/>
+                </a:solidFill>
+                <a:latin typeface="Courier New" panose="02070309020205020404" pitchFamily="49" charset="0"/>
+                <a:cs typeface="Courier New" panose="02070309020205020404" pitchFamily="49" charset="0"/>
+              </a:rPr>
+              <a:t>}</a:t>
+            </a:r>
+          </a:p>
+          <a:p>
+            <a:pPr marL="0" indent="0">
+              <a:buNone/>
+            </a:pPr>
+            <a:r>
+              <a:rPr kumimoji="1" lang="en-US" altLang="zh-CN" sz="2000" b="1" dirty="0">
+                <a:solidFill>
+                  <a:srgbClr val="0432FF"/>
+                </a:solidFill>
+                <a:latin typeface="Courier New" panose="02070309020205020404" pitchFamily="49" charset="0"/>
+                <a:cs typeface="Courier New" panose="02070309020205020404" pitchFamily="49" charset="0"/>
+              </a:rPr>
+              <a:t>}</a:t>
+            </a:r>
+          </a:p>
+        </p:txBody>
+      </p:sp>
+      <p:sp>
+        <p:nvSpPr>
+          <p:cNvPr id="4" name="内容占位符 2">
+            <a:extLst>
+              <a:ext uri="{FF2B5EF4-FFF2-40B4-BE49-F238E27FC236}">
+                <a16:creationId xmlns:a16="http://schemas.microsoft.com/office/drawing/2014/main" id="{BE6934A1-B76D-2E46-8025-F83D641E84F9}"/>
+              </a:ext>
+            </a:extLst>
+          </p:cNvPr>
+          <p:cNvSpPr txBox="1">
+            <a:spLocks/>
+          </p:cNvSpPr>
+          <p:nvPr/>
+        </p:nvSpPr>
+        <p:spPr bwMode="auto">
+          <a:xfrm>
+            <a:off x="5054763" y="2139863"/>
+            <a:ext cx="3810000" cy="4114800"/>
+          </a:xfrm>
+          <a:prstGeom prst="rect">
+            <a:avLst/>
+          </a:prstGeom>
+          <a:noFill/>
+          <a:ln>
+            <a:noFill/>
+          </a:ln>
+          <a:effectLst/>
+          <a:extLst>
+            <a:ext uri="{909E8E84-426E-40DD-AFC4-6F175D3DCCD1}">
+              <a14:hiddenFill xmlns:a14="http://schemas.microsoft.com/office/drawing/2010/main">
+                <a:solidFill>
+                  <a:schemeClr val="accent1"/>
+                </a:solidFill>
+              </a14:hiddenFill>
+            </a:ext>
+            <a:ext uri="{91240B29-F687-4F45-9708-019B960494DF}">
+              <a14:hiddenLine xmlns:a14="http://schemas.microsoft.com/office/drawing/2010/main" w="9525">
+                <a:solidFill>
+                  <a:schemeClr val="tx1"/>
+                </a:solidFill>
+                <a:miter lim="800000"/>
+                <a:headEnd/>
+                <a:tailEnd/>
+              </a14:hiddenLine>
+            </a:ext>
+            <a:ext uri="{AF507438-7753-43E0-B8FC-AC1667EBCBE1}">
+              <a14:hiddenEffects xmlns:a14="http://schemas.microsoft.com/office/drawing/2010/main">
+                <a:effectLst>
+                  <a:outerShdw dist="35921" dir="2700000" algn="ctr" rotWithShape="0">
+                    <a:schemeClr val="bg2"/>
+                  </a:outerShdw>
+                </a:effectLst>
+              </a14:hiddenEffects>
+            </a:ext>
+          </a:extLst>
+        </p:spPr>
+        <p:txBody>
+          <a:bodyPr vert="horz" wrap="square" lIns="91440" tIns="45720" rIns="91440" bIns="45720" numCol="1" anchor="t" anchorCtr="0" compatLnSpc="1">
+            <a:prstTxWarp prst="textNoShape">
+              <a:avLst/>
+            </a:prstTxWarp>
+          </a:bodyPr>
+          <a:lstStyle>
+            <a:lvl1pPr marL="342900" indent="-342900" algn="l" rtl="0" fontAlgn="base">
+              <a:spcBef>
+                <a:spcPct val="20000"/>
+              </a:spcBef>
+              <a:spcAft>
+                <a:spcPct val="0"/>
+              </a:spcAft>
+              <a:buClr>
+                <a:schemeClr val="folHlink"/>
+              </a:buClr>
+              <a:buSzPct val="60000"/>
+              <a:buFont typeface="Wingdings" pitchFamily="2" charset="2"/>
+              <a:buChar char="n"/>
+              <a:defRPr sz="3200" kern="1200">
+                <a:solidFill>
+                  <a:schemeClr val="tx1"/>
+                </a:solidFill>
+                <a:latin typeface="+mn-lt"/>
+                <a:ea typeface="+mn-ea"/>
+                <a:cs typeface="+mn-cs"/>
+              </a:defRPr>
+            </a:lvl1pPr>
+            <a:lvl2pPr marL="742950" indent="-285750" algn="l" rtl="0" fontAlgn="base">
+              <a:spcBef>
+                <a:spcPct val="20000"/>
+              </a:spcBef>
+              <a:spcAft>
+                <a:spcPct val="0"/>
+              </a:spcAft>
+              <a:buClr>
+                <a:schemeClr val="hlink"/>
+              </a:buClr>
+              <a:buSzPct val="55000"/>
+              <a:buFont typeface="Wingdings" pitchFamily="2" charset="2"/>
+              <a:buChar char="n"/>
+              <a:defRPr sz="2800" kern="1200">
+                <a:solidFill>
+                  <a:schemeClr val="tx1"/>
+                </a:solidFill>
+                <a:latin typeface="+mn-lt"/>
+                <a:ea typeface="+mn-ea"/>
+                <a:cs typeface="+mn-cs"/>
+              </a:defRPr>
+            </a:lvl2pPr>
+            <a:lvl3pPr marL="1143000" indent="-228600" algn="l" rtl="0" fontAlgn="base">
+              <a:spcBef>
+                <a:spcPct val="20000"/>
+              </a:spcBef>
+              <a:spcAft>
+                <a:spcPct val="0"/>
+              </a:spcAft>
+              <a:buClr>
+                <a:schemeClr val="folHlink"/>
+              </a:buClr>
+              <a:buSzPct val="50000"/>
+              <a:buFont typeface="Wingdings" pitchFamily="2" charset="2"/>
+              <a:buChar char="n"/>
+              <a:defRPr sz="2400" kern="1200">
+                <a:solidFill>
+                  <a:schemeClr val="tx1"/>
+                </a:solidFill>
+                <a:latin typeface="+mn-lt"/>
+                <a:ea typeface="+mn-ea"/>
+                <a:cs typeface="+mn-cs"/>
+              </a:defRPr>
+            </a:lvl3pPr>
+            <a:lvl4pPr marL="1600200" indent="-228600" algn="l" rtl="0" fontAlgn="base">
+              <a:spcBef>
+                <a:spcPct val="20000"/>
+              </a:spcBef>
+              <a:spcAft>
+                <a:spcPct val="0"/>
+              </a:spcAft>
+              <a:buClr>
+                <a:schemeClr val="accent2"/>
+              </a:buClr>
+              <a:buSzPct val="55000"/>
+              <a:buFont typeface="Wingdings" pitchFamily="2" charset="2"/>
+              <a:buChar char="n"/>
+              <a:defRPr sz="2000" kern="1200">
+                <a:solidFill>
+                  <a:schemeClr val="tx1"/>
+                </a:solidFill>
+                <a:latin typeface="+mn-lt"/>
+                <a:ea typeface="+mn-ea"/>
+                <a:cs typeface="+mn-cs"/>
+              </a:defRPr>
+            </a:lvl4pPr>
+            <a:lvl5pPr marL="2057400" indent="-228600" algn="l" rtl="0" fontAlgn="base">
+              <a:spcBef>
+                <a:spcPct val="20000"/>
+              </a:spcBef>
+              <a:spcAft>
+                <a:spcPct val="0"/>
+              </a:spcAft>
+              <a:buClr>
+                <a:schemeClr val="accent1"/>
+              </a:buClr>
+              <a:buSzPct val="50000"/>
+              <a:buFont typeface="Wingdings" pitchFamily="2" charset="2"/>
+              <a:buChar char="n"/>
+              <a:defRPr sz="2000" kern="1200">
+                <a:solidFill>
+                  <a:schemeClr val="tx1"/>
+                </a:solidFill>
+                <a:latin typeface="+mn-lt"/>
+                <a:ea typeface="+mn-ea"/>
+                <a:cs typeface="+mn-cs"/>
+              </a:defRPr>
+            </a:lvl5pPr>
+            <a:lvl6pPr marL="2514600" indent="-228600" algn="l" defTabSz="914400" rtl="0" eaLnBrk="1" latinLnBrk="0" hangingPunct="1">
+              <a:lnSpc>
+                <a:spcPct val="90000"/>
+              </a:lnSpc>
+              <a:spcBef>
+                <a:spcPts val="500"/>
+              </a:spcBef>
+              <a:buFont typeface="Arial" panose="020B0604020202020204" pitchFamily="34" charset="0"/>
+              <a:buChar char="•"/>
+              <a:defRPr sz="1800" kern="1200">
+                <a:solidFill>
+                  <a:schemeClr val="tx1"/>
+                </a:solidFill>
+                <a:latin typeface="+mn-lt"/>
+                <a:ea typeface="+mn-ea"/>
+                <a:cs typeface="+mn-cs"/>
+              </a:defRPr>
+            </a:lvl6pPr>
+            <a:lvl7pPr marL="2971800" indent="-228600" algn="l" defTabSz="914400" rtl="0" eaLnBrk="1" latinLnBrk="0" hangingPunct="1">
+              <a:lnSpc>
+                <a:spcPct val="90000"/>
+              </a:lnSpc>
+              <a:spcBef>
+                <a:spcPts val="500"/>
+              </a:spcBef>
+              <a:buFont typeface="Arial" panose="020B0604020202020204" pitchFamily="34" charset="0"/>
+              <a:buChar char="•"/>
+              <a:defRPr sz="1800" kern="1200">
+                <a:solidFill>
+                  <a:schemeClr val="tx1"/>
+                </a:solidFill>
+                <a:latin typeface="+mn-lt"/>
+                <a:ea typeface="+mn-ea"/>
+                <a:cs typeface="+mn-cs"/>
+              </a:defRPr>
+            </a:lvl7pPr>
+            <a:lvl8pPr marL="3429000" indent="-228600" algn="l" defTabSz="914400" rtl="0" eaLnBrk="1" latinLnBrk="0" hangingPunct="1">
+              <a:lnSpc>
+                <a:spcPct val="90000"/>
+              </a:lnSpc>
+              <a:spcBef>
+                <a:spcPts val="500"/>
+              </a:spcBef>
+              <a:buFont typeface="Arial" panose="020B0604020202020204" pitchFamily="34" charset="0"/>
+              <a:buChar char="•"/>
+              <a:defRPr sz="1800" kern="1200">
+                <a:solidFill>
+                  <a:schemeClr val="tx1"/>
+                </a:solidFill>
+                <a:latin typeface="+mn-lt"/>
+                <a:ea typeface="+mn-ea"/>
+                <a:cs typeface="+mn-cs"/>
+              </a:defRPr>
+            </a:lvl8pPr>
+            <a:lvl9pPr marL="3886200" indent="-228600" algn="l" defTabSz="914400" rtl="0" eaLnBrk="1" latinLnBrk="0" hangingPunct="1">
+              <a:lnSpc>
+                <a:spcPct val="90000"/>
+              </a:lnSpc>
+              <a:spcBef>
+                <a:spcPts val="500"/>
+              </a:spcBef>
+              <a:buFont typeface="Arial" panose="020B0604020202020204" pitchFamily="34" charset="0"/>
+              <a:buChar char="•"/>
+              <a:defRPr sz="1800" kern="1200">
+                <a:solidFill>
+                  <a:schemeClr val="tx1"/>
+                </a:solidFill>
+                <a:latin typeface="+mn-lt"/>
+                <a:ea typeface="+mn-ea"/>
+                <a:cs typeface="+mn-cs"/>
+              </a:defRPr>
+            </a:lvl9pPr>
+          </a:lstStyle>
+          <a:p>
+            <a:pPr marL="0" indent="0">
+              <a:buFont typeface="Wingdings" pitchFamily="2" charset="2"/>
+              <a:buNone/>
+            </a:pPr>
+            <a:r>
+              <a:rPr kumimoji="1" lang="en-US" altLang="zh-CN" sz="2000" b="1" dirty="0">
+                <a:solidFill>
+                  <a:srgbClr val="0432FF"/>
+                </a:solidFill>
+                <a:latin typeface="Courier New" panose="02070309020205020404" pitchFamily="49" charset="0"/>
+                <a:cs typeface="Courier New" panose="02070309020205020404" pitchFamily="49" charset="0"/>
+              </a:rPr>
+              <a:t>void</a:t>
+            </a:r>
+            <a:r>
+              <a:rPr kumimoji="1" lang="zh-CN" altLang="en-US" sz="2000" b="1" dirty="0">
+                <a:solidFill>
+                  <a:srgbClr val="0432FF"/>
+                </a:solidFill>
+                <a:latin typeface="Courier New" panose="02070309020205020404" pitchFamily="49" charset="0"/>
+                <a:cs typeface="Courier New" panose="02070309020205020404" pitchFamily="49" charset="0"/>
+              </a:rPr>
+              <a:t> </a:t>
+            </a:r>
+            <a:r>
+              <a:rPr kumimoji="1" lang="en-US" altLang="zh-CN" sz="2000" b="1" dirty="0">
+                <a:solidFill>
+                  <a:srgbClr val="0432FF"/>
+                </a:solidFill>
+                <a:latin typeface="Courier New" panose="02070309020205020404" pitchFamily="49" charset="0"/>
+                <a:cs typeface="Courier New" panose="02070309020205020404" pitchFamily="49" charset="0"/>
+              </a:rPr>
+              <a:t>f(A</a:t>
+            </a:r>
+            <a:r>
+              <a:rPr kumimoji="1" lang="zh-CN" altLang="en-US" sz="2000" b="1" dirty="0">
+                <a:solidFill>
+                  <a:srgbClr val="0432FF"/>
+                </a:solidFill>
+                <a:latin typeface="Courier New" panose="02070309020205020404" pitchFamily="49" charset="0"/>
+                <a:cs typeface="Courier New" panose="02070309020205020404" pitchFamily="49" charset="0"/>
+              </a:rPr>
+              <a:t> </a:t>
+            </a:r>
+            <a:r>
+              <a:rPr kumimoji="1" lang="en-US" altLang="zh-CN" sz="2000" b="1" dirty="0">
+                <a:solidFill>
+                  <a:srgbClr val="0432FF"/>
+                </a:solidFill>
+                <a:latin typeface="Courier New" panose="02070309020205020404" pitchFamily="49" charset="0"/>
+                <a:cs typeface="Courier New" panose="02070309020205020404" pitchFamily="49" charset="0"/>
+              </a:rPr>
+              <a:t>obj){</a:t>
+            </a:r>
+          </a:p>
+          <a:p>
+            <a:pPr marL="0" indent="0">
+              <a:buFont typeface="Wingdings" pitchFamily="2" charset="2"/>
+              <a:buNone/>
+            </a:pPr>
+            <a:r>
+              <a:rPr kumimoji="1" lang="zh-CN" altLang="en-US" sz="2000" b="1" dirty="0">
+                <a:latin typeface="Courier New" panose="02070309020205020404" pitchFamily="49" charset="0"/>
+                <a:cs typeface="Courier New" panose="02070309020205020404" pitchFamily="49" charset="0"/>
+              </a:rPr>
+              <a:t>  </a:t>
+            </a:r>
+            <a:r>
+              <a:rPr kumimoji="1" lang="en-US" altLang="zh-CN" sz="2000" b="1" dirty="0">
+                <a:latin typeface="Courier New" panose="02070309020205020404" pitchFamily="49" charset="0"/>
+                <a:cs typeface="Courier New" panose="02070309020205020404" pitchFamily="49" charset="0"/>
+              </a:rPr>
+              <a:t>//</a:t>
+            </a:r>
+            <a:r>
+              <a:rPr kumimoji="1" lang="zh-CN" altLang="en-US" sz="2000" b="1" dirty="0">
+                <a:latin typeface="Courier New" panose="02070309020205020404" pitchFamily="49" charset="0"/>
+                <a:cs typeface="Courier New" panose="02070309020205020404" pitchFamily="49" charset="0"/>
+              </a:rPr>
+              <a:t> </a:t>
+            </a:r>
+            <a:r>
+              <a:rPr kumimoji="1" lang="en-US" altLang="zh-CN" sz="2000" b="1" dirty="0">
+                <a:latin typeface="Courier New" panose="02070309020205020404" pitchFamily="49" charset="0"/>
+                <a:cs typeface="Courier New" panose="02070309020205020404" pitchFamily="49" charset="0"/>
+              </a:rPr>
+              <a:t>legal</a:t>
+            </a:r>
+          </a:p>
+          <a:p>
+            <a:pPr marL="0" indent="0">
+              <a:buFont typeface="Wingdings" pitchFamily="2" charset="2"/>
+              <a:buNone/>
+            </a:pPr>
+            <a:r>
+              <a:rPr kumimoji="1" lang="zh-CN" altLang="en-US" sz="2000" b="1" dirty="0">
+                <a:solidFill>
+                  <a:srgbClr val="0432FF"/>
+                </a:solidFill>
+                <a:latin typeface="Courier New" panose="02070309020205020404" pitchFamily="49" charset="0"/>
+                <a:cs typeface="Courier New" panose="02070309020205020404" pitchFamily="49" charset="0"/>
+              </a:rPr>
+              <a:t>  </a:t>
+            </a:r>
+            <a:r>
+              <a:rPr kumimoji="1" lang="en-US" altLang="zh-CN" sz="2000" b="1" dirty="0" err="1">
+                <a:solidFill>
+                  <a:srgbClr val="0432FF"/>
+                </a:solidFill>
+                <a:latin typeface="Courier New" panose="02070309020205020404" pitchFamily="49" charset="0"/>
+                <a:cs typeface="Courier New" panose="02070309020205020404" pitchFamily="49" charset="0"/>
+              </a:rPr>
+              <a:t>obj.set</a:t>
+            </a:r>
+            <a:r>
+              <a:rPr kumimoji="1" lang="en-US" altLang="zh-CN" sz="2000" b="1" dirty="0">
+                <a:solidFill>
+                  <a:srgbClr val="0432FF"/>
+                </a:solidFill>
+                <a:latin typeface="Courier New" panose="02070309020205020404" pitchFamily="49" charset="0"/>
+                <a:cs typeface="Courier New" panose="02070309020205020404" pitchFamily="49" charset="0"/>
+              </a:rPr>
+              <a:t>(55);</a:t>
+            </a:r>
+          </a:p>
+          <a:p>
+            <a:pPr marL="0" indent="0">
+              <a:buFont typeface="Wingdings" pitchFamily="2" charset="2"/>
+              <a:buNone/>
+            </a:pPr>
+            <a:r>
+              <a:rPr kumimoji="1" lang="zh-CN" altLang="en-US" sz="2000" b="1" dirty="0">
+                <a:latin typeface="Courier New" panose="02070309020205020404" pitchFamily="49" charset="0"/>
+                <a:cs typeface="Courier New" panose="02070309020205020404" pitchFamily="49" charset="0"/>
+              </a:rPr>
+              <a:t>  </a:t>
+            </a:r>
+            <a:r>
+              <a:rPr kumimoji="1" lang="en-US" altLang="zh-CN" sz="2000" b="1" dirty="0">
+                <a:latin typeface="Courier New" panose="02070309020205020404" pitchFamily="49" charset="0"/>
+                <a:cs typeface="Courier New" panose="02070309020205020404" pitchFamily="49" charset="0"/>
+              </a:rPr>
+              <a:t>//</a:t>
+            </a:r>
+            <a:r>
+              <a:rPr kumimoji="1" lang="zh-CN" altLang="en-US" sz="2000" b="1" dirty="0">
+                <a:latin typeface="Courier New" panose="02070309020205020404" pitchFamily="49" charset="0"/>
+                <a:cs typeface="Courier New" panose="02070309020205020404" pitchFamily="49" charset="0"/>
+              </a:rPr>
+              <a:t> </a:t>
+            </a:r>
+            <a:r>
+              <a:rPr kumimoji="1" lang="en-US" altLang="zh-CN" sz="2000" b="1" dirty="0">
+                <a:latin typeface="Courier New" panose="02070309020205020404" pitchFamily="49" charset="0"/>
+                <a:cs typeface="Courier New" panose="02070309020205020404" pitchFamily="49" charset="0"/>
+              </a:rPr>
+              <a:t>illegal</a:t>
+            </a:r>
+          </a:p>
+          <a:p>
+            <a:pPr marL="0" indent="0">
+              <a:buFont typeface="Wingdings" pitchFamily="2" charset="2"/>
+              <a:buNone/>
+            </a:pPr>
+            <a:r>
+              <a:rPr kumimoji="1" lang="zh-CN" altLang="en-US" sz="2000" b="1" dirty="0">
+                <a:solidFill>
+                  <a:srgbClr val="0432FF"/>
+                </a:solidFill>
+                <a:latin typeface="Courier New" panose="02070309020205020404" pitchFamily="49" charset="0"/>
+                <a:cs typeface="Courier New" panose="02070309020205020404" pitchFamily="49" charset="0"/>
+              </a:rPr>
+              <a:t>  </a:t>
+            </a:r>
+            <a:r>
+              <a:rPr kumimoji="1" lang="en-US" altLang="zh-CN" sz="2000" b="1" dirty="0" err="1">
+                <a:solidFill>
+                  <a:srgbClr val="0432FF"/>
+                </a:solidFill>
+                <a:latin typeface="Courier New" panose="02070309020205020404" pitchFamily="49" charset="0"/>
+                <a:cs typeface="Courier New" panose="02070309020205020404" pitchFamily="49" charset="0"/>
+              </a:rPr>
+              <a:t>obj.x</a:t>
+            </a:r>
+            <a:r>
+              <a:rPr kumimoji="1" lang="zh-CN" altLang="en-US" sz="2000" b="1" dirty="0">
+                <a:solidFill>
+                  <a:srgbClr val="0432FF"/>
+                </a:solidFill>
+                <a:latin typeface="Courier New" panose="02070309020205020404" pitchFamily="49" charset="0"/>
+                <a:cs typeface="Courier New" panose="02070309020205020404" pitchFamily="49" charset="0"/>
+              </a:rPr>
+              <a:t> </a:t>
+            </a:r>
+            <a:r>
+              <a:rPr kumimoji="1" lang="en-US" altLang="zh-CN" sz="2000" b="1" dirty="0">
+                <a:solidFill>
+                  <a:srgbClr val="0432FF"/>
+                </a:solidFill>
+                <a:latin typeface="Courier New" panose="02070309020205020404" pitchFamily="49" charset="0"/>
+                <a:cs typeface="Courier New" panose="02070309020205020404" pitchFamily="49" charset="0"/>
+              </a:rPr>
+              <a:t>=</a:t>
+            </a:r>
+            <a:r>
+              <a:rPr kumimoji="1" lang="zh-CN" altLang="en-US" sz="2000" b="1" dirty="0">
+                <a:solidFill>
+                  <a:srgbClr val="0432FF"/>
+                </a:solidFill>
+                <a:latin typeface="Courier New" panose="02070309020205020404" pitchFamily="49" charset="0"/>
+                <a:cs typeface="Courier New" panose="02070309020205020404" pitchFamily="49" charset="0"/>
+              </a:rPr>
+              <a:t> </a:t>
+            </a:r>
+            <a:r>
+              <a:rPr kumimoji="1" lang="en-US" altLang="zh-CN" sz="2000" b="1" dirty="0">
+                <a:solidFill>
+                  <a:srgbClr val="0432FF"/>
+                </a:solidFill>
+                <a:latin typeface="Courier New" panose="02070309020205020404" pitchFamily="49" charset="0"/>
+                <a:cs typeface="Courier New" panose="02070309020205020404" pitchFamily="49" charset="0"/>
+              </a:rPr>
+              <a:t>44;</a:t>
+            </a:r>
+          </a:p>
+          <a:p>
+            <a:pPr marL="0" indent="0">
+              <a:buFont typeface="Wingdings" pitchFamily="2" charset="2"/>
+              <a:buNone/>
+            </a:pPr>
+            <a:r>
+              <a:rPr kumimoji="1" lang="en-US" altLang="zh-CN" sz="2000" b="1" dirty="0">
+                <a:solidFill>
+                  <a:srgbClr val="0432FF"/>
+                </a:solidFill>
+                <a:latin typeface="Courier New" panose="02070309020205020404" pitchFamily="49" charset="0"/>
+                <a:cs typeface="Courier New" panose="02070309020205020404" pitchFamily="49" charset="0"/>
+              </a:rPr>
+              <a:t>}</a:t>
+            </a:r>
+          </a:p>
+          <a:p>
+            <a:pPr marL="0" indent="0">
+              <a:buFont typeface="Wingdings" pitchFamily="2" charset="2"/>
+              <a:buNone/>
+            </a:pPr>
+            <a:endParaRPr kumimoji="1" lang="en-US" altLang="zh-CN" sz="2000" b="1" dirty="0">
+              <a:solidFill>
+                <a:srgbClr val="0432FF"/>
+              </a:solidFill>
+              <a:latin typeface="Courier New" panose="02070309020205020404" pitchFamily="49" charset="0"/>
+              <a:cs typeface="Courier New" panose="02070309020205020404" pitchFamily="49" charset="0"/>
+            </a:endParaRPr>
+          </a:p>
+        </p:txBody>
+      </p:sp>
+    </p:spTree>
+    <p:extLst>
+      <p:ext uri="{BB962C8B-B14F-4D97-AF65-F5344CB8AC3E}">
+        <p14:creationId xmlns:p14="http://schemas.microsoft.com/office/powerpoint/2010/main" val="3344985357"/>
       </p:ext>
     </p:extLst>
   </p:cSld>
